--- a/PHG语法手册.pptx
+++ b/PHG语法手册.pptx
@@ -16,6 +16,8 @@
     <p:sldId id="286" r:id="rId10"/>
     <p:sldId id="285" r:id="rId11"/>
     <p:sldId id="282" r:id="rId12"/>
+    <p:sldId id="291" r:id="rId13"/>
+    <p:sldId id="292" r:id="rId14"/>
   </p:sldIdLst>
   <p:sldSz cx="12192000" cy="6858000"/>
   <p:notesSz cx="6858000" cy="9144000"/>
@@ -122,6 +124,18 @@
 </p:presentation>
 </file>
 
+<file path=ppt/commentAuthors.xml><?xml version="1.0" encoding="utf-8"?>
+<p:cmAuthorLst xmlns:a="http://schemas.openxmlformats.org/drawingml/2006/main" xmlns:r="http://schemas.openxmlformats.org/officeDocument/2006/relationships" xmlns:p="http://schemas.openxmlformats.org/presentationml/2006/main">
+  <p:cmAuthor id="1" name="pan guojun" initials="pg" lastIdx="1" clrIdx="0">
+    <p:extLst>
+      <p:ext uri="{19B8F6BF-5375-455C-9EA6-DF929625EA0E}">
+        <p15:presenceInfo xmlns:p15="http://schemas.microsoft.com/office/powerpoint/2012/main" userId="8cb660372d6897bb" providerId="Windows Live"/>
+      </p:ext>
+    </p:extLst>
+  </p:cmAuthor>
+</p:cmAuthorLst>
+</file>
+
 <file path=ppt/slideLayouts/slideLayout1.xml><?xml version="1.0" encoding="utf-8"?>
 <p:sldLayout xmlns:a="http://schemas.openxmlformats.org/drawingml/2006/main" xmlns:r="http://schemas.openxmlformats.org/officeDocument/2006/relationships" xmlns:p="http://schemas.openxmlformats.org/presentationml/2006/main" type="title" preserve="1">
   <p:cSld name="标题幻灯片">
@@ -269,7 +283,7 @@
           <a:p>
             <a:fld id="{F5A39F03-C3F8-4711-8682-F778EBC31EC3}" type="datetimeFigureOut">
               <a:rPr lang="zh-CN" altLang="en-US" smtClean="0"/>
-              <a:t>2022/5/7</a:t>
+              <a:t>2022/5/10</a:t>
             </a:fld>
             <a:endParaRPr lang="zh-CN" altLang="en-US"/>
           </a:p>
@@ -467,7 +481,7 @@
           <a:p>
             <a:fld id="{F5A39F03-C3F8-4711-8682-F778EBC31EC3}" type="datetimeFigureOut">
               <a:rPr lang="zh-CN" altLang="en-US" smtClean="0"/>
-              <a:t>2022/5/7</a:t>
+              <a:t>2022/5/10</a:t>
             </a:fld>
             <a:endParaRPr lang="zh-CN" altLang="en-US"/>
           </a:p>
@@ -675,7 +689,7 @@
           <a:p>
             <a:fld id="{F5A39F03-C3F8-4711-8682-F778EBC31EC3}" type="datetimeFigureOut">
               <a:rPr lang="zh-CN" altLang="en-US" smtClean="0"/>
-              <a:t>2022/5/7</a:t>
+              <a:t>2022/5/10</a:t>
             </a:fld>
             <a:endParaRPr lang="zh-CN" altLang="en-US"/>
           </a:p>
@@ -873,7 +887,7 @@
           <a:p>
             <a:fld id="{F5A39F03-C3F8-4711-8682-F778EBC31EC3}" type="datetimeFigureOut">
               <a:rPr lang="zh-CN" altLang="en-US" smtClean="0"/>
-              <a:t>2022/5/7</a:t>
+              <a:t>2022/5/10</a:t>
             </a:fld>
             <a:endParaRPr lang="zh-CN" altLang="en-US"/>
           </a:p>
@@ -1148,7 +1162,7 @@
           <a:p>
             <a:fld id="{F5A39F03-C3F8-4711-8682-F778EBC31EC3}" type="datetimeFigureOut">
               <a:rPr lang="zh-CN" altLang="en-US" smtClean="0"/>
-              <a:t>2022/5/7</a:t>
+              <a:t>2022/5/10</a:t>
             </a:fld>
             <a:endParaRPr lang="zh-CN" altLang="en-US"/>
           </a:p>
@@ -1413,7 +1427,7 @@
           <a:p>
             <a:fld id="{F5A39F03-C3F8-4711-8682-F778EBC31EC3}" type="datetimeFigureOut">
               <a:rPr lang="zh-CN" altLang="en-US" smtClean="0"/>
-              <a:t>2022/5/7</a:t>
+              <a:t>2022/5/10</a:t>
             </a:fld>
             <a:endParaRPr lang="zh-CN" altLang="en-US"/>
           </a:p>
@@ -1825,7 +1839,7 @@
           <a:p>
             <a:fld id="{F5A39F03-C3F8-4711-8682-F778EBC31EC3}" type="datetimeFigureOut">
               <a:rPr lang="zh-CN" altLang="en-US" smtClean="0"/>
-              <a:t>2022/5/7</a:t>
+              <a:t>2022/5/10</a:t>
             </a:fld>
             <a:endParaRPr lang="zh-CN" altLang="en-US"/>
           </a:p>
@@ -1966,7 +1980,7 @@
           <a:p>
             <a:fld id="{F5A39F03-C3F8-4711-8682-F778EBC31EC3}" type="datetimeFigureOut">
               <a:rPr lang="zh-CN" altLang="en-US" smtClean="0"/>
-              <a:t>2022/5/7</a:t>
+              <a:t>2022/5/10</a:t>
             </a:fld>
             <a:endParaRPr lang="zh-CN" altLang="en-US"/>
           </a:p>
@@ -2079,7 +2093,7 @@
           <a:p>
             <a:fld id="{F5A39F03-C3F8-4711-8682-F778EBC31EC3}" type="datetimeFigureOut">
               <a:rPr lang="zh-CN" altLang="en-US" smtClean="0"/>
-              <a:t>2022/5/7</a:t>
+              <a:t>2022/5/10</a:t>
             </a:fld>
             <a:endParaRPr lang="zh-CN" altLang="en-US"/>
           </a:p>
@@ -2390,7 +2404,7 @@
           <a:p>
             <a:fld id="{F5A39F03-C3F8-4711-8682-F778EBC31EC3}" type="datetimeFigureOut">
               <a:rPr lang="zh-CN" altLang="en-US" smtClean="0"/>
-              <a:t>2022/5/7</a:t>
+              <a:t>2022/5/10</a:t>
             </a:fld>
             <a:endParaRPr lang="zh-CN" altLang="en-US"/>
           </a:p>
@@ -2678,7 +2692,7 @@
           <a:p>
             <a:fld id="{F5A39F03-C3F8-4711-8682-F778EBC31EC3}" type="datetimeFigureOut">
               <a:rPr lang="zh-CN" altLang="en-US" smtClean="0"/>
-              <a:t>2022/5/7</a:t>
+              <a:t>2022/5/10</a:t>
             </a:fld>
             <a:endParaRPr lang="zh-CN" altLang="en-US"/>
           </a:p>
@@ -2919,7 +2933,7 @@
           <a:p>
             <a:fld id="{F5A39F03-C3F8-4711-8682-F778EBC31EC3}" type="datetimeFigureOut">
               <a:rPr lang="zh-CN" altLang="en-US" smtClean="0"/>
-              <a:t>2022/5/7</a:t>
+              <a:t>2022/5/10</a:t>
             </a:fld>
             <a:endParaRPr lang="zh-CN" altLang="en-US"/>
           </a:p>
@@ -3781,6 +3795,1189 @@
 </p:sld>
 </file>
 
+<file path=ppt/slides/slide12.xml><?xml version="1.0" encoding="utf-8"?>
+<p:sld xmlns:a="http://schemas.openxmlformats.org/drawingml/2006/main" xmlns:r="http://schemas.openxmlformats.org/officeDocument/2006/relationships" xmlns:p="http://schemas.openxmlformats.org/presentationml/2006/main">
+  <p:cSld>
+    <p:spTree>
+      <p:nvGrpSpPr>
+        <p:cNvPr id="1" name=""/>
+        <p:cNvGrpSpPr/>
+        <p:nvPr/>
+      </p:nvGrpSpPr>
+      <p:grpSpPr>
+        <a:xfrm>
+          <a:off x="0" y="0"/>
+          <a:ext cx="0" cy="0"/>
+          <a:chOff x="0" y="0"/>
+          <a:chExt cx="0" cy="0"/>
+        </a:xfrm>
+      </p:grpSpPr>
+      <p:sp>
+        <p:nvSpPr>
+          <p:cNvPr id="2" name="标题 1">
+            <a:extLst>
+              <a:ext uri="{FF2B5EF4-FFF2-40B4-BE49-F238E27FC236}">
+                <a16:creationId xmlns:a16="http://schemas.microsoft.com/office/drawing/2014/main" id="{784A1151-063B-FCAC-C354-5FAA4AC7DBE2}"/>
+              </a:ext>
+            </a:extLst>
+          </p:cNvPr>
+          <p:cNvSpPr>
+            <a:spLocks noGrp="1"/>
+          </p:cNvSpPr>
+          <p:nvPr>
+            <p:ph type="title"/>
+          </p:nvPr>
+        </p:nvSpPr>
+        <p:spPr/>
+        <p:txBody>
+          <a:bodyPr/>
+          <a:lstStyle/>
+          <a:p>
+            <a:r>
+              <a:rPr lang="zh-CN" altLang="en-US" dirty="0"/>
+              <a:t>与</a:t>
+            </a:r>
+            <a:r>
+              <a:rPr lang="en-US" altLang="zh-CN" dirty="0"/>
+              <a:t>C++</a:t>
+            </a:r>
+            <a:r>
+              <a:rPr lang="zh-CN" altLang="en-US" dirty="0"/>
+              <a:t>的交互</a:t>
+            </a:r>
+          </a:p>
+        </p:txBody>
+      </p:sp>
+      <p:sp>
+        <p:nvSpPr>
+          <p:cNvPr id="3" name="内容占位符 2">
+            <a:extLst>
+              <a:ext uri="{FF2B5EF4-FFF2-40B4-BE49-F238E27FC236}">
+                <a16:creationId xmlns:a16="http://schemas.microsoft.com/office/drawing/2014/main" id="{A0DD430C-6807-F04E-4C4F-669BA8B969B2}"/>
+              </a:ext>
+            </a:extLst>
+          </p:cNvPr>
+          <p:cNvSpPr>
+            <a:spLocks noGrp="1"/>
+          </p:cNvSpPr>
+          <p:nvPr>
+            <p:ph idx="1"/>
+          </p:nvPr>
+        </p:nvSpPr>
+        <p:spPr/>
+        <p:txBody>
+          <a:bodyPr/>
+          <a:lstStyle/>
+          <a:p>
+            <a:r>
+              <a:rPr lang="zh-CN" altLang="en-US" dirty="0"/>
+              <a:t>作为一门扩展性脚本语言，</a:t>
+            </a:r>
+            <a:r>
+              <a:rPr lang="en-US" altLang="zh-CN" dirty="0"/>
+              <a:t>PHG</a:t>
+            </a:r>
+            <a:r>
+              <a:rPr lang="zh-CN" altLang="en-US" dirty="0"/>
+              <a:t>常常需要跟宿主语言（</a:t>
+            </a:r>
+            <a:r>
+              <a:rPr lang="en-US" altLang="zh-CN" dirty="0"/>
+              <a:t>C++</a:t>
+            </a:r>
+            <a:r>
+              <a:rPr lang="zh-CN" altLang="en-US" dirty="0"/>
+              <a:t>）进行交互。另外语言的许多功能也是</a:t>
+            </a:r>
+            <a:r>
+              <a:rPr lang="en-US" altLang="zh-CN" dirty="0"/>
+              <a:t>C++</a:t>
+            </a:r>
+            <a:r>
+              <a:rPr lang="zh-CN" altLang="en-US" dirty="0"/>
+              <a:t>帮助实现。</a:t>
+            </a:r>
+            <a:endParaRPr lang="en-US" altLang="zh-CN" dirty="0"/>
+          </a:p>
+          <a:p>
+            <a:r>
+              <a:rPr lang="zh-CN" altLang="en-US" dirty="0"/>
+              <a:t>模块结构：</a:t>
+            </a:r>
+            <a:endParaRPr lang="en-US" altLang="zh-CN" dirty="0"/>
+          </a:p>
+          <a:p>
+            <a:endParaRPr lang="zh-CN" altLang="en-US" dirty="0"/>
+          </a:p>
+        </p:txBody>
+      </p:sp>
+      <p:sp>
+        <p:nvSpPr>
+          <p:cNvPr id="10" name="矩形 9">
+            <a:extLst>
+              <a:ext uri="{FF2B5EF4-FFF2-40B4-BE49-F238E27FC236}">
+                <a16:creationId xmlns:a16="http://schemas.microsoft.com/office/drawing/2014/main" id="{95679A0E-2333-61F2-884A-BB81CED233AB}"/>
+              </a:ext>
+            </a:extLst>
+          </p:cNvPr>
+          <p:cNvSpPr/>
+          <p:nvPr/>
+        </p:nvSpPr>
+        <p:spPr>
+          <a:xfrm>
+            <a:off x="3342878" y="2720579"/>
+            <a:ext cx="7560840" cy="3456384"/>
+          </a:xfrm>
+          <a:prstGeom prst="rect">
+            <a:avLst/>
+          </a:prstGeom>
+          <a:noFill/>
+          <a:ln>
+            <a:prstDash val="sysDash"/>
+          </a:ln>
+        </p:spPr>
+        <p:style>
+          <a:lnRef idx="2">
+            <a:schemeClr val="accent1">
+              <a:shade val="50000"/>
+            </a:schemeClr>
+          </a:lnRef>
+          <a:fillRef idx="1">
+            <a:schemeClr val="accent1"/>
+          </a:fillRef>
+          <a:effectRef idx="0">
+            <a:schemeClr val="accent1"/>
+          </a:effectRef>
+          <a:fontRef idx="minor">
+            <a:schemeClr val="lt1"/>
+          </a:fontRef>
+        </p:style>
+        <p:txBody>
+          <a:bodyPr rtlCol="0" anchor="ctr"/>
+          <a:lstStyle/>
+          <a:p>
+            <a:pPr algn="ctr"/>
+            <a:endParaRPr lang="zh-CN" altLang="en-US" dirty="0"/>
+          </a:p>
+        </p:txBody>
+      </p:sp>
+      <p:sp>
+        <p:nvSpPr>
+          <p:cNvPr id="11" name="矩形 10">
+            <a:extLst>
+              <a:ext uri="{FF2B5EF4-FFF2-40B4-BE49-F238E27FC236}">
+                <a16:creationId xmlns:a16="http://schemas.microsoft.com/office/drawing/2014/main" id="{3FE902FE-39E7-65B8-161F-55C54E68AC47}"/>
+              </a:ext>
+            </a:extLst>
+          </p:cNvPr>
+          <p:cNvSpPr/>
+          <p:nvPr/>
+        </p:nvSpPr>
+        <p:spPr>
+          <a:xfrm>
+            <a:off x="3630910" y="2936555"/>
+            <a:ext cx="1728192" cy="540084"/>
+          </a:xfrm>
+          <a:prstGeom prst="rect">
+            <a:avLst/>
+          </a:prstGeom>
+          <a:solidFill>
+            <a:srgbClr val="3C9A88"/>
+          </a:solidFill>
+          <a:ln>
+            <a:solidFill>
+              <a:schemeClr val="bg1"/>
+            </a:solidFill>
+          </a:ln>
+        </p:spPr>
+        <p:style>
+          <a:lnRef idx="2">
+            <a:schemeClr val="accent5">
+              <a:shade val="50000"/>
+            </a:schemeClr>
+          </a:lnRef>
+          <a:fillRef idx="1">
+            <a:schemeClr val="accent5"/>
+          </a:fillRef>
+          <a:effectRef idx="0">
+            <a:schemeClr val="accent5"/>
+          </a:effectRef>
+          <a:fontRef idx="minor">
+            <a:schemeClr val="lt1"/>
+          </a:fontRef>
+        </p:style>
+        <p:txBody>
+          <a:bodyPr rtlCol="0" anchor="ctr"/>
+          <a:lstStyle/>
+          <a:p>
+            <a:pPr algn="ctr"/>
+            <a:r>
+              <a:rPr lang="zh-CN" altLang="en-US" dirty="0"/>
+              <a:t>入口</a:t>
+            </a:r>
+            <a:endParaRPr lang="zh-CN" altLang="en-US" dirty="0">
+              <a:solidFill>
+                <a:schemeClr val="lt1"/>
+              </a:solidFill>
+            </a:endParaRPr>
+          </a:p>
+        </p:txBody>
+      </p:sp>
+      <p:sp>
+        <p:nvSpPr>
+          <p:cNvPr id="12" name="矩形 11">
+            <a:extLst>
+              <a:ext uri="{FF2B5EF4-FFF2-40B4-BE49-F238E27FC236}">
+                <a16:creationId xmlns:a16="http://schemas.microsoft.com/office/drawing/2014/main" id="{CD31A587-8F5A-7E39-5C6D-4D6DF260E600}"/>
+              </a:ext>
+            </a:extLst>
+          </p:cNvPr>
+          <p:cNvSpPr/>
+          <p:nvPr/>
+        </p:nvSpPr>
+        <p:spPr>
+          <a:xfrm>
+            <a:off x="5458089" y="2934185"/>
+            <a:ext cx="1584176" cy="544823"/>
+          </a:xfrm>
+          <a:prstGeom prst="rect">
+            <a:avLst/>
+          </a:prstGeom>
+          <a:solidFill>
+            <a:srgbClr val="3C9A88"/>
+          </a:solidFill>
+          <a:ln>
+            <a:solidFill>
+              <a:schemeClr val="bg1"/>
+            </a:solidFill>
+          </a:ln>
+        </p:spPr>
+        <p:style>
+          <a:lnRef idx="2">
+            <a:schemeClr val="accent5">
+              <a:shade val="50000"/>
+            </a:schemeClr>
+          </a:lnRef>
+          <a:fillRef idx="1">
+            <a:schemeClr val="accent5"/>
+          </a:fillRef>
+          <a:effectRef idx="0">
+            <a:schemeClr val="accent5"/>
+          </a:effectRef>
+          <a:fontRef idx="minor">
+            <a:schemeClr val="lt1"/>
+          </a:fontRef>
+        </p:style>
+        <p:txBody>
+          <a:bodyPr rtlCol="0" anchor="ctr"/>
+          <a:lstStyle/>
+          <a:p>
+            <a:pPr algn="ctr"/>
+            <a:r>
+              <a:rPr lang="zh-CN" altLang="en-US" dirty="0"/>
+              <a:t>数据</a:t>
+            </a:r>
+            <a:r>
+              <a:rPr lang="en-US" altLang="zh-CN" dirty="0"/>
+              <a:t>IO</a:t>
+            </a:r>
+            <a:r>
+              <a:rPr lang="zh-CN" altLang="en-US" dirty="0"/>
+              <a:t>模块</a:t>
+            </a:r>
+          </a:p>
+        </p:txBody>
+      </p:sp>
+      <p:sp>
+        <p:nvSpPr>
+          <p:cNvPr id="13" name="矩形 12">
+            <a:extLst>
+              <a:ext uri="{FF2B5EF4-FFF2-40B4-BE49-F238E27FC236}">
+                <a16:creationId xmlns:a16="http://schemas.microsoft.com/office/drawing/2014/main" id="{FF6B5191-CEB3-09D9-3751-8758406AF407}"/>
+              </a:ext>
+            </a:extLst>
+          </p:cNvPr>
+          <p:cNvSpPr/>
+          <p:nvPr/>
+        </p:nvSpPr>
+        <p:spPr>
+          <a:xfrm>
+            <a:off x="3630910" y="3736028"/>
+            <a:ext cx="7056784" cy="1152127"/>
+          </a:xfrm>
+          <a:prstGeom prst="rect">
+            <a:avLst/>
+          </a:prstGeom>
+          <a:solidFill>
+            <a:srgbClr val="3C9A88"/>
+          </a:solidFill>
+          <a:ln>
+            <a:solidFill>
+              <a:schemeClr val="bg1"/>
+            </a:solidFill>
+          </a:ln>
+        </p:spPr>
+        <p:style>
+          <a:lnRef idx="2">
+            <a:schemeClr val="accent5">
+              <a:shade val="50000"/>
+            </a:schemeClr>
+          </a:lnRef>
+          <a:fillRef idx="1">
+            <a:schemeClr val="accent5"/>
+          </a:fillRef>
+          <a:effectRef idx="0">
+            <a:schemeClr val="accent5"/>
+          </a:effectRef>
+          <a:fontRef idx="minor">
+            <a:schemeClr val="lt1"/>
+          </a:fontRef>
+        </p:style>
+        <p:txBody>
+          <a:bodyPr rtlCol="0" anchor="ctr"/>
+          <a:lstStyle/>
+          <a:p>
+            <a:pPr algn="ctr"/>
+            <a:r>
+              <a:rPr lang="zh-CN" altLang="en-US" dirty="0"/>
+              <a:t>节点树的实体化方案</a:t>
+            </a:r>
+            <a:endParaRPr lang="en-US" altLang="zh-CN" dirty="0"/>
+          </a:p>
+          <a:p>
+            <a:pPr algn="ctr"/>
+            <a:endParaRPr lang="en-US" altLang="zh-CN" dirty="0"/>
+          </a:p>
+          <a:p>
+            <a:pPr algn="ctr"/>
+            <a:endParaRPr lang="zh-CN" altLang="en-US" dirty="0"/>
+          </a:p>
+        </p:txBody>
+      </p:sp>
+      <p:sp>
+        <p:nvSpPr>
+          <p:cNvPr id="14" name="矩形 13">
+            <a:extLst>
+              <a:ext uri="{FF2B5EF4-FFF2-40B4-BE49-F238E27FC236}">
+                <a16:creationId xmlns:a16="http://schemas.microsoft.com/office/drawing/2014/main" id="{F09370D8-D9D7-D353-6B06-9FE078E689CA}"/>
+              </a:ext>
+            </a:extLst>
+          </p:cNvPr>
+          <p:cNvSpPr/>
+          <p:nvPr/>
+        </p:nvSpPr>
+        <p:spPr>
+          <a:xfrm>
+            <a:off x="7256979" y="2931816"/>
+            <a:ext cx="1666519" cy="544823"/>
+          </a:xfrm>
+          <a:prstGeom prst="rect">
+            <a:avLst/>
+          </a:prstGeom>
+          <a:solidFill>
+            <a:srgbClr val="3C9A88"/>
+          </a:solidFill>
+          <a:ln>
+            <a:solidFill>
+              <a:schemeClr val="bg1"/>
+            </a:solidFill>
+          </a:ln>
+        </p:spPr>
+        <p:style>
+          <a:lnRef idx="2">
+            <a:schemeClr val="accent5">
+              <a:shade val="50000"/>
+            </a:schemeClr>
+          </a:lnRef>
+          <a:fillRef idx="1">
+            <a:schemeClr val="accent5"/>
+          </a:fillRef>
+          <a:effectRef idx="0">
+            <a:schemeClr val="accent5"/>
+          </a:effectRef>
+          <a:fontRef idx="minor">
+            <a:schemeClr val="lt1"/>
+          </a:fontRef>
+        </p:style>
+        <p:txBody>
+          <a:bodyPr rtlCol="0" anchor="ctr"/>
+          <a:lstStyle/>
+          <a:p>
+            <a:pPr algn="ctr"/>
+            <a:r>
+              <a:rPr lang="zh-CN" altLang="en-US" dirty="0"/>
+              <a:t>数据解析器</a:t>
+            </a:r>
+          </a:p>
+        </p:txBody>
+      </p:sp>
+      <p:sp>
+        <p:nvSpPr>
+          <p:cNvPr id="17" name="矩形 16">
+            <a:extLst>
+              <a:ext uri="{FF2B5EF4-FFF2-40B4-BE49-F238E27FC236}">
+                <a16:creationId xmlns:a16="http://schemas.microsoft.com/office/drawing/2014/main" id="{A642B790-4795-CB42-C2DC-A37A73A0BABF}"/>
+              </a:ext>
+            </a:extLst>
+          </p:cNvPr>
+          <p:cNvSpPr/>
+          <p:nvPr/>
+        </p:nvSpPr>
+        <p:spPr>
+          <a:xfrm>
+            <a:off x="5154095" y="4355084"/>
+            <a:ext cx="1058531" cy="496696"/>
+          </a:xfrm>
+          <a:prstGeom prst="rect">
+            <a:avLst/>
+          </a:prstGeom>
+          <a:solidFill>
+            <a:srgbClr val="EE9C6E"/>
+          </a:solidFill>
+          <a:ln>
+            <a:solidFill>
+              <a:schemeClr val="bg1"/>
+            </a:solidFill>
+          </a:ln>
+        </p:spPr>
+        <p:style>
+          <a:lnRef idx="2">
+            <a:schemeClr val="accent5">
+              <a:shade val="50000"/>
+            </a:schemeClr>
+          </a:lnRef>
+          <a:fillRef idx="1">
+            <a:schemeClr val="accent5"/>
+          </a:fillRef>
+          <a:effectRef idx="0">
+            <a:schemeClr val="accent5"/>
+          </a:effectRef>
+          <a:fontRef idx="minor">
+            <a:schemeClr val="lt1"/>
+          </a:fontRef>
+        </p:style>
+        <p:txBody>
+          <a:bodyPr rtlCol="0" anchor="ctr"/>
+          <a:lstStyle/>
+          <a:p>
+            <a:pPr algn="ctr"/>
+            <a:r>
+              <a:rPr lang="en-US" altLang="zh-CN" dirty="0"/>
+              <a:t>2D</a:t>
+            </a:r>
+            <a:r>
+              <a:rPr lang="zh-CN" altLang="en-US" dirty="0"/>
+              <a:t>场景</a:t>
+            </a:r>
+            <a:endParaRPr lang="zh-CN" altLang="en-US" dirty="0">
+              <a:solidFill>
+                <a:schemeClr val="lt1"/>
+              </a:solidFill>
+            </a:endParaRPr>
+          </a:p>
+        </p:txBody>
+      </p:sp>
+      <p:sp>
+        <p:nvSpPr>
+          <p:cNvPr id="20" name="矩形 19">
+            <a:extLst>
+              <a:ext uri="{FF2B5EF4-FFF2-40B4-BE49-F238E27FC236}">
+                <a16:creationId xmlns:a16="http://schemas.microsoft.com/office/drawing/2014/main" id="{43F44946-076E-0852-6C9C-94E13FE89A9D}"/>
+              </a:ext>
+            </a:extLst>
+          </p:cNvPr>
+          <p:cNvSpPr/>
+          <p:nvPr/>
+        </p:nvSpPr>
+        <p:spPr>
+          <a:xfrm>
+            <a:off x="3630911" y="5636451"/>
+            <a:ext cx="7024272" cy="462769"/>
+          </a:xfrm>
+          <a:prstGeom prst="rect">
+            <a:avLst/>
+          </a:prstGeom>
+          <a:solidFill>
+            <a:srgbClr val="FF6600"/>
+          </a:solidFill>
+          <a:ln>
+            <a:solidFill>
+              <a:schemeClr val="bg1"/>
+            </a:solidFill>
+          </a:ln>
+        </p:spPr>
+        <p:style>
+          <a:lnRef idx="2">
+            <a:schemeClr val="accent5">
+              <a:shade val="50000"/>
+            </a:schemeClr>
+          </a:lnRef>
+          <a:fillRef idx="1">
+            <a:schemeClr val="accent5"/>
+          </a:fillRef>
+          <a:effectRef idx="0">
+            <a:schemeClr val="accent5"/>
+          </a:effectRef>
+          <a:fontRef idx="minor">
+            <a:schemeClr val="lt1"/>
+          </a:fontRef>
+        </p:style>
+        <p:txBody>
+          <a:bodyPr rtlCol="0" anchor="ctr"/>
+          <a:lstStyle/>
+          <a:p>
+            <a:pPr algn="ctr"/>
+            <a:r>
+              <a:rPr lang="en-US" altLang="zh-CN" dirty="0">
+                <a:solidFill>
+                  <a:schemeClr val="lt1"/>
+                </a:solidFill>
+              </a:rPr>
+              <a:t>PHG</a:t>
+            </a:r>
+            <a:r>
+              <a:rPr lang="zh-CN" altLang="en-US" dirty="0">
+                <a:solidFill>
+                  <a:schemeClr val="lt1"/>
+                </a:solidFill>
+              </a:rPr>
+              <a:t>解析器</a:t>
+            </a:r>
+          </a:p>
+        </p:txBody>
+      </p:sp>
+      <p:sp>
+        <p:nvSpPr>
+          <p:cNvPr id="22" name="矩形 21">
+            <a:extLst>
+              <a:ext uri="{FF2B5EF4-FFF2-40B4-BE49-F238E27FC236}">
+                <a16:creationId xmlns:a16="http://schemas.microsoft.com/office/drawing/2014/main" id="{4E221362-54DD-6617-5F27-3AD911BAD70A}"/>
+              </a:ext>
+            </a:extLst>
+          </p:cNvPr>
+          <p:cNvSpPr/>
+          <p:nvPr/>
+        </p:nvSpPr>
+        <p:spPr>
+          <a:xfrm>
+            <a:off x="9157476" y="2943915"/>
+            <a:ext cx="1530218" cy="544823"/>
+          </a:xfrm>
+          <a:prstGeom prst="rect">
+            <a:avLst/>
+          </a:prstGeom>
+          <a:solidFill>
+            <a:srgbClr val="3C9A88"/>
+          </a:solidFill>
+          <a:ln>
+            <a:solidFill>
+              <a:schemeClr val="bg1"/>
+            </a:solidFill>
+          </a:ln>
+        </p:spPr>
+        <p:style>
+          <a:lnRef idx="2">
+            <a:schemeClr val="accent5">
+              <a:shade val="50000"/>
+            </a:schemeClr>
+          </a:lnRef>
+          <a:fillRef idx="1">
+            <a:schemeClr val="accent5"/>
+          </a:fillRef>
+          <a:effectRef idx="0">
+            <a:schemeClr val="accent5"/>
+          </a:effectRef>
+          <a:fontRef idx="minor">
+            <a:schemeClr val="lt1"/>
+          </a:fontRef>
+        </p:style>
+        <p:txBody>
+          <a:bodyPr rtlCol="0" anchor="ctr"/>
+          <a:lstStyle/>
+          <a:p>
+            <a:pPr algn="ctr"/>
+            <a:r>
+              <a:rPr lang="en-US" altLang="zh-CN" dirty="0"/>
+              <a:t>Http</a:t>
+            </a:r>
+            <a:r>
+              <a:rPr lang="zh-CN" altLang="en-US" dirty="0"/>
+              <a:t>通信</a:t>
+            </a:r>
+          </a:p>
+        </p:txBody>
+      </p:sp>
+      <p:sp>
+        <p:nvSpPr>
+          <p:cNvPr id="23" name="矩形 22">
+            <a:extLst>
+              <a:ext uri="{FF2B5EF4-FFF2-40B4-BE49-F238E27FC236}">
+                <a16:creationId xmlns:a16="http://schemas.microsoft.com/office/drawing/2014/main" id="{6E837AF0-E503-FA3E-DBCF-6FFC43E5527A}"/>
+              </a:ext>
+            </a:extLst>
+          </p:cNvPr>
+          <p:cNvSpPr/>
+          <p:nvPr/>
+        </p:nvSpPr>
+        <p:spPr>
+          <a:xfrm>
+            <a:off x="6500658" y="4353615"/>
+            <a:ext cx="1058531" cy="496696"/>
+          </a:xfrm>
+          <a:prstGeom prst="rect">
+            <a:avLst/>
+          </a:prstGeom>
+          <a:solidFill>
+            <a:srgbClr val="EE9C6E"/>
+          </a:solidFill>
+          <a:ln>
+            <a:solidFill>
+              <a:schemeClr val="bg1"/>
+            </a:solidFill>
+          </a:ln>
+        </p:spPr>
+        <p:style>
+          <a:lnRef idx="2">
+            <a:schemeClr val="accent5">
+              <a:shade val="50000"/>
+            </a:schemeClr>
+          </a:lnRef>
+          <a:fillRef idx="1">
+            <a:schemeClr val="accent5"/>
+          </a:fillRef>
+          <a:effectRef idx="0">
+            <a:schemeClr val="accent5"/>
+          </a:effectRef>
+          <a:fontRef idx="minor">
+            <a:schemeClr val="lt1"/>
+          </a:fontRef>
+        </p:style>
+        <p:txBody>
+          <a:bodyPr rtlCol="0" anchor="ctr"/>
+          <a:lstStyle/>
+          <a:p>
+            <a:pPr algn="ctr"/>
+            <a:r>
+              <a:rPr lang="en-US" altLang="zh-CN" dirty="0"/>
+              <a:t>3D</a:t>
+            </a:r>
+            <a:r>
+              <a:rPr lang="zh-CN" altLang="en-US" dirty="0"/>
+              <a:t>场景</a:t>
+            </a:r>
+            <a:endParaRPr lang="zh-CN" altLang="en-US" dirty="0">
+              <a:solidFill>
+                <a:schemeClr val="lt1"/>
+              </a:solidFill>
+            </a:endParaRPr>
+          </a:p>
+        </p:txBody>
+      </p:sp>
+      <p:sp>
+        <p:nvSpPr>
+          <p:cNvPr id="24" name="矩形 23">
+            <a:extLst>
+              <a:ext uri="{FF2B5EF4-FFF2-40B4-BE49-F238E27FC236}">
+                <a16:creationId xmlns:a16="http://schemas.microsoft.com/office/drawing/2014/main" id="{CD0850B9-8D4E-FA5E-EE54-9C85BC35E6DA}"/>
+              </a:ext>
+            </a:extLst>
+          </p:cNvPr>
+          <p:cNvSpPr/>
+          <p:nvPr/>
+        </p:nvSpPr>
+        <p:spPr>
+          <a:xfrm>
+            <a:off x="7834135" y="4353615"/>
+            <a:ext cx="1225050" cy="496696"/>
+          </a:xfrm>
+          <a:prstGeom prst="rect">
+            <a:avLst/>
+          </a:prstGeom>
+          <a:solidFill>
+            <a:srgbClr val="EE9C6E"/>
+          </a:solidFill>
+          <a:ln>
+            <a:solidFill>
+              <a:schemeClr val="bg1"/>
+            </a:solidFill>
+          </a:ln>
+        </p:spPr>
+        <p:style>
+          <a:lnRef idx="2">
+            <a:schemeClr val="accent5">
+              <a:shade val="50000"/>
+            </a:schemeClr>
+          </a:lnRef>
+          <a:fillRef idx="1">
+            <a:schemeClr val="accent5"/>
+          </a:fillRef>
+          <a:effectRef idx="0">
+            <a:schemeClr val="accent5"/>
+          </a:effectRef>
+          <a:fontRef idx="minor">
+            <a:schemeClr val="lt1"/>
+          </a:fontRef>
+        </p:style>
+        <p:txBody>
+          <a:bodyPr rtlCol="0" anchor="ctr"/>
+          <a:lstStyle/>
+          <a:p>
+            <a:pPr algn="ctr"/>
+            <a:r>
+              <a:rPr lang="zh-CN" altLang="en-US" dirty="0"/>
+              <a:t>文本结构</a:t>
+            </a:r>
+            <a:endParaRPr lang="zh-CN" altLang="en-US" dirty="0">
+              <a:solidFill>
+                <a:schemeClr val="lt1"/>
+              </a:solidFill>
+            </a:endParaRPr>
+          </a:p>
+        </p:txBody>
+      </p:sp>
+      <p:sp>
+        <p:nvSpPr>
+          <p:cNvPr id="25" name="矩形 24">
+            <a:extLst>
+              <a:ext uri="{FF2B5EF4-FFF2-40B4-BE49-F238E27FC236}">
+                <a16:creationId xmlns:a16="http://schemas.microsoft.com/office/drawing/2014/main" id="{177F609F-03C0-CA2A-1F04-D4BC215FFD7D}"/>
+              </a:ext>
+            </a:extLst>
+          </p:cNvPr>
+          <p:cNvSpPr/>
+          <p:nvPr/>
+        </p:nvSpPr>
+        <p:spPr>
+          <a:xfrm>
+            <a:off x="7123298" y="5059781"/>
+            <a:ext cx="3531885" cy="509202"/>
+          </a:xfrm>
+          <a:prstGeom prst="rect">
+            <a:avLst/>
+          </a:prstGeom>
+          <a:solidFill>
+            <a:srgbClr val="FF6600"/>
+          </a:solidFill>
+          <a:ln>
+            <a:solidFill>
+              <a:schemeClr val="bg1"/>
+            </a:solidFill>
+          </a:ln>
+        </p:spPr>
+        <p:style>
+          <a:lnRef idx="2">
+            <a:schemeClr val="accent5">
+              <a:shade val="50000"/>
+            </a:schemeClr>
+          </a:lnRef>
+          <a:fillRef idx="1">
+            <a:schemeClr val="accent5"/>
+          </a:fillRef>
+          <a:effectRef idx="0">
+            <a:schemeClr val="accent5"/>
+          </a:effectRef>
+          <a:fontRef idx="minor">
+            <a:schemeClr val="lt1"/>
+          </a:fontRef>
+        </p:style>
+        <p:txBody>
+          <a:bodyPr rtlCol="0" anchor="ctr"/>
+          <a:lstStyle/>
+          <a:p>
+            <a:pPr algn="ctr"/>
+            <a:r>
+              <a:rPr lang="zh-CN" altLang="en-US" dirty="0">
+                <a:solidFill>
+                  <a:schemeClr val="lt1"/>
+                </a:solidFill>
+              </a:rPr>
+              <a:t>节点树</a:t>
+            </a:r>
+            <a:r>
+              <a:rPr lang="en-US" altLang="zh-CN" dirty="0">
+                <a:solidFill>
+                  <a:schemeClr val="lt1"/>
+                </a:solidFill>
+              </a:rPr>
+              <a:t>{PHG}</a:t>
+            </a:r>
+            <a:r>
+              <a:rPr lang="zh-CN" altLang="en-US" dirty="0">
+                <a:solidFill>
+                  <a:schemeClr val="lt1"/>
+                </a:solidFill>
+              </a:rPr>
+              <a:t>解析器</a:t>
+            </a:r>
+          </a:p>
+        </p:txBody>
+      </p:sp>
+      <p:sp>
+        <p:nvSpPr>
+          <p:cNvPr id="26" name="矩形 25">
+            <a:extLst>
+              <a:ext uri="{FF2B5EF4-FFF2-40B4-BE49-F238E27FC236}">
+                <a16:creationId xmlns:a16="http://schemas.microsoft.com/office/drawing/2014/main" id="{47D84666-D67A-CA81-085A-E07F44CE7E49}"/>
+              </a:ext>
+            </a:extLst>
+          </p:cNvPr>
+          <p:cNvSpPr/>
+          <p:nvPr/>
+        </p:nvSpPr>
+        <p:spPr>
+          <a:xfrm>
+            <a:off x="3630909" y="5049506"/>
+            <a:ext cx="3340341" cy="509202"/>
+          </a:xfrm>
+          <a:prstGeom prst="rect">
+            <a:avLst/>
+          </a:prstGeom>
+          <a:solidFill>
+            <a:srgbClr val="FF6600"/>
+          </a:solidFill>
+          <a:ln>
+            <a:solidFill>
+              <a:schemeClr val="bg1"/>
+            </a:solidFill>
+          </a:ln>
+        </p:spPr>
+        <p:style>
+          <a:lnRef idx="2">
+            <a:schemeClr val="accent5">
+              <a:shade val="50000"/>
+            </a:schemeClr>
+          </a:lnRef>
+          <a:fillRef idx="1">
+            <a:schemeClr val="accent5"/>
+          </a:fillRef>
+          <a:effectRef idx="0">
+            <a:schemeClr val="accent5"/>
+          </a:effectRef>
+          <a:fontRef idx="minor">
+            <a:schemeClr val="lt1"/>
+          </a:fontRef>
+        </p:style>
+        <p:txBody>
+          <a:bodyPr rtlCol="0" anchor="ctr"/>
+          <a:lstStyle/>
+          <a:p>
+            <a:pPr algn="ctr"/>
+            <a:r>
+              <a:rPr lang="zh-CN" altLang="en-US" dirty="0">
+                <a:solidFill>
+                  <a:schemeClr val="lt1"/>
+                </a:solidFill>
+              </a:rPr>
+              <a:t>元素与运算类</a:t>
+            </a:r>
+          </a:p>
+        </p:txBody>
+      </p:sp>
+    </p:spTree>
+    <p:extLst>
+      <p:ext uri="{BB962C8B-B14F-4D97-AF65-F5344CB8AC3E}">
+        <p14:creationId xmlns:p14="http://schemas.microsoft.com/office/powerpoint/2010/main" val="3893093613"/>
+      </p:ext>
+    </p:extLst>
+  </p:cSld>
+  <p:clrMapOvr>
+    <a:masterClrMapping/>
+  </p:clrMapOvr>
+</p:sld>
+</file>
+
+<file path=ppt/slides/slide13.xml><?xml version="1.0" encoding="utf-8"?>
+<p:sld xmlns:a="http://schemas.openxmlformats.org/drawingml/2006/main" xmlns:r="http://schemas.openxmlformats.org/officeDocument/2006/relationships" xmlns:p="http://schemas.openxmlformats.org/presentationml/2006/main">
+  <p:cSld>
+    <p:spTree>
+      <p:nvGrpSpPr>
+        <p:cNvPr id="1" name=""/>
+        <p:cNvGrpSpPr/>
+        <p:nvPr/>
+      </p:nvGrpSpPr>
+      <p:grpSpPr>
+        <a:xfrm>
+          <a:off x="0" y="0"/>
+          <a:ext cx="0" cy="0"/>
+          <a:chOff x="0" y="0"/>
+          <a:chExt cx="0" cy="0"/>
+        </a:xfrm>
+      </p:grpSpPr>
+      <p:sp>
+        <p:nvSpPr>
+          <p:cNvPr id="2" name="标题 1">
+            <a:extLst>
+              <a:ext uri="{FF2B5EF4-FFF2-40B4-BE49-F238E27FC236}">
+                <a16:creationId xmlns:a16="http://schemas.microsoft.com/office/drawing/2014/main" id="{1D69589C-1176-BF7B-FF43-F835757CFF32}"/>
+              </a:ext>
+            </a:extLst>
+          </p:cNvPr>
+          <p:cNvSpPr>
+            <a:spLocks noGrp="1"/>
+          </p:cNvSpPr>
+          <p:nvPr>
+            <p:ph type="title"/>
+          </p:nvPr>
+        </p:nvSpPr>
+        <p:spPr/>
+        <p:txBody>
+          <a:bodyPr/>
+          <a:lstStyle/>
+          <a:p>
+            <a:r>
+              <a:rPr lang="en-US" altLang="zh-CN" dirty="0"/>
+              <a:t>API – </a:t>
+            </a:r>
+            <a:r>
+              <a:rPr lang="zh-CN" altLang="en-US" dirty="0"/>
+              <a:t>基础部分</a:t>
+            </a:r>
+          </a:p>
+        </p:txBody>
+      </p:sp>
+      <p:sp>
+        <p:nvSpPr>
+          <p:cNvPr id="3" name="内容占位符 2">
+            <a:extLst>
+              <a:ext uri="{FF2B5EF4-FFF2-40B4-BE49-F238E27FC236}">
+                <a16:creationId xmlns:a16="http://schemas.microsoft.com/office/drawing/2014/main" id="{0964F5CD-8F50-192A-CB55-A9F270C9441B}"/>
+              </a:ext>
+            </a:extLst>
+          </p:cNvPr>
+          <p:cNvSpPr>
+            <a:spLocks noGrp="1"/>
+          </p:cNvSpPr>
+          <p:nvPr>
+            <p:ph idx="1"/>
+          </p:nvPr>
+        </p:nvSpPr>
+        <p:spPr/>
+        <p:txBody>
+          <a:bodyPr/>
+          <a:lstStyle/>
+          <a:p>
+            <a:r>
+              <a:rPr lang="en-US" altLang="zh-CN" sz="1800" dirty="0" err="1">
+                <a:solidFill>
+                  <a:srgbClr val="000000"/>
+                </a:solidFill>
+                <a:latin typeface="新宋体" panose="02010609030101010101" pitchFamily="49" charset="-122"/>
+                <a:ea typeface="新宋体" panose="02010609030101010101" pitchFamily="49" charset="-122"/>
+              </a:rPr>
+              <a:t>rnd</a:t>
+            </a:r>
+            <a:r>
+              <a:rPr lang="en-US" altLang="zh-CN" sz="1800" dirty="0">
+                <a:solidFill>
+                  <a:srgbClr val="000000"/>
+                </a:solidFill>
+                <a:latin typeface="新宋体" panose="02010609030101010101" pitchFamily="49" charset="-122"/>
+                <a:ea typeface="新宋体" panose="02010609030101010101" pitchFamily="49" charset="-122"/>
+              </a:rPr>
+              <a:t>	- </a:t>
+            </a:r>
+            <a:r>
+              <a:rPr lang="zh-CN" altLang="en-US" sz="1800" dirty="0">
+                <a:solidFill>
+                  <a:srgbClr val="000000"/>
+                </a:solidFill>
+                <a:latin typeface="新宋体" panose="02010609030101010101" pitchFamily="49" charset="-122"/>
+                <a:ea typeface="新宋体" panose="02010609030101010101" pitchFamily="49" charset="-122"/>
+              </a:rPr>
+              <a:t>随机函数</a:t>
+            </a:r>
+            <a:endParaRPr lang="en-US" altLang="zh-CN" sz="1800" dirty="0">
+              <a:solidFill>
+                <a:srgbClr val="000000"/>
+              </a:solidFill>
+              <a:latin typeface="新宋体" panose="02010609030101010101" pitchFamily="49" charset="-122"/>
+              <a:ea typeface="新宋体" panose="02010609030101010101" pitchFamily="49" charset="-122"/>
+            </a:endParaRPr>
+          </a:p>
+          <a:p>
+            <a:r>
+              <a:rPr lang="en-US" altLang="zh-CN" sz="1800" dirty="0">
+                <a:solidFill>
+                  <a:srgbClr val="000000"/>
+                </a:solidFill>
+                <a:latin typeface="新宋体" panose="02010609030101010101" pitchFamily="49" charset="-122"/>
+                <a:ea typeface="新宋体" panose="02010609030101010101" pitchFamily="49" charset="-122"/>
+              </a:rPr>
+              <a:t>scat	- </a:t>
+            </a:r>
+            <a:r>
+              <a:rPr lang="zh-CN" altLang="en-US" sz="1800" dirty="0">
+                <a:solidFill>
+                  <a:srgbClr val="000000"/>
+                </a:solidFill>
+                <a:latin typeface="新宋体" panose="02010609030101010101" pitchFamily="49" charset="-122"/>
+                <a:ea typeface="新宋体" panose="02010609030101010101" pitchFamily="49" charset="-122"/>
+              </a:rPr>
+              <a:t>连接字符串</a:t>
+            </a:r>
+            <a:endParaRPr lang="en-US" altLang="zh-CN" sz="1800" dirty="0">
+              <a:solidFill>
+                <a:srgbClr val="000000"/>
+              </a:solidFill>
+              <a:latin typeface="新宋体" panose="02010609030101010101" pitchFamily="49" charset="-122"/>
+              <a:ea typeface="新宋体" panose="02010609030101010101" pitchFamily="49" charset="-122"/>
+            </a:endParaRPr>
+          </a:p>
+          <a:p>
+            <a:r>
+              <a:rPr lang="en-US" altLang="zh-CN" sz="1800" dirty="0" err="1">
+                <a:solidFill>
+                  <a:srgbClr val="000000"/>
+                </a:solidFill>
+                <a:latin typeface="新宋体" panose="02010609030101010101" pitchFamily="49" charset="-122"/>
+                <a:ea typeface="新宋体" panose="02010609030101010101" pitchFamily="49" charset="-122"/>
+              </a:rPr>
+              <a:t>scmp</a:t>
+            </a:r>
+            <a:r>
+              <a:rPr lang="en-US" altLang="zh-CN" sz="1800" dirty="0">
+                <a:solidFill>
+                  <a:srgbClr val="000000"/>
+                </a:solidFill>
+                <a:latin typeface="新宋体" panose="02010609030101010101" pitchFamily="49" charset="-122"/>
+                <a:ea typeface="新宋体" panose="02010609030101010101" pitchFamily="49" charset="-122"/>
+              </a:rPr>
+              <a:t>	- </a:t>
+            </a:r>
+            <a:r>
+              <a:rPr lang="zh-CN" altLang="en-US" sz="1800" dirty="0">
+                <a:solidFill>
+                  <a:srgbClr val="000000"/>
+                </a:solidFill>
+                <a:latin typeface="新宋体" panose="02010609030101010101" pitchFamily="49" charset="-122"/>
+                <a:ea typeface="新宋体" panose="02010609030101010101" pitchFamily="49" charset="-122"/>
+              </a:rPr>
+              <a:t>字符串比较</a:t>
+            </a:r>
+            <a:endParaRPr lang="en-US" altLang="zh-CN" sz="1800" dirty="0">
+              <a:solidFill>
+                <a:srgbClr val="000000"/>
+              </a:solidFill>
+              <a:latin typeface="新宋体" panose="02010609030101010101" pitchFamily="49" charset="-122"/>
+              <a:ea typeface="新宋体" panose="02010609030101010101" pitchFamily="49" charset="-122"/>
+            </a:endParaRPr>
+          </a:p>
+          <a:p>
+            <a:r>
+              <a:rPr lang="en-US" altLang="zh-CN" sz="1800" dirty="0" err="1">
+                <a:solidFill>
+                  <a:srgbClr val="000000"/>
+                </a:solidFill>
+                <a:latin typeface="新宋体" panose="02010609030101010101" pitchFamily="49" charset="-122"/>
+                <a:ea typeface="新宋体" panose="02010609030101010101" pitchFamily="49" charset="-122"/>
+              </a:rPr>
+              <a:t>tos</a:t>
+            </a:r>
+            <a:r>
+              <a:rPr lang="en-US" altLang="zh-CN" sz="1800" dirty="0">
+                <a:solidFill>
+                  <a:srgbClr val="000000"/>
+                </a:solidFill>
+                <a:latin typeface="新宋体" panose="02010609030101010101" pitchFamily="49" charset="-122"/>
+                <a:ea typeface="新宋体" panose="02010609030101010101" pitchFamily="49" charset="-122"/>
+              </a:rPr>
+              <a:t>   - </a:t>
+            </a:r>
+            <a:r>
+              <a:rPr lang="zh-CN" altLang="en-US" sz="1800" dirty="0">
+                <a:solidFill>
+                  <a:srgbClr val="000000"/>
+                </a:solidFill>
+                <a:latin typeface="新宋体" panose="02010609030101010101" pitchFamily="49" charset="-122"/>
+                <a:ea typeface="新宋体" panose="02010609030101010101" pitchFamily="49" charset="-122"/>
+              </a:rPr>
+              <a:t>转化为字符串</a:t>
+            </a:r>
+            <a:endParaRPr lang="en-US" altLang="zh-CN" sz="1800" dirty="0">
+              <a:solidFill>
+                <a:srgbClr val="000000"/>
+              </a:solidFill>
+              <a:latin typeface="新宋体" panose="02010609030101010101" pitchFamily="49" charset="-122"/>
+              <a:ea typeface="新宋体" panose="02010609030101010101" pitchFamily="49" charset="-122"/>
+            </a:endParaRPr>
+          </a:p>
+          <a:p>
+            <a:r>
+              <a:rPr lang="en-US" altLang="zh-CN" sz="1800" dirty="0" err="1">
+                <a:solidFill>
+                  <a:srgbClr val="000000"/>
+                </a:solidFill>
+                <a:latin typeface="新宋体" panose="02010609030101010101" pitchFamily="49" charset="-122"/>
+                <a:ea typeface="新宋体" panose="02010609030101010101" pitchFamily="49" charset="-122"/>
+              </a:rPr>
+              <a:t>os</a:t>
+            </a:r>
+            <a:r>
+              <a:rPr lang="en-US" altLang="zh-CN" sz="1800" dirty="0">
+                <a:solidFill>
+                  <a:srgbClr val="000000"/>
+                </a:solidFill>
+                <a:latin typeface="新宋体" panose="02010609030101010101" pitchFamily="49" charset="-122"/>
+                <a:ea typeface="新宋体" panose="02010609030101010101" pitchFamily="49" charset="-122"/>
+              </a:rPr>
+              <a:t>	- </a:t>
+            </a:r>
+            <a:r>
+              <a:rPr lang="zh-CN" altLang="en-US" sz="1800" dirty="0">
+                <a:solidFill>
+                  <a:srgbClr val="000000"/>
+                </a:solidFill>
+                <a:latin typeface="新宋体" panose="02010609030101010101" pitchFamily="49" charset="-122"/>
+                <a:ea typeface="新宋体" panose="02010609030101010101" pitchFamily="49" charset="-122"/>
+              </a:rPr>
+              <a:t>打印字符串</a:t>
+            </a:r>
+            <a:endParaRPr lang="en-US" altLang="zh-CN" sz="1800" dirty="0">
+              <a:solidFill>
+                <a:srgbClr val="000000"/>
+              </a:solidFill>
+              <a:latin typeface="新宋体" panose="02010609030101010101" pitchFamily="49" charset="-122"/>
+              <a:ea typeface="新宋体" panose="02010609030101010101" pitchFamily="49" charset="-122"/>
+            </a:endParaRPr>
+          </a:p>
+          <a:p>
+            <a:r>
+              <a:rPr lang="en-US" altLang="zh-CN" sz="1800" dirty="0">
+                <a:solidFill>
+                  <a:srgbClr val="000000"/>
+                </a:solidFill>
+                <a:latin typeface="新宋体" panose="02010609030101010101" pitchFamily="49" charset="-122"/>
+                <a:ea typeface="新宋体" panose="02010609030101010101" pitchFamily="49" charset="-122"/>
+              </a:rPr>
+              <a:t>setup	- </a:t>
+            </a:r>
+            <a:r>
+              <a:rPr lang="zh-CN" altLang="en-US" sz="1800" dirty="0">
+                <a:solidFill>
+                  <a:srgbClr val="000000"/>
+                </a:solidFill>
+                <a:latin typeface="新宋体" panose="02010609030101010101" pitchFamily="49" charset="-122"/>
+                <a:ea typeface="新宋体" panose="02010609030101010101" pitchFamily="49" charset="-122"/>
+              </a:rPr>
+              <a:t>节点树实例化</a:t>
+            </a:r>
+            <a:endParaRPr lang="zh-CN" altLang="en-US" dirty="0"/>
+          </a:p>
+        </p:txBody>
+      </p:sp>
+    </p:spTree>
+    <p:extLst>
+      <p:ext uri="{BB962C8B-B14F-4D97-AF65-F5344CB8AC3E}">
+        <p14:creationId xmlns:p14="http://schemas.microsoft.com/office/powerpoint/2010/main" val="360990132"/>
+      </p:ext>
+    </p:extLst>
+  </p:cSld>
+  <p:clrMapOvr>
+    <a:masterClrMapping/>
+  </p:clrMapOvr>
+</p:sld>
+</file>
+
 <file path=ppt/slides/slide2.xml><?xml version="1.0" encoding="utf-8"?>
 <p:sld xmlns:a="http://schemas.openxmlformats.org/drawingml/2006/main" xmlns:r="http://schemas.openxmlformats.org/officeDocument/2006/relationships" xmlns:p="http://schemas.openxmlformats.org/presentationml/2006/main">
   <p:cSld>
@@ -4054,7 +5251,7 @@
             </a:r>
             <a:r>
               <a:rPr lang="en-US" altLang="zh-CN" dirty="0"/>
-              <a:t>{a}, </a:t>
+              <a:t>a{ }, </a:t>
             </a:r>
             <a:r>
               <a:rPr lang="zh-CN" altLang="en-US" dirty="0"/>
@@ -4068,7 +5265,7 @@
           <a:p>
             <a:r>
               <a:rPr lang="zh-CN" altLang="en-US" dirty="0"/>
-              <a:t>属性</a:t>
+              <a:t>属性 </a:t>
             </a:r>
             <a:r>
               <a:rPr lang="en-US" altLang="zh-CN" dirty="0"/>
@@ -4107,31 +5304,15 @@
             </a:r>
             <a:r>
               <a:rPr lang="en-US" altLang="zh-CN" dirty="0"/>
-              <a:t>[a ,</a:t>
-            </a:r>
-            <a:r>
-              <a:rPr lang="en-US" altLang="zh-CN" dirty="0" err="1"/>
-              <a:t>b,c</a:t>
-            </a:r>
-            <a:r>
-              <a:rPr lang="en-US" altLang="zh-CN" dirty="0"/>
-              <a:t>]</a:t>
-            </a:r>
-            <a:r>
-              <a:rPr lang="zh-CN" altLang="en-US" dirty="0"/>
-              <a:t>与队列</a:t>
-            </a:r>
-            <a:r>
-              <a:rPr lang="en-US" altLang="zh-CN" dirty="0"/>
-              <a:t>&lt;</a:t>
-            </a:r>
-            <a:r>
-              <a:rPr lang="en-US" altLang="zh-CN" dirty="0" err="1"/>
-              <a:t>a,b,c</a:t>
-            </a:r>
-            <a:r>
-              <a:rPr lang="en-US" altLang="zh-CN" dirty="0"/>
-              <a:t>&gt;</a:t>
+              <a:t>[a, b, c]</a:t>
+            </a:r>
+            <a:r>
+              <a:rPr lang="zh-CN" altLang="en-US" dirty="0"/>
+              <a:t>与序列</a:t>
+            </a:r>
+            <a:r>
+              <a:rPr lang="en-US" altLang="zh-CN" dirty="0"/>
+              <a:t>&lt;a, b, c&gt;</a:t>
             </a:r>
             <a:r>
               <a:rPr lang="zh-CN" altLang="en-US" dirty="0"/>
@@ -4178,44 +5359,6 @@
           </a:p>
           <a:p>
             <a:endParaRPr lang="zh-CN" altLang="en-US" dirty="0"/>
-          </a:p>
-        </p:txBody>
-      </p:sp>
-      <p:sp>
-        <p:nvSpPr>
-          <p:cNvPr id="5" name="文本框 4">
-            <a:extLst>
-              <a:ext uri="{FF2B5EF4-FFF2-40B4-BE49-F238E27FC236}">
-                <a16:creationId xmlns:a16="http://schemas.microsoft.com/office/drawing/2014/main" id="{DE9FD908-466E-6DC5-AD85-13B4F8C64741}"/>
-              </a:ext>
-            </a:extLst>
-          </p:cNvPr>
-          <p:cNvSpPr txBox="1"/>
-          <p:nvPr/>
-        </p:nvSpPr>
-        <p:spPr>
-          <a:xfrm>
-            <a:off x="3047301" y="3107932"/>
-            <a:ext cx="6094602" cy="646331"/>
-          </a:xfrm>
-          <a:prstGeom prst="rect">
-            <a:avLst/>
-          </a:prstGeom>
-          <a:noFill/>
-        </p:spPr>
-        <p:txBody>
-          <a:bodyPr wrap="square">
-            <a:spAutoFit/>
-          </a:bodyPr>
-          <a:lstStyle/>
-          <a:p>
-            <a:endParaRPr lang="en-US" altLang="zh-CN" dirty="0"/>
-          </a:p>
-          <a:p>
-            <a:pPr marL="457200" lvl="1" indent="0">
-              <a:buNone/>
-            </a:pPr>
-            <a:endParaRPr lang="en-US" altLang="zh-CN" dirty="0"/>
           </a:p>
         </p:txBody>
       </p:sp>
@@ -4318,15 +5461,7 @@
             </a:pPr>
             <a:r>
               <a:rPr lang="en-US" altLang="zh-CN" dirty="0"/>
-              <a:t>		&lt;</a:t>
-            </a:r>
-            <a:r>
-              <a:rPr lang="en-US" altLang="zh-CN" dirty="0" err="1"/>
-              <a:t>a,b,c,d</a:t>
-            </a:r>
-            <a:r>
-              <a:rPr lang="en-US" altLang="zh-CN" dirty="0"/>
-              <a:t>&gt;</a:t>
+              <a:t>		&lt;a, b, c, d&gt;</a:t>
             </a:r>
           </a:p>
           <a:p>
@@ -4349,15 +5484,7 @@
             </a:pPr>
             <a:r>
               <a:rPr lang="en-US" altLang="zh-CN" dirty="0"/>
-              <a:t>		&lt;</a:t>
-            </a:r>
-            <a:r>
-              <a:rPr lang="en-US" altLang="zh-CN" dirty="0" err="1"/>
-              <a:t>a,b,c,d</a:t>
-            </a:r>
-            <a:r>
-              <a:rPr lang="en-US" altLang="zh-CN" dirty="0"/>
-              <a:t>&gt; = {a{b{c{d}}}} </a:t>
+              <a:t>		&lt;a, b, c, d&gt; = {a{b{c{d}}}} </a:t>
             </a:r>
             <a:endParaRPr lang="zh-CN" altLang="en-US" dirty="0"/>
           </a:p>
@@ -4373,9 +5500,20 @@
           <a:p>
             <a:r>
               <a:rPr lang="zh-CN" altLang="en-US" dirty="0"/>
-              <a:t>阵列是数组的概念，也可以按照集合论进行布尔运算</a:t>
-            </a:r>
-            <a:endParaRPr lang="en-US" altLang="zh-CN" dirty="0"/>
+              <a:t>阵列是数组的概念</a:t>
+            </a:r>
+            <a:r>
+              <a:rPr lang="en-US" altLang="zh-CN" dirty="0"/>
+              <a:t>, </a:t>
+            </a:r>
+            <a:r>
+              <a:rPr lang="zh-CN" altLang="en-US" dirty="0"/>
+              <a:t>元素之间是平级关系</a:t>
+            </a:r>
+            <a:r>
+              <a:rPr lang="en-US" altLang="zh-CN" dirty="0"/>
+              <a:t>:</a:t>
+            </a:r>
           </a:p>
           <a:p>
             <a:pPr marL="0" indent="0">
@@ -4383,15 +5521,7 @@
             </a:pPr>
             <a:r>
               <a:rPr lang="en-US" altLang="zh-CN" dirty="0"/>
-              <a:t>		[</a:t>
-            </a:r>
-            <a:r>
-              <a:rPr lang="en-US" altLang="zh-CN" dirty="0" err="1"/>
-              <a:t>a,b,c,d</a:t>
-            </a:r>
-            <a:r>
-              <a:rPr lang="en-US" altLang="zh-CN" dirty="0"/>
-              <a:t>] = {{a}{b}{c}{d}}</a:t>
+              <a:t>		[a, b, c, d] = {{a}{b}{c}{d}}</a:t>
             </a:r>
             <a:endParaRPr lang="zh-CN" altLang="en-US" dirty="0"/>
           </a:p>
@@ -4548,7 +5678,7 @@
           <a:p>
             <a:r>
               <a:rPr lang="en-US" altLang="zh-CN" dirty="0"/>
-              <a:t>;</a:t>
+              <a:t>; </a:t>
             </a:r>
             <a:r>
               <a:rPr lang="zh-CN" altLang="en-US" dirty="0"/>
@@ -4675,23 +5805,23 @@
             </a:r>
             <a:r>
               <a:rPr lang="en-US" altLang="zh-CN" dirty="0"/>
-              <a:t>b = 0.1; &gt;</a:t>
-            </a:r>
-            <a:r>
-              <a:rPr lang="en-US" altLang="zh-CN" dirty="0" err="1"/>
-              <a:t>a+b</a:t>
-            </a:r>
-            <a:r>
-              <a:rPr lang="en-US" altLang="zh-CN" dirty="0"/>
-              <a:t>; (</a:t>
+              <a:t>b = 0.1</a:t>
+            </a:r>
+            <a:r>
+              <a:rPr lang="zh-CN" altLang="en-US" dirty="0"/>
+              <a:t> ；</a:t>
+            </a:r>
+            <a:r>
+              <a:rPr lang="en-US" altLang="zh-CN" dirty="0"/>
+              <a:t>&gt;a + b; (</a:t>
             </a:r>
             <a:r>
               <a:rPr lang="zh-CN" altLang="en-US" dirty="0"/>
               <a:t>打印</a:t>
             </a:r>
             <a:r>
-              <a:rPr lang="en-US" altLang="zh-CN" dirty="0" err="1"/>
-              <a:t>a+b</a:t>
+              <a:rPr lang="en-US" altLang="zh-CN" dirty="0"/>
+              <a:t>a + b</a:t>
             </a:r>
             <a:r>
               <a:rPr lang="zh-CN" altLang="en-US" dirty="0"/>
@@ -4840,13 +5970,13 @@
             </a:r>
             <a:r>
               <a:rPr lang="en-US" altLang="zh-CN" dirty="0"/>
-              <a:t>?(expr){ statement }:{ else statement } </a:t>
-            </a:r>
-          </a:p>
-          <a:p>
-            <a:r>
-              <a:rPr lang="en-US" altLang="zh-CN" dirty="0"/>
-              <a:t>  ?(expr) statement1; : statement2; </a:t>
+              <a:t>?(expr){ statements }:{ else statements } </a:t>
+            </a:r>
+          </a:p>
+          <a:p>
+            <a:r>
+              <a:rPr lang="en-US" altLang="zh-CN" dirty="0"/>
+              <a:t>  ?(expr) statement; : statement; </a:t>
             </a:r>
           </a:p>
           <a:p>
@@ -4866,7 +5996,7 @@
             </a:r>
             <a:r>
               <a:rPr lang="en-US" altLang="zh-CN" dirty="0"/>
-              <a:t>@n{ statement1 ?(_</a:t>
+              <a:t>@n{ statements?(_</a:t>
             </a:r>
             <a:r>
               <a:rPr lang="en-US" altLang="zh-CN" dirty="0" err="1"/>
@@ -4874,7 +6004,7 @@
             </a:r>
             <a:r>
               <a:rPr lang="en-US" altLang="zh-CN" dirty="0"/>
-              <a:t> = x) ˜;statement2 }  #_i </a:t>
+              <a:t> = x) ˜;statements }  #_i </a:t>
             </a:r>
             <a:r>
               <a:rPr lang="zh-CN" altLang="en-US" dirty="0"/>
@@ -5033,7 +6163,7 @@
                 <a:effectLst/>
                 <a:latin typeface="ui-monospace"/>
               </a:rPr>
-              <a:t>...) { statement $return }</a:t>
+              <a:t>...) { statements $return }</a:t>
             </a:r>
             <a:endParaRPr lang="en-US" altLang="zh-CN" dirty="0"/>
           </a:p>
@@ -5050,14 +6180,18 @@
             </a:pPr>
             <a:r>
               <a:rPr lang="en-US" altLang="zh-CN" dirty="0"/>
-              <a:t>	function(</a:t>
-            </a:r>
-            <a:r>
-              <a:rPr lang="en-US" altLang="zh-CN" dirty="0" err="1"/>
+              <a:t>	</a:t>
+            </a:r>
+            <a:r>
+              <a:rPr lang="en-US" altLang="zh-CN" b="1" dirty="0"/>
+              <a:t>function(</a:t>
+            </a:r>
+            <a:r>
+              <a:rPr lang="en-US" altLang="zh-CN" b="1" dirty="0" err="1"/>
               <a:t>args</a:t>
             </a:r>
             <a:r>
-              <a:rPr lang="en-US" altLang="zh-CN" dirty="0"/>
+              <a:rPr lang="en-US" altLang="zh-CN" b="1" dirty="0"/>
               <a:t>);</a:t>
             </a:r>
           </a:p>
@@ -5170,7 +6304,7 @@
         <p:spPr/>
         <p:txBody>
           <a:bodyPr>
-            <a:normAutofit fontScale="92500" lnSpcReduction="20000"/>
+            <a:normAutofit fontScale="92500" lnSpcReduction="10000"/>
           </a:bodyPr>
           <a:lstStyle/>
           <a:p>
@@ -5226,7 +6360,7 @@
               <a:buNone/>
             </a:pPr>
             <a:r>
-              <a:rPr lang="en-US" altLang="zh-CN" sz="1200" dirty="0"/>
+              <a:rPr lang="en-US" altLang="zh-CN" sz="1200" b="1" dirty="0"/>
               <a:t>	{	</a:t>
             </a:r>
           </a:p>
@@ -5235,7 +6369,7 @@
               <a:buNone/>
             </a:pPr>
             <a:r>
-              <a:rPr lang="en-US" altLang="zh-CN" sz="1200" dirty="0"/>
+              <a:rPr lang="en-US" altLang="zh-CN" sz="1200" b="1" dirty="0"/>
               <a:t>	      a{ p:1,0,0;</a:t>
             </a:r>
           </a:p>
@@ -5244,7 +6378,7 @@
               <a:buNone/>
             </a:pPr>
             <a:r>
-              <a:rPr lang="en-US" altLang="zh-CN" sz="1200" dirty="0"/>
+              <a:rPr lang="en-US" altLang="zh-CN" sz="1200" b="1" dirty="0"/>
               <a:t>	          b{p:2,0,0}</a:t>
             </a:r>
           </a:p>
@@ -5253,15 +6387,15 @@
               <a:buNone/>
             </a:pPr>
             <a:r>
-              <a:rPr lang="en-US" altLang="zh-CN" sz="1200" dirty="0"/>
+              <a:rPr lang="en-US" altLang="zh-CN" sz="1200" b="1" dirty="0"/>
               <a:t>	          &lt;</a:t>
             </a:r>
             <a:r>
-              <a:rPr lang="en-US" altLang="zh-CN" sz="1200" dirty="0" err="1"/>
-              <a:t>a,a,a</a:t>
-            </a:r>
-            <a:r>
-              <a:rPr lang="en-US" altLang="zh-CN" sz="1200" dirty="0"/>
+              <a:rPr lang="en-US" altLang="zh-CN" sz="1200" b="1" dirty="0" err="1"/>
+              <a:t>a,b</a:t>
+            </a:r>
+            <a:r>
+              <a:rPr lang="en-US" altLang="zh-CN" sz="1200" b="1" dirty="0"/>
               <a:t>&gt;</a:t>
             </a:r>
           </a:p>
@@ -5270,16 +6404,16 @@
               <a:buNone/>
             </a:pPr>
             <a:r>
-              <a:rPr lang="en-US" altLang="zh-CN" sz="1200" dirty="0"/>
+              <a:rPr lang="en-US" altLang="zh-CN" sz="1200" b="1" dirty="0"/>
               <a:t>	          [</a:t>
             </a:r>
             <a:r>
-              <a:rPr lang="en-US" altLang="zh-CN" sz="1200" dirty="0" err="1"/>
-              <a:t>a,a,a</a:t>
-            </a:r>
-            <a:r>
-              <a:rPr lang="en-US" altLang="zh-CN" sz="1200" dirty="0"/>
-              <a:t>]           </a:t>
+              <a:rPr lang="en-US" altLang="zh-CN" sz="1200" b="1" dirty="0" err="1"/>
+              <a:t>a,b</a:t>
+            </a:r>
+            <a:r>
+              <a:rPr lang="en-US" altLang="zh-CN" sz="1200" b="1" dirty="0"/>
+              <a:t>] }</a:t>
             </a:r>
           </a:p>
           <a:p>
@@ -5287,19 +6421,10 @@
               <a:buNone/>
             </a:pPr>
             <a:r>
-              <a:rPr lang="en-US" altLang="zh-CN" sz="1200" dirty="0"/>
-              <a:t>	    }</a:t>
-            </a:r>
-          </a:p>
-          <a:p>
-            <a:pPr marL="457200" lvl="1" indent="0">
-              <a:buNone/>
-            </a:pPr>
-            <a:r>
-              <a:rPr lang="en-US" altLang="zh-CN" sz="1200" dirty="0"/>
+              <a:rPr lang="en-US" altLang="zh-CN" sz="1200" b="1" dirty="0"/>
               <a:t>	}</a:t>
             </a:r>
-            <a:endParaRPr lang="zh-CN" altLang="en-US" sz="1200" dirty="0"/>
+            <a:endParaRPr lang="zh-CN" altLang="en-US" sz="1200" b="1" dirty="0"/>
           </a:p>
         </p:txBody>
       </p:sp>
@@ -5317,8 +6442,8 @@
         </p:nvSpPr>
         <p:spPr>
           <a:xfrm>
-            <a:off x="4580390" y="2407640"/>
-            <a:ext cx="4286774" cy="2308324"/>
+            <a:off x="4214629" y="2274837"/>
+            <a:ext cx="4996747" cy="2308324"/>
           </a:xfrm>
           <a:prstGeom prst="rect">
             <a:avLst/>

--- a/PHG语法手册.pptx
+++ b/PHG语法手册.pptx
@@ -283,7 +283,7 @@
           <a:p>
             <a:fld id="{F5A39F03-C3F8-4711-8682-F778EBC31EC3}" type="datetimeFigureOut">
               <a:rPr lang="zh-CN" altLang="en-US" smtClean="0"/>
-              <a:t>2022/5/10</a:t>
+              <a:t>2022/5/11</a:t>
             </a:fld>
             <a:endParaRPr lang="zh-CN" altLang="en-US"/>
           </a:p>
@@ -481,7 +481,7 @@
           <a:p>
             <a:fld id="{F5A39F03-C3F8-4711-8682-F778EBC31EC3}" type="datetimeFigureOut">
               <a:rPr lang="zh-CN" altLang="en-US" smtClean="0"/>
-              <a:t>2022/5/10</a:t>
+              <a:t>2022/5/11</a:t>
             </a:fld>
             <a:endParaRPr lang="zh-CN" altLang="en-US"/>
           </a:p>
@@ -689,7 +689,7 @@
           <a:p>
             <a:fld id="{F5A39F03-C3F8-4711-8682-F778EBC31EC3}" type="datetimeFigureOut">
               <a:rPr lang="zh-CN" altLang="en-US" smtClean="0"/>
-              <a:t>2022/5/10</a:t>
+              <a:t>2022/5/11</a:t>
             </a:fld>
             <a:endParaRPr lang="zh-CN" altLang="en-US"/>
           </a:p>
@@ -887,7 +887,7 @@
           <a:p>
             <a:fld id="{F5A39F03-C3F8-4711-8682-F778EBC31EC3}" type="datetimeFigureOut">
               <a:rPr lang="zh-CN" altLang="en-US" smtClean="0"/>
-              <a:t>2022/5/10</a:t>
+              <a:t>2022/5/11</a:t>
             </a:fld>
             <a:endParaRPr lang="zh-CN" altLang="en-US"/>
           </a:p>
@@ -1162,7 +1162,7 @@
           <a:p>
             <a:fld id="{F5A39F03-C3F8-4711-8682-F778EBC31EC3}" type="datetimeFigureOut">
               <a:rPr lang="zh-CN" altLang="en-US" smtClean="0"/>
-              <a:t>2022/5/10</a:t>
+              <a:t>2022/5/11</a:t>
             </a:fld>
             <a:endParaRPr lang="zh-CN" altLang="en-US"/>
           </a:p>
@@ -1427,7 +1427,7 @@
           <a:p>
             <a:fld id="{F5A39F03-C3F8-4711-8682-F778EBC31EC3}" type="datetimeFigureOut">
               <a:rPr lang="zh-CN" altLang="en-US" smtClean="0"/>
-              <a:t>2022/5/10</a:t>
+              <a:t>2022/5/11</a:t>
             </a:fld>
             <a:endParaRPr lang="zh-CN" altLang="en-US"/>
           </a:p>
@@ -1839,7 +1839,7 @@
           <a:p>
             <a:fld id="{F5A39F03-C3F8-4711-8682-F778EBC31EC3}" type="datetimeFigureOut">
               <a:rPr lang="zh-CN" altLang="en-US" smtClean="0"/>
-              <a:t>2022/5/10</a:t>
+              <a:t>2022/5/11</a:t>
             </a:fld>
             <a:endParaRPr lang="zh-CN" altLang="en-US"/>
           </a:p>
@@ -1980,7 +1980,7 @@
           <a:p>
             <a:fld id="{F5A39F03-C3F8-4711-8682-F778EBC31EC3}" type="datetimeFigureOut">
               <a:rPr lang="zh-CN" altLang="en-US" smtClean="0"/>
-              <a:t>2022/5/10</a:t>
+              <a:t>2022/5/11</a:t>
             </a:fld>
             <a:endParaRPr lang="zh-CN" altLang="en-US"/>
           </a:p>
@@ -2093,7 +2093,7 @@
           <a:p>
             <a:fld id="{F5A39F03-C3F8-4711-8682-F778EBC31EC3}" type="datetimeFigureOut">
               <a:rPr lang="zh-CN" altLang="en-US" smtClean="0"/>
-              <a:t>2022/5/10</a:t>
+              <a:t>2022/5/11</a:t>
             </a:fld>
             <a:endParaRPr lang="zh-CN" altLang="en-US"/>
           </a:p>
@@ -2404,7 +2404,7 @@
           <a:p>
             <a:fld id="{F5A39F03-C3F8-4711-8682-F778EBC31EC3}" type="datetimeFigureOut">
               <a:rPr lang="zh-CN" altLang="en-US" smtClean="0"/>
-              <a:t>2022/5/10</a:t>
+              <a:t>2022/5/11</a:t>
             </a:fld>
             <a:endParaRPr lang="zh-CN" altLang="en-US"/>
           </a:p>
@@ -2692,7 +2692,7 @@
           <a:p>
             <a:fld id="{F5A39F03-C3F8-4711-8682-F778EBC31EC3}" type="datetimeFigureOut">
               <a:rPr lang="zh-CN" altLang="en-US" smtClean="0"/>
-              <a:t>2022/5/10</a:t>
+              <a:t>2022/5/11</a:t>
             </a:fld>
             <a:endParaRPr lang="zh-CN" altLang="en-US"/>
           </a:p>
@@ -2933,7 +2933,7 @@
           <a:p>
             <a:fld id="{F5A39F03-C3F8-4711-8682-F778EBC31EC3}" type="datetimeFigureOut">
               <a:rPr lang="zh-CN" altLang="en-US" smtClean="0"/>
-              <a:t>2022/5/10</a:t>
+              <a:t>2022/5/11</a:t>
             </a:fld>
             <a:endParaRPr lang="zh-CN" altLang="en-US"/>
           </a:p>
@@ -4726,12 +4726,9 @@
           <a:p>
             <a:r>
               <a:rPr lang="en-US" altLang="zh-CN" dirty="0"/>
-              <a:t>API – </a:t>
-            </a:r>
-            <a:r>
-              <a:rPr lang="zh-CN" altLang="en-US" dirty="0"/>
-              <a:t>基础部分</a:t>
-            </a:r>
+              <a:t>API</a:t>
+            </a:r>
+            <a:endParaRPr lang="zh-CN" altLang="en-US" dirty="0"/>
           </a:p>
         </p:txBody>
       </p:sp>

--- a/PHG语法手册.pptx
+++ b/PHG语法手册.pptx
@@ -8,16 +8,17 @@
     <p:sldId id="256" r:id="rId2"/>
     <p:sldId id="257" r:id="rId3"/>
     <p:sldId id="258" r:id="rId4"/>
-    <p:sldId id="276" r:id="rId5"/>
-    <p:sldId id="289" r:id="rId6"/>
-    <p:sldId id="287" r:id="rId7"/>
-    <p:sldId id="288" r:id="rId8"/>
-    <p:sldId id="290" r:id="rId9"/>
-    <p:sldId id="286" r:id="rId10"/>
-    <p:sldId id="285" r:id="rId11"/>
-    <p:sldId id="282" r:id="rId12"/>
-    <p:sldId id="291" r:id="rId13"/>
-    <p:sldId id="292" r:id="rId14"/>
+    <p:sldId id="289" r:id="rId5"/>
+    <p:sldId id="287" r:id="rId6"/>
+    <p:sldId id="288" r:id="rId7"/>
+    <p:sldId id="290" r:id="rId8"/>
+    <p:sldId id="286" r:id="rId9"/>
+    <p:sldId id="276" r:id="rId10"/>
+    <p:sldId id="293" r:id="rId11"/>
+    <p:sldId id="285" r:id="rId12"/>
+    <p:sldId id="282" r:id="rId13"/>
+    <p:sldId id="291" r:id="rId14"/>
+    <p:sldId id="292" r:id="rId15"/>
   </p:sldIdLst>
   <p:sldSz cx="12192000" cy="6858000"/>
   <p:notesSz cx="6858000" cy="9144000"/>
@@ -283,7 +284,7 @@
           <a:p>
             <a:fld id="{F5A39F03-C3F8-4711-8682-F778EBC31EC3}" type="datetimeFigureOut">
               <a:rPr lang="zh-CN" altLang="en-US" smtClean="0"/>
-              <a:t>2022/5/11</a:t>
+              <a:t>2022/5/20</a:t>
             </a:fld>
             <a:endParaRPr lang="zh-CN" altLang="en-US"/>
           </a:p>
@@ -481,7 +482,7 @@
           <a:p>
             <a:fld id="{F5A39F03-C3F8-4711-8682-F778EBC31EC3}" type="datetimeFigureOut">
               <a:rPr lang="zh-CN" altLang="en-US" smtClean="0"/>
-              <a:t>2022/5/11</a:t>
+              <a:t>2022/5/20</a:t>
             </a:fld>
             <a:endParaRPr lang="zh-CN" altLang="en-US"/>
           </a:p>
@@ -689,7 +690,7 @@
           <a:p>
             <a:fld id="{F5A39F03-C3F8-4711-8682-F778EBC31EC3}" type="datetimeFigureOut">
               <a:rPr lang="zh-CN" altLang="en-US" smtClean="0"/>
-              <a:t>2022/5/11</a:t>
+              <a:t>2022/5/20</a:t>
             </a:fld>
             <a:endParaRPr lang="zh-CN" altLang="en-US"/>
           </a:p>
@@ -887,7 +888,7 @@
           <a:p>
             <a:fld id="{F5A39F03-C3F8-4711-8682-F778EBC31EC3}" type="datetimeFigureOut">
               <a:rPr lang="zh-CN" altLang="en-US" smtClean="0"/>
-              <a:t>2022/5/11</a:t>
+              <a:t>2022/5/20</a:t>
             </a:fld>
             <a:endParaRPr lang="zh-CN" altLang="en-US"/>
           </a:p>
@@ -1162,7 +1163,7 @@
           <a:p>
             <a:fld id="{F5A39F03-C3F8-4711-8682-F778EBC31EC3}" type="datetimeFigureOut">
               <a:rPr lang="zh-CN" altLang="en-US" smtClean="0"/>
-              <a:t>2022/5/11</a:t>
+              <a:t>2022/5/20</a:t>
             </a:fld>
             <a:endParaRPr lang="zh-CN" altLang="en-US"/>
           </a:p>
@@ -1427,7 +1428,7 @@
           <a:p>
             <a:fld id="{F5A39F03-C3F8-4711-8682-F778EBC31EC3}" type="datetimeFigureOut">
               <a:rPr lang="zh-CN" altLang="en-US" smtClean="0"/>
-              <a:t>2022/5/11</a:t>
+              <a:t>2022/5/20</a:t>
             </a:fld>
             <a:endParaRPr lang="zh-CN" altLang="en-US"/>
           </a:p>
@@ -1839,7 +1840,7 @@
           <a:p>
             <a:fld id="{F5A39F03-C3F8-4711-8682-F778EBC31EC3}" type="datetimeFigureOut">
               <a:rPr lang="zh-CN" altLang="en-US" smtClean="0"/>
-              <a:t>2022/5/11</a:t>
+              <a:t>2022/5/20</a:t>
             </a:fld>
             <a:endParaRPr lang="zh-CN" altLang="en-US"/>
           </a:p>
@@ -1980,7 +1981,7 @@
           <a:p>
             <a:fld id="{F5A39F03-C3F8-4711-8682-F778EBC31EC3}" type="datetimeFigureOut">
               <a:rPr lang="zh-CN" altLang="en-US" smtClean="0"/>
-              <a:t>2022/5/11</a:t>
+              <a:t>2022/5/20</a:t>
             </a:fld>
             <a:endParaRPr lang="zh-CN" altLang="en-US"/>
           </a:p>
@@ -2093,7 +2094,7 @@
           <a:p>
             <a:fld id="{F5A39F03-C3F8-4711-8682-F778EBC31EC3}" type="datetimeFigureOut">
               <a:rPr lang="zh-CN" altLang="en-US" smtClean="0"/>
-              <a:t>2022/5/11</a:t>
+              <a:t>2022/5/20</a:t>
             </a:fld>
             <a:endParaRPr lang="zh-CN" altLang="en-US"/>
           </a:p>
@@ -2404,7 +2405,7 @@
           <a:p>
             <a:fld id="{F5A39F03-C3F8-4711-8682-F778EBC31EC3}" type="datetimeFigureOut">
               <a:rPr lang="zh-CN" altLang="en-US" smtClean="0"/>
-              <a:t>2022/5/11</a:t>
+              <a:t>2022/5/20</a:t>
             </a:fld>
             <a:endParaRPr lang="zh-CN" altLang="en-US"/>
           </a:p>
@@ -2692,7 +2693,7 @@
           <a:p>
             <a:fld id="{F5A39F03-C3F8-4711-8682-F778EBC31EC3}" type="datetimeFigureOut">
               <a:rPr lang="zh-CN" altLang="en-US" smtClean="0"/>
-              <a:t>2022/5/11</a:t>
+              <a:t>2022/5/20</a:t>
             </a:fld>
             <a:endParaRPr lang="zh-CN" altLang="en-US"/>
           </a:p>
@@ -2933,7 +2934,7 @@
           <a:p>
             <a:fld id="{F5A39F03-C3F8-4711-8682-F778EBC31EC3}" type="datetimeFigureOut">
               <a:rPr lang="zh-CN" altLang="en-US" smtClean="0"/>
-              <a:t>2022/5/11</a:t>
+              <a:t>2022/5/20</a:t>
             </a:fld>
             <a:endParaRPr lang="zh-CN" altLang="en-US"/>
           </a:p>
@@ -3444,7 +3445,7 @@
         </p:blipFill>
         <p:spPr>
           <a:xfrm>
-            <a:off x="4004034" y="2283478"/>
+            <a:off x="4071146" y="3038487"/>
             <a:ext cx="3932261" cy="3452159"/>
           </a:xfrm>
           <a:prstGeom prst="rect">
@@ -3487,6 +3488,428 @@
           <p:cNvPr id="2" name="标题 1">
             <a:extLst>
               <a:ext uri="{FF2B5EF4-FFF2-40B4-BE49-F238E27FC236}">
+                <a16:creationId xmlns:a16="http://schemas.microsoft.com/office/drawing/2014/main" id="{64C4999A-D9B5-FD53-4EC2-588B01C8AA5F}"/>
+              </a:ext>
+            </a:extLst>
+          </p:cNvPr>
+          <p:cNvSpPr>
+            <a:spLocks noGrp="1"/>
+          </p:cNvSpPr>
+          <p:nvPr>
+            <p:ph type="title"/>
+          </p:nvPr>
+        </p:nvSpPr>
+        <p:spPr/>
+        <p:txBody>
+          <a:bodyPr/>
+          <a:lstStyle/>
+          <a:p>
+            <a:r>
+              <a:rPr lang="zh-CN" altLang="en-US" dirty="0"/>
+              <a:t>造型语法</a:t>
+            </a:r>
+          </a:p>
+        </p:txBody>
+      </p:sp>
+      <p:sp>
+        <p:nvSpPr>
+          <p:cNvPr id="3" name="内容占位符 2">
+            <a:extLst>
+              <a:ext uri="{FF2B5EF4-FFF2-40B4-BE49-F238E27FC236}">
+                <a16:creationId xmlns:a16="http://schemas.microsoft.com/office/drawing/2014/main" id="{71A2FC27-765D-4FF9-5C7B-1DE59CF86A3B}"/>
+              </a:ext>
+            </a:extLst>
+          </p:cNvPr>
+          <p:cNvSpPr>
+            <a:spLocks noGrp="1"/>
+          </p:cNvSpPr>
+          <p:nvPr>
+            <p:ph idx="1"/>
+          </p:nvPr>
+        </p:nvSpPr>
+        <p:spPr>
+          <a:xfrm>
+            <a:off x="5897461" y="1690688"/>
+            <a:ext cx="5771625" cy="4182219"/>
+          </a:xfrm>
+        </p:spPr>
+        <p:txBody>
+          <a:bodyPr>
+            <a:normAutofit fontScale="47500" lnSpcReduction="20000"/>
+          </a:bodyPr>
+          <a:lstStyle/>
+          <a:p>
+            <a:r>
+              <a:rPr lang="en-US" altLang="zh-CN" dirty="0"/>
+              <a:t>{# </a:t>
+            </a:r>
+            <a:r>
+              <a:rPr lang="zh-CN" altLang="en-US" dirty="0"/>
+              <a:t>单元定义</a:t>
+            </a:r>
+          </a:p>
+          <a:p>
+            <a:r>
+              <a:rPr lang="zh-CN" altLang="en-US" dirty="0"/>
+              <a:t> </a:t>
+            </a:r>
+            <a:r>
+              <a:rPr lang="en-US" altLang="zh-CN" dirty="0"/>
+              <a:t>x{md:zhix.obj;x:2;}</a:t>
+            </a:r>
+          </a:p>
+          <a:p>
+            <a:r>
+              <a:rPr lang="en-US" altLang="zh-CN" dirty="0"/>
+              <a:t> y{md:zhiy.obj;y:2;}</a:t>
+            </a:r>
+          </a:p>
+          <a:p>
+            <a:r>
+              <a:rPr lang="en-US" altLang="zh-CN" dirty="0"/>
+              <a:t> z{md:zhiz.obj;z:2;}</a:t>
+            </a:r>
+          </a:p>
+          <a:p>
+            <a:r>
+              <a:rPr lang="en-US" altLang="zh-CN" dirty="0"/>
+              <a:t>  {</a:t>
+            </a:r>
+            <a:r>
+              <a:rPr lang="en-US" altLang="zh-CN" dirty="0" err="1"/>
+              <a:t>md:wantouxy.obj</a:t>
+            </a:r>
+            <a:r>
+              <a:rPr lang="en-US" altLang="zh-CN" dirty="0"/>
+              <a:t>;[</a:t>
+            </a:r>
+            <a:r>
+              <a:rPr lang="en-US" altLang="zh-CN" dirty="0" err="1"/>
+              <a:t>x,y</a:t>
+            </a:r>
+            <a:r>
+              <a:rPr lang="en-US" altLang="zh-CN" dirty="0"/>
+              <a:t>]}</a:t>
+            </a:r>
+          </a:p>
+          <a:p>
+            <a:r>
+              <a:rPr lang="en-US" altLang="zh-CN" dirty="0"/>
+              <a:t>  {</a:t>
+            </a:r>
+            <a:r>
+              <a:rPr lang="en-US" altLang="zh-CN" dirty="0" err="1"/>
+              <a:t>md:wantouxz.obj</a:t>
+            </a:r>
+            <a:r>
+              <a:rPr lang="en-US" altLang="zh-CN" dirty="0"/>
+              <a:t>;[</a:t>
+            </a:r>
+            <a:r>
+              <a:rPr lang="en-US" altLang="zh-CN" dirty="0" err="1"/>
+              <a:t>z,x</a:t>
+            </a:r>
+            <a:r>
+              <a:rPr lang="en-US" altLang="zh-CN" dirty="0"/>
+              <a:t>]}</a:t>
+            </a:r>
+          </a:p>
+          <a:p>
+            <a:r>
+              <a:rPr lang="en-US" altLang="zh-CN" dirty="0"/>
+              <a:t>  {md:wantouzx2.obj;[</a:t>
+            </a:r>
+            <a:r>
+              <a:rPr lang="en-US" altLang="zh-CN" dirty="0" err="1"/>
+              <a:t>x,z</a:t>
+            </a:r>
+            <a:r>
+              <a:rPr lang="en-US" altLang="zh-CN" dirty="0"/>
+              <a:t>]}</a:t>
+            </a:r>
+          </a:p>
+          <a:p>
+            <a:r>
+              <a:rPr lang="en-US" altLang="zh-CN" dirty="0"/>
+              <a:t> # </a:t>
+            </a:r>
+            <a:r>
+              <a:rPr lang="zh-CN" altLang="en-US" dirty="0"/>
+              <a:t>环境设置</a:t>
+            </a:r>
+          </a:p>
+          <a:p>
+            <a:r>
+              <a:rPr lang="zh-CN" altLang="en-US" dirty="0"/>
+              <a:t> </a:t>
+            </a:r>
+            <a:r>
+              <a:rPr lang="en-US" altLang="zh-CN" dirty="0"/>
+              <a:t>(on('md');</a:t>
+            </a:r>
+            <a:r>
+              <a:rPr lang="en-US" altLang="zh-CN" dirty="0" err="1"/>
+              <a:t>abe</a:t>
+            </a:r>
+            <a:r>
+              <a:rPr lang="en-US" altLang="zh-CN" dirty="0"/>
+              <a:t>(0);)</a:t>
+            </a:r>
+          </a:p>
+          <a:p>
+            <a:r>
+              <a:rPr lang="en-US" altLang="zh-CN" dirty="0"/>
+              <a:t> # </a:t>
+            </a:r>
+            <a:r>
+              <a:rPr lang="zh-CN" altLang="en-US" dirty="0"/>
+              <a:t>形态描述语句</a:t>
+            </a:r>
+          </a:p>
+          <a:p>
+            <a:r>
+              <a:rPr lang="zh-CN" altLang="en-US" dirty="0"/>
+              <a:t> </a:t>
+            </a:r>
+            <a:r>
+              <a:rPr lang="en-US" altLang="zh-CN" dirty="0"/>
+              <a:t>pipe{x:-5;&lt;</a:t>
+            </a:r>
+            <a:r>
+              <a:rPr lang="en-US" altLang="zh-CN" dirty="0" err="1"/>
+              <a:t>x,x,y</a:t>
+            </a:r>
+            <a:r>
+              <a:rPr lang="en-US" altLang="zh-CN" dirty="0"/>
+              <a:t>,{(add('</a:t>
+            </a:r>
+            <a:r>
+              <a:rPr lang="en-US" altLang="zh-CN" dirty="0" err="1"/>
+              <a:t>x','y</a:t>
+            </a:r>
+            <a:r>
+              <a:rPr lang="en-US" altLang="zh-CN" dirty="0"/>
+              <a:t>'););x:4;y:1},{x,y:4;x:1;},x,{(add('</a:t>
+            </a:r>
+            <a:r>
+              <a:rPr lang="en-US" altLang="zh-CN" dirty="0" err="1"/>
+              <a:t>x','z</a:t>
+            </a:r>
+            <a:r>
+              <a:rPr lang="en-US" altLang="zh-CN" dirty="0"/>
+              <a:t>');)x:1;z:4},</a:t>
+            </a:r>
+            <a:r>
+              <a:rPr lang="en-US" altLang="zh-CN" dirty="0" err="1"/>
+              <a:t>z,z,z,z</a:t>
+            </a:r>
+            <a:r>
+              <a:rPr lang="en-US" altLang="zh-CN" dirty="0"/>
+              <a:t>&gt;}</a:t>
+            </a:r>
+          </a:p>
+          <a:p>
+            <a:r>
+              <a:rPr lang="en-US" altLang="zh-CN" dirty="0"/>
+              <a:t>}</a:t>
+            </a:r>
+          </a:p>
+          <a:p>
+            <a:r>
+              <a:rPr lang="en-US" altLang="zh-CN" dirty="0"/>
+              <a:t># </a:t>
+            </a:r>
+            <a:r>
+              <a:rPr lang="zh-CN" altLang="en-US" dirty="0"/>
+              <a:t>绘制流程</a:t>
+            </a:r>
+          </a:p>
+          <a:p>
+            <a:r>
+              <a:rPr lang="en-US" altLang="zh-CN" dirty="0"/>
+              <a:t>setup("</a:t>
+            </a:r>
+            <a:r>
+              <a:rPr lang="en-US" altLang="zh-CN" dirty="0" err="1"/>
+              <a:t>entity","pipe</a:t>
+            </a:r>
+            <a:r>
+              <a:rPr lang="en-US" altLang="zh-CN" dirty="0"/>
+              <a:t>");draw("pipe");</a:t>
+            </a:r>
+            <a:endParaRPr lang="zh-CN" altLang="en-US" dirty="0"/>
+          </a:p>
+        </p:txBody>
+      </p:sp>
+      <p:sp>
+        <p:nvSpPr>
+          <p:cNvPr id="7" name="文本框 6">
+            <a:extLst>
+              <a:ext uri="{FF2B5EF4-FFF2-40B4-BE49-F238E27FC236}">
+                <a16:creationId xmlns:a16="http://schemas.microsoft.com/office/drawing/2014/main" id="{35925AAC-6AFB-CCCD-47D4-DA658E51F1C2}"/>
+              </a:ext>
+            </a:extLst>
+          </p:cNvPr>
+          <p:cNvSpPr txBox="1"/>
+          <p:nvPr/>
+        </p:nvSpPr>
+        <p:spPr>
+          <a:xfrm>
+            <a:off x="4966283" y="1619074"/>
+            <a:ext cx="733338" cy="369332"/>
+          </a:xfrm>
+          <a:prstGeom prst="rect">
+            <a:avLst/>
+          </a:prstGeom>
+          <a:noFill/>
+        </p:spPr>
+        <p:txBody>
+          <a:bodyPr wrap="square" rtlCol="0">
+            <a:spAutoFit/>
+          </a:bodyPr>
+          <a:lstStyle/>
+          <a:p>
+            <a:r>
+              <a:rPr lang="zh-CN" altLang="en-US" dirty="0"/>
+              <a:t>实例：</a:t>
+            </a:r>
+          </a:p>
+        </p:txBody>
+      </p:sp>
+      <p:sp>
+        <p:nvSpPr>
+          <p:cNvPr id="10" name="文本框 9">
+            <a:extLst>
+              <a:ext uri="{FF2B5EF4-FFF2-40B4-BE49-F238E27FC236}">
+                <a16:creationId xmlns:a16="http://schemas.microsoft.com/office/drawing/2014/main" id="{FB496BE5-9642-B2AC-6571-B4295E9837EF}"/>
+              </a:ext>
+            </a:extLst>
+          </p:cNvPr>
+          <p:cNvSpPr txBox="1"/>
+          <p:nvPr/>
+        </p:nvSpPr>
+        <p:spPr>
+          <a:xfrm>
+            <a:off x="763398" y="1803739"/>
+            <a:ext cx="3129094" cy="2123658"/>
+          </a:xfrm>
+          <a:prstGeom prst="rect">
+            <a:avLst/>
+          </a:prstGeom>
+          <a:noFill/>
+        </p:spPr>
+        <p:txBody>
+          <a:bodyPr wrap="square" rtlCol="0">
+            <a:spAutoFit/>
+          </a:bodyPr>
+          <a:lstStyle/>
+          <a:p>
+            <a:r>
+              <a:rPr lang="en-US" altLang="zh-CN" sz="2400" b="1" dirty="0"/>
+              <a:t>* </a:t>
+            </a:r>
+            <a:r>
+              <a:rPr lang="en-US" altLang="zh-CN" sz="2400" dirty="0"/>
+              <a:t>{ </a:t>
+            </a:r>
+            <a:r>
+              <a:rPr lang="zh-CN" altLang="en-US" sz="2400" dirty="0"/>
+              <a:t>单元定义 </a:t>
+            </a:r>
+            <a:r>
+              <a:rPr lang="en-US" altLang="zh-CN" sz="2400" dirty="0"/>
+              <a:t>}</a:t>
+            </a:r>
+          </a:p>
+          <a:p>
+            <a:r>
+              <a:rPr lang="en-US" altLang="zh-CN" sz="2400" b="1" dirty="0"/>
+              <a:t>* </a:t>
+            </a:r>
+            <a:r>
+              <a:rPr lang="en-US" altLang="zh-CN" sz="2400" dirty="0"/>
+              <a:t>{</a:t>
+            </a:r>
+            <a:r>
+              <a:rPr lang="zh-CN" altLang="en-US" sz="2400" dirty="0"/>
+              <a:t>（环境设置）</a:t>
+            </a:r>
+            <a:r>
+              <a:rPr lang="en-US" altLang="zh-CN" sz="2400" dirty="0"/>
+              <a:t>}</a:t>
+            </a:r>
+          </a:p>
+          <a:p>
+            <a:r>
+              <a:rPr lang="en-US" altLang="zh-CN" sz="2400" b="1" dirty="0"/>
+              <a:t>* </a:t>
+            </a:r>
+            <a:r>
+              <a:rPr lang="en-US" altLang="zh-CN" sz="2400" dirty="0"/>
+              <a:t>{ </a:t>
+            </a:r>
+            <a:r>
+              <a:rPr lang="zh-CN" altLang="en-US" sz="2400" dirty="0"/>
+              <a:t>形态描述语句 </a:t>
+            </a:r>
+            <a:r>
+              <a:rPr lang="en-US" altLang="zh-CN" sz="2400" dirty="0"/>
+              <a:t>}</a:t>
+            </a:r>
+          </a:p>
+          <a:p>
+            <a:r>
+              <a:rPr lang="en-US" altLang="zh-CN" sz="2400" b="1" dirty="0"/>
+              <a:t>* </a:t>
+            </a:r>
+            <a:r>
+              <a:rPr lang="zh-CN" altLang="en-US" sz="2400" dirty="0"/>
+              <a:t>绘制流程</a:t>
+            </a:r>
+          </a:p>
+          <a:p>
+            <a:endParaRPr lang="en-US" altLang="zh-CN" dirty="0"/>
+          </a:p>
+          <a:p>
+            <a:endParaRPr lang="zh-CN" altLang="en-US" dirty="0"/>
+          </a:p>
+        </p:txBody>
+      </p:sp>
+    </p:spTree>
+    <p:extLst>
+      <p:ext uri="{BB962C8B-B14F-4D97-AF65-F5344CB8AC3E}">
+        <p14:creationId xmlns:p14="http://schemas.microsoft.com/office/powerpoint/2010/main" val="3439718213"/>
+      </p:ext>
+    </p:extLst>
+  </p:cSld>
+  <p:clrMapOvr>
+    <a:masterClrMapping/>
+  </p:clrMapOvr>
+</p:sld>
+</file>
+
+<file path=ppt/slides/slide11.xml><?xml version="1.0" encoding="utf-8"?>
+<p:sld xmlns:a="http://schemas.openxmlformats.org/drawingml/2006/main" xmlns:r="http://schemas.openxmlformats.org/officeDocument/2006/relationships" xmlns:p="http://schemas.openxmlformats.org/presentationml/2006/main">
+  <p:cSld>
+    <p:spTree>
+      <p:nvGrpSpPr>
+        <p:cNvPr id="1" name=""/>
+        <p:cNvGrpSpPr/>
+        <p:nvPr/>
+      </p:nvGrpSpPr>
+      <p:grpSpPr>
+        <a:xfrm>
+          <a:off x="0" y="0"/>
+          <a:ext cx="0" cy="0"/>
+          <a:chOff x="0" y="0"/>
+          <a:chExt cx="0" cy="0"/>
+        </a:xfrm>
+      </p:grpSpPr>
+      <p:sp>
+        <p:nvSpPr>
+          <p:cNvPr id="2" name="标题 1">
+            <a:extLst>
+              <a:ext uri="{FF2B5EF4-FFF2-40B4-BE49-F238E27FC236}">
                 <a16:creationId xmlns:a16="http://schemas.microsoft.com/office/drawing/2014/main" id="{F993270C-3898-4D22-B278-074A8B891669}"/>
               </a:ext>
             </a:extLst>
@@ -3640,7 +4063,7 @@
 </p:sld>
 </file>
 
-<file path=ppt/slides/slide11.xml><?xml version="1.0" encoding="utf-8"?>
+<file path=ppt/slides/slide12.xml><?xml version="1.0" encoding="utf-8"?>
 <p:sld xmlns:a="http://schemas.openxmlformats.org/drawingml/2006/main" xmlns:r="http://schemas.openxmlformats.org/officeDocument/2006/relationships" xmlns:p="http://schemas.openxmlformats.org/presentationml/2006/main">
   <p:cSld>
     <p:spTree>
@@ -3795,7 +4218,7 @@
 </p:sld>
 </file>
 
-<file path=ppt/slides/slide12.xml><?xml version="1.0" encoding="utf-8"?>
+<file path=ppt/slides/slide13.xml><?xml version="1.0" encoding="utf-8"?>
 <p:sld xmlns:a="http://schemas.openxmlformats.org/drawingml/2006/main" xmlns:r="http://schemas.openxmlformats.org/officeDocument/2006/relationships" xmlns:p="http://schemas.openxmlformats.org/presentationml/2006/main">
   <p:cSld>
     <p:spTree>
@@ -4686,7 +5109,7 @@
 </p:sld>
 </file>
 
-<file path=ppt/slides/slide13.xml><?xml version="1.0" encoding="utf-8"?>
+<file path=ppt/slides/slide14.xml><?xml version="1.0" encoding="utf-8"?>
 <p:sld xmlns:a="http://schemas.openxmlformats.org/drawingml/2006/main" xmlns:r="http://schemas.openxmlformats.org/officeDocument/2006/relationships" xmlns:p="http://schemas.openxmlformats.org/presentationml/2006/main">
   <p:cSld>
     <p:spTree>
@@ -4726,9 +5149,12 @@
           <a:p>
             <a:r>
               <a:rPr lang="en-US" altLang="zh-CN" dirty="0"/>
-              <a:t>API</a:t>
-            </a:r>
-            <a:endParaRPr lang="zh-CN" altLang="en-US" dirty="0"/>
+              <a:t>API </a:t>
+            </a:r>
+            <a:r>
+              <a:rPr lang="zh-CN" altLang="en-US" dirty="0"/>
+              <a:t>列表</a:t>
+            </a:r>
           </a:p>
         </p:txBody>
       </p:sp>
@@ -4771,7 +5197,7 @@
                 <a:latin typeface="新宋体" panose="02010609030101010101" pitchFamily="49" charset="-122"/>
                 <a:ea typeface="新宋体" panose="02010609030101010101" pitchFamily="49" charset="-122"/>
               </a:rPr>
-              <a:t>	- </a:t>
+              <a:t>		- </a:t>
             </a:r>
             <a:r>
               <a:rPr lang="zh-CN" altLang="en-US" sz="1800" dirty="0">
@@ -4781,7 +5207,367 @@
                 <a:latin typeface="新宋体" panose="02010609030101010101" pitchFamily="49" charset="-122"/>
                 <a:ea typeface="新宋体" panose="02010609030101010101" pitchFamily="49" charset="-122"/>
               </a:rPr>
-              <a:t>随机函数</a:t>
+              <a:t>随机函数 </a:t>
+            </a:r>
+            <a:r>
+              <a:rPr lang="en-US" altLang="zh-CN" sz="1800" dirty="0">
+                <a:solidFill>
+                  <a:srgbClr val="000000"/>
+                </a:solidFill>
+                <a:latin typeface="新宋体" panose="02010609030101010101" pitchFamily="49" charset="-122"/>
+                <a:ea typeface="新宋体" panose="02010609030101010101" pitchFamily="49" charset="-122"/>
+              </a:rPr>
+              <a:t>	</a:t>
+            </a:r>
+            <a:r>
+              <a:rPr lang="en-US" altLang="zh-CN" sz="1800" dirty="0" err="1">
+                <a:solidFill>
+                  <a:srgbClr val="000000"/>
+                </a:solidFill>
+                <a:latin typeface="新宋体" panose="02010609030101010101" pitchFamily="49" charset="-122"/>
+                <a:ea typeface="新宋体" panose="02010609030101010101" pitchFamily="49" charset="-122"/>
+              </a:rPr>
+              <a:t>rnd</a:t>
+            </a:r>
+            <a:r>
+              <a:rPr lang="en-US" altLang="zh-CN" sz="1800" dirty="0">
+                <a:solidFill>
+                  <a:srgbClr val="000000"/>
+                </a:solidFill>
+                <a:latin typeface="新宋体" panose="02010609030101010101" pitchFamily="49" charset="-122"/>
+                <a:ea typeface="新宋体" panose="02010609030101010101" pitchFamily="49" charset="-122"/>
+              </a:rPr>
+              <a:t>(</a:t>
+            </a:r>
+            <a:r>
+              <a:rPr lang="zh-CN" altLang="en-US" sz="1800" dirty="0">
+                <a:solidFill>
+                  <a:srgbClr val="000000"/>
+                </a:solidFill>
+                <a:latin typeface="新宋体" panose="02010609030101010101" pitchFamily="49" charset="-122"/>
+                <a:ea typeface="新宋体" panose="02010609030101010101" pitchFamily="49" charset="-122"/>
+              </a:rPr>
+              <a:t>参数：</a:t>
+            </a:r>
+            <a:r>
+              <a:rPr lang="en-US" altLang="zh-CN" sz="1800" dirty="0">
+                <a:solidFill>
+                  <a:srgbClr val="000000"/>
+                </a:solidFill>
+                <a:latin typeface="新宋体" panose="02010609030101010101" pitchFamily="49" charset="-122"/>
+                <a:ea typeface="新宋体" panose="02010609030101010101" pitchFamily="49" charset="-122"/>
+              </a:rPr>
+              <a:t>max </a:t>
+            </a:r>
+            <a:r>
+              <a:rPr lang="zh-CN" altLang="en-US" sz="1800" dirty="0">
+                <a:solidFill>
+                  <a:srgbClr val="000000"/>
+                </a:solidFill>
+                <a:latin typeface="新宋体" panose="02010609030101010101" pitchFamily="49" charset="-122"/>
+                <a:ea typeface="新宋体" panose="02010609030101010101" pitchFamily="49" charset="-122"/>
+              </a:rPr>
+              <a:t>最大值</a:t>
+            </a:r>
+            <a:r>
+              <a:rPr lang="en-US" altLang="zh-CN" sz="1800" dirty="0">
+                <a:solidFill>
+                  <a:srgbClr val="000000"/>
+                </a:solidFill>
+                <a:latin typeface="新宋体" panose="02010609030101010101" pitchFamily="49" charset="-122"/>
+                <a:ea typeface="新宋体" panose="02010609030101010101" pitchFamily="49" charset="-122"/>
+              </a:rPr>
+              <a:t>) =&gt; (0–max]</a:t>
+            </a:r>
+          </a:p>
+          <a:p>
+            <a:r>
+              <a:rPr lang="en-US" altLang="zh-CN" sz="1800" dirty="0">
+                <a:solidFill>
+                  <a:srgbClr val="000000"/>
+                </a:solidFill>
+                <a:latin typeface="新宋体" panose="02010609030101010101" pitchFamily="49" charset="-122"/>
+                <a:ea typeface="新宋体" panose="02010609030101010101" pitchFamily="49" charset="-122"/>
+              </a:rPr>
+              <a:t>scat		- </a:t>
+            </a:r>
+            <a:r>
+              <a:rPr lang="zh-CN" altLang="en-US" sz="1800" dirty="0">
+                <a:solidFill>
+                  <a:srgbClr val="000000"/>
+                </a:solidFill>
+                <a:latin typeface="新宋体" panose="02010609030101010101" pitchFamily="49" charset="-122"/>
+                <a:ea typeface="新宋体" panose="02010609030101010101" pitchFamily="49" charset="-122"/>
+              </a:rPr>
+              <a:t>连接字符串</a:t>
+            </a:r>
+            <a:r>
+              <a:rPr lang="en-US" altLang="zh-CN" sz="1800" dirty="0">
+                <a:solidFill>
+                  <a:srgbClr val="000000"/>
+                </a:solidFill>
+                <a:latin typeface="新宋体" panose="02010609030101010101" pitchFamily="49" charset="-122"/>
+                <a:ea typeface="新宋体" panose="02010609030101010101" pitchFamily="49" charset="-122"/>
+              </a:rPr>
+              <a:t>	scat(string1,string2) =&gt; string</a:t>
+            </a:r>
+          </a:p>
+          <a:p>
+            <a:r>
+              <a:rPr lang="en-US" altLang="zh-CN" sz="1800" dirty="0" err="1">
+                <a:solidFill>
+                  <a:srgbClr val="000000"/>
+                </a:solidFill>
+                <a:latin typeface="新宋体" panose="02010609030101010101" pitchFamily="49" charset="-122"/>
+                <a:ea typeface="新宋体" panose="02010609030101010101" pitchFamily="49" charset="-122"/>
+              </a:rPr>
+              <a:t>scmp</a:t>
+            </a:r>
+            <a:r>
+              <a:rPr lang="en-US" altLang="zh-CN" sz="1800" dirty="0">
+                <a:solidFill>
+                  <a:srgbClr val="000000"/>
+                </a:solidFill>
+                <a:latin typeface="新宋体" panose="02010609030101010101" pitchFamily="49" charset="-122"/>
+                <a:ea typeface="新宋体" panose="02010609030101010101" pitchFamily="49" charset="-122"/>
+              </a:rPr>
+              <a:t>		- </a:t>
+            </a:r>
+            <a:r>
+              <a:rPr lang="zh-CN" altLang="en-US" sz="1800" dirty="0">
+                <a:solidFill>
+                  <a:srgbClr val="000000"/>
+                </a:solidFill>
+                <a:latin typeface="新宋体" panose="02010609030101010101" pitchFamily="49" charset="-122"/>
+                <a:ea typeface="新宋体" panose="02010609030101010101" pitchFamily="49" charset="-122"/>
+              </a:rPr>
+              <a:t>字符串比较</a:t>
+            </a:r>
+            <a:r>
+              <a:rPr lang="en-US" altLang="zh-CN" sz="1800" dirty="0">
+                <a:solidFill>
+                  <a:srgbClr val="000000"/>
+                </a:solidFill>
+                <a:latin typeface="新宋体" panose="02010609030101010101" pitchFamily="49" charset="-122"/>
+                <a:ea typeface="新宋体" panose="02010609030101010101" pitchFamily="49" charset="-122"/>
+              </a:rPr>
+              <a:t>	</a:t>
+            </a:r>
+            <a:r>
+              <a:rPr lang="en-US" altLang="zh-CN" sz="1800" dirty="0" err="1">
+                <a:solidFill>
+                  <a:srgbClr val="000000"/>
+                </a:solidFill>
+                <a:latin typeface="新宋体" panose="02010609030101010101" pitchFamily="49" charset="-122"/>
+                <a:ea typeface="新宋体" panose="02010609030101010101" pitchFamily="49" charset="-122"/>
+              </a:rPr>
+              <a:t>scmp</a:t>
+            </a:r>
+            <a:r>
+              <a:rPr lang="en-US" altLang="zh-CN" sz="1800" dirty="0">
+                <a:solidFill>
+                  <a:srgbClr val="000000"/>
+                </a:solidFill>
+                <a:latin typeface="新宋体" panose="02010609030101010101" pitchFamily="49" charset="-122"/>
+                <a:ea typeface="新宋体" panose="02010609030101010101" pitchFamily="49" charset="-122"/>
+              </a:rPr>
+              <a:t>(string1,string2) =&gt; bool</a:t>
+            </a:r>
+          </a:p>
+          <a:p>
+            <a:r>
+              <a:rPr lang="en-US" altLang="zh-CN" sz="1800" dirty="0" err="1">
+                <a:solidFill>
+                  <a:srgbClr val="000000"/>
+                </a:solidFill>
+                <a:latin typeface="新宋体" panose="02010609030101010101" pitchFamily="49" charset="-122"/>
+                <a:ea typeface="新宋体" panose="02010609030101010101" pitchFamily="49" charset="-122"/>
+              </a:rPr>
+              <a:t>tos</a:t>
+            </a:r>
+            <a:r>
+              <a:rPr lang="en-US" altLang="zh-CN" sz="1800" dirty="0">
+                <a:solidFill>
+                  <a:srgbClr val="000000"/>
+                </a:solidFill>
+                <a:latin typeface="新宋体" panose="02010609030101010101" pitchFamily="49" charset="-122"/>
+                <a:ea typeface="新宋体" panose="02010609030101010101" pitchFamily="49" charset="-122"/>
+              </a:rPr>
+              <a:t>   	- </a:t>
+            </a:r>
+            <a:r>
+              <a:rPr lang="zh-CN" altLang="en-US" sz="1800" dirty="0">
+                <a:solidFill>
+                  <a:srgbClr val="000000"/>
+                </a:solidFill>
+                <a:latin typeface="新宋体" panose="02010609030101010101" pitchFamily="49" charset="-122"/>
+                <a:ea typeface="新宋体" panose="02010609030101010101" pitchFamily="49" charset="-122"/>
+              </a:rPr>
+              <a:t>转化为字符串  </a:t>
+            </a:r>
+            <a:r>
+              <a:rPr lang="en-US" altLang="zh-CN" sz="1800" dirty="0" err="1">
+                <a:solidFill>
+                  <a:srgbClr val="000000"/>
+                </a:solidFill>
+                <a:latin typeface="新宋体" panose="02010609030101010101" pitchFamily="49" charset="-122"/>
+                <a:ea typeface="新宋体" panose="02010609030101010101" pitchFamily="49" charset="-122"/>
+              </a:rPr>
+              <a:t>tos</a:t>
+            </a:r>
+            <a:r>
+              <a:rPr lang="en-US" altLang="zh-CN" sz="1800" dirty="0">
+                <a:solidFill>
+                  <a:srgbClr val="000000"/>
+                </a:solidFill>
+                <a:latin typeface="新宋体" panose="02010609030101010101" pitchFamily="49" charset="-122"/>
+                <a:ea typeface="新宋体" panose="02010609030101010101" pitchFamily="49" charset="-122"/>
+              </a:rPr>
+              <a:t>(var) =&gt; string</a:t>
+            </a:r>
+          </a:p>
+          <a:p>
+            <a:r>
+              <a:rPr lang="en-US" altLang="zh-CN" sz="1800" dirty="0" err="1">
+                <a:solidFill>
+                  <a:srgbClr val="000000"/>
+                </a:solidFill>
+                <a:latin typeface="新宋体" panose="02010609030101010101" pitchFamily="49" charset="-122"/>
+                <a:ea typeface="新宋体" panose="02010609030101010101" pitchFamily="49" charset="-122"/>
+              </a:rPr>
+              <a:t>os</a:t>
+            </a:r>
+            <a:r>
+              <a:rPr lang="en-US" altLang="zh-CN" sz="1800" dirty="0">
+                <a:solidFill>
+                  <a:srgbClr val="000000"/>
+                </a:solidFill>
+                <a:latin typeface="新宋体" panose="02010609030101010101" pitchFamily="49" charset="-122"/>
+                <a:ea typeface="新宋体" panose="02010609030101010101" pitchFamily="49" charset="-122"/>
+              </a:rPr>
+              <a:t>		- </a:t>
+            </a:r>
+            <a:r>
+              <a:rPr lang="zh-CN" altLang="en-US" sz="1800" dirty="0">
+                <a:solidFill>
+                  <a:srgbClr val="000000"/>
+                </a:solidFill>
+                <a:latin typeface="新宋体" panose="02010609030101010101" pitchFamily="49" charset="-122"/>
+                <a:ea typeface="新宋体" panose="02010609030101010101" pitchFamily="49" charset="-122"/>
+              </a:rPr>
+              <a:t>打印字符串</a:t>
+            </a:r>
+            <a:r>
+              <a:rPr lang="en-US" altLang="zh-CN" sz="1800" dirty="0">
+                <a:solidFill>
+                  <a:srgbClr val="000000"/>
+                </a:solidFill>
+                <a:latin typeface="新宋体" panose="02010609030101010101" pitchFamily="49" charset="-122"/>
+                <a:ea typeface="新宋体" panose="02010609030101010101" pitchFamily="49" charset="-122"/>
+              </a:rPr>
+              <a:t>	</a:t>
+            </a:r>
+            <a:r>
+              <a:rPr lang="en-US" altLang="zh-CN" sz="1800" dirty="0" err="1">
+                <a:solidFill>
+                  <a:srgbClr val="000000"/>
+                </a:solidFill>
+                <a:latin typeface="新宋体" panose="02010609030101010101" pitchFamily="49" charset="-122"/>
+                <a:ea typeface="新宋体" panose="02010609030101010101" pitchFamily="49" charset="-122"/>
+              </a:rPr>
+              <a:t>os</a:t>
+            </a:r>
+            <a:r>
+              <a:rPr lang="en-US" altLang="zh-CN" sz="1800" dirty="0">
+                <a:solidFill>
+                  <a:srgbClr val="000000"/>
+                </a:solidFill>
+                <a:latin typeface="新宋体" panose="02010609030101010101" pitchFamily="49" charset="-122"/>
+                <a:ea typeface="新宋体" panose="02010609030101010101" pitchFamily="49" charset="-122"/>
+              </a:rPr>
+              <a:t>(string)</a:t>
+            </a:r>
+          </a:p>
+          <a:p>
+            <a:r>
+              <a:rPr lang="en-US" altLang="zh-CN" sz="1800" dirty="0">
+                <a:solidFill>
+                  <a:srgbClr val="000000"/>
+                </a:solidFill>
+                <a:latin typeface="新宋体" panose="02010609030101010101" pitchFamily="49" charset="-122"/>
+                <a:ea typeface="新宋体" panose="02010609030101010101" pitchFamily="49" charset="-122"/>
+              </a:rPr>
+              <a:t>setup		- </a:t>
+            </a:r>
+            <a:r>
+              <a:rPr lang="zh-CN" altLang="en-US" sz="1800" dirty="0">
+                <a:solidFill>
+                  <a:srgbClr val="000000"/>
+                </a:solidFill>
+                <a:latin typeface="新宋体" panose="02010609030101010101" pitchFamily="49" charset="-122"/>
+                <a:ea typeface="新宋体" panose="02010609030101010101" pitchFamily="49" charset="-122"/>
+              </a:rPr>
+              <a:t>节点树实例化</a:t>
+            </a:r>
+            <a:r>
+              <a:rPr lang="en-US" altLang="zh-CN" sz="1800" dirty="0">
+                <a:solidFill>
+                  <a:srgbClr val="000000"/>
+                </a:solidFill>
+                <a:latin typeface="新宋体" panose="02010609030101010101" pitchFamily="49" charset="-122"/>
+                <a:ea typeface="新宋体" panose="02010609030101010101" pitchFamily="49" charset="-122"/>
+              </a:rPr>
+              <a:t>	setup(</a:t>
+            </a:r>
+            <a:r>
+              <a:rPr lang="en-US" altLang="zh-CN" sz="1800" dirty="0" err="1">
+                <a:solidFill>
+                  <a:srgbClr val="000000"/>
+                </a:solidFill>
+                <a:latin typeface="新宋体" panose="02010609030101010101" pitchFamily="49" charset="-122"/>
+                <a:ea typeface="新宋体" panose="02010609030101010101" pitchFamily="49" charset="-122"/>
+              </a:rPr>
+              <a:t>type,nodename</a:t>
+            </a:r>
+            <a:r>
+              <a:rPr lang="en-US" altLang="zh-CN" sz="1800" dirty="0">
+                <a:solidFill>
+                  <a:srgbClr val="000000"/>
+                </a:solidFill>
+                <a:latin typeface="新宋体" panose="02010609030101010101" pitchFamily="49" charset="-122"/>
+                <a:ea typeface="新宋体" panose="02010609030101010101" pitchFamily="49" charset="-122"/>
+              </a:rPr>
+              <a:t>) </a:t>
+            </a:r>
+            <a:r>
+              <a:rPr lang="en-US" altLang="zh-CN" sz="1800" dirty="0" err="1">
+                <a:solidFill>
+                  <a:srgbClr val="000000"/>
+                </a:solidFill>
+                <a:latin typeface="新宋体" panose="02010609030101010101" pitchFamily="49" charset="-122"/>
+                <a:ea typeface="新宋体" panose="02010609030101010101" pitchFamily="49" charset="-122"/>
+              </a:rPr>
+              <a:t>type:entity,sprite,poly</a:t>
+            </a:r>
+            <a:r>
+              <a:rPr lang="en-US" altLang="zh-CN" sz="1800" dirty="0">
+                <a:solidFill>
+                  <a:srgbClr val="000000"/>
+                </a:solidFill>
+                <a:latin typeface="新宋体" panose="02010609030101010101" pitchFamily="49" charset="-122"/>
+                <a:ea typeface="新宋体" panose="02010609030101010101" pitchFamily="49" charset="-122"/>
+              </a:rPr>
+              <a:t> </a:t>
+            </a:r>
+            <a:r>
+              <a:rPr lang="zh-CN" altLang="en-US" sz="1800" dirty="0">
+                <a:solidFill>
+                  <a:srgbClr val="000000"/>
+                </a:solidFill>
+                <a:latin typeface="新宋体" panose="02010609030101010101" pitchFamily="49" charset="-122"/>
+                <a:ea typeface="新宋体" panose="02010609030101010101" pitchFamily="49" charset="-122"/>
+              </a:rPr>
+              <a:t>三类实例</a:t>
             </a:r>
             <a:endParaRPr lang="en-US" altLang="zh-CN" sz="1800" dirty="0">
               <a:solidFill>
@@ -4792,25 +5578,18 @@
             </a:endParaRPr>
           </a:p>
           <a:p>
-            <a:r>
-              <a:rPr lang="en-US" altLang="zh-CN" sz="1800" dirty="0">
+            <a:pPr marL="0" indent="0">
+              <a:buNone/>
+            </a:pPr>
+            <a:r>
+              <a:rPr lang="en-US" altLang="zh-CN" sz="1800">
                 <a:solidFill>
                   <a:srgbClr val="000000"/>
                 </a:solidFill>
                 <a:latin typeface="新宋体" panose="02010609030101010101" pitchFamily="49" charset="-122"/>
                 <a:ea typeface="新宋体" panose="02010609030101010101" pitchFamily="49" charset="-122"/>
               </a:rPr>
-              <a:t>scat	- </a:t>
-            </a:r>
-            <a:r>
-              <a:rPr lang="zh-CN" altLang="en-US" sz="1800" dirty="0">
-                <a:solidFill>
-                  <a:srgbClr val="000000"/>
-                </a:solidFill>
-                <a:latin typeface="新宋体" panose="02010609030101010101" pitchFamily="49" charset="-122"/>
-                <a:ea typeface="新宋体" panose="02010609030101010101" pitchFamily="49" charset="-122"/>
-              </a:rPr>
-              <a:t>连接字符串</a:t>
+              <a:t>		</a:t>
             </a:r>
             <a:endParaRPr lang="en-US" altLang="zh-CN" sz="1800" dirty="0">
               <a:solidFill>
@@ -4829,7 +5608,7 @@
                 <a:latin typeface="新宋体" panose="02010609030101010101" pitchFamily="49" charset="-122"/>
                 <a:ea typeface="新宋体" panose="02010609030101010101" pitchFamily="49" charset="-122"/>
               </a:rPr>
-              <a:t>scmp</a:t>
+              <a:t>iam</a:t>
             </a:r>
             <a:r>
               <a:rPr lang="en-US" altLang="zh-CN" sz="1800" dirty="0">
@@ -4839,7 +5618,7 @@
                 <a:latin typeface="新宋体" panose="02010609030101010101" pitchFamily="49" charset="-122"/>
                 <a:ea typeface="新宋体" panose="02010609030101010101" pitchFamily="49" charset="-122"/>
               </a:rPr>
-              <a:t>	- </a:t>
+              <a:t>		- </a:t>
             </a:r>
             <a:r>
               <a:rPr lang="zh-CN" altLang="en-US" sz="1800" dirty="0">
@@ -4849,56 +5628,38 @@
                 <a:latin typeface="新宋体" panose="02010609030101010101" pitchFamily="49" charset="-122"/>
                 <a:ea typeface="新宋体" panose="02010609030101010101" pitchFamily="49" charset="-122"/>
               </a:rPr>
-              <a:t>字符串比较</a:t>
-            </a:r>
-            <a:endParaRPr lang="en-US" altLang="zh-CN" sz="1800" dirty="0">
-              <a:solidFill>
-                <a:srgbClr val="000000"/>
-              </a:solidFill>
-              <a:latin typeface="新宋体" panose="02010609030101010101" pitchFamily="49" charset="-122"/>
-              <a:ea typeface="新宋体" panose="02010609030101010101" pitchFamily="49" charset="-122"/>
-            </a:endParaRPr>
-          </a:p>
-          <a:p>
-            <a:r>
-              <a:rPr lang="en-US" altLang="zh-CN" sz="1800" dirty="0" err="1">
+              <a:t>当前工作节点</a:t>
+            </a:r>
+            <a:r>
+              <a:rPr lang="en-US" altLang="zh-CN" sz="1800" dirty="0">
                 <a:solidFill>
                   <a:srgbClr val="000000"/>
                 </a:solidFill>
                 <a:latin typeface="新宋体" panose="02010609030101010101" pitchFamily="49" charset="-122"/>
                 <a:ea typeface="新宋体" panose="02010609030101010101" pitchFamily="49" charset="-122"/>
               </a:rPr>
-              <a:t>tos</a:t>
-            </a:r>
-            <a:r>
-              <a:rPr lang="en-US" altLang="zh-CN" sz="1800" dirty="0">
+              <a:t>	</a:t>
+            </a:r>
+            <a:r>
+              <a:rPr lang="en-US" altLang="zh-CN" sz="1800" dirty="0" err="1">
                 <a:solidFill>
                   <a:srgbClr val="000000"/>
                 </a:solidFill>
                 <a:latin typeface="新宋体" panose="02010609030101010101" pitchFamily="49" charset="-122"/>
                 <a:ea typeface="新宋体" panose="02010609030101010101" pitchFamily="49" charset="-122"/>
               </a:rPr>
-              <a:t>   - </a:t>
-            </a:r>
-            <a:r>
-              <a:rPr lang="zh-CN" altLang="en-US" sz="1800" dirty="0">
+              <a:t>iam</a:t>
+            </a:r>
+            <a:r>
+              <a:rPr lang="en-US" altLang="zh-CN" sz="1800" dirty="0">
                 <a:solidFill>
                   <a:srgbClr val="000000"/>
                 </a:solidFill>
                 <a:latin typeface="新宋体" panose="02010609030101010101" pitchFamily="49" charset="-122"/>
                 <a:ea typeface="新宋体" panose="02010609030101010101" pitchFamily="49" charset="-122"/>
               </a:rPr>
-              <a:t>转化为字符串</a:t>
-            </a:r>
-            <a:endParaRPr lang="en-US" altLang="zh-CN" sz="1800" dirty="0">
-              <a:solidFill>
-                <a:srgbClr val="000000"/>
-              </a:solidFill>
-              <a:latin typeface="新宋体" panose="02010609030101010101" pitchFamily="49" charset="-122"/>
-              <a:ea typeface="新宋体" panose="02010609030101010101" pitchFamily="49" charset="-122"/>
-            </a:endParaRPr>
-          </a:p>
-          <a:p>
+              <a:t>(</a:t>
+            </a:r>
             <a:r>
               <a:rPr lang="en-US" altLang="zh-CN" sz="1800" dirty="0" err="1">
                 <a:solidFill>
@@ -4907,7 +5668,7 @@
                 <a:latin typeface="新宋体" panose="02010609030101010101" pitchFamily="49" charset="-122"/>
                 <a:ea typeface="新宋体" panose="02010609030101010101" pitchFamily="49" charset="-122"/>
               </a:rPr>
-              <a:t>os</a:t>
+              <a:t>nodename</a:t>
             </a:r>
             <a:r>
               <a:rPr lang="en-US" altLang="zh-CN" sz="1800" dirty="0">
@@ -4917,46 +5678,39 @@
                 <a:latin typeface="新宋体" panose="02010609030101010101" pitchFamily="49" charset="-122"/>
                 <a:ea typeface="新宋体" panose="02010609030101010101" pitchFamily="49" charset="-122"/>
               </a:rPr>
-              <a:t>	- </a:t>
-            </a:r>
-            <a:r>
-              <a:rPr lang="zh-CN" altLang="en-US" sz="1800" dirty="0">
+              <a:t>)</a:t>
+            </a:r>
+          </a:p>
+          <a:p>
+            <a:r>
+              <a:rPr lang="en-US" altLang="zh-CN" sz="1800" dirty="0">
                 <a:solidFill>
                   <a:srgbClr val="000000"/>
                 </a:solidFill>
                 <a:latin typeface="新宋体" panose="02010609030101010101" pitchFamily="49" charset="-122"/>
                 <a:ea typeface="新宋体" panose="02010609030101010101" pitchFamily="49" charset="-122"/>
               </a:rPr>
-              <a:t>打印字符串</a:t>
-            </a:r>
-            <a:endParaRPr lang="en-US" altLang="zh-CN" sz="1800" dirty="0">
-              <a:solidFill>
-                <a:srgbClr val="000000"/>
-              </a:solidFill>
-              <a:latin typeface="新宋体" panose="02010609030101010101" pitchFamily="49" charset="-122"/>
-              <a:ea typeface="新宋体" panose="02010609030101010101" pitchFamily="49" charset="-122"/>
-            </a:endParaRPr>
-          </a:p>
-          <a:p>
-            <a:r>
-              <a:rPr lang="en-US" altLang="zh-CN" sz="1800" dirty="0">
+              <a:t>on		- </a:t>
+            </a:r>
+            <a:r>
+              <a:rPr lang="zh-CN" altLang="en-US" sz="1800" dirty="0">
                 <a:solidFill>
                   <a:srgbClr val="000000"/>
                 </a:solidFill>
                 <a:latin typeface="新宋体" panose="02010609030101010101" pitchFamily="49" charset="-122"/>
                 <a:ea typeface="新宋体" panose="02010609030101010101" pitchFamily="49" charset="-122"/>
               </a:rPr>
-              <a:t>setup	- </a:t>
-            </a:r>
-            <a:r>
-              <a:rPr lang="zh-CN" altLang="en-US" sz="1800" dirty="0">
+              <a:t>当前工作属性</a:t>
+            </a:r>
+            <a:r>
+              <a:rPr lang="en-US" altLang="zh-CN" sz="1800" dirty="0">
                 <a:solidFill>
                   <a:srgbClr val="000000"/>
                 </a:solidFill>
                 <a:latin typeface="新宋体" panose="02010609030101010101" pitchFamily="49" charset="-122"/>
                 <a:ea typeface="新宋体" panose="02010609030101010101" pitchFamily="49" charset="-122"/>
               </a:rPr>
-              <a:t>节点树实例化</a:t>
+              <a:t>	on(property)</a:t>
             </a:r>
             <a:endParaRPr lang="zh-CN" altLang="en-US" dirty="0"/>
           </a:p>
@@ -5317,7 +6071,7 @@
             </a:r>
             <a:r>
               <a:rPr lang="en-US" altLang="zh-CN" dirty="0"/>
-              <a:t>4</a:t>
+              <a:t>9</a:t>
             </a:r>
             <a:r>
               <a:rPr lang="zh-CN" altLang="en-US" dirty="0"/>
@@ -5394,7 +6148,7 @@
           <p:cNvPr id="2" name="标题 1">
             <a:extLst>
               <a:ext uri="{FF2B5EF4-FFF2-40B4-BE49-F238E27FC236}">
-                <a16:creationId xmlns:a16="http://schemas.microsoft.com/office/drawing/2014/main" id="{33D95416-6178-46B1-A9C6-E887C6CA6EC6}"/>
+                <a16:creationId xmlns:a16="http://schemas.microsoft.com/office/drawing/2014/main" id="{DFAF223A-8224-5D94-7057-AC8A914E77AB}"/>
               </a:ext>
             </a:extLst>
           </p:cNvPr>
@@ -5412,7 +6166,15 @@
           <a:p>
             <a:r>
               <a:rPr lang="zh-CN" altLang="en-US" dirty="0"/>
-              <a:t>序列与阵列</a:t>
+              <a:t>基本语法 </a:t>
+            </a:r>
+            <a:r>
+              <a:rPr lang="en-US" altLang="zh-CN" dirty="0"/>
+              <a:t>- </a:t>
+            </a:r>
+            <a:r>
+              <a:rPr lang="zh-CN" altLang="en-US" dirty="0"/>
+              <a:t>符号</a:t>
             </a:r>
           </a:p>
         </p:txBody>
@@ -5422,7 +6184,7 @@
           <p:cNvPr id="3" name="内容占位符 2">
             <a:extLst>
               <a:ext uri="{FF2B5EF4-FFF2-40B4-BE49-F238E27FC236}">
-                <a16:creationId xmlns:a16="http://schemas.microsoft.com/office/drawing/2014/main" id="{7574EA23-7A49-455D-947A-9CF81EAD88B6}"/>
+                <a16:creationId xmlns:a16="http://schemas.microsoft.com/office/drawing/2014/main" id="{A35B58BD-6A36-B670-028A-23EDE1EB94D2}"/>
               </a:ext>
             </a:extLst>
           </p:cNvPr>
@@ -5439,95 +6201,93 @@
           <a:lstStyle/>
           <a:p>
             <a:r>
-              <a:rPr lang="zh-CN" altLang="en-US" dirty="0"/>
-              <a:t>序列是指有顺序的</a:t>
-            </a:r>
-            <a:r>
-              <a:rPr lang="en-US" altLang="zh-CN" dirty="0"/>
-              <a:t>N</a:t>
-            </a:r>
-            <a:r>
-              <a:rPr lang="zh-CN" altLang="en-US" dirty="0"/>
-              <a:t>元组，序列本身可以作为元素参与四则运算</a:t>
+              <a:rPr lang="en-US" altLang="zh-CN" dirty="0"/>
+              <a:t>#</a:t>
+            </a:r>
+            <a:r>
+              <a:rPr lang="zh-CN" altLang="en-US" dirty="0"/>
+              <a:t>注释</a:t>
             </a:r>
             <a:endParaRPr lang="en-US" altLang="zh-CN" dirty="0"/>
           </a:p>
           <a:p>
-            <a:pPr marL="0" indent="0">
-              <a:buNone/>
-            </a:pPr>
-            <a:r>
-              <a:rPr lang="en-US" altLang="zh-CN" dirty="0"/>
-              <a:t>		&lt;a, b, c, d&gt;</a:t>
-            </a:r>
-          </a:p>
-          <a:p>
-            <a:pPr marL="0" indent="0">
-              <a:buNone/>
-            </a:pPr>
-            <a:r>
-              <a:rPr lang="en-US" altLang="zh-CN" dirty="0"/>
-              <a:t>  </a:t>
-            </a:r>
-            <a:r>
-              <a:rPr lang="zh-CN" altLang="en-US" dirty="0"/>
-              <a:t>序列跟节点表达式的关系公式：</a:t>
+            <a:r>
+              <a:rPr lang="en-US" altLang="zh-CN" dirty="0"/>
+              <a:t>@</a:t>
+            </a:r>
+            <a:r>
+              <a:rPr lang="zh-CN" altLang="en-US" dirty="0"/>
+              <a:t>循环</a:t>
             </a:r>
             <a:endParaRPr lang="en-US" altLang="zh-CN" dirty="0"/>
           </a:p>
           <a:p>
-            <a:pPr marL="0" indent="0">
-              <a:buNone/>
-            </a:pPr>
-            <a:r>
-              <a:rPr lang="en-US" altLang="zh-CN" dirty="0"/>
-              <a:t>		&lt;a, b, c, d&gt; = {a{b{c{d}}}} </a:t>
-            </a:r>
-            <a:endParaRPr lang="zh-CN" altLang="en-US" dirty="0"/>
-          </a:p>
-          <a:p>
-            <a:pPr marL="0" indent="0">
-              <a:buNone/>
-            </a:pPr>
-            <a:r>
-              <a:rPr lang="en-US" altLang="zh-CN" dirty="0"/>
-              <a:t>	</a:t>
-            </a:r>
-          </a:p>
-          <a:p>
-            <a:r>
-              <a:rPr lang="zh-CN" altLang="en-US" dirty="0"/>
-              <a:t>阵列是数组的概念</a:t>
-            </a:r>
-            <a:r>
-              <a:rPr lang="en-US" altLang="zh-CN" dirty="0"/>
-              <a:t>, </a:t>
-            </a:r>
-            <a:r>
-              <a:rPr lang="zh-CN" altLang="en-US" dirty="0"/>
-              <a:t>元素之间是平级关系</a:t>
-            </a:r>
-            <a:r>
-              <a:rPr lang="en-US" altLang="zh-CN" dirty="0"/>
-              <a:t>:</a:t>
-            </a:r>
-          </a:p>
-          <a:p>
-            <a:pPr marL="0" indent="0">
-              <a:buNone/>
-            </a:pPr>
-            <a:r>
-              <a:rPr lang="en-US" altLang="zh-CN" dirty="0"/>
-              <a:t>		[a, b, c, d] = {{a}{b}{c}{d}}</a:t>
-            </a:r>
-            <a:endParaRPr lang="zh-CN" altLang="en-US" dirty="0"/>
+            <a:r>
+              <a:rPr lang="zh-CN" altLang="en-US" dirty="0"/>
+              <a:t>？：条件</a:t>
+            </a:r>
+            <a:endParaRPr lang="en-US" altLang="zh-CN" dirty="0"/>
+          </a:p>
+          <a:p>
+            <a:r>
+              <a:rPr lang="en-US" altLang="zh-CN" dirty="0"/>
+              <a:t>$</a:t>
+            </a:r>
+            <a:r>
+              <a:rPr lang="zh-CN" altLang="en-US" dirty="0"/>
+              <a:t> 函数 以及返回</a:t>
+            </a:r>
+            <a:endParaRPr lang="en-US" altLang="zh-CN" dirty="0"/>
+          </a:p>
+          <a:p>
+            <a:r>
+              <a:rPr lang="en-US" altLang="zh-CN" dirty="0"/>
+              <a:t>~</a:t>
+            </a:r>
+            <a:r>
+              <a:rPr lang="zh-CN" altLang="en-US" dirty="0"/>
+              <a:t>跳出符号</a:t>
+            </a:r>
+            <a:endParaRPr lang="en-US" altLang="zh-CN" dirty="0"/>
+          </a:p>
+          <a:p>
+            <a:r>
+              <a:rPr lang="en-US" altLang="zh-CN" dirty="0"/>
+              <a:t>&gt;</a:t>
+            </a:r>
+            <a:r>
+              <a:rPr lang="zh-CN" altLang="en-US" dirty="0"/>
+              <a:t>打印符号</a:t>
+            </a:r>
+            <a:endParaRPr lang="en-US" altLang="zh-CN" dirty="0"/>
+          </a:p>
+          <a:p>
+            <a:r>
+              <a:rPr lang="en-US" altLang="zh-CN" dirty="0"/>
+              <a:t>; </a:t>
+            </a:r>
+            <a:r>
+              <a:rPr lang="zh-CN" altLang="en-US" dirty="0"/>
+              <a:t>结束符号</a:t>
+            </a:r>
+            <a:endParaRPr lang="en-US" altLang="zh-CN" dirty="0"/>
+          </a:p>
+          <a:p>
+            <a:r>
+              <a:rPr lang="en-US" altLang="zh-CN" dirty="0"/>
+              <a:t>{},[],&lt;&gt;</a:t>
+            </a:r>
+            <a:r>
+              <a:rPr lang="zh-CN" altLang="en-US" dirty="0"/>
+              <a:t>节点定义符号</a:t>
+            </a:r>
           </a:p>
         </p:txBody>
       </p:sp>
     </p:spTree>
     <p:extLst>
       <p:ext uri="{BB962C8B-B14F-4D97-AF65-F5344CB8AC3E}">
-        <p14:creationId xmlns:p14="http://schemas.microsoft.com/office/powerpoint/2010/main" val="1554806646"/>
+        <p14:creationId xmlns:p14="http://schemas.microsoft.com/office/powerpoint/2010/main" val="3365786443"/>
       </p:ext>
     </p:extLst>
   </p:cSld>
@@ -5559,7 +6319,7 @@
           <p:cNvPr id="2" name="标题 1">
             <a:extLst>
               <a:ext uri="{FF2B5EF4-FFF2-40B4-BE49-F238E27FC236}">
-                <a16:creationId xmlns:a16="http://schemas.microsoft.com/office/drawing/2014/main" id="{DFAF223A-8224-5D94-7057-AC8A914E77AB}"/>
+                <a16:creationId xmlns:a16="http://schemas.microsoft.com/office/drawing/2014/main" id="{1FF981D2-DFF3-37DA-F8AD-58C4459626F6}"/>
               </a:ext>
             </a:extLst>
           </p:cNvPr>
@@ -5577,15 +6337,15 @@
           <a:p>
             <a:r>
               <a:rPr lang="zh-CN" altLang="en-US" dirty="0"/>
-              <a:t>基本语法 </a:t>
-            </a:r>
-            <a:r>
-              <a:rPr lang="en-US" altLang="zh-CN" dirty="0"/>
-              <a:t>- </a:t>
-            </a:r>
-            <a:r>
-              <a:rPr lang="zh-CN" altLang="en-US" dirty="0"/>
-              <a:t>符号</a:t>
+              <a:t>基本语法</a:t>
+            </a:r>
+            <a:r>
+              <a:rPr lang="en-US" altLang="zh-CN" dirty="0"/>
+              <a:t>-</a:t>
+            </a:r>
+            <a:r>
+              <a:rPr lang="zh-CN" altLang="en-US" dirty="0"/>
+              <a:t>变量</a:t>
             </a:r>
           </a:p>
         </p:txBody>
@@ -5595,7 +6355,7 @@
           <p:cNvPr id="3" name="内容占位符 2">
             <a:extLst>
               <a:ext uri="{FF2B5EF4-FFF2-40B4-BE49-F238E27FC236}">
-                <a16:creationId xmlns:a16="http://schemas.microsoft.com/office/drawing/2014/main" id="{A35B58BD-6A36-B670-028A-23EDE1EB94D2}"/>
+                <a16:creationId xmlns:a16="http://schemas.microsoft.com/office/drawing/2014/main" id="{B8292534-A266-1430-92F9-6BC3ACCAEF61}"/>
               </a:ext>
             </a:extLst>
           </p:cNvPr>
@@ -5612,93 +6372,101 @@
           <a:lstStyle/>
           <a:p>
             <a:r>
-              <a:rPr lang="en-US" altLang="zh-CN" dirty="0"/>
-              <a:t>#</a:t>
-            </a:r>
-            <a:r>
-              <a:rPr lang="zh-CN" altLang="en-US" dirty="0"/>
-              <a:t>注释</a:t>
+              <a:rPr lang="zh-CN" altLang="en-US" dirty="0"/>
+              <a:t>基本变量分整数跟浮点树两种，可以直接定义如：</a:t>
             </a:r>
             <a:endParaRPr lang="en-US" altLang="zh-CN" dirty="0"/>
           </a:p>
           <a:p>
-            <a:r>
-              <a:rPr lang="en-US" altLang="zh-CN" dirty="0"/>
-              <a:t>@</a:t>
-            </a:r>
-            <a:r>
-              <a:rPr lang="zh-CN" altLang="en-US" dirty="0"/>
-              <a:t>循环</a:t>
+            <a:pPr marL="0" indent="0">
+              <a:buNone/>
+            </a:pPr>
+            <a:r>
+              <a:rPr lang="en-US" altLang="zh-CN" dirty="0"/>
+              <a:t>	a = 1</a:t>
+            </a:r>
+            <a:r>
+              <a:rPr lang="zh-CN" altLang="en-US" dirty="0"/>
+              <a:t>；</a:t>
+            </a:r>
+            <a:r>
+              <a:rPr lang="en-US" altLang="zh-CN" dirty="0"/>
+              <a:t>b = 0.1</a:t>
+            </a:r>
+            <a:r>
+              <a:rPr lang="zh-CN" altLang="en-US" dirty="0"/>
+              <a:t> ；</a:t>
+            </a:r>
+            <a:r>
+              <a:rPr lang="en-US" altLang="zh-CN" dirty="0"/>
+              <a:t>&gt;a + b; (</a:t>
+            </a:r>
+            <a:r>
+              <a:rPr lang="zh-CN" altLang="en-US" dirty="0"/>
+              <a:t>打印</a:t>
+            </a:r>
+            <a:r>
+              <a:rPr lang="en-US" altLang="zh-CN" dirty="0"/>
+              <a:t>a + b</a:t>
+            </a:r>
+            <a:r>
+              <a:rPr lang="zh-CN" altLang="en-US" dirty="0"/>
+              <a:t>的数值）</a:t>
             </a:r>
             <a:endParaRPr lang="en-US" altLang="zh-CN" dirty="0"/>
           </a:p>
           <a:p>
-            <a:r>
-              <a:rPr lang="zh-CN" altLang="en-US" dirty="0"/>
-              <a:t>？：条件</a:t>
-            </a:r>
+            <a:pPr marL="0" indent="0">
+              <a:buNone/>
+            </a:pPr>
             <a:endParaRPr lang="en-US" altLang="zh-CN" dirty="0"/>
           </a:p>
           <a:p>
             <a:r>
-              <a:rPr lang="en-US" altLang="zh-CN" dirty="0"/>
-              <a:t>$</a:t>
-            </a:r>
-            <a:r>
-              <a:rPr lang="zh-CN" altLang="en-US" dirty="0"/>
-              <a:t> 函数 以及返回</a:t>
+              <a:rPr lang="zh-CN" altLang="en-US" dirty="0"/>
+              <a:t>变量也可以是树结构里定义的节点名</a:t>
             </a:r>
             <a:endParaRPr lang="en-US" altLang="zh-CN" dirty="0"/>
           </a:p>
           <a:p>
             <a:r>
-              <a:rPr lang="en-US" altLang="zh-CN" dirty="0"/>
-              <a:t>~</a:t>
-            </a:r>
-            <a:r>
-              <a:rPr lang="zh-CN" altLang="en-US" dirty="0"/>
-              <a:t>跳出符号</a:t>
+              <a:rPr lang="zh-CN" altLang="en-US" dirty="0"/>
+              <a:t>变量可以由宿主程序的来自定义，相应的运算也可以自定义</a:t>
             </a:r>
             <a:endParaRPr lang="en-US" altLang="zh-CN" dirty="0"/>
           </a:p>
           <a:p>
             <a:r>
               <a:rPr lang="en-US" altLang="zh-CN" dirty="0"/>
-              <a:t>&gt;</a:t>
-            </a:r>
-            <a:r>
-              <a:rPr lang="zh-CN" altLang="en-US" dirty="0"/>
-              <a:t>打印符号</a:t>
+              <a:t>me </a:t>
+            </a:r>
+            <a:r>
+              <a:rPr lang="zh-CN" altLang="en-US" dirty="0"/>
+              <a:t>是当前操作节点</a:t>
             </a:r>
             <a:endParaRPr lang="en-US" altLang="zh-CN" dirty="0"/>
           </a:p>
           <a:p>
-            <a:r>
-              <a:rPr lang="en-US" altLang="zh-CN" dirty="0"/>
-              <a:t>; </a:t>
-            </a:r>
-            <a:r>
-              <a:rPr lang="zh-CN" altLang="en-US" dirty="0"/>
-              <a:t>结束符号</a:t>
-            </a:r>
-            <a:endParaRPr lang="en-US" altLang="zh-CN" dirty="0"/>
-          </a:p>
-          <a:p>
-            <a:r>
-              <a:rPr lang="en-US" altLang="zh-CN" dirty="0"/>
-              <a:t>{},[],&lt;&gt;</a:t>
-            </a:r>
-            <a:r>
-              <a:rPr lang="zh-CN" altLang="en-US" dirty="0"/>
-              <a:t>节点定义符号</a:t>
-            </a:r>
+            <a:pPr marL="0" indent="0">
+              <a:buNone/>
+            </a:pPr>
+            <a:r>
+              <a:rPr lang="en-US" altLang="zh-CN" dirty="0"/>
+              <a:t>	</a:t>
+            </a:r>
+          </a:p>
+          <a:p>
+            <a:pPr marL="0" indent="0">
+              <a:buNone/>
+            </a:pPr>
+            <a:endParaRPr lang="zh-CN" altLang="en-US" dirty="0"/>
           </a:p>
         </p:txBody>
       </p:sp>
     </p:spTree>
     <p:extLst>
       <p:ext uri="{BB962C8B-B14F-4D97-AF65-F5344CB8AC3E}">
-        <p14:creationId xmlns:p14="http://schemas.microsoft.com/office/powerpoint/2010/main" val="3365786443"/>
+        <p14:creationId xmlns:p14="http://schemas.microsoft.com/office/powerpoint/2010/main" val="2134439794"/>
       </p:ext>
     </p:extLst>
   </p:cSld>
@@ -5730,7 +6498,7 @@
           <p:cNvPr id="2" name="标题 1">
             <a:extLst>
               <a:ext uri="{FF2B5EF4-FFF2-40B4-BE49-F238E27FC236}">
-                <a16:creationId xmlns:a16="http://schemas.microsoft.com/office/drawing/2014/main" id="{1FF981D2-DFF3-37DA-F8AD-58C4459626F6}"/>
+                <a16:creationId xmlns:a16="http://schemas.microsoft.com/office/drawing/2014/main" id="{E60F6B91-7A30-93BE-2C0B-07B69C7C763B}"/>
               </a:ext>
             </a:extLst>
           </p:cNvPr>
@@ -5756,7 +6524,7 @@
             </a:r>
             <a:r>
               <a:rPr lang="zh-CN" altLang="en-US" dirty="0"/>
-              <a:t>变量</a:t>
+              <a:t>控制语句</a:t>
             </a:r>
           </a:p>
         </p:txBody>
@@ -5766,7 +6534,7 @@
           <p:cNvPr id="3" name="内容占位符 2">
             <a:extLst>
               <a:ext uri="{FF2B5EF4-FFF2-40B4-BE49-F238E27FC236}">
-                <a16:creationId xmlns:a16="http://schemas.microsoft.com/office/drawing/2014/main" id="{B8292534-A266-1430-92F9-6BC3ACCAEF61}"/>
+                <a16:creationId xmlns:a16="http://schemas.microsoft.com/office/drawing/2014/main" id="{62EFE77E-150F-0FC5-07F4-0A5182A6D5D4}"/>
               </a:ext>
             </a:extLst>
           </p:cNvPr>
@@ -5784,94 +6552,78 @@
           <a:p>
             <a:r>
               <a:rPr lang="zh-CN" altLang="en-US" dirty="0"/>
-              <a:t>基本变量分整数跟浮点树两种，可以直接定义如：</a:t>
-            </a:r>
+              <a:t>条件语句：</a:t>
+            </a:r>
+          </a:p>
+          <a:p>
+            <a:pPr marL="0" indent="0">
+              <a:buNone/>
+            </a:pPr>
+            <a:r>
+              <a:rPr lang="en-US" altLang="zh-CN" dirty="0"/>
+              <a:t>	?(expr){ statements }:{ else statements } </a:t>
+            </a:r>
+          </a:p>
+          <a:p>
+            <a:pPr marL="0" indent="0">
+              <a:buNone/>
+            </a:pPr>
+            <a:r>
+              <a:rPr lang="en-US" altLang="zh-CN" dirty="0"/>
+              <a:t>	?(expr) statement; : statement; </a:t>
+            </a:r>
+          </a:p>
+          <a:p>
+            <a:pPr marL="0" indent="0">
+              <a:buNone/>
+            </a:pPr>
             <a:endParaRPr lang="en-US" altLang="zh-CN" dirty="0"/>
           </a:p>
           <a:p>
+            <a:r>
+              <a:rPr lang="en-US" altLang="zh-CN" dirty="0"/>
+              <a:t> </a:t>
+            </a:r>
+            <a:r>
+              <a:rPr lang="zh-CN" altLang="en-US" dirty="0"/>
+              <a:t>循环语句：</a:t>
+            </a:r>
+          </a:p>
+          <a:p>
             <a:pPr marL="0" indent="0">
               <a:buNone/>
             </a:pPr>
             <a:r>
               <a:rPr lang="en-US" altLang="zh-CN" dirty="0"/>
-              <a:t>	a = 1</a:t>
-            </a:r>
-            <a:r>
-              <a:rPr lang="zh-CN" altLang="en-US" dirty="0"/>
-              <a:t>；</a:t>
-            </a:r>
-            <a:r>
-              <a:rPr lang="en-US" altLang="zh-CN" dirty="0"/>
-              <a:t>b = 0.1</a:t>
-            </a:r>
-            <a:r>
-              <a:rPr lang="zh-CN" altLang="en-US" dirty="0"/>
-              <a:t> ；</a:t>
-            </a:r>
-            <a:r>
-              <a:rPr lang="en-US" altLang="zh-CN" dirty="0"/>
-              <a:t>&gt;a + b; (</a:t>
-            </a:r>
-            <a:r>
-              <a:rPr lang="zh-CN" altLang="en-US" dirty="0"/>
-              <a:t>打印</a:t>
-            </a:r>
-            <a:r>
-              <a:rPr lang="en-US" altLang="zh-CN" dirty="0"/>
-              <a:t>a + b</a:t>
-            </a:r>
-            <a:r>
-              <a:rPr lang="zh-CN" altLang="en-US" dirty="0"/>
-              <a:t>的数值）</a:t>
-            </a:r>
-            <a:endParaRPr lang="en-US" altLang="zh-CN" dirty="0"/>
-          </a:p>
-          <a:p>
-            <a:r>
-              <a:rPr lang="zh-CN" altLang="en-US" dirty="0"/>
-              <a:t>变量也可以是树结构里定义的节点名</a:t>
-            </a:r>
-            <a:endParaRPr lang="en-US" altLang="zh-CN" dirty="0"/>
-          </a:p>
-          <a:p>
-            <a:r>
-              <a:rPr lang="zh-CN" altLang="en-US" dirty="0"/>
-              <a:t>变量可以由宿主程序的来自定义，相应的运算也可以自定义</a:t>
-            </a:r>
-            <a:endParaRPr lang="en-US" altLang="zh-CN" dirty="0"/>
-          </a:p>
-          <a:p>
-            <a:r>
-              <a:rPr lang="en-US" altLang="zh-CN" dirty="0"/>
-              <a:t>me </a:t>
-            </a:r>
-            <a:r>
-              <a:rPr lang="zh-CN" altLang="en-US" dirty="0"/>
-              <a:t>是当前操作节点</a:t>
-            </a:r>
-            <a:endParaRPr lang="en-US" altLang="zh-CN" dirty="0"/>
-          </a:p>
-          <a:p>
-            <a:pPr marL="0" indent="0">
-              <a:buNone/>
-            </a:pPr>
-            <a:r>
-              <a:rPr lang="en-US" altLang="zh-CN" dirty="0"/>
-              <a:t>	</a:t>
-            </a:r>
-          </a:p>
-          <a:p>
-            <a:pPr marL="0" indent="0">
-              <a:buNone/>
-            </a:pPr>
-            <a:endParaRPr lang="zh-CN" altLang="en-US" dirty="0"/>
+              <a:t>	@n{ statements?(_</a:t>
+            </a:r>
+            <a:r>
+              <a:rPr lang="en-US" altLang="zh-CN" dirty="0" err="1"/>
+              <a:t>i</a:t>
+            </a:r>
+            <a:r>
+              <a:rPr lang="en-US" altLang="zh-CN" dirty="0"/>
+              <a:t> = x) ˜;statements }  #_i </a:t>
+            </a:r>
+            <a:r>
+              <a:rPr lang="zh-CN" altLang="en-US" dirty="0"/>
+              <a:t>为内部游标 ‘</a:t>
+            </a:r>
+            <a:r>
+              <a:rPr lang="en-US" altLang="zh-CN" dirty="0"/>
+              <a:t>˜</a:t>
+            </a:r>
+            <a:r>
+              <a:rPr lang="zh-CN" altLang="en-US" dirty="0"/>
+              <a:t>’跳出</a:t>
+            </a:r>
           </a:p>
         </p:txBody>
       </p:sp>
     </p:spTree>
     <p:extLst>
       <p:ext uri="{BB962C8B-B14F-4D97-AF65-F5344CB8AC3E}">
-        <p14:creationId xmlns:p14="http://schemas.microsoft.com/office/powerpoint/2010/main" val="2134439794"/>
+        <p14:creationId xmlns:p14="http://schemas.microsoft.com/office/powerpoint/2010/main" val="960256067"/>
       </p:ext>
     </p:extLst>
   </p:cSld>
@@ -5903,7 +6655,7 @@
           <p:cNvPr id="2" name="标题 1">
             <a:extLst>
               <a:ext uri="{FF2B5EF4-FFF2-40B4-BE49-F238E27FC236}">
-                <a16:creationId xmlns:a16="http://schemas.microsoft.com/office/drawing/2014/main" id="{E60F6B91-7A30-93BE-2C0B-07B69C7C763B}"/>
+                <a16:creationId xmlns:a16="http://schemas.microsoft.com/office/drawing/2014/main" id="{18EE6C41-0F45-3446-9B67-B78B5853E8FB}"/>
               </a:ext>
             </a:extLst>
           </p:cNvPr>
@@ -5929,7 +6681,7 @@
             </a:r>
             <a:r>
               <a:rPr lang="zh-CN" altLang="en-US" dirty="0"/>
-              <a:t>控制语句</a:t>
+              <a:t>函数</a:t>
             </a:r>
           </a:p>
         </p:txBody>
@@ -5939,7 +6691,7 @@
           <p:cNvPr id="3" name="内容占位符 2">
             <a:extLst>
               <a:ext uri="{FF2B5EF4-FFF2-40B4-BE49-F238E27FC236}">
-                <a16:creationId xmlns:a16="http://schemas.microsoft.com/office/drawing/2014/main" id="{62EFE77E-150F-0FC5-07F4-0A5182A6D5D4}"/>
+                <a16:creationId xmlns:a16="http://schemas.microsoft.com/office/drawing/2014/main" id="{16F236C1-3923-F73B-9038-66DABA17A5C2}"/>
               </a:ext>
             </a:extLst>
           </p:cNvPr>
@@ -5952,76 +6704,129 @@
         </p:nvSpPr>
         <p:spPr/>
         <p:txBody>
-          <a:bodyPr/>
-          <a:lstStyle/>
-          <a:p>
-            <a:r>
-              <a:rPr lang="zh-CN" altLang="en-US" dirty="0"/>
-              <a:t>条件语句：</a:t>
-            </a:r>
-          </a:p>
-          <a:p>
-            <a:r>
-              <a:rPr lang="zh-CN" altLang="en-US" dirty="0"/>
-              <a:t>  </a:t>
-            </a:r>
-            <a:r>
-              <a:rPr lang="en-US" altLang="zh-CN" dirty="0"/>
-              <a:t>?(expr){ statements }:{ else statements } </a:t>
-            </a:r>
-          </a:p>
-          <a:p>
-            <a:r>
-              <a:rPr lang="en-US" altLang="zh-CN" dirty="0"/>
-              <a:t>  ?(expr) statement; : statement; </a:t>
-            </a:r>
-          </a:p>
-          <a:p>
-            <a:r>
-              <a:rPr lang="en-US" altLang="zh-CN" dirty="0"/>
-              <a:t> </a:t>
-            </a:r>
-            <a:r>
-              <a:rPr lang="zh-CN" altLang="en-US" dirty="0"/>
-              <a:t>循环语句：</a:t>
-            </a:r>
-          </a:p>
-          <a:p>
-            <a:r>
-              <a:rPr lang="zh-CN" altLang="en-US" dirty="0"/>
-              <a:t>  </a:t>
-            </a:r>
-            <a:r>
-              <a:rPr lang="en-US" altLang="zh-CN" dirty="0"/>
-              <a:t>@n{ statements?(_</a:t>
-            </a:r>
-            <a:r>
-              <a:rPr lang="en-US" altLang="zh-CN" dirty="0" err="1"/>
-              <a:t>i</a:t>
-            </a:r>
-            <a:r>
-              <a:rPr lang="en-US" altLang="zh-CN" dirty="0"/>
-              <a:t> = x) ˜;statements }  #_i </a:t>
-            </a:r>
-            <a:r>
-              <a:rPr lang="zh-CN" altLang="en-US" dirty="0"/>
-              <a:t>为内部游标 ‘</a:t>
-            </a:r>
-            <a:r>
-              <a:rPr lang="en-US" altLang="zh-CN" dirty="0"/>
-              <a:t>˜</a:t>
-            </a:r>
-            <a:r>
-              <a:rPr lang="zh-CN" altLang="en-US" dirty="0"/>
-              <a:t>’跳出</a:t>
-            </a:r>
+          <a:bodyPr>
+            <a:normAutofit lnSpcReduction="10000"/>
+          </a:bodyPr>
+          <a:lstStyle/>
+          <a:p>
+            <a:r>
+              <a:rPr lang="zh-CN" altLang="en-US" dirty="0"/>
+              <a:t>函数分脚本自定义函数与宿主</a:t>
+            </a:r>
+            <a:r>
+              <a:rPr lang="en-US" altLang="zh-CN" dirty="0"/>
+              <a:t>API</a:t>
+            </a:r>
+            <a:r>
+              <a:rPr lang="zh-CN" altLang="en-US" dirty="0"/>
+              <a:t>函数</a:t>
+            </a:r>
+            <a:endParaRPr lang="en-US" altLang="zh-CN" dirty="0"/>
+          </a:p>
+          <a:p>
+            <a:r>
+              <a:rPr lang="zh-CN" altLang="en-US" dirty="0"/>
+              <a:t>自定义函数格式：</a:t>
+            </a:r>
+            <a:endParaRPr lang="en-US" altLang="zh-CN" dirty="0"/>
+          </a:p>
+          <a:p>
+            <a:pPr marL="0" indent="0">
+              <a:buNone/>
+            </a:pPr>
+            <a:r>
+              <a:rPr lang="en-US" altLang="zh-CN" b="0" i="0" dirty="0">
+                <a:solidFill>
+                  <a:srgbClr val="24292F"/>
+                </a:solidFill>
+                <a:effectLst/>
+                <a:latin typeface="ui-monospace"/>
+              </a:rPr>
+              <a:t>	$function(</a:t>
+            </a:r>
+            <a:r>
+              <a:rPr lang="en-US" altLang="zh-CN" b="0" i="0" dirty="0" err="1">
+                <a:solidFill>
+                  <a:srgbClr val="24292F"/>
+                </a:solidFill>
+                <a:effectLst/>
+                <a:latin typeface="ui-monospace"/>
+              </a:rPr>
+              <a:t>args</a:t>
+            </a:r>
+            <a:r>
+              <a:rPr lang="en-US" altLang="zh-CN" b="0" i="0" dirty="0">
+                <a:solidFill>
+                  <a:srgbClr val="24292F"/>
+                </a:solidFill>
+                <a:effectLst/>
+                <a:latin typeface="ui-monospace"/>
+              </a:rPr>
+              <a:t>...) { statements $return }</a:t>
+            </a:r>
+          </a:p>
+          <a:p>
+            <a:pPr marL="0" indent="0">
+              <a:buNone/>
+            </a:pPr>
+            <a:endParaRPr lang="en-US" altLang="zh-CN" dirty="0"/>
+          </a:p>
+          <a:p>
+            <a:r>
+              <a:rPr lang="zh-CN" altLang="en-US" dirty="0"/>
+              <a:t>调用方法：</a:t>
+            </a:r>
+            <a:endParaRPr lang="en-US" altLang="zh-CN" dirty="0"/>
+          </a:p>
+          <a:p>
+            <a:pPr marL="457200" lvl="1" indent="0">
+              <a:buNone/>
+            </a:pPr>
+            <a:r>
+              <a:rPr lang="en-US" altLang="zh-CN" dirty="0"/>
+              <a:t>	</a:t>
+            </a:r>
+            <a:r>
+              <a:rPr lang="en-US" altLang="zh-CN" b="1" dirty="0"/>
+              <a:t>function(</a:t>
+            </a:r>
+            <a:r>
+              <a:rPr lang="en-US" altLang="zh-CN" b="1" dirty="0" err="1"/>
+              <a:t>args</a:t>
+            </a:r>
+            <a:r>
+              <a:rPr lang="en-US" altLang="zh-CN" b="1" dirty="0"/>
+              <a:t>);</a:t>
+            </a:r>
+          </a:p>
+          <a:p>
+            <a:endParaRPr lang="en-US" altLang="zh-CN" dirty="0"/>
+          </a:p>
+          <a:p>
+            <a:endParaRPr lang="en-US" altLang="zh-CN" dirty="0"/>
+          </a:p>
+          <a:p>
+            <a:pPr marL="0" indent="0">
+              <a:buNone/>
+            </a:pPr>
+            <a:r>
+              <a:rPr lang="en-US" altLang="zh-CN" b="0" i="0" dirty="0">
+                <a:solidFill>
+                  <a:srgbClr val="24292F"/>
+                </a:solidFill>
+                <a:effectLst/>
+                <a:latin typeface="ui-monospace"/>
+              </a:rPr>
+              <a:t>	</a:t>
+            </a:r>
+            <a:endParaRPr lang="zh-CN" altLang="en-US" dirty="0"/>
           </a:p>
         </p:txBody>
       </p:sp>
     </p:spTree>
     <p:extLst>
       <p:ext uri="{BB962C8B-B14F-4D97-AF65-F5344CB8AC3E}">
-        <p14:creationId xmlns:p14="http://schemas.microsoft.com/office/powerpoint/2010/main" val="960256067"/>
+        <p14:creationId xmlns:p14="http://schemas.microsoft.com/office/powerpoint/2010/main" val="2635884622"/>
       </p:ext>
     </p:extLst>
   </p:cSld>
@@ -6053,7 +6858,7 @@
           <p:cNvPr id="2" name="标题 1">
             <a:extLst>
               <a:ext uri="{FF2B5EF4-FFF2-40B4-BE49-F238E27FC236}">
-                <a16:creationId xmlns:a16="http://schemas.microsoft.com/office/drawing/2014/main" id="{18EE6C41-0F45-3446-9B67-B78B5853E8FB}"/>
+                <a16:creationId xmlns:a16="http://schemas.microsoft.com/office/drawing/2014/main" id="{DB9ED9E2-1526-71E9-A94B-FC3587B5090A}"/>
               </a:ext>
             </a:extLst>
           </p:cNvPr>
@@ -6070,16 +6875,12 @@
           <a:lstStyle/>
           <a:p>
             <a:r>
-              <a:rPr lang="zh-CN" altLang="en-US" dirty="0"/>
-              <a:t>基本语法</a:t>
-            </a:r>
-            <a:r>
-              <a:rPr lang="en-US" altLang="zh-CN" dirty="0"/>
-              <a:t>-</a:t>
-            </a:r>
-            <a:r>
-              <a:rPr lang="zh-CN" altLang="en-US" dirty="0"/>
-              <a:t>函数</a:t>
+              <a:rPr lang="en-US" altLang="zh-CN" dirty="0"/>
+              <a:t>{PHG} - </a:t>
+            </a:r>
+            <a:r>
+              <a:rPr lang="zh-CN" altLang="en-US" dirty="0"/>
+              <a:t>树结构</a:t>
             </a:r>
           </a:p>
         </p:txBody>
@@ -6089,7 +6890,7 @@
           <p:cNvPr id="3" name="内容占位符 2">
             <a:extLst>
               <a:ext uri="{FF2B5EF4-FFF2-40B4-BE49-F238E27FC236}">
-                <a16:creationId xmlns:a16="http://schemas.microsoft.com/office/drawing/2014/main" id="{16F236C1-3923-F73B-9038-66DABA17A5C2}"/>
+                <a16:creationId xmlns:a16="http://schemas.microsoft.com/office/drawing/2014/main" id="{29BF8732-AB8B-619A-ECD9-63588B0029BB}"/>
               </a:ext>
             </a:extLst>
           </p:cNvPr>
@@ -6103,114 +6904,319 @@
         <p:spPr/>
         <p:txBody>
           <a:bodyPr>
-            <a:normAutofit/>
+            <a:normAutofit fontScale="92500" lnSpcReduction="10000"/>
           </a:bodyPr>
           <a:lstStyle/>
           <a:p>
-            <a:r>
-              <a:rPr lang="zh-CN" altLang="en-US" dirty="0"/>
-              <a:t>函数分脚本自定义函数与宿主</a:t>
-            </a:r>
-            <a:r>
-              <a:rPr lang="en-US" altLang="zh-CN" dirty="0"/>
-              <a:t>API</a:t>
-            </a:r>
-            <a:r>
-              <a:rPr lang="zh-CN" altLang="en-US" dirty="0"/>
-              <a:t>函数</a:t>
+            <a:pPr algn="l"/>
+            <a:r>
+              <a:rPr lang="zh-CN" altLang="en-US" dirty="0"/>
+              <a:t>树结构是</a:t>
+            </a:r>
+            <a:r>
+              <a:rPr lang="en-US" altLang="zh-CN" dirty="0"/>
+              <a:t>PHG</a:t>
+            </a:r>
+            <a:r>
+              <a:rPr lang="zh-CN" altLang="en-US" dirty="0"/>
+              <a:t>的数据对象，对应于类或结构体</a:t>
             </a:r>
             <a:endParaRPr lang="en-US" altLang="zh-CN" dirty="0"/>
           </a:p>
           <a:p>
-            <a:r>
-              <a:rPr lang="zh-CN" altLang="en-US" dirty="0"/>
-              <a:t>自定义函数格式：</a:t>
+            <a:pPr algn="l"/>
+            <a:r>
+              <a:rPr lang="zh-CN" altLang="en-US" dirty="0"/>
+              <a:t>树结构的定义方法：</a:t>
             </a:r>
             <a:endParaRPr lang="en-US" altLang="zh-CN" dirty="0"/>
           </a:p>
           <a:p>
-            <a:pPr marL="0" indent="0">
+            <a:pPr algn="l"/>
+            <a:endParaRPr lang="en-US" altLang="zh-CN" dirty="0"/>
+          </a:p>
+          <a:p>
+            <a:pPr algn="l"/>
+            <a:endParaRPr lang="en-US" altLang="zh-CN" dirty="0"/>
+          </a:p>
+          <a:p>
+            <a:pPr algn="l"/>
+            <a:endParaRPr lang="en-US" altLang="zh-CN" dirty="0"/>
+          </a:p>
+          <a:p>
+            <a:pPr algn="l"/>
+            <a:endParaRPr lang="en-US" altLang="zh-CN" dirty="0"/>
+          </a:p>
+          <a:p>
+            <a:pPr algn="l"/>
+            <a:r>
+              <a:rPr lang="zh-CN" altLang="en-US" dirty="0"/>
+              <a:t>举例：</a:t>
+            </a:r>
+            <a:endParaRPr lang="en-US" altLang="zh-CN" dirty="0"/>
+          </a:p>
+          <a:p>
+            <a:pPr marL="457200" lvl="1" indent="0">
               <a:buNone/>
             </a:pPr>
             <a:r>
-              <a:rPr lang="en-US" altLang="zh-CN" b="0" i="0" dirty="0">
-                <a:solidFill>
-                  <a:srgbClr val="24292F"/>
-                </a:solidFill>
-                <a:effectLst/>
-                <a:latin typeface="ui-monospace"/>
-              </a:rPr>
-              <a:t>	$function(</a:t>
-            </a:r>
-            <a:r>
-              <a:rPr lang="en-US" altLang="zh-CN" b="0" i="0" dirty="0" err="1">
-                <a:solidFill>
-                  <a:srgbClr val="24292F"/>
-                </a:solidFill>
-                <a:effectLst/>
-                <a:latin typeface="ui-monospace"/>
-              </a:rPr>
-              <a:t>args</a:t>
-            </a:r>
-            <a:r>
-              <a:rPr lang="en-US" altLang="zh-CN" b="0" i="0" dirty="0">
-                <a:solidFill>
-                  <a:srgbClr val="24292F"/>
-                </a:solidFill>
-                <a:effectLst/>
-                <a:latin typeface="ui-monospace"/>
-              </a:rPr>
-              <a:t>...) { statements $return }</a:t>
-            </a:r>
-            <a:endParaRPr lang="en-US" altLang="zh-CN" dirty="0"/>
-          </a:p>
-          <a:p>
-            <a:r>
-              <a:rPr lang="zh-CN" altLang="en-US" dirty="0"/>
-              <a:t>调用方法：</a:t>
-            </a:r>
-            <a:endParaRPr lang="en-US" altLang="zh-CN" dirty="0"/>
+              <a:rPr lang="en-US" altLang="zh-CN" sz="1200" b="1" dirty="0"/>
+              <a:t>	{	</a:t>
+            </a:r>
           </a:p>
           <a:p>
             <a:pPr marL="457200" lvl="1" indent="0">
               <a:buNone/>
             </a:pPr>
             <a:r>
+              <a:rPr lang="en-US" altLang="zh-CN" sz="1200" b="1" dirty="0"/>
+              <a:t>	      a{ p:1,0,0;</a:t>
+            </a:r>
+          </a:p>
+          <a:p>
+            <a:pPr marL="457200" lvl="1" indent="0">
+              <a:buNone/>
+            </a:pPr>
+            <a:r>
+              <a:rPr lang="en-US" altLang="zh-CN" sz="1200" b="1" dirty="0"/>
+              <a:t>	          b{p:2,0,0}</a:t>
+            </a:r>
+          </a:p>
+          <a:p>
+            <a:pPr marL="457200" lvl="1" indent="0">
+              <a:buNone/>
+            </a:pPr>
+            <a:r>
+              <a:rPr lang="en-US" altLang="zh-CN" sz="1200" b="1" dirty="0"/>
+              <a:t>	          &lt;</a:t>
+            </a:r>
+            <a:r>
+              <a:rPr lang="en-US" altLang="zh-CN" sz="1200" b="1" dirty="0" err="1"/>
+              <a:t>a,b</a:t>
+            </a:r>
+            <a:r>
+              <a:rPr lang="en-US" altLang="zh-CN" sz="1200" b="1" dirty="0"/>
+              <a:t>&gt;</a:t>
+            </a:r>
+          </a:p>
+          <a:p>
+            <a:pPr marL="457200" lvl="1" indent="0">
+              <a:buNone/>
+            </a:pPr>
+            <a:r>
+              <a:rPr lang="en-US" altLang="zh-CN" sz="1200" b="1" dirty="0"/>
+              <a:t>	          [</a:t>
+            </a:r>
+            <a:r>
+              <a:rPr lang="en-US" altLang="zh-CN" sz="1200" b="1" dirty="0" err="1"/>
+              <a:t>a,b</a:t>
+            </a:r>
+            <a:r>
+              <a:rPr lang="en-US" altLang="zh-CN" sz="1200" b="1" dirty="0"/>
+              <a:t>] }</a:t>
+            </a:r>
+          </a:p>
+          <a:p>
+            <a:pPr marL="457200" lvl="1" indent="0">
+              <a:buNone/>
+            </a:pPr>
+            <a:r>
+              <a:rPr lang="en-US" altLang="zh-CN" sz="1200" b="1" dirty="0"/>
+              <a:t>	}</a:t>
+            </a:r>
+            <a:endParaRPr lang="zh-CN" altLang="en-US" sz="1200" b="1" dirty="0"/>
+          </a:p>
+        </p:txBody>
+      </p:sp>
+      <p:sp>
+        <p:nvSpPr>
+          <p:cNvPr id="5" name="文本框 4">
+            <a:extLst>
+              <a:ext uri="{FF2B5EF4-FFF2-40B4-BE49-F238E27FC236}">
+                <a16:creationId xmlns:a16="http://schemas.microsoft.com/office/drawing/2014/main" id="{96607CA4-3B76-FBA4-5A47-538B64EAE5B5}"/>
+              </a:ext>
+            </a:extLst>
+          </p:cNvPr>
+          <p:cNvSpPr txBox="1"/>
+          <p:nvPr/>
+        </p:nvSpPr>
+        <p:spPr>
+          <a:xfrm>
+            <a:off x="4214629" y="2274837"/>
+            <a:ext cx="4996747" cy="2308324"/>
+          </a:xfrm>
+          <a:prstGeom prst="rect">
+            <a:avLst/>
+          </a:prstGeom>
+          <a:noFill/>
+        </p:spPr>
+        <p:txBody>
+          <a:bodyPr wrap="square" rtlCol="0">
+            <a:spAutoFit/>
+          </a:bodyPr>
+          <a:lstStyle/>
+          <a:p>
+            <a:r>
+              <a:rPr lang="zh-CN" altLang="en-US" dirty="0"/>
+              <a:t>名称 </a:t>
+            </a:r>
+            <a:r>
+              <a:rPr lang="en-US" altLang="zh-CN" dirty="0"/>
+              <a:t>: { </a:t>
+            </a:r>
+          </a:p>
+          <a:p>
+            <a:r>
               <a:rPr lang="en-US" altLang="zh-CN" dirty="0"/>
               <a:t>	</a:t>
             </a:r>
             <a:r>
-              <a:rPr lang="en-US" altLang="zh-CN" b="1" dirty="0"/>
-              <a:t>function(</a:t>
-            </a:r>
-            <a:r>
-              <a:rPr lang="en-US" altLang="zh-CN" b="1" dirty="0" err="1"/>
-              <a:t>args</a:t>
-            </a:r>
-            <a:r>
-              <a:rPr lang="en-US" altLang="zh-CN" b="1" dirty="0"/>
-              <a:t>);</a:t>
-            </a:r>
-          </a:p>
-          <a:p>
-            <a:endParaRPr lang="en-US" altLang="zh-CN" dirty="0"/>
-          </a:p>
-          <a:p>
-            <a:endParaRPr lang="en-US" altLang="zh-CN" dirty="0"/>
-          </a:p>
-          <a:p>
-            <a:pPr marL="0" indent="0">
-              <a:buNone/>
-            </a:pPr>
-            <a:r>
-              <a:rPr lang="en-US" altLang="zh-CN" b="0" i="0" dirty="0">
-                <a:solidFill>
-                  <a:srgbClr val="24292F"/>
-                </a:solidFill>
-                <a:effectLst/>
-                <a:latin typeface="ui-monospace"/>
-              </a:rPr>
+              <a:rPr lang="zh-CN" altLang="en-US" dirty="0"/>
+              <a:t>继承 节点名 </a:t>
+            </a:r>
+            <a:r>
+              <a:rPr lang="en-US" altLang="zh-CN" dirty="0"/>
+              <a:t>, </a:t>
+            </a:r>
+          </a:p>
+          <a:p>
+            <a:r>
+              <a:rPr lang="en-US" altLang="zh-CN" dirty="0"/>
               <a:t>	</a:t>
+            </a:r>
+            <a:r>
+              <a:rPr lang="zh-CN" altLang="en-US" dirty="0"/>
+              <a:t>特性 </a:t>
+            </a:r>
+            <a:r>
+              <a:rPr lang="en-US" altLang="zh-CN" dirty="0"/>
+              <a:t>= </a:t>
+            </a:r>
+            <a:r>
+              <a:rPr lang="zh-CN" altLang="en-US" dirty="0"/>
+              <a:t>值</a:t>
+            </a:r>
+            <a:r>
+              <a:rPr lang="en-US" altLang="zh-CN" dirty="0"/>
+              <a:t>;</a:t>
+            </a:r>
+          </a:p>
+          <a:p>
+            <a:r>
+              <a:rPr lang="en-US" altLang="zh-CN" dirty="0"/>
+              <a:t>	</a:t>
+            </a:r>
+            <a:r>
+              <a:rPr lang="zh-CN" altLang="en-US" dirty="0"/>
+              <a:t>属 性</a:t>
+            </a:r>
+            <a:r>
+              <a:rPr lang="en-US" altLang="zh-CN" dirty="0"/>
+              <a:t>: </a:t>
+            </a:r>
+            <a:r>
+              <a:rPr lang="zh-CN" altLang="en-US" dirty="0"/>
+              <a:t>值</a:t>
+            </a:r>
+            <a:r>
+              <a:rPr lang="en-US" altLang="zh-CN" dirty="0"/>
+              <a:t>;</a:t>
+            </a:r>
+          </a:p>
+          <a:p>
+            <a:r>
+              <a:rPr lang="en-US" altLang="zh-CN" dirty="0"/>
+              <a:t>	</a:t>
+            </a:r>
+            <a:r>
+              <a:rPr lang="zh-CN" altLang="en-US" dirty="0"/>
+              <a:t>名称 </a:t>
+            </a:r>
+            <a:r>
+              <a:rPr lang="en-US" altLang="zh-CN" dirty="0"/>
+              <a:t>: { </a:t>
+            </a:r>
+            <a:r>
+              <a:rPr lang="zh-CN" altLang="en-US" dirty="0"/>
+              <a:t>子节点 </a:t>
+            </a:r>
+            <a:r>
+              <a:rPr lang="en-US" altLang="zh-CN" dirty="0"/>
+              <a:t>} </a:t>
+            </a:r>
+          </a:p>
+          <a:p>
+            <a:r>
+              <a:rPr lang="en-US" altLang="zh-CN" dirty="0"/>
+              <a:t>	? </a:t>
+            </a:r>
+            <a:r>
+              <a:rPr lang="zh-CN" altLang="en-US" dirty="0"/>
+              <a:t>选择子 </a:t>
+            </a:r>
+            <a:r>
+              <a:rPr lang="en-US" altLang="zh-CN" dirty="0"/>
+              <a:t>[ a:{},{b},c] #</a:t>
+            </a:r>
+            <a:r>
+              <a:rPr lang="zh-CN" altLang="en-US" dirty="0"/>
+              <a:t>阵列</a:t>
+            </a:r>
+          </a:p>
+          <a:p>
+            <a:r>
+              <a:rPr lang="en-US" altLang="zh-CN" dirty="0"/>
+              <a:t>	&lt;</a:t>
+            </a:r>
+            <a:r>
+              <a:rPr lang="en-US" altLang="zh-CN" dirty="0" err="1"/>
+              <a:t>a,b,c</a:t>
+            </a:r>
+            <a:r>
+              <a:rPr lang="en-US" altLang="zh-CN" dirty="0"/>
+              <a:t>&gt; #</a:t>
+            </a:r>
+            <a:r>
+              <a:rPr lang="zh-CN" altLang="en-US" dirty="0"/>
+              <a:t>队列</a:t>
+            </a:r>
+          </a:p>
+          <a:p>
+            <a:r>
+              <a:rPr lang="en-US" altLang="zh-CN" dirty="0"/>
+              <a:t>	</a:t>
+            </a:r>
+            <a:r>
+              <a:rPr lang="en-US" altLang="zh-CN" dirty="0" err="1"/>
+              <a:t>Phg</a:t>
+            </a:r>
+            <a:r>
+              <a:rPr lang="en-US" altLang="zh-CN" dirty="0"/>
+              <a:t>/</a:t>
+            </a:r>
+            <a:r>
+              <a:rPr lang="en-US" altLang="zh-CN" dirty="0" err="1"/>
+              <a:t>onevent</a:t>
+            </a:r>
+            <a:r>
+              <a:rPr lang="en-US" altLang="zh-CN" dirty="0"/>
+              <a:t> </a:t>
+            </a:r>
+            <a:r>
+              <a:rPr lang="zh-CN" altLang="en-US" dirty="0"/>
+              <a:t>： </a:t>
+            </a:r>
+            <a:r>
+              <a:rPr lang="en-US" altLang="zh-CN" dirty="0"/>
+              <a:t>PHG </a:t>
+            </a:r>
+            <a:r>
+              <a:rPr lang="zh-CN" altLang="en-US" dirty="0"/>
+              <a:t>表达 式 </a:t>
+            </a:r>
+            <a:r>
+              <a:rPr lang="en-US" altLang="zh-CN" dirty="0"/>
+              <a:t>}</a:t>
             </a:r>
             <a:endParaRPr lang="zh-CN" altLang="en-US" dirty="0"/>
           </a:p>
@@ -6219,7 +7225,7 @@
     </p:spTree>
     <p:extLst>
       <p:ext uri="{BB962C8B-B14F-4D97-AF65-F5344CB8AC3E}">
-        <p14:creationId xmlns:p14="http://schemas.microsoft.com/office/powerpoint/2010/main" val="2635884622"/>
+        <p14:creationId xmlns:p14="http://schemas.microsoft.com/office/powerpoint/2010/main" val="1329487970"/>
       </p:ext>
     </p:extLst>
   </p:cSld>
@@ -6251,7 +7257,7 @@
           <p:cNvPr id="2" name="标题 1">
             <a:extLst>
               <a:ext uri="{FF2B5EF4-FFF2-40B4-BE49-F238E27FC236}">
-                <a16:creationId xmlns:a16="http://schemas.microsoft.com/office/drawing/2014/main" id="{DB9ED9E2-1526-71E9-A94B-FC3587B5090A}"/>
+                <a16:creationId xmlns:a16="http://schemas.microsoft.com/office/drawing/2014/main" id="{33D95416-6178-46B1-A9C6-E887C6CA6EC6}"/>
               </a:ext>
             </a:extLst>
           </p:cNvPr>
@@ -6269,15 +7275,7 @@
           <a:p>
             <a:r>
               <a:rPr lang="zh-CN" altLang="en-US" dirty="0"/>
-              <a:t>基本语法</a:t>
-            </a:r>
-            <a:r>
-              <a:rPr lang="en-US" altLang="zh-CN" dirty="0"/>
-              <a:t>-</a:t>
-            </a:r>
-            <a:r>
-              <a:rPr lang="zh-CN" altLang="en-US" dirty="0"/>
-              <a:t>树结构</a:t>
+              <a:t>序列与阵列</a:t>
             </a:r>
           </a:p>
         </p:txBody>
@@ -6287,7 +7285,7 @@
           <p:cNvPr id="3" name="内容占位符 2">
             <a:extLst>
               <a:ext uri="{FF2B5EF4-FFF2-40B4-BE49-F238E27FC236}">
-                <a16:creationId xmlns:a16="http://schemas.microsoft.com/office/drawing/2014/main" id="{29BF8732-AB8B-619A-ECD9-63588B0029BB}"/>
+                <a16:creationId xmlns:a16="http://schemas.microsoft.com/office/drawing/2014/main" id="{7574EA23-7A49-455D-947A-9CF81EAD88B6}"/>
               </a:ext>
             </a:extLst>
           </p:cNvPr>
@@ -6300,320 +7298,90 @@
         </p:nvSpPr>
         <p:spPr/>
         <p:txBody>
-          <a:bodyPr>
-            <a:normAutofit fontScale="92500" lnSpcReduction="10000"/>
-          </a:bodyPr>
-          <a:lstStyle/>
-          <a:p>
-            <a:pPr algn="l"/>
-            <a:r>
-              <a:rPr lang="zh-CN" altLang="en-US" dirty="0"/>
-              <a:t>树结构是</a:t>
-            </a:r>
-            <a:r>
-              <a:rPr lang="en-US" altLang="zh-CN" dirty="0"/>
-              <a:t>PHG</a:t>
-            </a:r>
-            <a:r>
-              <a:rPr lang="zh-CN" altLang="en-US" dirty="0"/>
-              <a:t>的数据对象，对应于类或结构体</a:t>
+          <a:bodyPr/>
+          <a:lstStyle/>
+          <a:p>
+            <a:r>
+              <a:rPr lang="zh-CN" altLang="en-US" dirty="0"/>
+              <a:t>序列是指有顺序的</a:t>
+            </a:r>
+            <a:r>
+              <a:rPr lang="en-US" altLang="zh-CN" dirty="0"/>
+              <a:t>N</a:t>
+            </a:r>
+            <a:r>
+              <a:rPr lang="zh-CN" altLang="en-US" dirty="0"/>
+              <a:t>元组，序列本身可以作为元素参与四则运算</a:t>
             </a:r>
             <a:endParaRPr lang="en-US" altLang="zh-CN" dirty="0"/>
           </a:p>
           <a:p>
-            <a:pPr algn="l"/>
-            <a:r>
-              <a:rPr lang="zh-CN" altLang="en-US" dirty="0"/>
-              <a:t>树结构的定义方法：</a:t>
+            <a:pPr marL="0" indent="0">
+              <a:buNone/>
+            </a:pPr>
+            <a:r>
+              <a:rPr lang="en-US" altLang="zh-CN" dirty="0"/>
+              <a:t>		&lt;a, b, c, d&gt;</a:t>
+            </a:r>
+          </a:p>
+          <a:p>
+            <a:pPr marL="0" indent="0">
+              <a:buNone/>
+            </a:pPr>
+            <a:r>
+              <a:rPr lang="en-US" altLang="zh-CN" dirty="0"/>
+              <a:t>  </a:t>
+            </a:r>
+            <a:r>
+              <a:rPr lang="zh-CN" altLang="en-US" dirty="0"/>
+              <a:t>序列跟节点表达式的关系公式：</a:t>
             </a:r>
             <a:endParaRPr lang="en-US" altLang="zh-CN" dirty="0"/>
           </a:p>
           <a:p>
-            <a:pPr algn="l"/>
-            <a:endParaRPr lang="en-US" altLang="zh-CN" dirty="0"/>
-          </a:p>
-          <a:p>
-            <a:pPr algn="l"/>
-            <a:endParaRPr lang="en-US" altLang="zh-CN" dirty="0"/>
-          </a:p>
-          <a:p>
-            <a:pPr algn="l"/>
-            <a:endParaRPr lang="en-US" altLang="zh-CN" dirty="0"/>
-          </a:p>
-          <a:p>
-            <a:pPr algn="l"/>
-            <a:endParaRPr lang="en-US" altLang="zh-CN" dirty="0"/>
-          </a:p>
-          <a:p>
-            <a:pPr algn="l"/>
-            <a:r>
-              <a:rPr lang="zh-CN" altLang="en-US" dirty="0"/>
-              <a:t>举例：</a:t>
-            </a:r>
-            <a:endParaRPr lang="en-US" altLang="zh-CN" dirty="0"/>
-          </a:p>
-          <a:p>
-            <a:pPr marL="457200" lvl="1" indent="0">
+            <a:pPr marL="0" indent="0">
               <a:buNone/>
             </a:pPr>
             <a:r>
-              <a:rPr lang="en-US" altLang="zh-CN" sz="1200" b="1" dirty="0"/>
-              <a:t>	{	</a:t>
-            </a:r>
-          </a:p>
-          <a:p>
-            <a:pPr marL="457200" lvl="1" indent="0">
+              <a:rPr lang="en-US" altLang="zh-CN" dirty="0"/>
+              <a:t>		&lt;a, b, c, d&gt; = {a{b{c{d}}}} </a:t>
+            </a:r>
+            <a:endParaRPr lang="zh-CN" altLang="en-US" dirty="0"/>
+          </a:p>
+          <a:p>
+            <a:pPr marL="0" indent="0">
               <a:buNone/>
             </a:pPr>
             <a:r>
-              <a:rPr lang="en-US" altLang="zh-CN" sz="1200" b="1" dirty="0"/>
-              <a:t>	      a{ p:1,0,0;</a:t>
-            </a:r>
-          </a:p>
-          <a:p>
-            <a:pPr marL="457200" lvl="1" indent="0">
+              <a:rPr lang="en-US" altLang="zh-CN" dirty="0"/>
+              <a:t>	</a:t>
+            </a:r>
+          </a:p>
+          <a:p>
+            <a:r>
+              <a:rPr lang="zh-CN" altLang="en-US" dirty="0"/>
+              <a:t>阵列是数组的概念</a:t>
+            </a:r>
+            <a:r>
+              <a:rPr lang="en-US" altLang="zh-CN" dirty="0"/>
+              <a:t>, </a:t>
+            </a:r>
+            <a:r>
+              <a:rPr lang="zh-CN" altLang="en-US" dirty="0"/>
+              <a:t>元素之间是平级关系</a:t>
+            </a:r>
+            <a:r>
+              <a:rPr lang="en-US" altLang="zh-CN" dirty="0"/>
+              <a:t>:</a:t>
+            </a:r>
+          </a:p>
+          <a:p>
+            <a:pPr marL="0" indent="0">
               <a:buNone/>
             </a:pPr>
             <a:r>
-              <a:rPr lang="en-US" altLang="zh-CN" sz="1200" b="1" dirty="0"/>
-              <a:t>	          b{p:2,0,0}</a:t>
-            </a:r>
-          </a:p>
-          <a:p>
-            <a:pPr marL="457200" lvl="1" indent="0">
-              <a:buNone/>
-            </a:pPr>
-            <a:r>
-              <a:rPr lang="en-US" altLang="zh-CN" sz="1200" b="1" dirty="0"/>
-              <a:t>	          &lt;</a:t>
-            </a:r>
-            <a:r>
-              <a:rPr lang="en-US" altLang="zh-CN" sz="1200" b="1" dirty="0" err="1"/>
-              <a:t>a,b</a:t>
-            </a:r>
-            <a:r>
-              <a:rPr lang="en-US" altLang="zh-CN" sz="1200" b="1" dirty="0"/>
-              <a:t>&gt;</a:t>
-            </a:r>
-          </a:p>
-          <a:p>
-            <a:pPr marL="457200" lvl="1" indent="0">
-              <a:buNone/>
-            </a:pPr>
-            <a:r>
-              <a:rPr lang="en-US" altLang="zh-CN" sz="1200" b="1" dirty="0"/>
-              <a:t>	          [</a:t>
-            </a:r>
-            <a:r>
-              <a:rPr lang="en-US" altLang="zh-CN" sz="1200" b="1" dirty="0" err="1"/>
-              <a:t>a,b</a:t>
-            </a:r>
-            <a:r>
-              <a:rPr lang="en-US" altLang="zh-CN" sz="1200" b="1" dirty="0"/>
-              <a:t>] }</a:t>
-            </a:r>
-          </a:p>
-          <a:p>
-            <a:pPr marL="457200" lvl="1" indent="0">
-              <a:buNone/>
-            </a:pPr>
-            <a:r>
-              <a:rPr lang="en-US" altLang="zh-CN" sz="1200" b="1" dirty="0"/>
-              <a:t>	}</a:t>
-            </a:r>
-            <a:endParaRPr lang="zh-CN" altLang="en-US" sz="1200" b="1" dirty="0"/>
-          </a:p>
-        </p:txBody>
-      </p:sp>
-      <p:sp>
-        <p:nvSpPr>
-          <p:cNvPr id="5" name="文本框 4">
-            <a:extLst>
-              <a:ext uri="{FF2B5EF4-FFF2-40B4-BE49-F238E27FC236}">
-                <a16:creationId xmlns:a16="http://schemas.microsoft.com/office/drawing/2014/main" id="{96607CA4-3B76-FBA4-5A47-538B64EAE5B5}"/>
-              </a:ext>
-            </a:extLst>
-          </p:cNvPr>
-          <p:cNvSpPr txBox="1"/>
-          <p:nvPr/>
-        </p:nvSpPr>
-        <p:spPr>
-          <a:xfrm>
-            <a:off x="4214629" y="2274837"/>
-            <a:ext cx="4996747" cy="2308324"/>
-          </a:xfrm>
-          <a:prstGeom prst="rect">
-            <a:avLst/>
-          </a:prstGeom>
-          <a:noFill/>
-        </p:spPr>
-        <p:txBody>
-          <a:bodyPr wrap="square" rtlCol="0">
-            <a:spAutoFit/>
-          </a:bodyPr>
-          <a:lstStyle/>
-          <a:p>
-            <a:r>
-              <a:rPr lang="zh-CN" altLang="en-US" dirty="0"/>
-              <a:t>名称 </a:t>
-            </a:r>
-            <a:r>
-              <a:rPr lang="en-US" altLang="zh-CN" dirty="0"/>
-              <a:t>: { </a:t>
-            </a:r>
-          </a:p>
-          <a:p>
-            <a:r>
-              <a:rPr lang="en-US" altLang="zh-CN" dirty="0"/>
-              <a:t>	</a:t>
-            </a:r>
-            <a:r>
-              <a:rPr lang="zh-CN" altLang="en-US" dirty="0"/>
-              <a:t>继承 节点名 </a:t>
-            </a:r>
-            <a:r>
-              <a:rPr lang="en-US" altLang="zh-CN" dirty="0"/>
-              <a:t>, </a:t>
-            </a:r>
-          </a:p>
-          <a:p>
-            <a:r>
-              <a:rPr lang="en-US" altLang="zh-CN" dirty="0"/>
-              <a:t>	</a:t>
-            </a:r>
-            <a:r>
-              <a:rPr lang="zh-CN" altLang="en-US" dirty="0"/>
-              <a:t>特性 </a:t>
-            </a:r>
-            <a:r>
-              <a:rPr lang="en-US" altLang="zh-CN" dirty="0"/>
-              <a:t>= </a:t>
-            </a:r>
-            <a:r>
-              <a:rPr lang="zh-CN" altLang="en-US" dirty="0"/>
-              <a:t>值</a:t>
-            </a:r>
-            <a:r>
-              <a:rPr lang="en-US" altLang="zh-CN" dirty="0"/>
-              <a:t>;</a:t>
-            </a:r>
-          </a:p>
-          <a:p>
-            <a:r>
-              <a:rPr lang="en-US" altLang="zh-CN" dirty="0"/>
-              <a:t>	</a:t>
-            </a:r>
-            <a:r>
-              <a:rPr lang="zh-CN" altLang="en-US" dirty="0"/>
-              <a:t>属 性</a:t>
-            </a:r>
-            <a:r>
-              <a:rPr lang="en-US" altLang="zh-CN" dirty="0"/>
-              <a:t>: </a:t>
-            </a:r>
-            <a:r>
-              <a:rPr lang="zh-CN" altLang="en-US" dirty="0"/>
-              <a:t>值</a:t>
-            </a:r>
-            <a:r>
-              <a:rPr lang="en-US" altLang="zh-CN" dirty="0"/>
-              <a:t>;</a:t>
-            </a:r>
-          </a:p>
-          <a:p>
-            <a:r>
-              <a:rPr lang="en-US" altLang="zh-CN" dirty="0"/>
-              <a:t>	</a:t>
-            </a:r>
-            <a:r>
-              <a:rPr lang="zh-CN" altLang="en-US" dirty="0"/>
-              <a:t>名称 </a:t>
-            </a:r>
-            <a:r>
-              <a:rPr lang="en-US" altLang="zh-CN" dirty="0"/>
-              <a:t>: { </a:t>
-            </a:r>
-            <a:r>
-              <a:rPr lang="zh-CN" altLang="en-US" dirty="0"/>
-              <a:t>子节点 </a:t>
-            </a:r>
-            <a:r>
-              <a:rPr lang="en-US" altLang="zh-CN" dirty="0"/>
-              <a:t>} </a:t>
-            </a:r>
-          </a:p>
-          <a:p>
-            <a:r>
-              <a:rPr lang="en-US" altLang="zh-CN" dirty="0"/>
-              <a:t>	? </a:t>
-            </a:r>
-            <a:r>
-              <a:rPr lang="zh-CN" altLang="en-US" dirty="0"/>
-              <a:t>选择子 </a:t>
-            </a:r>
-            <a:r>
-              <a:rPr lang="en-US" altLang="zh-CN" dirty="0"/>
-              <a:t>[ a:{},{b},c] #</a:t>
-            </a:r>
-            <a:r>
-              <a:rPr lang="zh-CN" altLang="en-US" dirty="0"/>
-              <a:t>阵列</a:t>
-            </a:r>
-          </a:p>
-          <a:p>
-            <a:r>
-              <a:rPr lang="en-US" altLang="zh-CN" dirty="0"/>
-              <a:t>	&lt;</a:t>
-            </a:r>
-            <a:r>
-              <a:rPr lang="en-US" altLang="zh-CN" dirty="0" err="1"/>
-              <a:t>a,b,c</a:t>
-            </a:r>
-            <a:r>
-              <a:rPr lang="en-US" altLang="zh-CN" dirty="0"/>
-              <a:t>&gt; #</a:t>
-            </a:r>
-            <a:r>
-              <a:rPr lang="zh-CN" altLang="en-US" dirty="0"/>
-              <a:t>队列</a:t>
-            </a:r>
-          </a:p>
-          <a:p>
-            <a:r>
-              <a:rPr lang="en-US" altLang="zh-CN" dirty="0"/>
-              <a:t>	</a:t>
-            </a:r>
-            <a:r>
-              <a:rPr lang="en-US" altLang="zh-CN" dirty="0" err="1"/>
-              <a:t>Phg</a:t>
-            </a:r>
-            <a:r>
-              <a:rPr lang="en-US" altLang="zh-CN" dirty="0"/>
-              <a:t>/</a:t>
-            </a:r>
-            <a:r>
-              <a:rPr lang="en-US" altLang="zh-CN" dirty="0" err="1"/>
-              <a:t>onevent</a:t>
-            </a:r>
-            <a:r>
-              <a:rPr lang="en-US" altLang="zh-CN" dirty="0"/>
-              <a:t> </a:t>
-            </a:r>
-            <a:r>
-              <a:rPr lang="zh-CN" altLang="en-US" dirty="0"/>
-              <a:t>： </a:t>
-            </a:r>
-            <a:r>
-              <a:rPr lang="en-US" altLang="zh-CN" dirty="0"/>
-              <a:t>PHG </a:t>
-            </a:r>
-            <a:r>
-              <a:rPr lang="zh-CN" altLang="en-US" dirty="0"/>
-              <a:t>表达 式 </a:t>
-            </a:r>
-            <a:r>
-              <a:rPr lang="en-US" altLang="zh-CN" dirty="0"/>
-              <a:t>}</a:t>
+              <a:rPr lang="en-US" altLang="zh-CN" dirty="0"/>
+              <a:t>		[a, b, c, d] = {{a}{b}{c}{d}}</a:t>
             </a:r>
             <a:endParaRPr lang="zh-CN" altLang="en-US" dirty="0"/>
           </a:p>
@@ -6622,7 +7390,7 @@
     </p:spTree>
     <p:extLst>
       <p:ext uri="{BB962C8B-B14F-4D97-AF65-F5344CB8AC3E}">
-        <p14:creationId xmlns:p14="http://schemas.microsoft.com/office/powerpoint/2010/main" val="1329487970"/>
+        <p14:creationId xmlns:p14="http://schemas.microsoft.com/office/powerpoint/2010/main" val="1554806646"/>
       </p:ext>
     </p:extLst>
   </p:cSld>

--- a/PHG语法手册.pptx
+++ b/PHG语法手册.pptx
@@ -13,12 +13,16 @@
     <p:sldId id="288" r:id="rId7"/>
     <p:sldId id="290" r:id="rId8"/>
     <p:sldId id="286" r:id="rId9"/>
-    <p:sldId id="276" r:id="rId10"/>
-    <p:sldId id="293" r:id="rId11"/>
-    <p:sldId id="285" r:id="rId12"/>
-    <p:sldId id="282" r:id="rId13"/>
-    <p:sldId id="291" r:id="rId14"/>
-    <p:sldId id="292" r:id="rId15"/>
+    <p:sldId id="293" r:id="rId10"/>
+    <p:sldId id="294" r:id="rId11"/>
+    <p:sldId id="276" r:id="rId12"/>
+    <p:sldId id="295" r:id="rId13"/>
+    <p:sldId id="296" r:id="rId14"/>
+    <p:sldId id="297" r:id="rId15"/>
+    <p:sldId id="285" r:id="rId16"/>
+    <p:sldId id="282" r:id="rId17"/>
+    <p:sldId id="291" r:id="rId18"/>
+    <p:sldId id="292" r:id="rId19"/>
   </p:sldIdLst>
   <p:sldSz cx="12192000" cy="6858000"/>
   <p:notesSz cx="6858000" cy="9144000"/>
@@ -284,7 +288,7 @@
           <a:p>
             <a:fld id="{F5A39F03-C3F8-4711-8682-F778EBC31EC3}" type="datetimeFigureOut">
               <a:rPr lang="zh-CN" altLang="en-US" smtClean="0"/>
-              <a:t>2022/5/20</a:t>
+              <a:t>2022/5/24</a:t>
             </a:fld>
             <a:endParaRPr lang="zh-CN" altLang="en-US"/>
           </a:p>
@@ -482,7 +486,7 @@
           <a:p>
             <a:fld id="{F5A39F03-C3F8-4711-8682-F778EBC31EC3}" type="datetimeFigureOut">
               <a:rPr lang="zh-CN" altLang="en-US" smtClean="0"/>
-              <a:t>2022/5/20</a:t>
+              <a:t>2022/5/24</a:t>
             </a:fld>
             <a:endParaRPr lang="zh-CN" altLang="en-US"/>
           </a:p>
@@ -690,7 +694,7 @@
           <a:p>
             <a:fld id="{F5A39F03-C3F8-4711-8682-F778EBC31EC3}" type="datetimeFigureOut">
               <a:rPr lang="zh-CN" altLang="en-US" smtClean="0"/>
-              <a:t>2022/5/20</a:t>
+              <a:t>2022/5/24</a:t>
             </a:fld>
             <a:endParaRPr lang="zh-CN" altLang="en-US"/>
           </a:p>
@@ -888,7 +892,7 @@
           <a:p>
             <a:fld id="{F5A39F03-C3F8-4711-8682-F778EBC31EC3}" type="datetimeFigureOut">
               <a:rPr lang="zh-CN" altLang="en-US" smtClean="0"/>
-              <a:t>2022/5/20</a:t>
+              <a:t>2022/5/24</a:t>
             </a:fld>
             <a:endParaRPr lang="zh-CN" altLang="en-US"/>
           </a:p>
@@ -1163,7 +1167,7 @@
           <a:p>
             <a:fld id="{F5A39F03-C3F8-4711-8682-F778EBC31EC3}" type="datetimeFigureOut">
               <a:rPr lang="zh-CN" altLang="en-US" smtClean="0"/>
-              <a:t>2022/5/20</a:t>
+              <a:t>2022/5/24</a:t>
             </a:fld>
             <a:endParaRPr lang="zh-CN" altLang="en-US"/>
           </a:p>
@@ -1428,7 +1432,7 @@
           <a:p>
             <a:fld id="{F5A39F03-C3F8-4711-8682-F778EBC31EC3}" type="datetimeFigureOut">
               <a:rPr lang="zh-CN" altLang="en-US" smtClean="0"/>
-              <a:t>2022/5/20</a:t>
+              <a:t>2022/5/24</a:t>
             </a:fld>
             <a:endParaRPr lang="zh-CN" altLang="en-US"/>
           </a:p>
@@ -1840,7 +1844,7 @@
           <a:p>
             <a:fld id="{F5A39F03-C3F8-4711-8682-F778EBC31EC3}" type="datetimeFigureOut">
               <a:rPr lang="zh-CN" altLang="en-US" smtClean="0"/>
-              <a:t>2022/5/20</a:t>
+              <a:t>2022/5/24</a:t>
             </a:fld>
             <a:endParaRPr lang="zh-CN" altLang="en-US"/>
           </a:p>
@@ -1981,7 +1985,7 @@
           <a:p>
             <a:fld id="{F5A39F03-C3F8-4711-8682-F778EBC31EC3}" type="datetimeFigureOut">
               <a:rPr lang="zh-CN" altLang="en-US" smtClean="0"/>
-              <a:t>2022/5/20</a:t>
+              <a:t>2022/5/24</a:t>
             </a:fld>
             <a:endParaRPr lang="zh-CN" altLang="en-US"/>
           </a:p>
@@ -2094,7 +2098,7 @@
           <a:p>
             <a:fld id="{F5A39F03-C3F8-4711-8682-F778EBC31EC3}" type="datetimeFigureOut">
               <a:rPr lang="zh-CN" altLang="en-US" smtClean="0"/>
-              <a:t>2022/5/20</a:t>
+              <a:t>2022/5/24</a:t>
             </a:fld>
             <a:endParaRPr lang="zh-CN" altLang="en-US"/>
           </a:p>
@@ -2405,7 +2409,7 @@
           <a:p>
             <a:fld id="{F5A39F03-C3F8-4711-8682-F778EBC31EC3}" type="datetimeFigureOut">
               <a:rPr lang="zh-CN" altLang="en-US" smtClean="0"/>
-              <a:t>2022/5/20</a:t>
+              <a:t>2022/5/24</a:t>
             </a:fld>
             <a:endParaRPr lang="zh-CN" altLang="en-US"/>
           </a:p>
@@ -2693,7 +2697,7 @@
           <a:p>
             <a:fld id="{F5A39F03-C3F8-4711-8682-F778EBC31EC3}" type="datetimeFigureOut">
               <a:rPr lang="zh-CN" altLang="en-US" smtClean="0"/>
-              <a:t>2022/5/20</a:t>
+              <a:t>2022/5/24</a:t>
             </a:fld>
             <a:endParaRPr lang="zh-CN" altLang="en-US"/>
           </a:p>
@@ -2934,7 +2938,7 @@
           <a:p>
             <a:fld id="{F5A39F03-C3F8-4711-8682-F778EBC31EC3}" type="datetimeFigureOut">
               <a:rPr lang="zh-CN" altLang="en-US" smtClean="0"/>
-              <a:t>2022/5/20</a:t>
+              <a:t>2022/5/24</a:t>
             </a:fld>
             <a:endParaRPr lang="zh-CN" altLang="en-US"/>
           </a:p>
@@ -3445,7 +3449,7 @@
         </p:blipFill>
         <p:spPr>
           <a:xfrm>
-            <a:off x="4071146" y="3038487"/>
+            <a:off x="4004034" y="2283478"/>
             <a:ext cx="3932261" cy="3452159"/>
           </a:xfrm>
           <a:prstGeom prst="rect">
@@ -3488,7 +3492,7 @@
           <p:cNvPr id="2" name="标题 1">
             <a:extLst>
               <a:ext uri="{FF2B5EF4-FFF2-40B4-BE49-F238E27FC236}">
-                <a16:creationId xmlns:a16="http://schemas.microsoft.com/office/drawing/2014/main" id="{64C4999A-D9B5-FD53-4EC2-588B01C8AA5F}"/>
+                <a16:creationId xmlns:a16="http://schemas.microsoft.com/office/drawing/2014/main" id="{FCB5B6AD-9FFC-5245-3F39-849CE7C0297B}"/>
               </a:ext>
             </a:extLst>
           </p:cNvPr>
@@ -3506,7 +3510,7 @@
           <a:p>
             <a:r>
               <a:rPr lang="zh-CN" altLang="en-US" dirty="0"/>
-              <a:t>造型语法</a:t>
+              <a:t>子节点的定义规范</a:t>
             </a:r>
           </a:p>
         </p:txBody>
@@ -3516,7 +3520,7 @@
           <p:cNvPr id="3" name="内容占位符 2">
             <a:extLst>
               <a:ext uri="{FF2B5EF4-FFF2-40B4-BE49-F238E27FC236}">
-                <a16:creationId xmlns:a16="http://schemas.microsoft.com/office/drawing/2014/main" id="{71A2FC27-765D-4FF9-5C7B-1DE59CF86A3B}"/>
+                <a16:creationId xmlns:a16="http://schemas.microsoft.com/office/drawing/2014/main" id="{293E4D65-B4AA-D95B-3D0F-C1760C4EA58F}"/>
               </a:ext>
             </a:extLst>
           </p:cNvPr>
@@ -3527,358 +3531,139 @@
             <p:ph idx="1"/>
           </p:nvPr>
         </p:nvSpPr>
-        <p:spPr>
-          <a:xfrm>
-            <a:off x="5897461" y="1690688"/>
-            <a:ext cx="5771625" cy="4182219"/>
-          </a:xfrm>
-        </p:spPr>
-        <p:txBody>
-          <a:bodyPr>
-            <a:normAutofit fontScale="47500" lnSpcReduction="20000"/>
-          </a:bodyPr>
-          <a:lstStyle/>
-          <a:p>
-            <a:r>
-              <a:rPr lang="en-US" altLang="zh-CN" dirty="0"/>
-              <a:t>{# </a:t>
-            </a:r>
-            <a:r>
-              <a:rPr lang="zh-CN" altLang="en-US" dirty="0"/>
-              <a:t>单元定义</a:t>
-            </a:r>
-          </a:p>
-          <a:p>
+        <p:spPr/>
+        <p:txBody>
+          <a:bodyPr/>
+          <a:lstStyle/>
+          <a:p>
+            <a:r>
+              <a:rPr lang="zh-CN" altLang="en-US" dirty="0"/>
+              <a:t>子节点的定义格式：</a:t>
+            </a:r>
+            <a:endParaRPr lang="en-US" altLang="zh-CN" dirty="0"/>
+          </a:p>
+          <a:p>
+            <a:pPr marL="457200" lvl="1" indent="0">
+              <a:buNone/>
+            </a:pPr>
+            <a:r>
+              <a:rPr lang="zh-CN" altLang="en-US" dirty="0"/>
+              <a:t>节点名</a:t>
+            </a:r>
+            <a:r>
+              <a:rPr lang="en-US" altLang="zh-CN" dirty="0"/>
+              <a:t>{</a:t>
+            </a:r>
+            <a:r>
+              <a:rPr lang="zh-CN" altLang="en-US" dirty="0"/>
+              <a:t>属性定义；子节点名</a:t>
+            </a:r>
+            <a:r>
+              <a:rPr lang="en-US" altLang="zh-CN" dirty="0"/>
+              <a:t>{}…}</a:t>
+            </a:r>
+          </a:p>
+          <a:p>
+            <a:pPr marL="457200" lvl="1" indent="0">
+              <a:buNone/>
+            </a:pPr>
+            <a:r>
+              <a:rPr lang="zh-CN" altLang="en-US" dirty="0"/>
+              <a:t>比如</a:t>
+            </a:r>
+            <a:r>
+              <a:rPr lang="en-US" altLang="zh-CN" dirty="0"/>
+              <a:t>:</a:t>
+            </a:r>
             <a:r>
               <a:rPr lang="zh-CN" altLang="en-US" dirty="0"/>
               <a:t> </a:t>
             </a:r>
-            <a:r>
-              <a:rPr lang="en-US" altLang="zh-CN" dirty="0"/>
-              <a:t>x{md:zhix.obj;x:2;}</a:t>
-            </a:r>
-          </a:p>
-          <a:p>
-            <a:r>
-              <a:rPr lang="en-US" altLang="zh-CN" dirty="0"/>
-              <a:t> y{md:zhiy.obj;y:2;}</a:t>
-            </a:r>
-          </a:p>
-          <a:p>
-            <a:r>
-              <a:rPr lang="en-US" altLang="zh-CN" dirty="0"/>
-              <a:t> z{md:zhiz.obj;z:2;}</a:t>
-            </a:r>
-          </a:p>
-          <a:p>
-            <a:r>
-              <a:rPr lang="en-US" altLang="zh-CN" dirty="0"/>
-              <a:t>  {</a:t>
-            </a:r>
-            <a:r>
-              <a:rPr lang="en-US" altLang="zh-CN" dirty="0" err="1"/>
-              <a:t>md:wantouxy.obj</a:t>
-            </a:r>
-            <a:r>
-              <a:rPr lang="en-US" altLang="zh-CN" dirty="0"/>
-              <a:t>;[</a:t>
-            </a:r>
-            <a:r>
-              <a:rPr lang="en-US" altLang="zh-CN" dirty="0" err="1"/>
-              <a:t>x,y</a:t>
-            </a:r>
-            <a:r>
-              <a:rPr lang="en-US" altLang="zh-CN" dirty="0"/>
-              <a:t>]}</a:t>
-            </a:r>
-          </a:p>
-          <a:p>
-            <a:r>
-              <a:rPr lang="en-US" altLang="zh-CN" dirty="0"/>
-              <a:t>  {</a:t>
-            </a:r>
-            <a:r>
-              <a:rPr lang="en-US" altLang="zh-CN" dirty="0" err="1"/>
-              <a:t>md:wantouxz.obj</a:t>
-            </a:r>
-            <a:r>
-              <a:rPr lang="en-US" altLang="zh-CN" dirty="0"/>
-              <a:t>;[</a:t>
-            </a:r>
-            <a:r>
-              <a:rPr lang="en-US" altLang="zh-CN" dirty="0" err="1"/>
-              <a:t>z,x</a:t>
-            </a:r>
-            <a:r>
-              <a:rPr lang="en-US" altLang="zh-CN" dirty="0"/>
-              <a:t>]}</a:t>
-            </a:r>
-          </a:p>
-          <a:p>
-            <a:r>
-              <a:rPr lang="en-US" altLang="zh-CN" dirty="0"/>
-              <a:t>  {md:wantouzx2.obj;[</a:t>
-            </a:r>
-            <a:r>
-              <a:rPr lang="en-US" altLang="zh-CN" dirty="0" err="1"/>
-              <a:t>x,z</a:t>
-            </a:r>
-            <a:r>
-              <a:rPr lang="en-US" altLang="zh-CN" dirty="0"/>
-              <a:t>]}</a:t>
-            </a:r>
-          </a:p>
-          <a:p>
-            <a:r>
-              <a:rPr lang="en-US" altLang="zh-CN" dirty="0"/>
-              <a:t> # </a:t>
-            </a:r>
-            <a:r>
-              <a:rPr lang="zh-CN" altLang="en-US" dirty="0"/>
-              <a:t>环境设置</a:t>
-            </a:r>
-          </a:p>
-          <a:p>
-            <a:r>
-              <a:rPr lang="zh-CN" altLang="en-US" dirty="0"/>
-              <a:t> </a:t>
-            </a:r>
-            <a:r>
-              <a:rPr lang="en-US" altLang="zh-CN" dirty="0"/>
-              <a:t>(on('md');</a:t>
-            </a:r>
-            <a:r>
-              <a:rPr lang="en-US" altLang="zh-CN" dirty="0" err="1"/>
-              <a:t>abe</a:t>
-            </a:r>
-            <a:r>
-              <a:rPr lang="en-US" altLang="zh-CN" dirty="0"/>
-              <a:t>(0);)</a:t>
-            </a:r>
-          </a:p>
-          <a:p>
-            <a:r>
-              <a:rPr lang="en-US" altLang="zh-CN" dirty="0"/>
-              <a:t> # </a:t>
-            </a:r>
-            <a:r>
-              <a:rPr lang="zh-CN" altLang="en-US" dirty="0"/>
-              <a:t>形态描述语句</a:t>
-            </a:r>
-          </a:p>
-          <a:p>
-            <a:r>
-              <a:rPr lang="zh-CN" altLang="en-US" dirty="0"/>
-              <a:t> </a:t>
-            </a:r>
-            <a:r>
-              <a:rPr lang="en-US" altLang="zh-CN" dirty="0"/>
-              <a:t>pipe{x:-5;&lt;</a:t>
-            </a:r>
-            <a:r>
-              <a:rPr lang="en-US" altLang="zh-CN" dirty="0" err="1"/>
-              <a:t>x,x,y</a:t>
-            </a:r>
-            <a:r>
-              <a:rPr lang="en-US" altLang="zh-CN" dirty="0"/>
-              <a:t>,{(add('</a:t>
-            </a:r>
-            <a:r>
-              <a:rPr lang="en-US" altLang="zh-CN" dirty="0" err="1"/>
-              <a:t>x','y</a:t>
-            </a:r>
-            <a:r>
-              <a:rPr lang="en-US" altLang="zh-CN" dirty="0"/>
-              <a:t>'););x:4;y:1},{x,y:4;x:1;},x,{(add('</a:t>
-            </a:r>
-            <a:r>
-              <a:rPr lang="en-US" altLang="zh-CN" dirty="0" err="1"/>
-              <a:t>x','z</a:t>
-            </a:r>
-            <a:r>
-              <a:rPr lang="en-US" altLang="zh-CN" dirty="0"/>
-              <a:t>');)x:1;z:4},</a:t>
-            </a:r>
-            <a:r>
-              <a:rPr lang="en-US" altLang="zh-CN" dirty="0" err="1"/>
-              <a:t>z,z,z,z</a:t>
-            </a:r>
-            <a:r>
-              <a:rPr lang="en-US" altLang="zh-CN" dirty="0"/>
-              <a:t>&gt;}</a:t>
-            </a:r>
-          </a:p>
-          <a:p>
-            <a:r>
-              <a:rPr lang="en-US" altLang="zh-CN" dirty="0"/>
-              <a:t>}</a:t>
-            </a:r>
-          </a:p>
-          <a:p>
-            <a:r>
-              <a:rPr lang="en-US" altLang="zh-CN" dirty="0"/>
-              <a:t># </a:t>
-            </a:r>
-            <a:r>
-              <a:rPr lang="zh-CN" altLang="en-US" dirty="0"/>
-              <a:t>绘制流程</a:t>
-            </a:r>
-          </a:p>
-          <a:p>
-            <a:r>
-              <a:rPr lang="en-US" altLang="zh-CN" dirty="0"/>
-              <a:t>setup("</a:t>
-            </a:r>
-            <a:r>
-              <a:rPr lang="en-US" altLang="zh-CN" dirty="0" err="1"/>
-              <a:t>entity","pipe</a:t>
-            </a:r>
-            <a:r>
-              <a:rPr lang="en-US" altLang="zh-CN" dirty="0"/>
-              <a:t>");draw("pipe");</a:t>
-            </a:r>
-            <a:endParaRPr lang="zh-CN" altLang="en-US" dirty="0"/>
-          </a:p>
-        </p:txBody>
-      </p:sp>
-      <p:sp>
-        <p:nvSpPr>
-          <p:cNvPr id="7" name="文本框 6">
-            <a:extLst>
-              <a:ext uri="{FF2B5EF4-FFF2-40B4-BE49-F238E27FC236}">
-                <a16:creationId xmlns:a16="http://schemas.microsoft.com/office/drawing/2014/main" id="{35925AAC-6AFB-CCCD-47D4-DA658E51F1C2}"/>
-              </a:ext>
-            </a:extLst>
-          </p:cNvPr>
-          <p:cNvSpPr txBox="1"/>
-          <p:nvPr/>
-        </p:nvSpPr>
-        <p:spPr>
-          <a:xfrm>
-            <a:off x="4966283" y="1619074"/>
-            <a:ext cx="733338" cy="369332"/>
-          </a:xfrm>
-          <a:prstGeom prst="rect">
-            <a:avLst/>
-          </a:prstGeom>
-          <a:noFill/>
-        </p:spPr>
-        <p:txBody>
-          <a:bodyPr wrap="square" rtlCol="0">
-            <a:spAutoFit/>
-          </a:bodyPr>
-          <a:lstStyle/>
-          <a:p>
-            <a:r>
-              <a:rPr lang="zh-CN" altLang="en-US" dirty="0"/>
-              <a:t>实例：</a:t>
-            </a:r>
-          </a:p>
-        </p:txBody>
-      </p:sp>
-      <p:sp>
-        <p:nvSpPr>
-          <p:cNvPr id="10" name="文本框 9">
-            <a:extLst>
-              <a:ext uri="{FF2B5EF4-FFF2-40B4-BE49-F238E27FC236}">
-                <a16:creationId xmlns:a16="http://schemas.microsoft.com/office/drawing/2014/main" id="{FB496BE5-9642-B2AC-6571-B4295E9837EF}"/>
-              </a:ext>
-            </a:extLst>
-          </p:cNvPr>
-          <p:cNvSpPr txBox="1"/>
-          <p:nvPr/>
-        </p:nvSpPr>
-        <p:spPr>
-          <a:xfrm>
-            <a:off x="763398" y="1803739"/>
-            <a:ext cx="3129094" cy="2123658"/>
-          </a:xfrm>
-          <a:prstGeom prst="rect">
-            <a:avLst/>
-          </a:prstGeom>
-          <a:noFill/>
-        </p:spPr>
-        <p:txBody>
-          <a:bodyPr wrap="square" rtlCol="0">
-            <a:spAutoFit/>
-          </a:bodyPr>
-          <a:lstStyle/>
-          <a:p>
-            <a:r>
-              <a:rPr lang="en-US" altLang="zh-CN" sz="2400" b="1" dirty="0"/>
-              <a:t>* </a:t>
-            </a:r>
-            <a:r>
-              <a:rPr lang="en-US" altLang="zh-CN" sz="2400" dirty="0"/>
-              <a:t>{ </a:t>
-            </a:r>
-            <a:r>
-              <a:rPr lang="zh-CN" altLang="en-US" sz="2400" dirty="0"/>
-              <a:t>单元定义 </a:t>
-            </a:r>
-            <a:r>
-              <a:rPr lang="en-US" altLang="zh-CN" sz="2400" dirty="0"/>
-              <a:t>}</a:t>
-            </a:r>
-          </a:p>
-          <a:p>
-            <a:r>
-              <a:rPr lang="en-US" altLang="zh-CN" sz="2400" b="1" dirty="0"/>
-              <a:t>* </a:t>
-            </a:r>
-            <a:r>
-              <a:rPr lang="en-US" altLang="zh-CN" sz="2400" dirty="0"/>
-              <a:t>{</a:t>
-            </a:r>
-            <a:r>
-              <a:rPr lang="zh-CN" altLang="en-US" sz="2400" dirty="0"/>
-              <a:t>（环境设置）</a:t>
-            </a:r>
-            <a:r>
-              <a:rPr lang="en-US" altLang="zh-CN" sz="2400" dirty="0"/>
-              <a:t>}</a:t>
-            </a:r>
-          </a:p>
-          <a:p>
-            <a:r>
-              <a:rPr lang="en-US" altLang="zh-CN" sz="2400" b="1" dirty="0"/>
-              <a:t>* </a:t>
-            </a:r>
-            <a:r>
-              <a:rPr lang="en-US" altLang="zh-CN" sz="2400" dirty="0"/>
-              <a:t>{ </a:t>
-            </a:r>
-            <a:r>
-              <a:rPr lang="zh-CN" altLang="en-US" sz="2400" dirty="0"/>
-              <a:t>形态描述语句 </a:t>
-            </a:r>
-            <a:r>
-              <a:rPr lang="en-US" altLang="zh-CN" sz="2400" dirty="0"/>
-              <a:t>}</a:t>
-            </a:r>
-          </a:p>
-          <a:p>
-            <a:r>
-              <a:rPr lang="en-US" altLang="zh-CN" sz="2400" b="1" dirty="0"/>
-              <a:t>* </a:t>
-            </a:r>
-            <a:r>
-              <a:rPr lang="zh-CN" altLang="en-US" sz="2400" dirty="0"/>
-              <a:t>绘制流程</a:t>
-            </a:r>
-          </a:p>
-          <a:p>
             <a:endParaRPr lang="en-US" altLang="zh-CN" dirty="0"/>
           </a:p>
           <a:p>
-            <a:endParaRPr lang="zh-CN" altLang="en-US" dirty="0"/>
+            <a:pPr marL="457200" lvl="1" indent="0">
+              <a:buNone/>
+            </a:pPr>
+            <a:r>
+              <a:rPr lang="en-US" altLang="zh-CN" dirty="0"/>
+              <a:t>	 node1{pos:1,2,3; node2{}}</a:t>
+            </a:r>
+          </a:p>
+          <a:p>
+            <a:pPr marL="457200" lvl="1" indent="0">
+              <a:buNone/>
+            </a:pPr>
+            <a:r>
+              <a:rPr lang="zh-CN" altLang="en-US" dirty="0"/>
+              <a:t>可嵌套可匿名 如</a:t>
+            </a:r>
+            <a:r>
+              <a:rPr lang="en-US" altLang="zh-CN" dirty="0"/>
+              <a:t>:</a:t>
+            </a:r>
+          </a:p>
+          <a:p>
+            <a:pPr marL="457200" lvl="1" indent="0">
+              <a:buNone/>
+            </a:pPr>
+            <a:r>
+              <a:rPr lang="en-US" altLang="zh-CN" dirty="0"/>
+              <a:t>    node1{pos:1,2,3; node2{x:1; node3{y:1}}}</a:t>
+            </a:r>
+          </a:p>
+          <a:p>
+            <a:pPr marL="457200" lvl="1" indent="0">
+              <a:buNone/>
+            </a:pPr>
+            <a:r>
+              <a:rPr lang="en-US" altLang="zh-CN" dirty="0"/>
+              <a:t>    node1{x:1;{y:1}}</a:t>
+            </a:r>
+          </a:p>
+          <a:p>
+            <a:pPr marL="457200" lvl="1" indent="0">
+              <a:buNone/>
+            </a:pPr>
+            <a:r>
+              <a:rPr lang="zh-CN" altLang="en-US" dirty="0"/>
+              <a:t>可继承其他节点 如</a:t>
+            </a:r>
+            <a:r>
+              <a:rPr lang="en-US" altLang="zh-CN" dirty="0"/>
+              <a:t>:</a:t>
+            </a:r>
+          </a:p>
+          <a:p>
+            <a:pPr marL="457200" lvl="1" indent="0">
+              <a:buNone/>
+            </a:pPr>
+            <a:r>
+              <a:rPr lang="en-US" altLang="zh-CN" dirty="0"/>
+              <a:t>   node1{x:1}</a:t>
+            </a:r>
+          </a:p>
+          <a:p>
+            <a:pPr marL="457200" lvl="1" indent="0">
+              <a:buNone/>
+            </a:pPr>
+            <a:r>
+              <a:rPr lang="en-US" altLang="zh-CN" dirty="0"/>
+              <a:t>   node2{x:2;{node1}{node2,y:1}}</a:t>
+            </a:r>
+          </a:p>
+          <a:p>
+            <a:pPr marL="457200" lvl="1" indent="0">
+              <a:buNone/>
+            </a:pPr>
+            <a:endParaRPr lang="en-US" altLang="zh-CN" dirty="0"/>
           </a:p>
         </p:txBody>
       </p:sp>
     </p:spTree>
     <p:extLst>
       <p:ext uri="{BB962C8B-B14F-4D97-AF65-F5344CB8AC3E}">
-        <p14:creationId xmlns:p14="http://schemas.microsoft.com/office/powerpoint/2010/main" val="3439718213"/>
+        <p14:creationId xmlns:p14="http://schemas.microsoft.com/office/powerpoint/2010/main" val="2330076019"/>
       </p:ext>
     </p:extLst>
   </p:cSld>
@@ -3889,6 +3674,787 @@
 </file>
 
 <file path=ppt/slides/slide11.xml><?xml version="1.0" encoding="utf-8"?>
+<p:sld xmlns:a="http://schemas.openxmlformats.org/drawingml/2006/main" xmlns:r="http://schemas.openxmlformats.org/officeDocument/2006/relationships" xmlns:p="http://schemas.openxmlformats.org/presentationml/2006/main">
+  <p:cSld>
+    <p:spTree>
+      <p:nvGrpSpPr>
+        <p:cNvPr id="1" name=""/>
+        <p:cNvGrpSpPr/>
+        <p:nvPr/>
+      </p:nvGrpSpPr>
+      <p:grpSpPr>
+        <a:xfrm>
+          <a:off x="0" y="0"/>
+          <a:ext cx="0" cy="0"/>
+          <a:chOff x="0" y="0"/>
+          <a:chExt cx="0" cy="0"/>
+        </a:xfrm>
+      </p:grpSpPr>
+      <p:sp>
+        <p:nvSpPr>
+          <p:cNvPr id="2" name="标题 1">
+            <a:extLst>
+              <a:ext uri="{FF2B5EF4-FFF2-40B4-BE49-F238E27FC236}">
+                <a16:creationId xmlns:a16="http://schemas.microsoft.com/office/drawing/2014/main" id="{33D95416-6178-46B1-A9C6-E887C6CA6EC6}"/>
+              </a:ext>
+            </a:extLst>
+          </p:cNvPr>
+          <p:cNvSpPr>
+            <a:spLocks noGrp="1"/>
+          </p:cNvSpPr>
+          <p:nvPr>
+            <p:ph type="title"/>
+          </p:nvPr>
+        </p:nvSpPr>
+        <p:spPr/>
+        <p:txBody>
+          <a:bodyPr/>
+          <a:lstStyle/>
+          <a:p>
+            <a:r>
+              <a:rPr lang="zh-CN" altLang="en-US" dirty="0"/>
+              <a:t>序列与阵列</a:t>
+            </a:r>
+          </a:p>
+        </p:txBody>
+      </p:sp>
+      <p:sp>
+        <p:nvSpPr>
+          <p:cNvPr id="3" name="内容占位符 2">
+            <a:extLst>
+              <a:ext uri="{FF2B5EF4-FFF2-40B4-BE49-F238E27FC236}">
+                <a16:creationId xmlns:a16="http://schemas.microsoft.com/office/drawing/2014/main" id="{7574EA23-7A49-455D-947A-9CF81EAD88B6}"/>
+              </a:ext>
+            </a:extLst>
+          </p:cNvPr>
+          <p:cNvSpPr>
+            <a:spLocks noGrp="1"/>
+          </p:cNvSpPr>
+          <p:nvPr>
+            <p:ph idx="1"/>
+          </p:nvPr>
+        </p:nvSpPr>
+        <p:spPr/>
+        <p:txBody>
+          <a:bodyPr/>
+          <a:lstStyle/>
+          <a:p>
+            <a:r>
+              <a:rPr lang="zh-CN" altLang="en-US" dirty="0"/>
+              <a:t>序列是指有顺序的</a:t>
+            </a:r>
+            <a:r>
+              <a:rPr lang="en-US" altLang="zh-CN" dirty="0"/>
+              <a:t>N</a:t>
+            </a:r>
+            <a:r>
+              <a:rPr lang="zh-CN" altLang="en-US" dirty="0"/>
+              <a:t>元组，序列本身可以作为元素参与四则运算</a:t>
+            </a:r>
+            <a:endParaRPr lang="en-US" altLang="zh-CN" dirty="0"/>
+          </a:p>
+          <a:p>
+            <a:pPr marL="0" indent="0">
+              <a:buNone/>
+            </a:pPr>
+            <a:r>
+              <a:rPr lang="en-US" altLang="zh-CN" dirty="0"/>
+              <a:t>		&lt;a, b, c, d&gt;</a:t>
+            </a:r>
+          </a:p>
+          <a:p>
+            <a:pPr marL="0" indent="0">
+              <a:buNone/>
+            </a:pPr>
+            <a:r>
+              <a:rPr lang="en-US" altLang="zh-CN" dirty="0"/>
+              <a:t>  </a:t>
+            </a:r>
+            <a:r>
+              <a:rPr lang="zh-CN" altLang="en-US" dirty="0"/>
+              <a:t>序列跟节点表达式的关系公式：</a:t>
+            </a:r>
+            <a:endParaRPr lang="en-US" altLang="zh-CN" dirty="0"/>
+          </a:p>
+          <a:p>
+            <a:pPr marL="0" indent="0">
+              <a:buNone/>
+            </a:pPr>
+            <a:r>
+              <a:rPr lang="en-US" altLang="zh-CN" dirty="0"/>
+              <a:t>		&lt;a, b, c, d&gt; = {a{b{c{d}}}} </a:t>
+            </a:r>
+            <a:endParaRPr lang="zh-CN" altLang="en-US" dirty="0"/>
+          </a:p>
+          <a:p>
+            <a:pPr marL="0" indent="0">
+              <a:buNone/>
+            </a:pPr>
+            <a:r>
+              <a:rPr lang="en-US" altLang="zh-CN" dirty="0"/>
+              <a:t>	</a:t>
+            </a:r>
+          </a:p>
+          <a:p>
+            <a:r>
+              <a:rPr lang="zh-CN" altLang="en-US" dirty="0"/>
+              <a:t>阵列是数组的概念</a:t>
+            </a:r>
+            <a:r>
+              <a:rPr lang="en-US" altLang="zh-CN" dirty="0"/>
+              <a:t>, </a:t>
+            </a:r>
+            <a:r>
+              <a:rPr lang="zh-CN" altLang="en-US" dirty="0"/>
+              <a:t>元素之间是平级关系</a:t>
+            </a:r>
+            <a:r>
+              <a:rPr lang="en-US" altLang="zh-CN" dirty="0"/>
+              <a:t>:</a:t>
+            </a:r>
+          </a:p>
+          <a:p>
+            <a:pPr marL="0" indent="0">
+              <a:buNone/>
+            </a:pPr>
+            <a:r>
+              <a:rPr lang="en-US" altLang="zh-CN" dirty="0"/>
+              <a:t>		[a, b, c, d] = {{a}{b}{c}{d}}</a:t>
+            </a:r>
+            <a:endParaRPr lang="zh-CN" altLang="en-US" dirty="0"/>
+          </a:p>
+        </p:txBody>
+      </p:sp>
+    </p:spTree>
+    <p:extLst>
+      <p:ext uri="{BB962C8B-B14F-4D97-AF65-F5344CB8AC3E}">
+        <p14:creationId xmlns:p14="http://schemas.microsoft.com/office/powerpoint/2010/main" val="1554806646"/>
+      </p:ext>
+    </p:extLst>
+  </p:cSld>
+  <p:clrMapOvr>
+    <a:masterClrMapping/>
+  </p:clrMapOvr>
+</p:sld>
+</file>
+
+<file path=ppt/slides/slide12.xml><?xml version="1.0" encoding="utf-8"?>
+<p:sld xmlns:a="http://schemas.openxmlformats.org/drawingml/2006/main" xmlns:r="http://schemas.openxmlformats.org/officeDocument/2006/relationships" xmlns:p="http://schemas.openxmlformats.org/presentationml/2006/main">
+  <p:cSld>
+    <p:spTree>
+      <p:nvGrpSpPr>
+        <p:cNvPr id="1" name=""/>
+        <p:cNvGrpSpPr/>
+        <p:nvPr/>
+      </p:nvGrpSpPr>
+      <p:grpSpPr>
+        <a:xfrm>
+          <a:off x="0" y="0"/>
+          <a:ext cx="0" cy="0"/>
+          <a:chOff x="0" y="0"/>
+          <a:chExt cx="0" cy="0"/>
+        </a:xfrm>
+      </p:grpSpPr>
+      <p:sp>
+        <p:nvSpPr>
+          <p:cNvPr id="2" name="标题 1">
+            <a:extLst>
+              <a:ext uri="{FF2B5EF4-FFF2-40B4-BE49-F238E27FC236}">
+                <a16:creationId xmlns:a16="http://schemas.microsoft.com/office/drawing/2014/main" id="{9A9EB8A6-76B8-9E34-E1FF-30E995AC9976}"/>
+              </a:ext>
+            </a:extLst>
+          </p:cNvPr>
+          <p:cNvSpPr>
+            <a:spLocks noGrp="1"/>
+          </p:cNvSpPr>
+          <p:nvPr>
+            <p:ph type="title"/>
+          </p:nvPr>
+        </p:nvSpPr>
+        <p:spPr/>
+        <p:txBody>
+          <a:bodyPr/>
+          <a:lstStyle/>
+          <a:p>
+            <a:r>
+              <a:rPr lang="zh-CN" altLang="en-US" dirty="0"/>
+              <a:t>阵列与队列定义</a:t>
+            </a:r>
+          </a:p>
+        </p:txBody>
+      </p:sp>
+      <p:sp>
+        <p:nvSpPr>
+          <p:cNvPr id="3" name="内容占位符 2">
+            <a:extLst>
+              <a:ext uri="{FF2B5EF4-FFF2-40B4-BE49-F238E27FC236}">
+                <a16:creationId xmlns:a16="http://schemas.microsoft.com/office/drawing/2014/main" id="{BD2D2DA4-4071-67FB-1E42-65441F75815A}"/>
+              </a:ext>
+            </a:extLst>
+          </p:cNvPr>
+          <p:cNvSpPr>
+            <a:spLocks noGrp="1"/>
+          </p:cNvSpPr>
+          <p:nvPr>
+            <p:ph idx="1"/>
+          </p:nvPr>
+        </p:nvSpPr>
+        <p:spPr/>
+        <p:txBody>
+          <a:bodyPr/>
+          <a:lstStyle/>
+          <a:p>
+            <a:r>
+              <a:rPr lang="zh-CN" altLang="en-US" dirty="0"/>
+              <a:t>阵列与队列符号可以用来定义子节点 比如：</a:t>
+            </a:r>
+            <a:endParaRPr lang="en-US" altLang="zh-CN" dirty="0"/>
+          </a:p>
+          <a:p>
+            <a:pPr marL="0" indent="0">
+              <a:buNone/>
+            </a:pPr>
+            <a:r>
+              <a:rPr lang="en-US" altLang="zh-CN" dirty="0"/>
+              <a:t>   	node1{x:1;&lt;a{},b{}&gt;}</a:t>
+            </a:r>
+          </a:p>
+          <a:p>
+            <a:pPr marL="0" indent="0">
+              <a:buNone/>
+            </a:pPr>
+            <a:r>
+              <a:rPr lang="en-US" altLang="zh-CN" dirty="0"/>
+              <a:t>   	node1{x:1;[a{},b{}]}</a:t>
+            </a:r>
+          </a:p>
+          <a:p>
+            <a:pPr marL="0" indent="0">
+              <a:buNone/>
+            </a:pPr>
+            <a:r>
+              <a:rPr lang="en-US" altLang="zh-CN" dirty="0"/>
+              <a:t>   </a:t>
+            </a:r>
+            <a:r>
+              <a:rPr lang="zh-CN" altLang="en-US" dirty="0"/>
+              <a:t>也可以继承别的节点</a:t>
+            </a:r>
+            <a:r>
+              <a:rPr lang="en-US" altLang="zh-CN" dirty="0"/>
+              <a:t>:</a:t>
+            </a:r>
+          </a:p>
+          <a:p>
+            <a:pPr marL="0" indent="0">
+              <a:buNone/>
+            </a:pPr>
+            <a:r>
+              <a:rPr lang="en-US" altLang="zh-CN" dirty="0"/>
+              <a:t>	a{x:1}b{y:1}</a:t>
+            </a:r>
+          </a:p>
+          <a:p>
+            <a:pPr marL="0" indent="0">
+              <a:buNone/>
+            </a:pPr>
+            <a:r>
+              <a:rPr lang="en-US" altLang="zh-CN" dirty="0"/>
+              <a:t>	node1{z:1;&lt;</a:t>
+            </a:r>
+            <a:r>
+              <a:rPr lang="en-US" altLang="zh-CN" dirty="0" err="1"/>
+              <a:t>a,b</a:t>
+            </a:r>
+            <a:r>
+              <a:rPr lang="en-US" altLang="zh-CN" dirty="0"/>
+              <a:t>&gt;[</a:t>
+            </a:r>
+            <a:r>
+              <a:rPr lang="en-US" altLang="zh-CN" dirty="0" err="1"/>
+              <a:t>a,b</a:t>
+            </a:r>
+            <a:r>
+              <a:rPr lang="en-US" altLang="zh-CN" dirty="0"/>
+              <a:t>]}</a:t>
+            </a:r>
+            <a:endParaRPr lang="zh-CN" altLang="en-US" dirty="0"/>
+          </a:p>
+        </p:txBody>
+      </p:sp>
+    </p:spTree>
+    <p:extLst>
+      <p:ext uri="{BB962C8B-B14F-4D97-AF65-F5344CB8AC3E}">
+        <p14:creationId xmlns:p14="http://schemas.microsoft.com/office/powerpoint/2010/main" val="2080947778"/>
+      </p:ext>
+    </p:extLst>
+  </p:cSld>
+  <p:clrMapOvr>
+    <a:masterClrMapping/>
+  </p:clrMapOvr>
+</p:sld>
+</file>
+
+<file path=ppt/slides/slide13.xml><?xml version="1.0" encoding="utf-8"?>
+<p:sld xmlns:a="http://schemas.openxmlformats.org/drawingml/2006/main" xmlns:r="http://schemas.openxmlformats.org/officeDocument/2006/relationships" xmlns:p="http://schemas.openxmlformats.org/presentationml/2006/main">
+  <p:cSld>
+    <p:spTree>
+      <p:nvGrpSpPr>
+        <p:cNvPr id="1" name=""/>
+        <p:cNvGrpSpPr/>
+        <p:nvPr/>
+      </p:nvGrpSpPr>
+      <p:grpSpPr>
+        <a:xfrm>
+          <a:off x="0" y="0"/>
+          <a:ext cx="0" cy="0"/>
+          <a:chOff x="0" y="0"/>
+          <a:chExt cx="0" cy="0"/>
+        </a:xfrm>
+      </p:grpSpPr>
+      <p:sp>
+        <p:nvSpPr>
+          <p:cNvPr id="2" name="标题 1">
+            <a:extLst>
+              <a:ext uri="{FF2B5EF4-FFF2-40B4-BE49-F238E27FC236}">
+                <a16:creationId xmlns:a16="http://schemas.microsoft.com/office/drawing/2014/main" id="{F89D99D0-765D-4849-A88D-7D460D691827}"/>
+              </a:ext>
+            </a:extLst>
+          </p:cNvPr>
+          <p:cNvSpPr>
+            <a:spLocks noGrp="1"/>
+          </p:cNvSpPr>
+          <p:nvPr>
+            <p:ph type="title"/>
+          </p:nvPr>
+        </p:nvSpPr>
+        <p:spPr/>
+        <p:txBody>
+          <a:bodyPr/>
+          <a:lstStyle/>
+          <a:p>
+            <a:r>
+              <a:rPr lang="zh-CN" altLang="en-US" dirty="0"/>
+              <a:t>队列与阵列的嵌套</a:t>
+            </a:r>
+          </a:p>
+        </p:txBody>
+      </p:sp>
+      <p:sp>
+        <p:nvSpPr>
+          <p:cNvPr id="3" name="内容占位符 2">
+            <a:extLst>
+              <a:ext uri="{FF2B5EF4-FFF2-40B4-BE49-F238E27FC236}">
+                <a16:creationId xmlns:a16="http://schemas.microsoft.com/office/drawing/2014/main" id="{7B4825CF-DB8B-D5E8-5656-E1BBF115A476}"/>
+              </a:ext>
+            </a:extLst>
+          </p:cNvPr>
+          <p:cNvSpPr>
+            <a:spLocks noGrp="1"/>
+          </p:cNvSpPr>
+          <p:nvPr>
+            <p:ph idx="1"/>
+          </p:nvPr>
+        </p:nvSpPr>
+        <p:spPr/>
+        <p:txBody>
+          <a:bodyPr/>
+          <a:lstStyle/>
+          <a:p>
+            <a:r>
+              <a:rPr lang="zh-CN" altLang="en-US" dirty="0"/>
+              <a:t>队列与阵列嵌套时 不能直接嵌套：</a:t>
+            </a:r>
+            <a:endParaRPr lang="en-US" altLang="zh-CN" dirty="0"/>
+          </a:p>
+          <a:p>
+            <a:pPr marL="0" indent="0">
+              <a:buNone/>
+            </a:pPr>
+            <a:r>
+              <a:rPr lang="en-US" altLang="zh-CN" dirty="0"/>
+              <a:t>	&lt;</a:t>
+            </a:r>
+            <a:r>
+              <a:rPr lang="en-US" altLang="zh-CN" dirty="0" err="1"/>
+              <a:t>a,b</a:t>
+            </a:r>
+            <a:r>
+              <a:rPr lang="en-US" altLang="zh-CN" dirty="0"/>
+              <a:t>&lt;</a:t>
+            </a:r>
+            <a:r>
+              <a:rPr lang="en-US" altLang="zh-CN" dirty="0" err="1"/>
+              <a:t>c,d</a:t>
+            </a:r>
+            <a:r>
+              <a:rPr lang="en-US" altLang="zh-CN" dirty="0"/>
+              <a:t>&gt;&gt; </a:t>
+            </a:r>
+            <a:r>
+              <a:rPr lang="en-US" altLang="zh-CN" dirty="0">
+                <a:solidFill>
+                  <a:srgbClr val="FF0000"/>
+                </a:solidFill>
+              </a:rPr>
+              <a:t>X</a:t>
+            </a:r>
+          </a:p>
+          <a:p>
+            <a:pPr marL="0" indent="0">
+              <a:buNone/>
+            </a:pPr>
+            <a:r>
+              <a:rPr lang="en-US" altLang="zh-CN" dirty="0">
+                <a:solidFill>
+                  <a:srgbClr val="FF0000"/>
+                </a:solidFill>
+              </a:rPr>
+              <a:t>	</a:t>
+            </a:r>
+            <a:r>
+              <a:rPr lang="en-US" altLang="zh-CN" dirty="0"/>
+              <a:t>[</a:t>
+            </a:r>
+            <a:r>
+              <a:rPr lang="en-US" altLang="zh-CN" dirty="0" err="1"/>
+              <a:t>a,b</a:t>
+            </a:r>
+            <a:r>
+              <a:rPr lang="en-US" altLang="zh-CN" dirty="0"/>
+              <a:t>[</a:t>
+            </a:r>
+            <a:r>
+              <a:rPr lang="en-US" altLang="zh-CN" dirty="0" err="1"/>
+              <a:t>c,d</a:t>
+            </a:r>
+            <a:r>
+              <a:rPr lang="en-US" altLang="zh-CN" dirty="0"/>
+              <a:t>]] </a:t>
+            </a:r>
+            <a:r>
+              <a:rPr lang="en-US" altLang="zh-CN" dirty="0">
+                <a:solidFill>
+                  <a:srgbClr val="FF0000"/>
+                </a:solidFill>
+              </a:rPr>
+              <a:t>X</a:t>
+            </a:r>
+          </a:p>
+          <a:p>
+            <a:pPr marL="0" indent="0">
+              <a:buNone/>
+            </a:pPr>
+            <a:r>
+              <a:rPr lang="en-US" altLang="zh-CN" dirty="0"/>
+              <a:t>	[</a:t>
+            </a:r>
+            <a:r>
+              <a:rPr lang="en-US" altLang="zh-CN" dirty="0" err="1"/>
+              <a:t>a,b</a:t>
+            </a:r>
+            <a:r>
+              <a:rPr lang="en-US" altLang="zh-CN" dirty="0"/>
+              <a:t>&lt;</a:t>
+            </a:r>
+            <a:r>
+              <a:rPr lang="en-US" altLang="zh-CN" dirty="0" err="1"/>
+              <a:t>c,d</a:t>
+            </a:r>
+            <a:r>
+              <a:rPr lang="en-US" altLang="zh-CN" dirty="0"/>
+              <a:t>&gt;] </a:t>
+            </a:r>
+            <a:r>
+              <a:rPr lang="en-US" altLang="zh-CN" dirty="0">
+                <a:solidFill>
+                  <a:srgbClr val="FF0000"/>
+                </a:solidFill>
+              </a:rPr>
+              <a:t>X</a:t>
+            </a:r>
+          </a:p>
+          <a:p>
+            <a:pPr marL="0" indent="0">
+              <a:buNone/>
+            </a:pPr>
+            <a:r>
+              <a:rPr lang="en-US" altLang="zh-CN" dirty="0">
+                <a:solidFill>
+                  <a:srgbClr val="FF0000"/>
+                </a:solidFill>
+              </a:rPr>
+              <a:t>    </a:t>
+            </a:r>
+            <a:r>
+              <a:rPr lang="zh-CN" altLang="en-US" dirty="0"/>
+              <a:t>用大括号隔开：</a:t>
+            </a:r>
+            <a:endParaRPr lang="en-US" altLang="zh-CN" dirty="0"/>
+          </a:p>
+          <a:p>
+            <a:pPr marL="0" indent="0">
+              <a:buNone/>
+            </a:pPr>
+            <a:r>
+              <a:rPr lang="en-US" altLang="zh-CN" dirty="0"/>
+              <a:t>	[</a:t>
+            </a:r>
+            <a:r>
+              <a:rPr lang="en-US" altLang="zh-CN" dirty="0" err="1"/>
+              <a:t>a,b</a:t>
+            </a:r>
+            <a:r>
+              <a:rPr lang="en-US" altLang="zh-CN" dirty="0"/>
+              <a:t>,{[</a:t>
+            </a:r>
+            <a:r>
+              <a:rPr lang="en-US" altLang="zh-CN" dirty="0" err="1"/>
+              <a:t>c,d</a:t>
+            </a:r>
+            <a:r>
+              <a:rPr lang="en-US" altLang="zh-CN" dirty="0"/>
+              <a:t>]}]</a:t>
+            </a:r>
+          </a:p>
+          <a:p>
+            <a:pPr marL="0" indent="0">
+              <a:buNone/>
+            </a:pPr>
+            <a:r>
+              <a:rPr lang="en-US" altLang="zh-CN" dirty="0"/>
+              <a:t>	[</a:t>
+            </a:r>
+            <a:r>
+              <a:rPr lang="en-US" altLang="zh-CN" dirty="0" err="1"/>
+              <a:t>a,b</a:t>
+            </a:r>
+            <a:r>
+              <a:rPr lang="en-US" altLang="zh-CN" dirty="0"/>
+              <a:t>,{&lt;</a:t>
+            </a:r>
+            <a:r>
+              <a:rPr lang="en-US" altLang="zh-CN" dirty="0" err="1"/>
+              <a:t>c,d</a:t>
+            </a:r>
+            <a:r>
+              <a:rPr lang="en-US" altLang="zh-CN" dirty="0"/>
+              <a:t>&gt;}]</a:t>
+            </a:r>
+          </a:p>
+          <a:p>
+            <a:pPr marL="0" indent="0">
+              <a:buNone/>
+            </a:pPr>
+            <a:endParaRPr lang="zh-CN" altLang="en-US" dirty="0"/>
+          </a:p>
+        </p:txBody>
+      </p:sp>
+    </p:spTree>
+    <p:extLst>
+      <p:ext uri="{BB962C8B-B14F-4D97-AF65-F5344CB8AC3E}">
+        <p14:creationId xmlns:p14="http://schemas.microsoft.com/office/powerpoint/2010/main" val="2893593170"/>
+      </p:ext>
+    </p:extLst>
+  </p:cSld>
+  <p:clrMapOvr>
+    <a:masterClrMapping/>
+  </p:clrMapOvr>
+</p:sld>
+</file>
+
+<file path=ppt/slides/slide14.xml><?xml version="1.0" encoding="utf-8"?>
+<p:sld xmlns:a="http://schemas.openxmlformats.org/drawingml/2006/main" xmlns:r="http://schemas.openxmlformats.org/officeDocument/2006/relationships" xmlns:p="http://schemas.openxmlformats.org/presentationml/2006/main">
+  <p:cSld>
+    <p:spTree>
+      <p:nvGrpSpPr>
+        <p:cNvPr id="1" name=""/>
+        <p:cNvGrpSpPr/>
+        <p:nvPr/>
+      </p:nvGrpSpPr>
+      <p:grpSpPr>
+        <a:xfrm>
+          <a:off x="0" y="0"/>
+          <a:ext cx="0" cy="0"/>
+          <a:chOff x="0" y="0"/>
+          <a:chExt cx="0" cy="0"/>
+        </a:xfrm>
+      </p:grpSpPr>
+      <p:sp>
+        <p:nvSpPr>
+          <p:cNvPr id="2" name="标题 1">
+            <a:extLst>
+              <a:ext uri="{FF2B5EF4-FFF2-40B4-BE49-F238E27FC236}">
+                <a16:creationId xmlns:a16="http://schemas.microsoft.com/office/drawing/2014/main" id="{62CA9F10-806A-EFFC-1545-DD35F4FA0571}"/>
+              </a:ext>
+            </a:extLst>
+          </p:cNvPr>
+          <p:cNvSpPr>
+            <a:spLocks noGrp="1"/>
+          </p:cNvSpPr>
+          <p:nvPr>
+            <p:ph type="title"/>
+          </p:nvPr>
+        </p:nvSpPr>
+        <p:spPr/>
+        <p:txBody>
+          <a:bodyPr/>
+          <a:lstStyle/>
+          <a:p>
+            <a:r>
+              <a:rPr lang="zh-CN" altLang="en-US" dirty="0"/>
+              <a:t>队列与阵列的使用</a:t>
+            </a:r>
+          </a:p>
+        </p:txBody>
+      </p:sp>
+      <p:sp>
+        <p:nvSpPr>
+          <p:cNvPr id="3" name="内容占位符 2">
+            <a:extLst>
+              <a:ext uri="{FF2B5EF4-FFF2-40B4-BE49-F238E27FC236}">
+                <a16:creationId xmlns:a16="http://schemas.microsoft.com/office/drawing/2014/main" id="{36B66574-78EB-ED6F-D875-C99EC553373B}"/>
+              </a:ext>
+            </a:extLst>
+          </p:cNvPr>
+          <p:cNvSpPr>
+            <a:spLocks noGrp="1"/>
+          </p:cNvSpPr>
+          <p:nvPr>
+            <p:ph idx="1"/>
+          </p:nvPr>
+        </p:nvSpPr>
+        <p:spPr/>
+        <p:txBody>
+          <a:bodyPr/>
+          <a:lstStyle/>
+          <a:p>
+            <a:r>
+              <a:rPr lang="zh-CN" altLang="en-US" dirty="0"/>
+              <a:t>不能直接命名 比如：</a:t>
+            </a:r>
+            <a:endParaRPr lang="en-US" altLang="zh-CN" dirty="0"/>
+          </a:p>
+          <a:p>
+            <a:pPr marL="457200" lvl="1" indent="0">
+              <a:buNone/>
+            </a:pPr>
+            <a:r>
+              <a:rPr lang="en-US" altLang="zh-CN" dirty="0"/>
+              <a:t>A[</a:t>
+            </a:r>
+            <a:r>
+              <a:rPr lang="en-US" altLang="zh-CN" dirty="0" err="1"/>
+              <a:t>a,b,c</a:t>
+            </a:r>
+            <a:r>
+              <a:rPr lang="en-US" altLang="zh-CN" dirty="0"/>
+              <a:t>] </a:t>
+            </a:r>
+            <a:r>
+              <a:rPr lang="en-US" altLang="zh-CN" dirty="0">
+                <a:solidFill>
+                  <a:srgbClr val="FF0000"/>
+                </a:solidFill>
+              </a:rPr>
+              <a:t>X</a:t>
+            </a:r>
+          </a:p>
+          <a:p>
+            <a:pPr marL="457200" lvl="1" indent="0">
+              <a:buNone/>
+            </a:pPr>
+            <a:r>
+              <a:rPr lang="en-US" altLang="zh-CN" dirty="0"/>
+              <a:t>A&lt;</a:t>
+            </a:r>
+            <a:r>
+              <a:rPr lang="en-US" altLang="zh-CN" dirty="0" err="1"/>
+              <a:t>a,b,c</a:t>
+            </a:r>
+            <a:r>
+              <a:rPr lang="en-US" altLang="zh-CN" dirty="0"/>
+              <a:t>&gt; </a:t>
+            </a:r>
+            <a:r>
+              <a:rPr lang="en-US" altLang="zh-CN" dirty="0">
+                <a:solidFill>
+                  <a:srgbClr val="FF0000"/>
+                </a:solidFill>
+              </a:rPr>
+              <a:t>X</a:t>
+            </a:r>
+          </a:p>
+          <a:p>
+            <a:pPr marL="457200" lvl="1" indent="0">
+              <a:buNone/>
+            </a:pPr>
+            <a:r>
+              <a:rPr lang="zh-CN" altLang="en-US" dirty="0"/>
+              <a:t>需要大括号分割</a:t>
+            </a:r>
+            <a:r>
+              <a:rPr lang="en-US" altLang="zh-CN" dirty="0"/>
+              <a:t>:</a:t>
+            </a:r>
+          </a:p>
+          <a:p>
+            <a:pPr marL="457200" lvl="1" indent="0">
+              <a:buNone/>
+            </a:pPr>
+            <a:r>
+              <a:rPr lang="en-US" altLang="zh-CN" dirty="0"/>
+              <a:t>A{&lt;</a:t>
+            </a:r>
+            <a:r>
+              <a:rPr lang="en-US" altLang="zh-CN" dirty="0" err="1"/>
+              <a:t>b,c,d</a:t>
+            </a:r>
+            <a:r>
+              <a:rPr lang="en-US" altLang="zh-CN" dirty="0"/>
+              <a:t>&gt;}</a:t>
+            </a:r>
+          </a:p>
+          <a:p>
+            <a:pPr marL="457200" lvl="1" indent="0">
+              <a:buNone/>
+            </a:pPr>
+            <a:r>
+              <a:rPr lang="en-US" altLang="zh-CN" dirty="0"/>
+              <a:t>A{[</a:t>
+            </a:r>
+            <a:r>
+              <a:rPr lang="en-US" altLang="zh-CN" dirty="0" err="1"/>
+              <a:t>b,c,d</a:t>
+            </a:r>
+            <a:r>
+              <a:rPr lang="en-US" altLang="zh-CN"/>
+              <a:t>]}</a:t>
+            </a:r>
+            <a:endParaRPr lang="en-US" altLang="zh-CN" dirty="0"/>
+          </a:p>
+          <a:p>
+            <a:pPr marL="457200" lvl="1" indent="0">
+              <a:buNone/>
+            </a:pPr>
+            <a:endParaRPr lang="zh-CN" altLang="en-US" dirty="0"/>
+          </a:p>
+        </p:txBody>
+      </p:sp>
+    </p:spTree>
+    <p:extLst>
+      <p:ext uri="{BB962C8B-B14F-4D97-AF65-F5344CB8AC3E}">
+        <p14:creationId xmlns:p14="http://schemas.microsoft.com/office/powerpoint/2010/main" val="531284097"/>
+      </p:ext>
+    </p:extLst>
+  </p:cSld>
+  <p:clrMapOvr>
+    <a:masterClrMapping/>
+  </p:clrMapOvr>
+</p:sld>
+</file>
+
+<file path=ppt/slides/slide15.xml><?xml version="1.0" encoding="utf-8"?>
 <p:sld xmlns:a="http://schemas.openxmlformats.org/drawingml/2006/main" xmlns:r="http://schemas.openxmlformats.org/officeDocument/2006/relationships" xmlns:p="http://schemas.openxmlformats.org/presentationml/2006/main">
   <p:cSld>
     <p:spTree>
@@ -4063,7 +4629,7 @@
 </p:sld>
 </file>
 
-<file path=ppt/slides/slide12.xml><?xml version="1.0" encoding="utf-8"?>
+<file path=ppt/slides/slide16.xml><?xml version="1.0" encoding="utf-8"?>
 <p:sld xmlns:a="http://schemas.openxmlformats.org/drawingml/2006/main" xmlns:r="http://schemas.openxmlformats.org/officeDocument/2006/relationships" xmlns:p="http://schemas.openxmlformats.org/presentationml/2006/main">
   <p:cSld>
     <p:spTree>
@@ -4218,7 +4784,7 @@
 </p:sld>
 </file>
 
-<file path=ppt/slides/slide13.xml><?xml version="1.0" encoding="utf-8"?>
+<file path=ppt/slides/slide17.xml><?xml version="1.0" encoding="utf-8"?>
 <p:sld xmlns:a="http://schemas.openxmlformats.org/drawingml/2006/main" xmlns:r="http://schemas.openxmlformats.org/officeDocument/2006/relationships" xmlns:p="http://schemas.openxmlformats.org/presentationml/2006/main">
   <p:cSld>
     <p:spTree>
@@ -5109,7 +5675,7 @@
 </p:sld>
 </file>
 
-<file path=ppt/slides/slide14.xml><?xml version="1.0" encoding="utf-8"?>
+<file path=ppt/slides/slide18.xml><?xml version="1.0" encoding="utf-8"?>
 <p:sld xmlns:a="http://schemas.openxmlformats.org/drawingml/2006/main" xmlns:r="http://schemas.openxmlformats.org/officeDocument/2006/relationships" xmlns:p="http://schemas.openxmlformats.org/presentationml/2006/main">
   <p:cSld>
     <p:spTree>
@@ -5207,78 +5773,15 @@
                 <a:latin typeface="新宋体" panose="02010609030101010101" pitchFamily="49" charset="-122"/>
                 <a:ea typeface="新宋体" panose="02010609030101010101" pitchFamily="49" charset="-122"/>
               </a:rPr>
-              <a:t>随机函数 </a:t>
-            </a:r>
-            <a:r>
-              <a:rPr lang="en-US" altLang="zh-CN" sz="1800" dirty="0">
-                <a:solidFill>
-                  <a:srgbClr val="000000"/>
-                </a:solidFill>
-                <a:latin typeface="新宋体" panose="02010609030101010101" pitchFamily="49" charset="-122"/>
-                <a:ea typeface="新宋体" panose="02010609030101010101" pitchFamily="49" charset="-122"/>
-              </a:rPr>
-              <a:t>	</a:t>
-            </a:r>
-            <a:r>
-              <a:rPr lang="en-US" altLang="zh-CN" sz="1800" dirty="0" err="1">
-                <a:solidFill>
-                  <a:srgbClr val="000000"/>
-                </a:solidFill>
-                <a:latin typeface="新宋体" panose="02010609030101010101" pitchFamily="49" charset="-122"/>
-                <a:ea typeface="新宋体" panose="02010609030101010101" pitchFamily="49" charset="-122"/>
-              </a:rPr>
-              <a:t>rnd</a:t>
-            </a:r>
-            <a:r>
-              <a:rPr lang="en-US" altLang="zh-CN" sz="1800" dirty="0">
-                <a:solidFill>
-                  <a:srgbClr val="000000"/>
-                </a:solidFill>
-                <a:latin typeface="新宋体" panose="02010609030101010101" pitchFamily="49" charset="-122"/>
-                <a:ea typeface="新宋体" panose="02010609030101010101" pitchFamily="49" charset="-122"/>
-              </a:rPr>
-              <a:t>(</a:t>
-            </a:r>
-            <a:r>
-              <a:rPr lang="zh-CN" altLang="en-US" sz="1800" dirty="0">
-                <a:solidFill>
-                  <a:srgbClr val="000000"/>
-                </a:solidFill>
-                <a:latin typeface="新宋体" panose="02010609030101010101" pitchFamily="49" charset="-122"/>
-                <a:ea typeface="新宋体" panose="02010609030101010101" pitchFamily="49" charset="-122"/>
-              </a:rPr>
-              <a:t>参数：</a:t>
-            </a:r>
-            <a:r>
-              <a:rPr lang="en-US" altLang="zh-CN" sz="1800" dirty="0">
-                <a:solidFill>
-                  <a:srgbClr val="000000"/>
-                </a:solidFill>
-                <a:latin typeface="新宋体" panose="02010609030101010101" pitchFamily="49" charset="-122"/>
-                <a:ea typeface="新宋体" panose="02010609030101010101" pitchFamily="49" charset="-122"/>
-              </a:rPr>
-              <a:t>max </a:t>
-            </a:r>
-            <a:r>
-              <a:rPr lang="zh-CN" altLang="en-US" sz="1800" dirty="0">
-                <a:solidFill>
-                  <a:srgbClr val="000000"/>
-                </a:solidFill>
-                <a:latin typeface="新宋体" panose="02010609030101010101" pitchFamily="49" charset="-122"/>
-                <a:ea typeface="新宋体" panose="02010609030101010101" pitchFamily="49" charset="-122"/>
-              </a:rPr>
-              <a:t>最大值</a:t>
-            </a:r>
-            <a:r>
-              <a:rPr lang="en-US" altLang="zh-CN" sz="1800" dirty="0">
-                <a:solidFill>
-                  <a:srgbClr val="000000"/>
-                </a:solidFill>
-                <a:latin typeface="新宋体" panose="02010609030101010101" pitchFamily="49" charset="-122"/>
-                <a:ea typeface="新宋体" panose="02010609030101010101" pitchFamily="49" charset="-122"/>
-              </a:rPr>
-              <a:t>) =&gt; (0–max]</a:t>
-            </a:r>
+              <a:t>随机函数</a:t>
+            </a:r>
+            <a:endParaRPr lang="en-US" altLang="zh-CN" sz="1800" dirty="0">
+              <a:solidFill>
+                <a:srgbClr val="000000"/>
+              </a:solidFill>
+              <a:latin typeface="新宋体" panose="02010609030101010101" pitchFamily="49" charset="-122"/>
+              <a:ea typeface="新宋体" panose="02010609030101010101" pitchFamily="49" charset="-122"/>
+            </a:endParaRPr>
           </a:p>
           <a:p>
             <a:r>
@@ -5301,16 +5804,13 @@
               </a:rPr>
               <a:t>连接字符串</a:t>
             </a:r>
-            <a:r>
-              <a:rPr lang="en-US" altLang="zh-CN" sz="1800" dirty="0">
-                <a:solidFill>
-                  <a:srgbClr val="000000"/>
-                </a:solidFill>
-                <a:latin typeface="新宋体" panose="02010609030101010101" pitchFamily="49" charset="-122"/>
-                <a:ea typeface="新宋体" panose="02010609030101010101" pitchFamily="49" charset="-122"/>
-              </a:rPr>
-              <a:t>	scat(string1,string2) =&gt; string</a:t>
-            </a:r>
+            <a:endParaRPr lang="en-US" altLang="zh-CN" sz="1800" dirty="0">
+              <a:solidFill>
+                <a:srgbClr val="000000"/>
+              </a:solidFill>
+              <a:latin typeface="新宋体" panose="02010609030101010101" pitchFamily="49" charset="-122"/>
+              <a:ea typeface="新宋体" panose="02010609030101010101" pitchFamily="49" charset="-122"/>
+            </a:endParaRPr>
           </a:p>
           <a:p>
             <a:r>
@@ -5343,36 +5843,13 @@
               </a:rPr>
               <a:t>字符串比较</a:t>
             </a:r>
-            <a:r>
-              <a:rPr lang="en-US" altLang="zh-CN" sz="1800" dirty="0">
-                <a:solidFill>
-                  <a:srgbClr val="000000"/>
-                </a:solidFill>
-                <a:latin typeface="新宋体" panose="02010609030101010101" pitchFamily="49" charset="-122"/>
-                <a:ea typeface="新宋体" panose="02010609030101010101" pitchFamily="49" charset="-122"/>
-              </a:rPr>
-              <a:t>	</a:t>
-            </a:r>
-            <a:r>
-              <a:rPr lang="en-US" altLang="zh-CN" sz="1800" dirty="0" err="1">
-                <a:solidFill>
-                  <a:srgbClr val="000000"/>
-                </a:solidFill>
-                <a:latin typeface="新宋体" panose="02010609030101010101" pitchFamily="49" charset="-122"/>
-                <a:ea typeface="新宋体" panose="02010609030101010101" pitchFamily="49" charset="-122"/>
-              </a:rPr>
-              <a:t>scmp</a:t>
-            </a:r>
-            <a:r>
-              <a:rPr lang="en-US" altLang="zh-CN" sz="1800" dirty="0">
-                <a:solidFill>
-                  <a:srgbClr val="000000"/>
-                </a:solidFill>
-                <a:latin typeface="新宋体" panose="02010609030101010101" pitchFamily="49" charset="-122"/>
-                <a:ea typeface="新宋体" panose="02010609030101010101" pitchFamily="49" charset="-122"/>
-              </a:rPr>
-              <a:t>(string1,string2) =&gt; bool</a:t>
-            </a:r>
+            <a:endParaRPr lang="en-US" altLang="zh-CN" sz="1800" dirty="0">
+              <a:solidFill>
+                <a:srgbClr val="000000"/>
+              </a:solidFill>
+              <a:latin typeface="新宋体" panose="02010609030101010101" pitchFamily="49" charset="-122"/>
+              <a:ea typeface="新宋体" panose="02010609030101010101" pitchFamily="49" charset="-122"/>
+            </a:endParaRPr>
           </a:p>
           <a:p>
             <a:r>
@@ -5403,28 +5880,15 @@
                 <a:latin typeface="新宋体" panose="02010609030101010101" pitchFamily="49" charset="-122"/>
                 <a:ea typeface="新宋体" panose="02010609030101010101" pitchFamily="49" charset="-122"/>
               </a:rPr>
-              <a:t>转化为字符串  </a:t>
-            </a:r>
-            <a:r>
-              <a:rPr lang="en-US" altLang="zh-CN" sz="1800" dirty="0" err="1">
-                <a:solidFill>
-                  <a:srgbClr val="000000"/>
-                </a:solidFill>
-                <a:latin typeface="新宋体" panose="02010609030101010101" pitchFamily="49" charset="-122"/>
-                <a:ea typeface="新宋体" panose="02010609030101010101" pitchFamily="49" charset="-122"/>
-              </a:rPr>
-              <a:t>tos</a:t>
-            </a:r>
-            <a:r>
-              <a:rPr lang="en-US" altLang="zh-CN" sz="1800" dirty="0">
-                <a:solidFill>
-                  <a:srgbClr val="000000"/>
-                </a:solidFill>
-                <a:latin typeface="新宋体" panose="02010609030101010101" pitchFamily="49" charset="-122"/>
-                <a:ea typeface="新宋体" panose="02010609030101010101" pitchFamily="49" charset="-122"/>
-              </a:rPr>
-              <a:t>(var) =&gt; string</a:t>
-            </a:r>
+              <a:t>转化为字符串</a:t>
+            </a:r>
+            <a:endParaRPr lang="en-US" altLang="zh-CN" sz="1800" dirty="0">
+              <a:solidFill>
+                <a:srgbClr val="000000"/>
+              </a:solidFill>
+              <a:latin typeface="新宋体" panose="02010609030101010101" pitchFamily="49" charset="-122"/>
+              <a:ea typeface="新宋体" panose="02010609030101010101" pitchFamily="49" charset="-122"/>
+            </a:endParaRPr>
           </a:p>
           <a:p>
             <a:r>
@@ -5457,36 +5921,13 @@
               </a:rPr>
               <a:t>打印字符串</a:t>
             </a:r>
-            <a:r>
-              <a:rPr lang="en-US" altLang="zh-CN" sz="1800" dirty="0">
-                <a:solidFill>
-                  <a:srgbClr val="000000"/>
-                </a:solidFill>
-                <a:latin typeface="新宋体" panose="02010609030101010101" pitchFamily="49" charset="-122"/>
-                <a:ea typeface="新宋体" panose="02010609030101010101" pitchFamily="49" charset="-122"/>
-              </a:rPr>
-              <a:t>	</a:t>
-            </a:r>
-            <a:r>
-              <a:rPr lang="en-US" altLang="zh-CN" sz="1800" dirty="0" err="1">
-                <a:solidFill>
-                  <a:srgbClr val="000000"/>
-                </a:solidFill>
-                <a:latin typeface="新宋体" panose="02010609030101010101" pitchFamily="49" charset="-122"/>
-                <a:ea typeface="新宋体" panose="02010609030101010101" pitchFamily="49" charset="-122"/>
-              </a:rPr>
-              <a:t>os</a:t>
-            </a:r>
-            <a:r>
-              <a:rPr lang="en-US" altLang="zh-CN" sz="1800" dirty="0">
-                <a:solidFill>
-                  <a:srgbClr val="000000"/>
-                </a:solidFill>
-                <a:latin typeface="新宋体" panose="02010609030101010101" pitchFamily="49" charset="-122"/>
-                <a:ea typeface="新宋体" panose="02010609030101010101" pitchFamily="49" charset="-122"/>
-              </a:rPr>
-              <a:t>(string)</a:t>
-            </a:r>
+            <a:endParaRPr lang="en-US" altLang="zh-CN" sz="1800" dirty="0">
+              <a:solidFill>
+                <a:srgbClr val="000000"/>
+              </a:solidFill>
+              <a:latin typeface="新宋体" panose="02010609030101010101" pitchFamily="49" charset="-122"/>
+              <a:ea typeface="新宋体" panose="02010609030101010101" pitchFamily="49" charset="-122"/>
+            </a:endParaRPr>
           </a:p>
           <a:p>
             <a:r>
@@ -5509,6 +5950,15 @@
               </a:rPr>
               <a:t>节点树实例化</a:t>
             </a:r>
+            <a:endParaRPr lang="en-US" altLang="zh-CN" sz="1800" dirty="0">
+              <a:solidFill>
+                <a:srgbClr val="000000"/>
+              </a:solidFill>
+              <a:latin typeface="新宋体" panose="02010609030101010101" pitchFamily="49" charset="-122"/>
+              <a:ea typeface="新宋体" panose="02010609030101010101" pitchFamily="49" charset="-122"/>
+            </a:endParaRPr>
+          </a:p>
+          <a:p>
             <a:r>
               <a:rPr lang="en-US" altLang="zh-CN" sz="1800" dirty="0">
                 <a:solidFill>
@@ -5517,108 +5967,7 @@
                 <a:latin typeface="新宋体" panose="02010609030101010101" pitchFamily="49" charset="-122"/>
                 <a:ea typeface="新宋体" panose="02010609030101010101" pitchFamily="49" charset="-122"/>
               </a:rPr>
-              <a:t>	setup(</a:t>
-            </a:r>
-            <a:r>
-              <a:rPr lang="en-US" altLang="zh-CN" sz="1800" dirty="0" err="1">
-                <a:solidFill>
-                  <a:srgbClr val="000000"/>
-                </a:solidFill>
-                <a:latin typeface="新宋体" panose="02010609030101010101" pitchFamily="49" charset="-122"/>
-                <a:ea typeface="新宋体" panose="02010609030101010101" pitchFamily="49" charset="-122"/>
-              </a:rPr>
-              <a:t>type,nodename</a:t>
-            </a:r>
-            <a:r>
-              <a:rPr lang="en-US" altLang="zh-CN" sz="1800" dirty="0">
-                <a:solidFill>
-                  <a:srgbClr val="000000"/>
-                </a:solidFill>
-                <a:latin typeface="新宋体" panose="02010609030101010101" pitchFamily="49" charset="-122"/>
-                <a:ea typeface="新宋体" panose="02010609030101010101" pitchFamily="49" charset="-122"/>
-              </a:rPr>
-              <a:t>) </a:t>
-            </a:r>
-            <a:r>
-              <a:rPr lang="en-US" altLang="zh-CN" sz="1800" dirty="0" err="1">
-                <a:solidFill>
-                  <a:srgbClr val="000000"/>
-                </a:solidFill>
-                <a:latin typeface="新宋体" panose="02010609030101010101" pitchFamily="49" charset="-122"/>
-                <a:ea typeface="新宋体" panose="02010609030101010101" pitchFamily="49" charset="-122"/>
-              </a:rPr>
-              <a:t>type:entity,sprite,poly</a:t>
-            </a:r>
-            <a:r>
-              <a:rPr lang="en-US" altLang="zh-CN" sz="1800" dirty="0">
-                <a:solidFill>
-                  <a:srgbClr val="000000"/>
-                </a:solidFill>
-                <a:latin typeface="新宋体" panose="02010609030101010101" pitchFamily="49" charset="-122"/>
-                <a:ea typeface="新宋体" panose="02010609030101010101" pitchFamily="49" charset="-122"/>
-              </a:rPr>
-              <a:t> </a:t>
-            </a:r>
-            <a:r>
-              <a:rPr lang="zh-CN" altLang="en-US" sz="1800" dirty="0">
-                <a:solidFill>
-                  <a:srgbClr val="000000"/>
-                </a:solidFill>
-                <a:latin typeface="新宋体" panose="02010609030101010101" pitchFamily="49" charset="-122"/>
-                <a:ea typeface="新宋体" panose="02010609030101010101" pitchFamily="49" charset="-122"/>
-              </a:rPr>
-              <a:t>三类实例</a:t>
-            </a:r>
-            <a:endParaRPr lang="en-US" altLang="zh-CN" sz="1800" dirty="0">
-              <a:solidFill>
-                <a:srgbClr val="000000"/>
-              </a:solidFill>
-              <a:latin typeface="新宋体" panose="02010609030101010101" pitchFamily="49" charset="-122"/>
-              <a:ea typeface="新宋体" panose="02010609030101010101" pitchFamily="49" charset="-122"/>
-            </a:endParaRPr>
-          </a:p>
-          <a:p>
-            <a:pPr marL="0" indent="0">
-              <a:buNone/>
-            </a:pPr>
-            <a:r>
-              <a:rPr lang="en-US" altLang="zh-CN" sz="1800">
-                <a:solidFill>
-                  <a:srgbClr val="000000"/>
-                </a:solidFill>
-                <a:latin typeface="新宋体" panose="02010609030101010101" pitchFamily="49" charset="-122"/>
-                <a:ea typeface="新宋体" panose="02010609030101010101" pitchFamily="49" charset="-122"/>
-              </a:rPr>
-              <a:t>		</a:t>
-            </a:r>
-            <a:endParaRPr lang="en-US" altLang="zh-CN" sz="1800" dirty="0">
-              <a:solidFill>
-                <a:srgbClr val="000000"/>
-              </a:solidFill>
-              <a:latin typeface="新宋体" panose="02010609030101010101" pitchFamily="49" charset="-122"/>
-              <a:ea typeface="新宋体" panose="02010609030101010101" pitchFamily="49" charset="-122"/>
-            </a:endParaRPr>
-          </a:p>
-          <a:p>
-            <a:r>
-              <a:rPr lang="en-US" altLang="zh-CN" sz="1800" dirty="0" err="1">
-                <a:solidFill>
-                  <a:srgbClr val="000000"/>
-                </a:solidFill>
-                <a:latin typeface="新宋体" panose="02010609030101010101" pitchFamily="49" charset="-122"/>
-                <a:ea typeface="新宋体" panose="02010609030101010101" pitchFamily="49" charset="-122"/>
-              </a:rPr>
-              <a:t>iam</a:t>
-            </a:r>
-            <a:r>
-              <a:rPr lang="en-US" altLang="zh-CN" sz="1800" dirty="0">
-                <a:solidFill>
-                  <a:srgbClr val="000000"/>
-                </a:solidFill>
-                <a:latin typeface="新宋体" panose="02010609030101010101" pitchFamily="49" charset="-122"/>
-                <a:ea typeface="新宋体" panose="02010609030101010101" pitchFamily="49" charset="-122"/>
-              </a:rPr>
-              <a:t>		- </a:t>
+              <a:t>me		- </a:t>
             </a:r>
             <a:r>
               <a:rPr lang="zh-CN" altLang="en-US" sz="1800" dirty="0">
@@ -5630,56 +5979,13 @@
               </a:rPr>
               <a:t>当前工作节点</a:t>
             </a:r>
-            <a:r>
-              <a:rPr lang="en-US" altLang="zh-CN" sz="1800" dirty="0">
-                <a:solidFill>
-                  <a:srgbClr val="000000"/>
-                </a:solidFill>
-                <a:latin typeface="新宋体" panose="02010609030101010101" pitchFamily="49" charset="-122"/>
-                <a:ea typeface="新宋体" panose="02010609030101010101" pitchFamily="49" charset="-122"/>
-              </a:rPr>
-              <a:t>	</a:t>
-            </a:r>
-            <a:r>
-              <a:rPr lang="en-US" altLang="zh-CN" sz="1800" dirty="0" err="1">
-                <a:solidFill>
-                  <a:srgbClr val="000000"/>
-                </a:solidFill>
-                <a:latin typeface="新宋体" panose="02010609030101010101" pitchFamily="49" charset="-122"/>
-                <a:ea typeface="新宋体" panose="02010609030101010101" pitchFamily="49" charset="-122"/>
-              </a:rPr>
-              <a:t>iam</a:t>
-            </a:r>
-            <a:r>
-              <a:rPr lang="en-US" altLang="zh-CN" sz="1800" dirty="0">
-                <a:solidFill>
-                  <a:srgbClr val="000000"/>
-                </a:solidFill>
-                <a:latin typeface="新宋体" panose="02010609030101010101" pitchFamily="49" charset="-122"/>
-                <a:ea typeface="新宋体" panose="02010609030101010101" pitchFamily="49" charset="-122"/>
-              </a:rPr>
-              <a:t>(</a:t>
-            </a:r>
-            <a:r>
-              <a:rPr lang="en-US" altLang="zh-CN" sz="1800" dirty="0" err="1">
-                <a:solidFill>
-                  <a:srgbClr val="000000"/>
-                </a:solidFill>
-                <a:latin typeface="新宋体" panose="02010609030101010101" pitchFamily="49" charset="-122"/>
-                <a:ea typeface="新宋体" panose="02010609030101010101" pitchFamily="49" charset="-122"/>
-              </a:rPr>
-              <a:t>nodename</a:t>
-            </a:r>
-            <a:r>
-              <a:rPr lang="en-US" altLang="zh-CN" sz="1800" dirty="0">
-                <a:solidFill>
-                  <a:srgbClr val="000000"/>
-                </a:solidFill>
-                <a:latin typeface="新宋体" panose="02010609030101010101" pitchFamily="49" charset="-122"/>
-                <a:ea typeface="新宋体" panose="02010609030101010101" pitchFamily="49" charset="-122"/>
-              </a:rPr>
-              <a:t>)</a:t>
-            </a:r>
+            <a:endParaRPr lang="en-US" altLang="zh-CN" sz="1800" dirty="0">
+              <a:solidFill>
+                <a:srgbClr val="000000"/>
+              </a:solidFill>
+              <a:latin typeface="新宋体" panose="02010609030101010101" pitchFamily="49" charset="-122"/>
+              <a:ea typeface="新宋体" panose="02010609030101010101" pitchFamily="49" charset="-122"/>
+            </a:endParaRPr>
           </a:p>
           <a:p>
             <a:r>
@@ -5701,16 +6007,6 @@
                 <a:ea typeface="新宋体" panose="02010609030101010101" pitchFamily="49" charset="-122"/>
               </a:rPr>
               <a:t>当前工作属性</a:t>
-            </a:r>
-            <a:r>
-              <a:rPr lang="en-US" altLang="zh-CN" sz="1800" dirty="0">
-                <a:solidFill>
-                  <a:srgbClr val="000000"/>
-                </a:solidFill>
-                <a:latin typeface="新宋体" panose="02010609030101010101" pitchFamily="49" charset="-122"/>
-                <a:ea typeface="新宋体" panose="02010609030101010101" pitchFamily="49" charset="-122"/>
-              </a:rPr>
-              <a:t>	on(property)</a:t>
             </a:r>
             <a:endParaRPr lang="zh-CN" altLang="en-US" dirty="0"/>
           </a:p>
@@ -6071,7 +6367,7 @@
             </a:r>
             <a:r>
               <a:rPr lang="en-US" altLang="zh-CN" dirty="0"/>
-              <a:t>9</a:t>
+              <a:t>4</a:t>
             </a:r>
             <a:r>
               <a:rPr lang="zh-CN" altLang="en-US" dirty="0"/>
@@ -6875,8 +7171,12 @@
           <a:lstStyle/>
           <a:p>
             <a:r>
-              <a:rPr lang="en-US" altLang="zh-CN" dirty="0"/>
-              <a:t>{PHG} - </a:t>
+              <a:rPr lang="zh-CN" altLang="en-US" dirty="0"/>
+              <a:t>基本语法</a:t>
+            </a:r>
+            <a:r>
+              <a:rPr lang="en-US" altLang="zh-CN" dirty="0"/>
+              <a:t>-</a:t>
             </a:r>
             <a:r>
               <a:rPr lang="zh-CN" altLang="en-US" dirty="0"/>
@@ -7257,7 +7557,7 @@
           <p:cNvPr id="2" name="标题 1">
             <a:extLst>
               <a:ext uri="{FF2B5EF4-FFF2-40B4-BE49-F238E27FC236}">
-                <a16:creationId xmlns:a16="http://schemas.microsoft.com/office/drawing/2014/main" id="{33D95416-6178-46B1-A9C6-E887C6CA6EC6}"/>
+                <a16:creationId xmlns:a16="http://schemas.microsoft.com/office/drawing/2014/main" id="{E8881EB7-B227-32FE-D928-CFD681A1B01A}"/>
               </a:ext>
             </a:extLst>
           </p:cNvPr>
@@ -7275,7 +7575,7 @@
           <a:p>
             <a:r>
               <a:rPr lang="zh-CN" altLang="en-US" dirty="0"/>
-              <a:t>序列与阵列</a:t>
+              <a:t>树节点的属性</a:t>
             </a:r>
           </a:p>
         </p:txBody>
@@ -7285,7 +7585,7 @@
           <p:cNvPr id="3" name="内容占位符 2">
             <a:extLst>
               <a:ext uri="{FF2B5EF4-FFF2-40B4-BE49-F238E27FC236}">
-                <a16:creationId xmlns:a16="http://schemas.microsoft.com/office/drawing/2014/main" id="{7574EA23-7A49-455D-947A-9CF81EAD88B6}"/>
+                <a16:creationId xmlns:a16="http://schemas.microsoft.com/office/drawing/2014/main" id="{35F9EF06-C324-C8F8-D0A4-EA5E5FD2CBB9}"/>
               </a:ext>
             </a:extLst>
           </p:cNvPr>
@@ -7303,25 +7603,91 @@
           <a:p>
             <a:r>
               <a:rPr lang="zh-CN" altLang="en-US" dirty="0"/>
-              <a:t>序列是指有顺序的</a:t>
-            </a:r>
-            <a:r>
-              <a:rPr lang="en-US" altLang="zh-CN" dirty="0"/>
-              <a:t>N</a:t>
-            </a:r>
-            <a:r>
-              <a:rPr lang="zh-CN" altLang="en-US" dirty="0"/>
-              <a:t>元组，序列本身可以作为元素参与四则运算</a:t>
+              <a:t>树节点的属性定义格式：</a:t>
             </a:r>
             <a:endParaRPr lang="en-US" altLang="zh-CN" dirty="0"/>
           </a:p>
           <a:p>
+            <a:pPr marL="457200" lvl="1" indent="0">
+              <a:buNone/>
+            </a:pPr>
+            <a:r>
+              <a:rPr lang="en-US" altLang="zh-CN" dirty="0"/>
+              <a:t>	</a:t>
+            </a:r>
+            <a:r>
+              <a:rPr lang="zh-CN" altLang="en-US" dirty="0"/>
+              <a:t>属性名</a:t>
+            </a:r>
+            <a:r>
+              <a:rPr lang="en-US" altLang="zh-CN" dirty="0"/>
+              <a:t>: </a:t>
+            </a:r>
+            <a:r>
+              <a:rPr lang="zh-CN" altLang="en-US" dirty="0"/>
+              <a:t>数值</a:t>
+            </a:r>
+            <a:r>
+              <a:rPr lang="en-US" altLang="zh-CN" dirty="0"/>
+              <a:t>;</a:t>
+            </a:r>
+          </a:p>
+          <a:p>
+            <a:pPr marL="457200" lvl="1" indent="0">
+              <a:buNone/>
+            </a:pPr>
+            <a:r>
+              <a:rPr lang="en-US" altLang="zh-CN" dirty="0"/>
+              <a:t>	</a:t>
+            </a:r>
+            <a:r>
+              <a:rPr lang="zh-CN" altLang="en-US" dirty="0"/>
+              <a:t>如</a:t>
+            </a:r>
+            <a:r>
+              <a:rPr lang="en-US" altLang="zh-CN" dirty="0"/>
+              <a:t>: pos: 1,2,3;</a:t>
+            </a:r>
+          </a:p>
+          <a:p>
+            <a:pPr marL="457200" lvl="1" indent="0">
+              <a:buNone/>
+            </a:pPr>
+            <a:endParaRPr lang="en-US" altLang="zh-CN" dirty="0"/>
+          </a:p>
+          <a:p>
+            <a:r>
+              <a:rPr lang="zh-CN" altLang="en-US" dirty="0"/>
+              <a:t>树节点的属性可以是</a:t>
+            </a:r>
+            <a:r>
+              <a:rPr lang="en-US" altLang="zh-CN" dirty="0"/>
+              <a:t>PHG</a:t>
+            </a:r>
+            <a:r>
+              <a:rPr lang="zh-CN" altLang="en-US" dirty="0"/>
+              <a:t>表达式，表达式在括号内，比如</a:t>
+            </a:r>
+            <a:r>
+              <a:rPr lang="en-US" altLang="zh-CN" dirty="0"/>
+              <a:t>:</a:t>
+            </a:r>
+          </a:p>
+          <a:p>
             <a:pPr marL="0" indent="0">
               <a:buNone/>
             </a:pPr>
             <a:r>
               <a:rPr lang="en-US" altLang="zh-CN" dirty="0"/>
-              <a:t>		&lt;a, b, c, d&gt;</a:t>
+              <a:t>	{pos: (_t*2),(_</a:t>
+            </a:r>
+            <a:r>
+              <a:rPr lang="en-US" altLang="zh-CN" dirty="0" err="1"/>
+              <a:t>i</a:t>
+            </a:r>
+            <a:r>
+              <a:rPr lang="en-US" altLang="zh-CN" dirty="0"/>
+              <a:t>*3),1}</a:t>
             </a:r>
           </a:p>
           <a:p>
@@ -7330,11 +7696,23 @@
             </a:pPr>
             <a:r>
               <a:rPr lang="en-US" altLang="zh-CN" dirty="0"/>
-              <a:t>  </a:t>
-            </a:r>
-            <a:r>
-              <a:rPr lang="zh-CN" altLang="en-US" dirty="0"/>
-              <a:t>序列跟节点表达式的关系公式：</a:t>
+              <a:t>	</a:t>
+            </a:r>
+            <a:r>
+              <a:rPr lang="zh-CN" altLang="en-US" dirty="0"/>
+              <a:t>其中</a:t>
+            </a:r>
+            <a:r>
+              <a:rPr lang="en-US" altLang="zh-CN" dirty="0"/>
+              <a:t>_t,_</a:t>
+            </a:r>
+            <a:r>
+              <a:rPr lang="en-US" altLang="zh-CN" dirty="0" err="1"/>
+              <a:t>i</a:t>
+            </a:r>
+            <a:r>
+              <a:rPr lang="zh-CN" altLang="en-US" dirty="0"/>
+              <a:t>是内部变量，分别是深度，在阵列中的位置号。</a:t>
             </a:r>
             <a:endParaRPr lang="en-US" altLang="zh-CN" dirty="0"/>
           </a:p>
@@ -7342,47 +7720,6 @@
             <a:pPr marL="0" indent="0">
               <a:buNone/>
             </a:pPr>
-            <a:r>
-              <a:rPr lang="en-US" altLang="zh-CN" dirty="0"/>
-              <a:t>		&lt;a, b, c, d&gt; = {a{b{c{d}}}} </a:t>
-            </a:r>
-            <a:endParaRPr lang="zh-CN" altLang="en-US" dirty="0"/>
-          </a:p>
-          <a:p>
-            <a:pPr marL="0" indent="0">
-              <a:buNone/>
-            </a:pPr>
-            <a:r>
-              <a:rPr lang="en-US" altLang="zh-CN" dirty="0"/>
-              <a:t>	</a:t>
-            </a:r>
-          </a:p>
-          <a:p>
-            <a:r>
-              <a:rPr lang="zh-CN" altLang="en-US" dirty="0"/>
-              <a:t>阵列是数组的概念</a:t>
-            </a:r>
-            <a:r>
-              <a:rPr lang="en-US" altLang="zh-CN" dirty="0"/>
-              <a:t>, </a:t>
-            </a:r>
-            <a:r>
-              <a:rPr lang="zh-CN" altLang="en-US" dirty="0"/>
-              <a:t>元素之间是平级关系</a:t>
-            </a:r>
-            <a:r>
-              <a:rPr lang="en-US" altLang="zh-CN" dirty="0"/>
-              <a:t>:</a:t>
-            </a:r>
-          </a:p>
-          <a:p>
-            <a:pPr marL="0" indent="0">
-              <a:buNone/>
-            </a:pPr>
-            <a:r>
-              <a:rPr lang="en-US" altLang="zh-CN" dirty="0"/>
-              <a:t>		[a, b, c, d] = {{a}{b}{c}{d}}</a:t>
-            </a:r>
             <a:endParaRPr lang="zh-CN" altLang="en-US" dirty="0"/>
           </a:p>
         </p:txBody>
@@ -7390,7 +7727,7 @@
     </p:spTree>
     <p:extLst>
       <p:ext uri="{BB962C8B-B14F-4D97-AF65-F5344CB8AC3E}">
-        <p14:creationId xmlns:p14="http://schemas.microsoft.com/office/powerpoint/2010/main" val="1554806646"/>
+        <p14:creationId xmlns:p14="http://schemas.microsoft.com/office/powerpoint/2010/main" val="2492965694"/>
       </p:ext>
     </p:extLst>
   </p:cSld>

--- a/PHG语法手册.pptx
+++ b/PHG语法手册.pptx
@@ -19,10 +19,12 @@
     <p:sldId id="295" r:id="rId13"/>
     <p:sldId id="296" r:id="rId14"/>
     <p:sldId id="297" r:id="rId15"/>
-    <p:sldId id="285" r:id="rId16"/>
-    <p:sldId id="282" r:id="rId17"/>
-    <p:sldId id="291" r:id="rId18"/>
-    <p:sldId id="292" r:id="rId19"/>
+    <p:sldId id="298" r:id="rId16"/>
+    <p:sldId id="285" r:id="rId17"/>
+    <p:sldId id="282" r:id="rId18"/>
+    <p:sldId id="291" r:id="rId19"/>
+    <p:sldId id="292" r:id="rId20"/>
+    <p:sldId id="299" r:id="rId21"/>
   </p:sldIdLst>
   <p:sldSz cx="12192000" cy="6858000"/>
   <p:notesSz cx="6858000" cy="9144000"/>
@@ -4386,25 +4388,28 @@
             </a:r>
           </a:p>
           <a:p>
+            <a:pPr marL="0" indent="0">
+              <a:buNone/>
+            </a:pPr>
+            <a:endParaRPr lang="en-US" altLang="zh-CN" dirty="0"/>
+          </a:p>
+          <a:p>
+            <a:r>
+              <a:rPr lang="zh-CN" altLang="en-US" dirty="0"/>
+              <a:t>需要大括号分割</a:t>
+            </a:r>
+            <a:r>
+              <a:rPr lang="en-US" altLang="zh-CN" dirty="0"/>
+              <a:t>:</a:t>
+            </a:r>
+          </a:p>
+          <a:p>
             <a:pPr marL="457200" lvl="1" indent="0">
               <a:buNone/>
             </a:pPr>
             <a:r>
-              <a:rPr lang="zh-CN" altLang="en-US" dirty="0"/>
-              <a:t>需要大括号分割</a:t>
-            </a:r>
-            <a:r>
-              <a:rPr lang="en-US" altLang="zh-CN" dirty="0"/>
-              <a:t>:</a:t>
-            </a:r>
-          </a:p>
-          <a:p>
-            <a:pPr marL="457200" lvl="1" indent="0">
-              <a:buNone/>
-            </a:pPr>
-            <a:r>
-              <a:rPr lang="en-US" altLang="zh-CN" dirty="0"/>
-              <a:t>A{&lt;</a:t>
+              <a:rPr lang="en-US" altLang="zh-CN" dirty="0"/>
+              <a:t>A{[</a:t>
             </a:r>
             <a:r>
               <a:rPr lang="en-US" altLang="zh-CN" dirty="0" err="1"/>
@@ -4412,7 +4417,7 @@
             </a:r>
             <a:r>
               <a:rPr lang="en-US" altLang="zh-CN" dirty="0"/>
-              <a:t>&gt;}</a:t>
+              <a:t>]} </a:t>
             </a:r>
           </a:p>
           <a:p>
@@ -4421,17 +4426,16 @@
             </a:pPr>
             <a:r>
               <a:rPr lang="en-US" altLang="zh-CN" dirty="0"/>
-              <a:t>A{[</a:t>
+              <a:t>A{&lt;</a:t>
             </a:r>
             <a:r>
               <a:rPr lang="en-US" altLang="zh-CN" dirty="0" err="1"/>
               <a:t>b,c,d</a:t>
             </a:r>
             <a:r>
-              <a:rPr lang="en-US" altLang="zh-CN"/>
-              <a:t>]}</a:t>
-            </a:r>
-            <a:endParaRPr lang="en-US" altLang="zh-CN" dirty="0"/>
+              <a:rPr lang="en-US" altLang="zh-CN" dirty="0"/>
+              <a:t>&gt;}</a:t>
+            </a:r>
           </a:p>
           <a:p>
             <a:pPr marL="457200" lvl="1" indent="0">
@@ -4455,6 +4459,188 @@
 </file>
 
 <file path=ppt/slides/slide15.xml><?xml version="1.0" encoding="utf-8"?>
+<p:sld xmlns:a="http://schemas.openxmlformats.org/drawingml/2006/main" xmlns:r="http://schemas.openxmlformats.org/officeDocument/2006/relationships" xmlns:p="http://schemas.openxmlformats.org/presentationml/2006/main">
+  <p:cSld>
+    <p:spTree>
+      <p:nvGrpSpPr>
+        <p:cNvPr id="1" name=""/>
+        <p:cNvGrpSpPr/>
+        <p:nvPr/>
+      </p:nvGrpSpPr>
+      <p:grpSpPr>
+        <a:xfrm>
+          <a:off x="0" y="0"/>
+          <a:ext cx="0" cy="0"/>
+          <a:chOff x="0" y="0"/>
+          <a:chExt cx="0" cy="0"/>
+        </a:xfrm>
+      </p:grpSpPr>
+      <p:sp>
+        <p:nvSpPr>
+          <p:cNvPr id="2" name="标题 1">
+            <a:extLst>
+              <a:ext uri="{FF2B5EF4-FFF2-40B4-BE49-F238E27FC236}">
+                <a16:creationId xmlns:a16="http://schemas.microsoft.com/office/drawing/2014/main" id="{A2DBDC5A-F528-8113-8BF8-E1F4D629E189}"/>
+              </a:ext>
+            </a:extLst>
+          </p:cNvPr>
+          <p:cNvSpPr>
+            <a:spLocks noGrp="1"/>
+          </p:cNvSpPr>
+          <p:nvPr>
+            <p:ph type="title"/>
+          </p:nvPr>
+        </p:nvSpPr>
+        <p:spPr/>
+        <p:txBody>
+          <a:bodyPr/>
+          <a:lstStyle/>
+          <a:p>
+            <a:r>
+              <a:rPr lang="zh-CN" altLang="en-US" dirty="0"/>
+              <a:t>树运算逻辑语法</a:t>
+            </a:r>
+          </a:p>
+        </p:txBody>
+      </p:sp>
+      <p:sp>
+        <p:nvSpPr>
+          <p:cNvPr id="3" name="内容占位符 2">
+            <a:extLst>
+              <a:ext uri="{FF2B5EF4-FFF2-40B4-BE49-F238E27FC236}">
+                <a16:creationId xmlns:a16="http://schemas.microsoft.com/office/drawing/2014/main" id="{F94A4E54-2C72-5D68-7F63-461FE1FAD5C8}"/>
+              </a:ext>
+            </a:extLst>
+          </p:cNvPr>
+          <p:cNvSpPr>
+            <a:spLocks noGrp="1"/>
+          </p:cNvSpPr>
+          <p:nvPr>
+            <p:ph idx="1"/>
+          </p:nvPr>
+        </p:nvSpPr>
+        <p:spPr/>
+        <p:txBody>
+          <a:bodyPr>
+            <a:normAutofit/>
+          </a:bodyPr>
+          <a:lstStyle/>
+          <a:p>
+            <a:r>
+              <a:rPr lang="zh-CN" altLang="en-US" dirty="0"/>
+              <a:t>属性表达式：</a:t>
+            </a:r>
+            <a:endParaRPr lang="en-US" altLang="zh-CN" dirty="0"/>
+          </a:p>
+          <a:p>
+            <a:pPr marL="0" indent="0">
+              <a:buNone/>
+            </a:pPr>
+            <a:r>
+              <a:rPr lang="en-US" altLang="zh-CN" dirty="0"/>
+              <a:t>	Node1.prop1 = Node2.prop2;</a:t>
+            </a:r>
+          </a:p>
+          <a:p>
+            <a:r>
+              <a:rPr lang="zh-CN" altLang="en-US" dirty="0"/>
+              <a:t>遍历运算表达式：</a:t>
+            </a:r>
+            <a:endParaRPr lang="en-US" altLang="zh-CN" dirty="0"/>
+          </a:p>
+          <a:p>
+            <a:pPr marL="0" indent="0">
+              <a:buNone/>
+            </a:pPr>
+            <a:r>
+              <a:rPr lang="en-US" altLang="zh-CN" dirty="0"/>
+              <a:t>	</a:t>
+            </a:r>
+            <a:r>
+              <a:rPr lang="en-US" altLang="zh-CN" dirty="0" err="1"/>
+              <a:t>wak</a:t>
+            </a:r>
+            <a:r>
+              <a:rPr lang="en-US" altLang="zh-CN" dirty="0"/>
+              <a:t>(key, ‘a + b’);</a:t>
+            </a:r>
+          </a:p>
+          <a:p>
+            <a:pPr marL="0" indent="0">
+              <a:buNone/>
+            </a:pPr>
+            <a:r>
+              <a:rPr lang="en-US" altLang="zh-CN" dirty="0"/>
+              <a:t>	</a:t>
+            </a:r>
+            <a:r>
+              <a:rPr lang="en-US" altLang="zh-CN" dirty="0" err="1"/>
+              <a:t>wak</a:t>
+            </a:r>
+            <a:r>
+              <a:rPr lang="en-US" altLang="zh-CN" dirty="0"/>
+              <a:t>(key, ‘a - b’);</a:t>
+            </a:r>
+          </a:p>
+          <a:p>
+            <a:r>
+              <a:rPr lang="en-US" altLang="zh-CN" dirty="0" err="1"/>
+              <a:t>iam</a:t>
+            </a:r>
+            <a:r>
+              <a:rPr lang="zh-CN" altLang="en-US" dirty="0"/>
+              <a:t>表达式：</a:t>
+            </a:r>
+            <a:endParaRPr lang="en-US" altLang="zh-CN" dirty="0"/>
+          </a:p>
+          <a:p>
+            <a:pPr marL="0" indent="0">
+              <a:buNone/>
+            </a:pPr>
+            <a:r>
+              <a:rPr lang="en-US" altLang="zh-CN" dirty="0"/>
+              <a:t>	</a:t>
+            </a:r>
+            <a:r>
+              <a:rPr lang="en-US" altLang="zh-CN" dirty="0" err="1"/>
+              <a:t>iam</a:t>
+            </a:r>
+            <a:r>
+              <a:rPr lang="en-US" altLang="zh-CN" dirty="0"/>
+              <a:t>( ‘:prop1 = x’);</a:t>
+            </a:r>
+          </a:p>
+          <a:p>
+            <a:pPr marL="0" indent="0">
+              <a:buNone/>
+            </a:pPr>
+            <a:r>
+              <a:rPr lang="en-US" altLang="zh-CN" dirty="0"/>
+              <a:t>		</a:t>
+            </a:r>
+          </a:p>
+          <a:p>
+            <a:pPr marL="0" indent="0">
+              <a:buNone/>
+            </a:pPr>
+            <a:endParaRPr lang="zh-CN" altLang="en-US" dirty="0"/>
+          </a:p>
+        </p:txBody>
+      </p:sp>
+    </p:spTree>
+    <p:extLst>
+      <p:ext uri="{BB962C8B-B14F-4D97-AF65-F5344CB8AC3E}">
+        <p14:creationId xmlns:p14="http://schemas.microsoft.com/office/powerpoint/2010/main" val="3169114686"/>
+      </p:ext>
+    </p:extLst>
+  </p:cSld>
+  <p:clrMapOvr>
+    <a:masterClrMapping/>
+  </p:clrMapOvr>
+</p:sld>
+</file>
+
+<file path=ppt/slides/slide16.xml><?xml version="1.0" encoding="utf-8"?>
 <p:sld xmlns:a="http://schemas.openxmlformats.org/drawingml/2006/main" xmlns:r="http://schemas.openxmlformats.org/officeDocument/2006/relationships" xmlns:p="http://schemas.openxmlformats.org/presentationml/2006/main">
   <p:cSld>
     <p:spTree>
@@ -4629,7 +4815,7 @@
 </p:sld>
 </file>
 
-<file path=ppt/slides/slide16.xml><?xml version="1.0" encoding="utf-8"?>
+<file path=ppt/slides/slide17.xml><?xml version="1.0" encoding="utf-8"?>
 <p:sld xmlns:a="http://schemas.openxmlformats.org/drawingml/2006/main" xmlns:r="http://schemas.openxmlformats.org/officeDocument/2006/relationships" xmlns:p="http://schemas.openxmlformats.org/presentationml/2006/main">
   <p:cSld>
     <p:spTree>
@@ -4784,7 +4970,7 @@
 </p:sld>
 </file>
 
-<file path=ppt/slides/slide17.xml><?xml version="1.0" encoding="utf-8"?>
+<file path=ppt/slides/slide18.xml><?xml version="1.0" encoding="utf-8"?>
 <p:sld xmlns:a="http://schemas.openxmlformats.org/drawingml/2006/main" xmlns:r="http://schemas.openxmlformats.org/officeDocument/2006/relationships" xmlns:p="http://schemas.openxmlformats.org/presentationml/2006/main">
   <p:cSld>
     <p:spTree>
@@ -5675,7 +5861,7 @@
 </p:sld>
 </file>
 
-<file path=ppt/slides/slide18.xml><?xml version="1.0" encoding="utf-8"?>
+<file path=ppt/slides/slide19.xml><?xml version="1.0" encoding="utf-8"?>
 <p:sld xmlns:a="http://schemas.openxmlformats.org/drawingml/2006/main" xmlns:r="http://schemas.openxmlformats.org/officeDocument/2006/relationships" xmlns:p="http://schemas.openxmlformats.org/presentationml/2006/main">
   <p:cSld>
     <p:spTree>
@@ -5938,6 +6124,64 @@
                 <a:latin typeface="新宋体" panose="02010609030101010101" pitchFamily="49" charset="-122"/>
                 <a:ea typeface="新宋体" panose="02010609030101010101" pitchFamily="49" charset="-122"/>
               </a:rPr>
+              <a:t>me		- </a:t>
+            </a:r>
+            <a:r>
+              <a:rPr lang="zh-CN" altLang="en-US" sz="1800" dirty="0">
+                <a:solidFill>
+                  <a:srgbClr val="000000"/>
+                </a:solidFill>
+                <a:latin typeface="新宋体" panose="02010609030101010101" pitchFamily="49" charset="-122"/>
+                <a:ea typeface="新宋体" panose="02010609030101010101" pitchFamily="49" charset="-122"/>
+              </a:rPr>
+              <a:t>当前工作节点</a:t>
+            </a:r>
+            <a:endParaRPr lang="en-US" altLang="zh-CN" sz="1800" dirty="0">
+              <a:solidFill>
+                <a:srgbClr val="000000"/>
+              </a:solidFill>
+              <a:latin typeface="新宋体" panose="02010609030101010101" pitchFamily="49" charset="-122"/>
+              <a:ea typeface="新宋体" panose="02010609030101010101" pitchFamily="49" charset="-122"/>
+            </a:endParaRPr>
+          </a:p>
+          <a:p>
+            <a:r>
+              <a:rPr lang="en-US" altLang="zh-CN" sz="1800" dirty="0">
+                <a:solidFill>
+                  <a:srgbClr val="000000"/>
+                </a:solidFill>
+                <a:latin typeface="新宋体" panose="02010609030101010101" pitchFamily="49" charset="-122"/>
+                <a:ea typeface="新宋体" panose="02010609030101010101" pitchFamily="49" charset="-122"/>
+              </a:rPr>
+              <a:t>on		- </a:t>
+            </a:r>
+            <a:r>
+              <a:rPr lang="zh-CN" altLang="en-US" sz="1800" dirty="0">
+                <a:solidFill>
+                  <a:srgbClr val="000000"/>
+                </a:solidFill>
+                <a:latin typeface="新宋体" panose="02010609030101010101" pitchFamily="49" charset="-122"/>
+                <a:ea typeface="新宋体" panose="02010609030101010101" pitchFamily="49" charset="-122"/>
+              </a:rPr>
+              <a:t>当前工作属性</a:t>
+            </a:r>
+            <a:endParaRPr lang="en-US" altLang="zh-CN" sz="1800" dirty="0">
+              <a:solidFill>
+                <a:srgbClr val="000000"/>
+              </a:solidFill>
+              <a:latin typeface="新宋体" panose="02010609030101010101" pitchFamily="49" charset="-122"/>
+              <a:ea typeface="新宋体" panose="02010609030101010101" pitchFamily="49" charset="-122"/>
+            </a:endParaRPr>
+          </a:p>
+          <a:p>
+            <a:r>
+              <a:rPr lang="en-US" altLang="zh-CN" sz="1800" dirty="0">
+                <a:solidFill>
+                  <a:srgbClr val="000000"/>
+                </a:solidFill>
+                <a:latin typeface="新宋体" panose="02010609030101010101" pitchFamily="49" charset="-122"/>
+                <a:ea typeface="新宋体" panose="02010609030101010101" pitchFamily="49" charset="-122"/>
+              </a:rPr>
               <a:t>setup		- </a:t>
             </a:r>
             <a:r>
@@ -5960,6 +6204,16 @@
           </a:p>
           <a:p>
             <a:r>
+              <a:rPr lang="en-US" altLang="zh-CN" sz="1800" dirty="0" err="1">
+                <a:solidFill>
+                  <a:srgbClr val="000000"/>
+                </a:solidFill>
+                <a:latin typeface="新宋体" panose="02010609030101010101" pitchFamily="49" charset="-122"/>
+                <a:ea typeface="新宋体" panose="02010609030101010101" pitchFamily="49" charset="-122"/>
+              </a:rPr>
+              <a:t>wak</a:t>
+            </a:r>
+            <a:r>
               <a:rPr lang="en-US" altLang="zh-CN" sz="1800" dirty="0">
                 <a:solidFill>
                   <a:srgbClr val="000000"/>
@@ -5967,7 +6221,7 @@
                 <a:latin typeface="新宋体" panose="02010609030101010101" pitchFamily="49" charset="-122"/>
                 <a:ea typeface="新宋体" panose="02010609030101010101" pitchFamily="49" charset="-122"/>
               </a:rPr>
-              <a:t>me		- </a:t>
+              <a:t>		- </a:t>
             </a:r>
             <a:r>
               <a:rPr lang="zh-CN" altLang="en-US" sz="1800" dirty="0">
@@ -5977,7 +6231,7 @@
                 <a:latin typeface="新宋体" panose="02010609030101010101" pitchFamily="49" charset="-122"/>
                 <a:ea typeface="新宋体" panose="02010609030101010101" pitchFamily="49" charset="-122"/>
               </a:rPr>
-              <a:t>当前工作节点</a:t>
+              <a:t>树逻辑运算</a:t>
             </a:r>
             <a:endParaRPr lang="en-US" altLang="zh-CN" sz="1800" dirty="0">
               <a:solidFill>
@@ -5989,6 +6243,16 @@
           </a:p>
           <a:p>
             <a:r>
+              <a:rPr lang="en-US" altLang="zh-CN" sz="1800" dirty="0" err="1">
+                <a:solidFill>
+                  <a:srgbClr val="000000"/>
+                </a:solidFill>
+                <a:latin typeface="新宋体" panose="02010609030101010101" pitchFamily="49" charset="-122"/>
+                <a:ea typeface="新宋体" panose="02010609030101010101" pitchFamily="49" charset="-122"/>
+              </a:rPr>
+              <a:t>iam</a:t>
+            </a:r>
+            <a:r>
               <a:rPr lang="en-US" altLang="zh-CN" sz="1800" dirty="0">
                 <a:solidFill>
                   <a:srgbClr val="000000"/>
@@ -5996,7 +6260,7 @@
                 <a:latin typeface="新宋体" panose="02010609030101010101" pitchFamily="49" charset="-122"/>
                 <a:ea typeface="新宋体" panose="02010609030101010101" pitchFamily="49" charset="-122"/>
               </a:rPr>
-              <a:t>on		- </a:t>
+              <a:t>		- </a:t>
             </a:r>
             <a:r>
               <a:rPr lang="zh-CN" altLang="en-US" sz="1800" dirty="0">
@@ -6006,7 +6270,7 @@
                 <a:latin typeface="新宋体" panose="02010609030101010101" pitchFamily="49" charset="-122"/>
                 <a:ea typeface="新宋体" panose="02010609030101010101" pitchFamily="49" charset="-122"/>
               </a:rPr>
-              <a:t>当前工作属性</a:t>
+              <a:t>锁定当前节点</a:t>
             </a:r>
             <a:endParaRPr lang="zh-CN" altLang="en-US" dirty="0"/>
           </a:p>
@@ -6217,6 +6481,131 @@
     <p:extLst>
       <p:ext uri="{BB962C8B-B14F-4D97-AF65-F5344CB8AC3E}">
         <p14:creationId xmlns:p14="http://schemas.microsoft.com/office/powerpoint/2010/main" val="650461596"/>
+      </p:ext>
+    </p:extLst>
+  </p:cSld>
+  <p:clrMapOvr>
+    <a:masterClrMapping/>
+  </p:clrMapOvr>
+</p:sld>
+</file>
+
+<file path=ppt/slides/slide20.xml><?xml version="1.0" encoding="utf-8"?>
+<p:sld xmlns:a="http://schemas.openxmlformats.org/drawingml/2006/main" xmlns:r="http://schemas.openxmlformats.org/officeDocument/2006/relationships" xmlns:p="http://schemas.openxmlformats.org/presentationml/2006/main">
+  <p:cSld>
+    <p:spTree>
+      <p:nvGrpSpPr>
+        <p:cNvPr id="1" name=""/>
+        <p:cNvGrpSpPr/>
+        <p:nvPr/>
+      </p:nvGrpSpPr>
+      <p:grpSpPr>
+        <a:xfrm>
+          <a:off x="0" y="0"/>
+          <a:ext cx="0" cy="0"/>
+          <a:chOff x="0" y="0"/>
+          <a:chExt cx="0" cy="0"/>
+        </a:xfrm>
+      </p:grpSpPr>
+      <p:sp>
+        <p:nvSpPr>
+          <p:cNvPr id="2" name="标题 1">
+            <a:extLst>
+              <a:ext uri="{FF2B5EF4-FFF2-40B4-BE49-F238E27FC236}">
+                <a16:creationId xmlns:a16="http://schemas.microsoft.com/office/drawing/2014/main" id="{41B2E6DC-BFB7-D8A6-21DC-5F492E718373}"/>
+              </a:ext>
+            </a:extLst>
+          </p:cNvPr>
+          <p:cNvSpPr>
+            <a:spLocks noGrp="1"/>
+          </p:cNvSpPr>
+          <p:nvPr>
+            <p:ph type="title"/>
+          </p:nvPr>
+        </p:nvSpPr>
+        <p:spPr/>
+        <p:txBody>
+          <a:bodyPr/>
+          <a:lstStyle/>
+          <a:p>
+            <a:r>
+              <a:rPr lang="zh-CN" altLang="en-US" dirty="0"/>
+              <a:t>局限性与注意事项</a:t>
+            </a:r>
+          </a:p>
+        </p:txBody>
+      </p:sp>
+      <p:sp>
+        <p:nvSpPr>
+          <p:cNvPr id="3" name="内容占位符 2">
+            <a:extLst>
+              <a:ext uri="{FF2B5EF4-FFF2-40B4-BE49-F238E27FC236}">
+                <a16:creationId xmlns:a16="http://schemas.microsoft.com/office/drawing/2014/main" id="{2076ED51-B141-E7C6-98A9-E62042D1CB99}"/>
+              </a:ext>
+            </a:extLst>
+          </p:cNvPr>
+          <p:cNvSpPr>
+            <a:spLocks noGrp="1"/>
+          </p:cNvSpPr>
+          <p:nvPr>
+            <p:ph idx="1"/>
+          </p:nvPr>
+        </p:nvSpPr>
+        <p:spPr/>
+        <p:txBody>
+          <a:bodyPr/>
+          <a:lstStyle/>
+          <a:p>
+            <a:r>
+              <a:rPr lang="zh-CN" altLang="en-US" dirty="0"/>
+              <a:t>变量只有数字</a:t>
+            </a:r>
+            <a:r>
+              <a:rPr lang="en-US" altLang="zh-CN" dirty="0"/>
+              <a:t>,</a:t>
+            </a:r>
+            <a:r>
+              <a:rPr lang="zh-CN" altLang="en-US" dirty="0"/>
+              <a:t>分浮点</a:t>
+            </a:r>
+            <a:r>
+              <a:rPr lang="en-US" altLang="zh-CN" dirty="0"/>
+              <a:t>,</a:t>
+            </a:r>
+            <a:r>
+              <a:rPr lang="zh-CN" altLang="en-US" dirty="0"/>
+              <a:t>整数两种类型</a:t>
+            </a:r>
+            <a:endParaRPr lang="en-US" altLang="zh-CN" dirty="0"/>
+          </a:p>
+          <a:p>
+            <a:r>
+              <a:rPr lang="zh-CN" altLang="en-US" dirty="0"/>
+              <a:t>字符串不是变量，只能传递给</a:t>
+            </a:r>
+            <a:r>
+              <a:rPr lang="en-US" altLang="zh-CN" dirty="0"/>
+              <a:t>API</a:t>
+            </a:r>
+            <a:r>
+              <a:rPr lang="zh-CN" altLang="en-US" dirty="0"/>
+              <a:t>使用</a:t>
+            </a:r>
+            <a:endParaRPr lang="en-US" altLang="zh-CN" dirty="0"/>
+          </a:p>
+          <a:p>
+            <a:r>
+              <a:rPr lang="zh-CN" altLang="en-US" dirty="0"/>
+              <a:t>属性表达式不能嵌套使用</a:t>
+            </a:r>
+            <a:endParaRPr lang="en-US" altLang="zh-CN" dirty="0"/>
+          </a:p>
+        </p:txBody>
+      </p:sp>
+    </p:spTree>
+    <p:extLst>
+      <p:ext uri="{BB962C8B-B14F-4D97-AF65-F5344CB8AC3E}">
+        <p14:creationId xmlns:p14="http://schemas.microsoft.com/office/powerpoint/2010/main" val="2760990460"/>
       </p:ext>
     </p:extLst>
   </p:cSld>

--- a/PHG语法手册.pptx
+++ b/PHG语法手册.pptx
@@ -7,11 +7,11 @@
   <p:sldIdLst>
     <p:sldId id="256" r:id="rId2"/>
     <p:sldId id="257" r:id="rId3"/>
-    <p:sldId id="258" r:id="rId4"/>
-    <p:sldId id="289" r:id="rId5"/>
-    <p:sldId id="287" r:id="rId6"/>
-    <p:sldId id="288" r:id="rId7"/>
-    <p:sldId id="290" r:id="rId8"/>
+    <p:sldId id="289" r:id="rId4"/>
+    <p:sldId id="287" r:id="rId5"/>
+    <p:sldId id="288" r:id="rId6"/>
+    <p:sldId id="290" r:id="rId7"/>
+    <p:sldId id="258" r:id="rId8"/>
     <p:sldId id="286" r:id="rId9"/>
     <p:sldId id="293" r:id="rId10"/>
     <p:sldId id="294" r:id="rId11"/>
@@ -20,11 +20,9 @@
     <p:sldId id="296" r:id="rId14"/>
     <p:sldId id="297" r:id="rId15"/>
     <p:sldId id="298" r:id="rId16"/>
-    <p:sldId id="285" r:id="rId17"/>
-    <p:sldId id="282" r:id="rId18"/>
-    <p:sldId id="291" r:id="rId19"/>
-    <p:sldId id="292" r:id="rId20"/>
-    <p:sldId id="299" r:id="rId21"/>
+    <p:sldId id="291" r:id="rId17"/>
+    <p:sldId id="292" r:id="rId18"/>
+    <p:sldId id="299" r:id="rId19"/>
   </p:sldIdLst>
   <p:sldSz cx="12192000" cy="6858000"/>
   <p:notesSz cx="6858000" cy="9144000"/>
@@ -290,7 +288,7 @@
           <a:p>
             <a:fld id="{F5A39F03-C3F8-4711-8682-F778EBC31EC3}" type="datetimeFigureOut">
               <a:rPr lang="zh-CN" altLang="en-US" smtClean="0"/>
-              <a:t>2022/5/24</a:t>
+              <a:t>2022/5/25</a:t>
             </a:fld>
             <a:endParaRPr lang="zh-CN" altLang="en-US"/>
           </a:p>
@@ -488,7 +486,7 @@
           <a:p>
             <a:fld id="{F5A39F03-C3F8-4711-8682-F778EBC31EC3}" type="datetimeFigureOut">
               <a:rPr lang="zh-CN" altLang="en-US" smtClean="0"/>
-              <a:t>2022/5/24</a:t>
+              <a:t>2022/5/25</a:t>
             </a:fld>
             <a:endParaRPr lang="zh-CN" altLang="en-US"/>
           </a:p>
@@ -696,7 +694,7 @@
           <a:p>
             <a:fld id="{F5A39F03-C3F8-4711-8682-F778EBC31EC3}" type="datetimeFigureOut">
               <a:rPr lang="zh-CN" altLang="en-US" smtClean="0"/>
-              <a:t>2022/5/24</a:t>
+              <a:t>2022/5/25</a:t>
             </a:fld>
             <a:endParaRPr lang="zh-CN" altLang="en-US"/>
           </a:p>
@@ -894,7 +892,7 @@
           <a:p>
             <a:fld id="{F5A39F03-C3F8-4711-8682-F778EBC31EC3}" type="datetimeFigureOut">
               <a:rPr lang="zh-CN" altLang="en-US" smtClean="0"/>
-              <a:t>2022/5/24</a:t>
+              <a:t>2022/5/25</a:t>
             </a:fld>
             <a:endParaRPr lang="zh-CN" altLang="en-US"/>
           </a:p>
@@ -1169,7 +1167,7 @@
           <a:p>
             <a:fld id="{F5A39F03-C3F8-4711-8682-F778EBC31EC3}" type="datetimeFigureOut">
               <a:rPr lang="zh-CN" altLang="en-US" smtClean="0"/>
-              <a:t>2022/5/24</a:t>
+              <a:t>2022/5/25</a:t>
             </a:fld>
             <a:endParaRPr lang="zh-CN" altLang="en-US"/>
           </a:p>
@@ -1434,7 +1432,7 @@
           <a:p>
             <a:fld id="{F5A39F03-C3F8-4711-8682-F778EBC31EC3}" type="datetimeFigureOut">
               <a:rPr lang="zh-CN" altLang="en-US" smtClean="0"/>
-              <a:t>2022/5/24</a:t>
+              <a:t>2022/5/25</a:t>
             </a:fld>
             <a:endParaRPr lang="zh-CN" altLang="en-US"/>
           </a:p>
@@ -1846,7 +1844,7 @@
           <a:p>
             <a:fld id="{F5A39F03-C3F8-4711-8682-F778EBC31EC3}" type="datetimeFigureOut">
               <a:rPr lang="zh-CN" altLang="en-US" smtClean="0"/>
-              <a:t>2022/5/24</a:t>
+              <a:t>2022/5/25</a:t>
             </a:fld>
             <a:endParaRPr lang="zh-CN" altLang="en-US"/>
           </a:p>
@@ -1987,7 +1985,7 @@
           <a:p>
             <a:fld id="{F5A39F03-C3F8-4711-8682-F778EBC31EC3}" type="datetimeFigureOut">
               <a:rPr lang="zh-CN" altLang="en-US" smtClean="0"/>
-              <a:t>2022/5/24</a:t>
+              <a:t>2022/5/25</a:t>
             </a:fld>
             <a:endParaRPr lang="zh-CN" altLang="en-US"/>
           </a:p>
@@ -2100,7 +2098,7 @@
           <a:p>
             <a:fld id="{F5A39F03-C3F8-4711-8682-F778EBC31EC3}" type="datetimeFigureOut">
               <a:rPr lang="zh-CN" altLang="en-US" smtClean="0"/>
-              <a:t>2022/5/24</a:t>
+              <a:t>2022/5/25</a:t>
             </a:fld>
             <a:endParaRPr lang="zh-CN" altLang="en-US"/>
           </a:p>
@@ -2411,7 +2409,7 @@
           <a:p>
             <a:fld id="{F5A39F03-C3F8-4711-8682-F778EBC31EC3}" type="datetimeFigureOut">
               <a:rPr lang="zh-CN" altLang="en-US" smtClean="0"/>
-              <a:t>2022/5/24</a:t>
+              <a:t>2022/5/25</a:t>
             </a:fld>
             <a:endParaRPr lang="zh-CN" altLang="en-US"/>
           </a:p>
@@ -2699,7 +2697,7 @@
           <a:p>
             <a:fld id="{F5A39F03-C3F8-4711-8682-F778EBC31EC3}" type="datetimeFigureOut">
               <a:rPr lang="zh-CN" altLang="en-US" smtClean="0"/>
-              <a:t>2022/5/24</a:t>
+              <a:t>2022/5/25</a:t>
             </a:fld>
             <a:endParaRPr lang="zh-CN" altLang="en-US"/>
           </a:p>
@@ -2940,7 +2938,7 @@
           <a:p>
             <a:fld id="{F5A39F03-C3F8-4711-8682-F778EBC31EC3}" type="datetimeFigureOut">
               <a:rPr lang="zh-CN" altLang="en-US" smtClean="0"/>
-              <a:t>2022/5/24</a:t>
+              <a:t>2022/5/25</a:t>
             </a:fld>
             <a:endParaRPr lang="zh-CN" altLang="en-US"/>
           </a:p>
@@ -4498,7 +4496,7 @@
           <a:p>
             <a:r>
               <a:rPr lang="zh-CN" altLang="en-US" dirty="0"/>
-              <a:t>树运算逻辑语法</a:t>
+              <a:t>树节点运算语法</a:t>
             </a:r>
           </a:p>
         </p:txBody>
@@ -4641,336 +4639,6 @@
 </file>
 
 <file path=ppt/slides/slide16.xml><?xml version="1.0" encoding="utf-8"?>
-<p:sld xmlns:a="http://schemas.openxmlformats.org/drawingml/2006/main" xmlns:r="http://schemas.openxmlformats.org/officeDocument/2006/relationships" xmlns:p="http://schemas.openxmlformats.org/presentationml/2006/main">
-  <p:cSld>
-    <p:spTree>
-      <p:nvGrpSpPr>
-        <p:cNvPr id="1" name=""/>
-        <p:cNvGrpSpPr/>
-        <p:nvPr/>
-      </p:nvGrpSpPr>
-      <p:grpSpPr>
-        <a:xfrm>
-          <a:off x="0" y="0"/>
-          <a:ext cx="0" cy="0"/>
-          <a:chOff x="0" y="0"/>
-          <a:chExt cx="0" cy="0"/>
-        </a:xfrm>
-      </p:grpSpPr>
-      <p:sp>
-        <p:nvSpPr>
-          <p:cNvPr id="2" name="标题 1">
-            <a:extLst>
-              <a:ext uri="{FF2B5EF4-FFF2-40B4-BE49-F238E27FC236}">
-                <a16:creationId xmlns:a16="http://schemas.microsoft.com/office/drawing/2014/main" id="{F993270C-3898-4D22-B278-074A8B891669}"/>
-              </a:ext>
-            </a:extLst>
-          </p:cNvPr>
-          <p:cNvSpPr>
-            <a:spLocks noGrp="1"/>
-          </p:cNvSpPr>
-          <p:nvPr>
-            <p:ph type="title"/>
-          </p:nvPr>
-        </p:nvSpPr>
-        <p:spPr/>
-        <p:txBody>
-          <a:bodyPr/>
-          <a:lstStyle/>
-          <a:p>
-            <a:r>
-              <a:rPr lang="zh-CN" altLang="en-US" dirty="0"/>
-              <a:t>扩展</a:t>
-            </a:r>
-            <a:r>
-              <a:rPr lang="en-US" altLang="zh-CN" dirty="0"/>
-              <a:t>-</a:t>
-            </a:r>
-            <a:r>
-              <a:rPr lang="zh-CN" altLang="en-US" dirty="0"/>
-              <a:t>加法树</a:t>
-            </a:r>
-          </a:p>
-        </p:txBody>
-      </p:sp>
-      <p:sp>
-        <p:nvSpPr>
-          <p:cNvPr id="10" name="文本框 9">
-            <a:extLst>
-              <a:ext uri="{FF2B5EF4-FFF2-40B4-BE49-F238E27FC236}">
-                <a16:creationId xmlns:a16="http://schemas.microsoft.com/office/drawing/2014/main" id="{C8E190C4-432E-4254-92CD-9A5F4632D6A0}"/>
-              </a:ext>
-            </a:extLst>
-          </p:cNvPr>
-          <p:cNvSpPr txBox="1"/>
-          <p:nvPr/>
-        </p:nvSpPr>
-        <p:spPr>
-          <a:xfrm>
-            <a:off x="838200" y="2016165"/>
-            <a:ext cx="4068660" cy="1200329"/>
-          </a:xfrm>
-          <a:prstGeom prst="rect">
-            <a:avLst/>
-          </a:prstGeom>
-          <a:noFill/>
-        </p:spPr>
-        <p:txBody>
-          <a:bodyPr wrap="square" rtlCol="0">
-            <a:spAutoFit/>
-          </a:bodyPr>
-          <a:lstStyle/>
-          <a:p>
-            <a:r>
-              <a:rPr lang="zh-CN" altLang="en-US" dirty="0"/>
-              <a:t>加法规则可以用树状结构来表述</a:t>
-            </a:r>
-            <a:r>
-              <a:rPr lang="en-US" altLang="zh-CN" dirty="0"/>
-              <a:t>:</a:t>
-            </a:r>
-          </a:p>
-          <a:p>
-            <a:r>
-              <a:rPr lang="zh-CN" altLang="en-US" dirty="0"/>
-              <a:t>比如</a:t>
-            </a:r>
-            <a:r>
-              <a:rPr lang="en-US" altLang="zh-CN" dirty="0" err="1"/>
-              <a:t>a+b</a:t>
-            </a:r>
-            <a:r>
-              <a:rPr lang="en-US" altLang="zh-CN" dirty="0"/>
-              <a:t>=c</a:t>
-            </a:r>
-          </a:p>
-          <a:p>
-            <a:r>
-              <a:rPr lang="en-US" altLang="zh-CN" dirty="0"/>
-              <a:t>a, b</a:t>
-            </a:r>
-            <a:r>
-              <a:rPr lang="zh-CN" altLang="en-US" dirty="0"/>
-              <a:t>上附着某种特性，</a:t>
-            </a:r>
-            <a:r>
-              <a:rPr lang="en-US" altLang="zh-CN" dirty="0"/>
-              <a:t>c</a:t>
-            </a:r>
-            <a:r>
-              <a:rPr lang="zh-CN" altLang="en-US" dirty="0"/>
-              <a:t>上拥有</a:t>
-            </a:r>
-            <a:r>
-              <a:rPr lang="en-US" altLang="zh-CN" dirty="0"/>
-              <a:t>ab</a:t>
-            </a:r>
-            <a:r>
-              <a:rPr lang="zh-CN" altLang="en-US" dirty="0"/>
-              <a:t>的特性之和</a:t>
-            </a:r>
-          </a:p>
-        </p:txBody>
-      </p:sp>
-      <p:pic>
-        <p:nvPicPr>
-          <p:cNvPr id="14" name="图片 13">
-            <a:extLst>
-              <a:ext uri="{FF2B5EF4-FFF2-40B4-BE49-F238E27FC236}">
-                <a16:creationId xmlns:a16="http://schemas.microsoft.com/office/drawing/2014/main" id="{652219EB-F7F3-48EA-8D42-EFB612C8D584}"/>
-              </a:ext>
-            </a:extLst>
-          </p:cNvPr>
-          <p:cNvPicPr>
-            <a:picLocks noChangeAspect="1"/>
-          </p:cNvPicPr>
-          <p:nvPr/>
-        </p:nvPicPr>
-        <p:blipFill>
-          <a:blip r:embed="rId2"/>
-          <a:stretch>
-            <a:fillRect/>
-          </a:stretch>
-        </p:blipFill>
-        <p:spPr>
-          <a:xfrm>
-            <a:off x="5477530" y="1866900"/>
-            <a:ext cx="3267075" cy="3124200"/>
-          </a:xfrm>
-          <a:prstGeom prst="rect">
-            <a:avLst/>
-          </a:prstGeom>
-        </p:spPr>
-      </p:pic>
-    </p:spTree>
-    <p:extLst>
-      <p:ext uri="{BB962C8B-B14F-4D97-AF65-F5344CB8AC3E}">
-        <p14:creationId xmlns:p14="http://schemas.microsoft.com/office/powerpoint/2010/main" val="1901969773"/>
-      </p:ext>
-    </p:extLst>
-  </p:cSld>
-  <p:clrMapOvr>
-    <a:masterClrMapping/>
-  </p:clrMapOvr>
-</p:sld>
-</file>
-
-<file path=ppt/slides/slide17.xml><?xml version="1.0" encoding="utf-8"?>
-<p:sld xmlns:a="http://schemas.openxmlformats.org/drawingml/2006/main" xmlns:r="http://schemas.openxmlformats.org/officeDocument/2006/relationships" xmlns:p="http://schemas.openxmlformats.org/presentationml/2006/main">
-  <p:cSld>
-    <p:spTree>
-      <p:nvGrpSpPr>
-        <p:cNvPr id="1" name=""/>
-        <p:cNvGrpSpPr/>
-        <p:nvPr/>
-      </p:nvGrpSpPr>
-      <p:grpSpPr>
-        <a:xfrm>
-          <a:off x="0" y="0"/>
-          <a:ext cx="0" cy="0"/>
-          <a:chOff x="0" y="0"/>
-          <a:chExt cx="0" cy="0"/>
-        </a:xfrm>
-      </p:grpSpPr>
-      <p:sp>
-        <p:nvSpPr>
-          <p:cNvPr id="2" name="标题 1">
-            <a:extLst>
-              <a:ext uri="{FF2B5EF4-FFF2-40B4-BE49-F238E27FC236}">
-                <a16:creationId xmlns:a16="http://schemas.microsoft.com/office/drawing/2014/main" id="{3330C01E-DE25-4241-8706-C5451BD05E08}"/>
-              </a:ext>
-            </a:extLst>
-          </p:cNvPr>
-          <p:cNvSpPr>
-            <a:spLocks noGrp="1"/>
-          </p:cNvSpPr>
-          <p:nvPr>
-            <p:ph type="title"/>
-          </p:nvPr>
-        </p:nvSpPr>
-        <p:spPr/>
-        <p:txBody>
-          <a:bodyPr/>
-          <a:lstStyle/>
-          <a:p>
-            <a:r>
-              <a:rPr lang="zh-CN" altLang="en-US" dirty="0"/>
-              <a:t>扩展</a:t>
-            </a:r>
-            <a:r>
-              <a:rPr lang="en-US" altLang="zh-CN" dirty="0"/>
-              <a:t>-</a:t>
-            </a:r>
-            <a:r>
-              <a:rPr lang="zh-CN" altLang="en-US" dirty="0"/>
-              <a:t>多态的随机选择</a:t>
-            </a:r>
-          </a:p>
-        </p:txBody>
-      </p:sp>
-      <p:sp>
-        <p:nvSpPr>
-          <p:cNvPr id="3" name="内容占位符 2">
-            <a:extLst>
-              <a:ext uri="{FF2B5EF4-FFF2-40B4-BE49-F238E27FC236}">
-                <a16:creationId xmlns:a16="http://schemas.microsoft.com/office/drawing/2014/main" id="{58B902DC-BF12-4148-B881-5AFBAC823F3E}"/>
-              </a:ext>
-            </a:extLst>
-          </p:cNvPr>
-          <p:cNvSpPr>
-            <a:spLocks noGrp="1"/>
-          </p:cNvSpPr>
-          <p:nvPr>
-            <p:ph idx="1"/>
-          </p:nvPr>
-        </p:nvSpPr>
-        <p:spPr/>
-        <p:txBody>
-          <a:bodyPr/>
-          <a:lstStyle/>
-          <a:p>
-            <a:r>
-              <a:rPr lang="zh-CN" altLang="en-US" dirty="0"/>
-              <a:t>搬运一些物理学的概念</a:t>
-            </a:r>
-            <a:endParaRPr lang="en-US" altLang="zh-CN" dirty="0"/>
-          </a:p>
-          <a:p>
-            <a:r>
-              <a:rPr lang="zh-CN" altLang="en-US" dirty="0"/>
-              <a:t>选择子格式</a:t>
-            </a:r>
-            <a:r>
-              <a:rPr lang="en-US" altLang="zh-CN" dirty="0"/>
-              <a:t>: ?1/M[</a:t>
-            </a:r>
-            <a:r>
-              <a:rPr lang="en-US" altLang="zh-CN" dirty="0" err="1"/>
-              <a:t>a,b,c,d</a:t>
-            </a:r>
-            <a:r>
-              <a:rPr lang="en-US" altLang="zh-CN" dirty="0"/>
-              <a:t>]</a:t>
-            </a:r>
-          </a:p>
-          <a:p>
-            <a:r>
-              <a:rPr lang="zh-CN" altLang="en-US" dirty="0"/>
-              <a:t>在多个可能的状态中选择</a:t>
-            </a:r>
-          </a:p>
-          <a:p>
-            <a:endParaRPr lang="en-US" altLang="zh-CN" dirty="0"/>
-          </a:p>
-          <a:p>
-            <a:endParaRPr lang="zh-CN" altLang="en-US" dirty="0"/>
-          </a:p>
-        </p:txBody>
-      </p:sp>
-      <p:pic>
-        <p:nvPicPr>
-          <p:cNvPr id="5" name="图片 4">
-            <a:extLst>
-              <a:ext uri="{FF2B5EF4-FFF2-40B4-BE49-F238E27FC236}">
-                <a16:creationId xmlns:a16="http://schemas.microsoft.com/office/drawing/2014/main" id="{E5CB9DAF-2E16-4533-AD02-F73FA6FE4516}"/>
-              </a:ext>
-            </a:extLst>
-          </p:cNvPr>
-          <p:cNvPicPr>
-            <a:picLocks noChangeAspect="1"/>
-          </p:cNvPicPr>
-          <p:nvPr/>
-        </p:nvPicPr>
-        <p:blipFill>
-          <a:blip r:embed="rId2"/>
-          <a:stretch>
-            <a:fillRect/>
-          </a:stretch>
-        </p:blipFill>
-        <p:spPr>
-          <a:xfrm>
-            <a:off x="5343788" y="1961740"/>
-            <a:ext cx="4769447" cy="4215223"/>
-          </a:xfrm>
-          <a:prstGeom prst="rect">
-            <a:avLst/>
-          </a:prstGeom>
-        </p:spPr>
-      </p:pic>
-    </p:spTree>
-    <p:extLst>
-      <p:ext uri="{BB962C8B-B14F-4D97-AF65-F5344CB8AC3E}">
-        <p14:creationId xmlns:p14="http://schemas.microsoft.com/office/powerpoint/2010/main" val="4003735991"/>
-      </p:ext>
-    </p:extLst>
-  </p:cSld>
-  <p:clrMapOvr>
-    <a:masterClrMapping/>
-  </p:clrMapOvr>
-</p:sld>
-</file>
-
-<file path=ppt/slides/slide18.xml><?xml version="1.0" encoding="utf-8"?>
 <p:sld xmlns:a="http://schemas.openxmlformats.org/drawingml/2006/main" xmlns:r="http://schemas.openxmlformats.org/officeDocument/2006/relationships" xmlns:p="http://schemas.openxmlformats.org/presentationml/2006/main">
   <p:cSld>
     <p:spTree>
@@ -5861,7 +5529,7 @@
 </p:sld>
 </file>
 
-<file path=ppt/slides/slide19.xml><?xml version="1.0" encoding="utf-8"?>
+<file path=ppt/slides/slide17.xml><?xml version="1.0" encoding="utf-8"?>
 <p:sld xmlns:a="http://schemas.openxmlformats.org/drawingml/2006/main" xmlns:r="http://schemas.openxmlformats.org/officeDocument/2006/relationships" xmlns:p="http://schemas.openxmlformats.org/presentationml/2006/main">
   <p:cSld>
     <p:spTree>
@@ -6280,6 +5948,131 @@
     <p:extLst>
       <p:ext uri="{BB962C8B-B14F-4D97-AF65-F5344CB8AC3E}">
         <p14:creationId xmlns:p14="http://schemas.microsoft.com/office/powerpoint/2010/main" val="360990132"/>
+      </p:ext>
+    </p:extLst>
+  </p:cSld>
+  <p:clrMapOvr>
+    <a:masterClrMapping/>
+  </p:clrMapOvr>
+</p:sld>
+</file>
+
+<file path=ppt/slides/slide18.xml><?xml version="1.0" encoding="utf-8"?>
+<p:sld xmlns:a="http://schemas.openxmlformats.org/drawingml/2006/main" xmlns:r="http://schemas.openxmlformats.org/officeDocument/2006/relationships" xmlns:p="http://schemas.openxmlformats.org/presentationml/2006/main">
+  <p:cSld>
+    <p:spTree>
+      <p:nvGrpSpPr>
+        <p:cNvPr id="1" name=""/>
+        <p:cNvGrpSpPr/>
+        <p:nvPr/>
+      </p:nvGrpSpPr>
+      <p:grpSpPr>
+        <a:xfrm>
+          <a:off x="0" y="0"/>
+          <a:ext cx="0" cy="0"/>
+          <a:chOff x="0" y="0"/>
+          <a:chExt cx="0" cy="0"/>
+        </a:xfrm>
+      </p:grpSpPr>
+      <p:sp>
+        <p:nvSpPr>
+          <p:cNvPr id="2" name="标题 1">
+            <a:extLst>
+              <a:ext uri="{FF2B5EF4-FFF2-40B4-BE49-F238E27FC236}">
+                <a16:creationId xmlns:a16="http://schemas.microsoft.com/office/drawing/2014/main" id="{41B2E6DC-BFB7-D8A6-21DC-5F492E718373}"/>
+              </a:ext>
+            </a:extLst>
+          </p:cNvPr>
+          <p:cNvSpPr>
+            <a:spLocks noGrp="1"/>
+          </p:cNvSpPr>
+          <p:nvPr>
+            <p:ph type="title"/>
+          </p:nvPr>
+        </p:nvSpPr>
+        <p:spPr/>
+        <p:txBody>
+          <a:bodyPr/>
+          <a:lstStyle/>
+          <a:p>
+            <a:r>
+              <a:rPr lang="zh-CN" altLang="en-US" dirty="0"/>
+              <a:t>局限性与注意事项</a:t>
+            </a:r>
+          </a:p>
+        </p:txBody>
+      </p:sp>
+      <p:sp>
+        <p:nvSpPr>
+          <p:cNvPr id="3" name="内容占位符 2">
+            <a:extLst>
+              <a:ext uri="{FF2B5EF4-FFF2-40B4-BE49-F238E27FC236}">
+                <a16:creationId xmlns:a16="http://schemas.microsoft.com/office/drawing/2014/main" id="{2076ED51-B141-E7C6-98A9-E62042D1CB99}"/>
+              </a:ext>
+            </a:extLst>
+          </p:cNvPr>
+          <p:cNvSpPr>
+            <a:spLocks noGrp="1"/>
+          </p:cNvSpPr>
+          <p:nvPr>
+            <p:ph idx="1"/>
+          </p:nvPr>
+        </p:nvSpPr>
+        <p:spPr/>
+        <p:txBody>
+          <a:bodyPr/>
+          <a:lstStyle/>
+          <a:p>
+            <a:r>
+              <a:rPr lang="zh-CN" altLang="en-US" dirty="0"/>
+              <a:t>变量只有数字</a:t>
+            </a:r>
+            <a:r>
+              <a:rPr lang="en-US" altLang="zh-CN" dirty="0"/>
+              <a:t>,</a:t>
+            </a:r>
+            <a:r>
+              <a:rPr lang="zh-CN" altLang="en-US" dirty="0"/>
+              <a:t>分浮点</a:t>
+            </a:r>
+            <a:r>
+              <a:rPr lang="en-US" altLang="zh-CN" dirty="0"/>
+              <a:t>,</a:t>
+            </a:r>
+            <a:r>
+              <a:rPr lang="zh-CN" altLang="en-US" dirty="0"/>
+              <a:t>整数两种类型</a:t>
+            </a:r>
+            <a:endParaRPr lang="en-US" altLang="zh-CN" dirty="0"/>
+          </a:p>
+          <a:p>
+            <a:r>
+              <a:rPr lang="zh-CN" altLang="en-US" dirty="0"/>
+              <a:t>字符串不是变量，只能传递给</a:t>
+            </a:r>
+            <a:r>
+              <a:rPr lang="en-US" altLang="zh-CN" dirty="0"/>
+              <a:t>API</a:t>
+            </a:r>
+            <a:r>
+              <a:rPr lang="zh-CN" altLang="en-US" dirty="0"/>
+              <a:t>使用</a:t>
+            </a:r>
+            <a:endParaRPr lang="en-US" altLang="zh-CN" dirty="0"/>
+          </a:p>
+          <a:p>
+            <a:r>
+              <a:rPr lang="zh-CN" altLang="en-US" dirty="0"/>
+              <a:t>属性表达式不能嵌套使用</a:t>
+            </a:r>
+            <a:endParaRPr lang="en-US" altLang="zh-CN" dirty="0"/>
+          </a:p>
+        </p:txBody>
+      </p:sp>
+    </p:spTree>
+    <p:extLst>
+      <p:ext uri="{BB962C8B-B14F-4D97-AF65-F5344CB8AC3E}">
+        <p14:creationId xmlns:p14="http://schemas.microsoft.com/office/powerpoint/2010/main" val="2760990460"/>
       </p:ext>
     </p:extLst>
   </p:cSld>
@@ -6490,131 +6283,6 @@
 </p:sld>
 </file>
 
-<file path=ppt/slides/slide20.xml><?xml version="1.0" encoding="utf-8"?>
-<p:sld xmlns:a="http://schemas.openxmlformats.org/drawingml/2006/main" xmlns:r="http://schemas.openxmlformats.org/officeDocument/2006/relationships" xmlns:p="http://schemas.openxmlformats.org/presentationml/2006/main">
-  <p:cSld>
-    <p:spTree>
-      <p:nvGrpSpPr>
-        <p:cNvPr id="1" name=""/>
-        <p:cNvGrpSpPr/>
-        <p:nvPr/>
-      </p:nvGrpSpPr>
-      <p:grpSpPr>
-        <a:xfrm>
-          <a:off x="0" y="0"/>
-          <a:ext cx="0" cy="0"/>
-          <a:chOff x="0" y="0"/>
-          <a:chExt cx="0" cy="0"/>
-        </a:xfrm>
-      </p:grpSpPr>
-      <p:sp>
-        <p:nvSpPr>
-          <p:cNvPr id="2" name="标题 1">
-            <a:extLst>
-              <a:ext uri="{FF2B5EF4-FFF2-40B4-BE49-F238E27FC236}">
-                <a16:creationId xmlns:a16="http://schemas.microsoft.com/office/drawing/2014/main" id="{41B2E6DC-BFB7-D8A6-21DC-5F492E718373}"/>
-              </a:ext>
-            </a:extLst>
-          </p:cNvPr>
-          <p:cNvSpPr>
-            <a:spLocks noGrp="1"/>
-          </p:cNvSpPr>
-          <p:nvPr>
-            <p:ph type="title"/>
-          </p:nvPr>
-        </p:nvSpPr>
-        <p:spPr/>
-        <p:txBody>
-          <a:bodyPr/>
-          <a:lstStyle/>
-          <a:p>
-            <a:r>
-              <a:rPr lang="zh-CN" altLang="en-US" dirty="0"/>
-              <a:t>局限性与注意事项</a:t>
-            </a:r>
-          </a:p>
-        </p:txBody>
-      </p:sp>
-      <p:sp>
-        <p:nvSpPr>
-          <p:cNvPr id="3" name="内容占位符 2">
-            <a:extLst>
-              <a:ext uri="{FF2B5EF4-FFF2-40B4-BE49-F238E27FC236}">
-                <a16:creationId xmlns:a16="http://schemas.microsoft.com/office/drawing/2014/main" id="{2076ED51-B141-E7C6-98A9-E62042D1CB99}"/>
-              </a:ext>
-            </a:extLst>
-          </p:cNvPr>
-          <p:cNvSpPr>
-            <a:spLocks noGrp="1"/>
-          </p:cNvSpPr>
-          <p:nvPr>
-            <p:ph idx="1"/>
-          </p:nvPr>
-        </p:nvSpPr>
-        <p:spPr/>
-        <p:txBody>
-          <a:bodyPr/>
-          <a:lstStyle/>
-          <a:p>
-            <a:r>
-              <a:rPr lang="zh-CN" altLang="en-US" dirty="0"/>
-              <a:t>变量只有数字</a:t>
-            </a:r>
-            <a:r>
-              <a:rPr lang="en-US" altLang="zh-CN" dirty="0"/>
-              <a:t>,</a:t>
-            </a:r>
-            <a:r>
-              <a:rPr lang="zh-CN" altLang="en-US" dirty="0"/>
-              <a:t>分浮点</a:t>
-            </a:r>
-            <a:r>
-              <a:rPr lang="en-US" altLang="zh-CN" dirty="0"/>
-              <a:t>,</a:t>
-            </a:r>
-            <a:r>
-              <a:rPr lang="zh-CN" altLang="en-US" dirty="0"/>
-              <a:t>整数两种类型</a:t>
-            </a:r>
-            <a:endParaRPr lang="en-US" altLang="zh-CN" dirty="0"/>
-          </a:p>
-          <a:p>
-            <a:r>
-              <a:rPr lang="zh-CN" altLang="en-US" dirty="0"/>
-              <a:t>字符串不是变量，只能传递给</a:t>
-            </a:r>
-            <a:r>
-              <a:rPr lang="en-US" altLang="zh-CN" dirty="0"/>
-              <a:t>API</a:t>
-            </a:r>
-            <a:r>
-              <a:rPr lang="zh-CN" altLang="en-US" dirty="0"/>
-              <a:t>使用</a:t>
-            </a:r>
-            <a:endParaRPr lang="en-US" altLang="zh-CN" dirty="0"/>
-          </a:p>
-          <a:p>
-            <a:r>
-              <a:rPr lang="zh-CN" altLang="en-US" dirty="0"/>
-              <a:t>属性表达式不能嵌套使用</a:t>
-            </a:r>
-            <a:endParaRPr lang="en-US" altLang="zh-CN" dirty="0"/>
-          </a:p>
-        </p:txBody>
-      </p:sp>
-    </p:spTree>
-    <p:extLst>
-      <p:ext uri="{BB962C8B-B14F-4D97-AF65-F5344CB8AC3E}">
-        <p14:creationId xmlns:p14="http://schemas.microsoft.com/office/powerpoint/2010/main" val="2760990460"/>
-      </p:ext>
-    </p:extLst>
-  </p:cSld>
-  <p:clrMapOvr>
-    <a:masterClrMapping/>
-  </p:clrMapOvr>
-</p:sld>
-</file>
-
 <file path=ppt/slides/slide3.xml><?xml version="1.0" encoding="utf-8"?>
 <p:sld xmlns:a="http://schemas.openxmlformats.org/drawingml/2006/main" xmlns:r="http://schemas.openxmlformats.org/officeDocument/2006/relationships" xmlns:p="http://schemas.openxmlformats.org/presentationml/2006/main">
   <p:cSld>
@@ -6637,7 +6305,7 @@
           <p:cNvPr id="2" name="标题 1">
             <a:extLst>
               <a:ext uri="{FF2B5EF4-FFF2-40B4-BE49-F238E27FC236}">
-                <a16:creationId xmlns:a16="http://schemas.microsoft.com/office/drawing/2014/main" id="{46D92447-E272-3EAA-D5B4-7EF31C22002E}"/>
+                <a16:creationId xmlns:a16="http://schemas.microsoft.com/office/drawing/2014/main" id="{DFAF223A-8224-5D94-7057-AC8A914E77AB}"/>
               </a:ext>
             </a:extLst>
           </p:cNvPr>
@@ -6655,7 +6323,15 @@
           <a:p>
             <a:r>
               <a:rPr lang="zh-CN" altLang="en-US" dirty="0"/>
-              <a:t>基本概念</a:t>
+              <a:t>基本语法 </a:t>
+            </a:r>
+            <a:r>
+              <a:rPr lang="en-US" altLang="zh-CN" dirty="0"/>
+              <a:t>- </a:t>
+            </a:r>
+            <a:r>
+              <a:rPr lang="zh-CN" altLang="en-US" dirty="0"/>
+              <a:t>符号</a:t>
             </a:r>
           </a:p>
         </p:txBody>
@@ -6665,7 +6341,7 @@
           <p:cNvPr id="3" name="内容占位符 2">
             <a:extLst>
               <a:ext uri="{FF2B5EF4-FFF2-40B4-BE49-F238E27FC236}">
-                <a16:creationId xmlns:a16="http://schemas.microsoft.com/office/drawing/2014/main" id="{AB38FE52-5569-12E5-F590-21498AC8F668}"/>
+                <a16:creationId xmlns:a16="http://schemas.microsoft.com/office/drawing/2014/main" id="{A35B58BD-6A36-B670-028A-23EDE1EB94D2}"/>
               </a:ext>
             </a:extLst>
           </p:cNvPr>
@@ -6682,126 +6358,93 @@
           <a:lstStyle/>
           <a:p>
             <a:r>
-              <a:rPr lang="zh-CN" altLang="en-US" dirty="0"/>
-              <a:t>定义</a:t>
-            </a:r>
-            <a:r>
-              <a:rPr lang="en-US" altLang="zh-CN" dirty="0"/>
-              <a:t>a{ }, </a:t>
-            </a:r>
-            <a:r>
-              <a:rPr lang="zh-CN" altLang="en-US" dirty="0"/>
-              <a:t>定义一个节点</a:t>
-            </a:r>
-            <a:r>
-              <a:rPr lang="en-US" altLang="zh-CN" dirty="0"/>
-              <a:t>a</a:t>
-            </a:r>
-          </a:p>
-          <a:p>
-            <a:r>
-              <a:rPr lang="zh-CN" altLang="en-US" dirty="0"/>
-              <a:t>属性 </a:t>
-            </a:r>
-            <a:r>
-              <a:rPr lang="en-US" altLang="zh-CN" dirty="0"/>
-              <a:t>property : value; </a:t>
-            </a:r>
-          </a:p>
-          <a:p>
-            <a:r>
-              <a:rPr lang="zh-CN" altLang="en-US" dirty="0"/>
-              <a:t>特性 </a:t>
-            </a:r>
-            <a:r>
-              <a:rPr lang="en-US" altLang="zh-CN" dirty="0"/>
-              <a:t>attribute = value; </a:t>
-            </a:r>
-          </a:p>
-          <a:p>
-            <a:r>
-              <a:rPr lang="zh-CN" altLang="en-US" dirty="0"/>
-              <a:t>继承</a:t>
-            </a:r>
-            <a:r>
-              <a:rPr lang="en-US" altLang="zh-CN" dirty="0"/>
-              <a:t>{a}</a:t>
-            </a:r>
-            <a:r>
-              <a:rPr lang="zh-CN" altLang="en-US" dirty="0"/>
-              <a:t>，从已存在的节点上继承属性，但不继承特性</a:t>
+              <a:rPr lang="en-US" altLang="zh-CN" dirty="0"/>
+              <a:t>#</a:t>
+            </a:r>
+            <a:r>
+              <a:rPr lang="zh-CN" altLang="en-US" dirty="0"/>
+              <a:t>注释</a:t>
             </a:r>
             <a:endParaRPr lang="en-US" altLang="zh-CN" dirty="0"/>
           </a:p>
           <a:p>
             <a:r>
-              <a:rPr lang="zh-CN" altLang="en-US" dirty="0"/>
-              <a:t>阵列</a:t>
-            </a:r>
-            <a:r>
-              <a:rPr lang="en-US" altLang="zh-CN" dirty="0"/>
-              <a:t>[a, b, c]</a:t>
-            </a:r>
-            <a:r>
-              <a:rPr lang="zh-CN" altLang="en-US" dirty="0"/>
-              <a:t>与序列</a:t>
-            </a:r>
-            <a:r>
-              <a:rPr lang="en-US" altLang="zh-CN" dirty="0"/>
-              <a:t>&lt;a, b, c&gt;</a:t>
-            </a:r>
-            <a:r>
-              <a:rPr lang="zh-CN" altLang="en-US" dirty="0"/>
-              <a:t>（详见页</a:t>
-            </a:r>
-            <a:r>
-              <a:rPr lang="en-US" altLang="zh-CN" dirty="0"/>
-              <a:t>4</a:t>
-            </a:r>
-            <a:r>
-              <a:rPr lang="zh-CN" altLang="en-US" dirty="0"/>
-              <a:t>）</a:t>
+              <a:rPr lang="en-US" altLang="zh-CN" dirty="0"/>
+              <a:t>@</a:t>
+            </a:r>
+            <a:r>
+              <a:rPr lang="zh-CN" altLang="en-US" dirty="0"/>
+              <a:t>循环</a:t>
             </a:r>
             <a:endParaRPr lang="en-US" altLang="zh-CN" dirty="0"/>
           </a:p>
           <a:p>
             <a:r>
               <a:rPr lang="zh-CN" altLang="en-US" dirty="0"/>
-              <a:t>立即语句（</a:t>
-            </a:r>
-            <a:r>
-              <a:rPr lang="en-US" altLang="zh-CN" dirty="0" err="1"/>
-              <a:t>phg</a:t>
-            </a:r>
-            <a:r>
-              <a:rPr lang="zh-CN" altLang="en-US" dirty="0"/>
-              <a:t>）立即执行括号内的</a:t>
-            </a:r>
-            <a:r>
-              <a:rPr lang="en-US" altLang="zh-CN" dirty="0"/>
-              <a:t>PHG</a:t>
-            </a:r>
-            <a:r>
-              <a:rPr lang="zh-CN" altLang="en-US" dirty="0"/>
-              <a:t>语句</a:t>
+              <a:t>？：条件</a:t>
             </a:r>
             <a:endParaRPr lang="en-US" altLang="zh-CN" dirty="0"/>
           </a:p>
           <a:p>
+            <a:r>
+              <a:rPr lang="en-US" altLang="zh-CN" dirty="0"/>
+              <a:t>$</a:t>
+            </a:r>
+            <a:r>
+              <a:rPr lang="zh-CN" altLang="en-US" dirty="0"/>
+              <a:t> 函数 以及返回</a:t>
+            </a:r>
             <a:endParaRPr lang="en-US" altLang="zh-CN" dirty="0"/>
           </a:p>
           <a:p>
+            <a:r>
+              <a:rPr lang="en-US" altLang="zh-CN" dirty="0"/>
+              <a:t>~</a:t>
+            </a:r>
+            <a:r>
+              <a:rPr lang="zh-CN" altLang="en-US" dirty="0"/>
+              <a:t>跳出符号</a:t>
+            </a:r>
             <a:endParaRPr lang="en-US" altLang="zh-CN" dirty="0"/>
           </a:p>
           <a:p>
-            <a:endParaRPr lang="zh-CN" altLang="en-US" dirty="0"/>
+            <a:r>
+              <a:rPr lang="en-US" altLang="zh-CN" dirty="0"/>
+              <a:t>&gt;</a:t>
+            </a:r>
+            <a:r>
+              <a:rPr lang="zh-CN" altLang="en-US" dirty="0"/>
+              <a:t>打印符号</a:t>
+            </a:r>
+            <a:endParaRPr lang="en-US" altLang="zh-CN" dirty="0"/>
+          </a:p>
+          <a:p>
+            <a:r>
+              <a:rPr lang="en-US" altLang="zh-CN" dirty="0"/>
+              <a:t>; </a:t>
+            </a:r>
+            <a:r>
+              <a:rPr lang="zh-CN" altLang="en-US" dirty="0"/>
+              <a:t>结束符号</a:t>
+            </a:r>
+            <a:endParaRPr lang="en-US" altLang="zh-CN" dirty="0"/>
+          </a:p>
+          <a:p>
+            <a:r>
+              <a:rPr lang="en-US" altLang="zh-CN" dirty="0"/>
+              <a:t>{},[],&lt;&gt;</a:t>
+            </a:r>
+            <a:r>
+              <a:rPr lang="zh-CN" altLang="en-US" dirty="0"/>
+              <a:t>节点定义符号</a:t>
+            </a:r>
           </a:p>
         </p:txBody>
       </p:sp>
     </p:spTree>
     <p:extLst>
       <p:ext uri="{BB962C8B-B14F-4D97-AF65-F5344CB8AC3E}">
-        <p14:creationId xmlns:p14="http://schemas.microsoft.com/office/powerpoint/2010/main" val="1957067067"/>
+        <p14:creationId xmlns:p14="http://schemas.microsoft.com/office/powerpoint/2010/main" val="3365786443"/>
       </p:ext>
     </p:extLst>
   </p:cSld>
@@ -6833,7 +6476,7 @@
           <p:cNvPr id="2" name="标题 1">
             <a:extLst>
               <a:ext uri="{FF2B5EF4-FFF2-40B4-BE49-F238E27FC236}">
-                <a16:creationId xmlns:a16="http://schemas.microsoft.com/office/drawing/2014/main" id="{DFAF223A-8224-5D94-7057-AC8A914E77AB}"/>
+                <a16:creationId xmlns:a16="http://schemas.microsoft.com/office/drawing/2014/main" id="{1FF981D2-DFF3-37DA-F8AD-58C4459626F6}"/>
               </a:ext>
             </a:extLst>
           </p:cNvPr>
@@ -6851,15 +6494,15 @@
           <a:p>
             <a:r>
               <a:rPr lang="zh-CN" altLang="en-US" dirty="0"/>
-              <a:t>基本语法 </a:t>
-            </a:r>
-            <a:r>
-              <a:rPr lang="en-US" altLang="zh-CN" dirty="0"/>
-              <a:t>- </a:t>
-            </a:r>
-            <a:r>
-              <a:rPr lang="zh-CN" altLang="en-US" dirty="0"/>
-              <a:t>符号</a:t>
+              <a:t>基本语法</a:t>
+            </a:r>
+            <a:r>
+              <a:rPr lang="en-US" altLang="zh-CN" dirty="0"/>
+              <a:t>-</a:t>
+            </a:r>
+            <a:r>
+              <a:rPr lang="zh-CN" altLang="en-US" dirty="0"/>
+              <a:t>变量</a:t>
             </a:r>
           </a:p>
         </p:txBody>
@@ -6869,7 +6512,7 @@
           <p:cNvPr id="3" name="内容占位符 2">
             <a:extLst>
               <a:ext uri="{FF2B5EF4-FFF2-40B4-BE49-F238E27FC236}">
-                <a16:creationId xmlns:a16="http://schemas.microsoft.com/office/drawing/2014/main" id="{A35B58BD-6A36-B670-028A-23EDE1EB94D2}"/>
+                <a16:creationId xmlns:a16="http://schemas.microsoft.com/office/drawing/2014/main" id="{B8292534-A266-1430-92F9-6BC3ACCAEF61}"/>
               </a:ext>
             </a:extLst>
           </p:cNvPr>
@@ -6886,93 +6529,94 @@
           <a:lstStyle/>
           <a:p>
             <a:r>
-              <a:rPr lang="en-US" altLang="zh-CN" dirty="0"/>
-              <a:t>#</a:t>
-            </a:r>
-            <a:r>
-              <a:rPr lang="zh-CN" altLang="en-US" dirty="0"/>
-              <a:t>注释</a:t>
+              <a:rPr lang="zh-CN" altLang="en-US" dirty="0"/>
+              <a:t>变量分整数，浮点，字符串三种，可以直接定义如：</a:t>
             </a:r>
             <a:endParaRPr lang="en-US" altLang="zh-CN" dirty="0"/>
           </a:p>
           <a:p>
-            <a:r>
-              <a:rPr lang="en-US" altLang="zh-CN" dirty="0"/>
-              <a:t>@</a:t>
-            </a:r>
-            <a:r>
-              <a:rPr lang="zh-CN" altLang="en-US" dirty="0"/>
-              <a:t>循环</a:t>
+            <a:pPr marL="0" indent="0">
+              <a:buNone/>
+            </a:pPr>
+            <a:r>
+              <a:rPr lang="en-US" altLang="zh-CN" dirty="0"/>
+              <a:t>	a = 1</a:t>
+            </a:r>
+            <a:r>
+              <a:rPr lang="zh-CN" altLang="en-US" dirty="0"/>
+              <a:t>；</a:t>
+            </a:r>
+            <a:r>
+              <a:rPr lang="en-US" altLang="zh-CN" dirty="0"/>
+              <a:t>b = 0.1</a:t>
+            </a:r>
+            <a:r>
+              <a:rPr lang="zh-CN" altLang="en-US" dirty="0"/>
+              <a:t> ；</a:t>
+            </a:r>
+            <a:r>
+              <a:rPr lang="en-US" altLang="zh-CN" dirty="0"/>
+              <a:t>&gt;a + b; (</a:t>
+            </a:r>
+            <a:r>
+              <a:rPr lang="zh-CN" altLang="en-US" dirty="0"/>
+              <a:t>打印</a:t>
+            </a:r>
+            <a:r>
+              <a:rPr lang="en-US" altLang="zh-CN" dirty="0"/>
+              <a:t>a + b</a:t>
+            </a:r>
+            <a:r>
+              <a:rPr lang="zh-CN" altLang="en-US" dirty="0"/>
+              <a:t>的数值）</a:t>
             </a:r>
             <a:endParaRPr lang="en-US" altLang="zh-CN" dirty="0"/>
           </a:p>
           <a:p>
-            <a:r>
-              <a:rPr lang="zh-CN" altLang="en-US" dirty="0"/>
-              <a:t>？：条件</a:t>
+            <a:pPr marL="0" indent="0">
+              <a:buNone/>
+            </a:pPr>
+            <a:r>
+              <a:rPr lang="en-US" altLang="zh-CN" dirty="0"/>
+              <a:t>	a = ‘hello’;	b = </a:t>
+            </a:r>
+            <a:r>
+              <a:rPr lang="en-US" altLang="zh-CN"/>
+              <a:t>‘world’; &gt; a + b;</a:t>
             </a:r>
             <a:endParaRPr lang="en-US" altLang="zh-CN" dirty="0"/>
           </a:p>
           <a:p>
-            <a:r>
-              <a:rPr lang="en-US" altLang="zh-CN" dirty="0"/>
-              <a:t>$</a:t>
-            </a:r>
-            <a:r>
-              <a:rPr lang="zh-CN" altLang="en-US" dirty="0"/>
-              <a:t> 函数 以及返回</a:t>
-            </a:r>
-            <a:endParaRPr lang="en-US" altLang="zh-CN" dirty="0"/>
-          </a:p>
-          <a:p>
-            <a:r>
-              <a:rPr lang="en-US" altLang="zh-CN" dirty="0"/>
-              <a:t>~</a:t>
-            </a:r>
-            <a:r>
-              <a:rPr lang="zh-CN" altLang="en-US" dirty="0"/>
-              <a:t>跳出符号</a:t>
-            </a:r>
-            <a:endParaRPr lang="en-US" altLang="zh-CN" dirty="0"/>
-          </a:p>
-          <a:p>
-            <a:r>
-              <a:rPr lang="en-US" altLang="zh-CN" dirty="0"/>
-              <a:t>&gt;</a:t>
-            </a:r>
-            <a:r>
-              <a:rPr lang="zh-CN" altLang="en-US" dirty="0"/>
-              <a:t>打印符号</a:t>
-            </a:r>
-            <a:endParaRPr lang="en-US" altLang="zh-CN" dirty="0"/>
-          </a:p>
-          <a:p>
-            <a:r>
-              <a:rPr lang="en-US" altLang="zh-CN" dirty="0"/>
-              <a:t>; </a:t>
-            </a:r>
-            <a:r>
-              <a:rPr lang="zh-CN" altLang="en-US" dirty="0"/>
-              <a:t>结束符号</a:t>
-            </a:r>
-            <a:endParaRPr lang="en-US" altLang="zh-CN" dirty="0"/>
-          </a:p>
-          <a:p>
-            <a:r>
-              <a:rPr lang="en-US" altLang="zh-CN" dirty="0"/>
-              <a:t>{},[],&lt;&gt;</a:t>
-            </a:r>
-            <a:r>
-              <a:rPr lang="zh-CN" altLang="en-US" dirty="0"/>
-              <a:t>节点定义符号</a:t>
-            </a:r>
+            <a:pPr marL="0" indent="0">
+              <a:buNone/>
+            </a:pPr>
+            <a:r>
+              <a:rPr lang="en-US" altLang="zh-CN" dirty="0"/>
+              <a:t>	</a:t>
+            </a:r>
+          </a:p>
+          <a:p>
+            <a:r>
+              <a:rPr lang="zh-CN" altLang="en-US" dirty="0"/>
+              <a:t>变量可以由宿主程序的来自定义，相应的运算也可以自定义</a:t>
+            </a:r>
+            <a:r>
+              <a:rPr lang="en-US" altLang="zh-CN" dirty="0"/>
+              <a:t>	</a:t>
+            </a:r>
+          </a:p>
+          <a:p>
+            <a:pPr marL="0" indent="0">
+              <a:buNone/>
+            </a:pPr>
+            <a:endParaRPr lang="zh-CN" altLang="en-US" dirty="0"/>
           </a:p>
         </p:txBody>
       </p:sp>
     </p:spTree>
     <p:extLst>
       <p:ext uri="{BB962C8B-B14F-4D97-AF65-F5344CB8AC3E}">
-        <p14:creationId xmlns:p14="http://schemas.microsoft.com/office/powerpoint/2010/main" val="3365786443"/>
+        <p14:creationId xmlns:p14="http://schemas.microsoft.com/office/powerpoint/2010/main" val="2134439794"/>
       </p:ext>
     </p:extLst>
   </p:cSld>
@@ -7004,7 +6648,7 @@
           <p:cNvPr id="2" name="标题 1">
             <a:extLst>
               <a:ext uri="{FF2B5EF4-FFF2-40B4-BE49-F238E27FC236}">
-                <a16:creationId xmlns:a16="http://schemas.microsoft.com/office/drawing/2014/main" id="{1FF981D2-DFF3-37DA-F8AD-58C4459626F6}"/>
+                <a16:creationId xmlns:a16="http://schemas.microsoft.com/office/drawing/2014/main" id="{E60F6B91-7A30-93BE-2C0B-07B69C7C763B}"/>
               </a:ext>
             </a:extLst>
           </p:cNvPr>
@@ -7030,7 +6674,7 @@
             </a:r>
             <a:r>
               <a:rPr lang="zh-CN" altLang="en-US" dirty="0"/>
-              <a:t>变量</a:t>
+              <a:t>控制语句</a:t>
             </a:r>
           </a:p>
         </p:txBody>
@@ -7040,7 +6684,7 @@
           <p:cNvPr id="3" name="内容占位符 2">
             <a:extLst>
               <a:ext uri="{FF2B5EF4-FFF2-40B4-BE49-F238E27FC236}">
-                <a16:creationId xmlns:a16="http://schemas.microsoft.com/office/drawing/2014/main" id="{B8292534-A266-1430-92F9-6BC3ACCAEF61}"/>
+                <a16:creationId xmlns:a16="http://schemas.microsoft.com/office/drawing/2014/main" id="{62EFE77E-150F-0FC5-07F4-0A5182A6D5D4}"/>
               </a:ext>
             </a:extLst>
           </p:cNvPr>
@@ -7058,9 +6702,8 @@
           <a:p>
             <a:r>
               <a:rPr lang="zh-CN" altLang="en-US" dirty="0"/>
-              <a:t>基本变量分整数跟浮点树两种，可以直接定义如：</a:t>
-            </a:r>
-            <a:endParaRPr lang="en-US" altLang="zh-CN" dirty="0"/>
+              <a:t>条件语句：</a:t>
+            </a:r>
           </a:p>
           <a:p>
             <a:pPr marL="0" indent="0">
@@ -7068,37 +6711,17 @@
             </a:pPr>
             <a:r>
               <a:rPr lang="en-US" altLang="zh-CN" dirty="0"/>
-              <a:t>	a = 1</a:t>
-            </a:r>
-            <a:r>
-              <a:rPr lang="zh-CN" altLang="en-US" dirty="0"/>
-              <a:t>；</a:t>
-            </a:r>
-            <a:r>
-              <a:rPr lang="en-US" altLang="zh-CN" dirty="0"/>
-              <a:t>b = 0.1</a:t>
-            </a:r>
-            <a:r>
-              <a:rPr lang="zh-CN" altLang="en-US" dirty="0"/>
-              <a:t> ；</a:t>
-            </a:r>
-            <a:r>
-              <a:rPr lang="en-US" altLang="zh-CN" dirty="0"/>
-              <a:t>&gt;a + b; (</a:t>
-            </a:r>
-            <a:r>
-              <a:rPr lang="zh-CN" altLang="en-US" dirty="0"/>
-              <a:t>打印</a:t>
-            </a:r>
-            <a:r>
-              <a:rPr lang="en-US" altLang="zh-CN" dirty="0"/>
-              <a:t>a + b</a:t>
-            </a:r>
-            <a:r>
-              <a:rPr lang="zh-CN" altLang="en-US" dirty="0"/>
-              <a:t>的数值）</a:t>
-            </a:r>
-            <a:endParaRPr lang="en-US" altLang="zh-CN" dirty="0"/>
+              <a:t>	?(expr){ statements }:{ else statements } </a:t>
+            </a:r>
+          </a:p>
+          <a:p>
+            <a:pPr marL="0" indent="0">
+              <a:buNone/>
+            </a:pPr>
+            <a:r>
+              <a:rPr lang="en-US" altLang="zh-CN" dirty="0"/>
+              <a:t>	?(expr) statement; : statement; </a:t>
+            </a:r>
           </a:p>
           <a:p>
             <a:pPr marL="0" indent="0">
@@ -7108,28 +6731,13 @@
           </a:p>
           <a:p>
             <a:r>
-              <a:rPr lang="zh-CN" altLang="en-US" dirty="0"/>
-              <a:t>变量也可以是树结构里定义的节点名</a:t>
-            </a:r>
-            <a:endParaRPr lang="en-US" altLang="zh-CN" dirty="0"/>
-          </a:p>
-          <a:p>
-            <a:r>
-              <a:rPr lang="zh-CN" altLang="en-US" dirty="0"/>
-              <a:t>变量可以由宿主程序的来自定义，相应的运算也可以自定义</a:t>
-            </a:r>
-            <a:endParaRPr lang="en-US" altLang="zh-CN" dirty="0"/>
-          </a:p>
-          <a:p>
-            <a:r>
-              <a:rPr lang="en-US" altLang="zh-CN" dirty="0"/>
-              <a:t>me </a:t>
-            </a:r>
-            <a:r>
-              <a:rPr lang="zh-CN" altLang="en-US" dirty="0"/>
-              <a:t>是当前操作节点</a:t>
-            </a:r>
-            <a:endParaRPr lang="en-US" altLang="zh-CN" dirty="0"/>
+              <a:rPr lang="en-US" altLang="zh-CN" dirty="0"/>
+              <a:t> </a:t>
+            </a:r>
+            <a:r>
+              <a:rPr lang="zh-CN" altLang="en-US" dirty="0"/>
+              <a:t>循环语句：</a:t>
+            </a:r>
           </a:p>
           <a:p>
             <a:pPr marL="0" indent="0">
@@ -7137,21 +6745,35 @@
             </a:pPr>
             <a:r>
               <a:rPr lang="en-US" altLang="zh-CN" dirty="0"/>
-              <a:t>	</a:t>
-            </a:r>
-          </a:p>
-          <a:p>
-            <a:pPr marL="0" indent="0">
-              <a:buNone/>
-            </a:pPr>
-            <a:endParaRPr lang="zh-CN" altLang="en-US" dirty="0"/>
+              <a:t>	@n{ statements?(_</a:t>
+            </a:r>
+            <a:r>
+              <a:rPr lang="en-US" altLang="zh-CN" dirty="0" err="1"/>
+              <a:t>i</a:t>
+            </a:r>
+            <a:r>
+              <a:rPr lang="en-US" altLang="zh-CN" dirty="0"/>
+              <a:t> = x) ˜;statements }  #_i </a:t>
+            </a:r>
+            <a:r>
+              <a:rPr lang="zh-CN" altLang="en-US" dirty="0"/>
+              <a:t>为内部游标 ‘</a:t>
+            </a:r>
+            <a:r>
+              <a:rPr lang="en-US" altLang="zh-CN" dirty="0"/>
+              <a:t>˜</a:t>
+            </a:r>
+            <a:r>
+              <a:rPr lang="zh-CN" altLang="en-US" dirty="0"/>
+              <a:t>’跳出</a:t>
+            </a:r>
           </a:p>
         </p:txBody>
       </p:sp>
     </p:spTree>
     <p:extLst>
       <p:ext uri="{BB962C8B-B14F-4D97-AF65-F5344CB8AC3E}">
-        <p14:creationId xmlns:p14="http://schemas.microsoft.com/office/powerpoint/2010/main" val="2134439794"/>
+        <p14:creationId xmlns:p14="http://schemas.microsoft.com/office/powerpoint/2010/main" val="960256067"/>
       </p:ext>
     </p:extLst>
   </p:cSld>
@@ -7183,7 +6805,7 @@
           <p:cNvPr id="2" name="标题 1">
             <a:extLst>
               <a:ext uri="{FF2B5EF4-FFF2-40B4-BE49-F238E27FC236}">
-                <a16:creationId xmlns:a16="http://schemas.microsoft.com/office/drawing/2014/main" id="{E60F6B91-7A30-93BE-2C0B-07B69C7C763B}"/>
+                <a16:creationId xmlns:a16="http://schemas.microsoft.com/office/drawing/2014/main" id="{18EE6C41-0F45-3446-9B67-B78B5853E8FB}"/>
               </a:ext>
             </a:extLst>
           </p:cNvPr>
@@ -7209,7 +6831,7 @@
             </a:r>
             <a:r>
               <a:rPr lang="zh-CN" altLang="en-US" dirty="0"/>
-              <a:t>控制语句</a:t>
+              <a:t>函数</a:t>
             </a:r>
           </a:p>
         </p:txBody>
@@ -7219,7 +6841,7 @@
           <p:cNvPr id="3" name="内容占位符 2">
             <a:extLst>
               <a:ext uri="{FF2B5EF4-FFF2-40B4-BE49-F238E27FC236}">
-                <a16:creationId xmlns:a16="http://schemas.microsoft.com/office/drawing/2014/main" id="{62EFE77E-150F-0FC5-07F4-0A5182A6D5D4}"/>
+                <a16:creationId xmlns:a16="http://schemas.microsoft.com/office/drawing/2014/main" id="{16F236C1-3923-F73B-9038-66DABA17A5C2}"/>
               </a:ext>
             </a:extLst>
           </p:cNvPr>
@@ -7232,30 +6854,65 @@
         </p:nvSpPr>
         <p:spPr/>
         <p:txBody>
-          <a:bodyPr/>
-          <a:lstStyle/>
-          <a:p>
-            <a:r>
-              <a:rPr lang="zh-CN" altLang="en-US" dirty="0"/>
-              <a:t>条件语句：</a:t>
-            </a:r>
+          <a:bodyPr>
+            <a:normAutofit lnSpcReduction="10000"/>
+          </a:bodyPr>
+          <a:lstStyle/>
+          <a:p>
+            <a:r>
+              <a:rPr lang="zh-CN" altLang="en-US" dirty="0"/>
+              <a:t>函数分脚本自定义函数与宿主</a:t>
+            </a:r>
+            <a:r>
+              <a:rPr lang="en-US" altLang="zh-CN" dirty="0"/>
+              <a:t>API</a:t>
+            </a:r>
+            <a:r>
+              <a:rPr lang="zh-CN" altLang="en-US" dirty="0"/>
+              <a:t>函数</a:t>
+            </a:r>
+            <a:endParaRPr lang="en-US" altLang="zh-CN" dirty="0"/>
+          </a:p>
+          <a:p>
+            <a:r>
+              <a:rPr lang="zh-CN" altLang="en-US" dirty="0"/>
+              <a:t>自定义函数格式：</a:t>
+            </a:r>
+            <a:endParaRPr lang="en-US" altLang="zh-CN" dirty="0"/>
           </a:p>
           <a:p>
             <a:pPr marL="0" indent="0">
               <a:buNone/>
             </a:pPr>
             <a:r>
-              <a:rPr lang="en-US" altLang="zh-CN" dirty="0"/>
-              <a:t>	?(expr){ statements }:{ else statements } </a:t>
-            </a:r>
-          </a:p>
-          <a:p>
-            <a:pPr marL="0" indent="0">
-              <a:buNone/>
-            </a:pPr>
-            <a:r>
-              <a:rPr lang="en-US" altLang="zh-CN" dirty="0"/>
-              <a:t>	?(expr) statement; : statement; </a:t>
+              <a:rPr lang="en-US" altLang="zh-CN" b="0" i="0" dirty="0">
+                <a:solidFill>
+                  <a:srgbClr val="24292F"/>
+                </a:solidFill>
+                <a:effectLst/>
+                <a:latin typeface="ui-monospace"/>
+              </a:rPr>
+              <a:t>	$function(</a:t>
+            </a:r>
+            <a:r>
+              <a:rPr lang="en-US" altLang="zh-CN" b="0" i="0" dirty="0" err="1">
+                <a:solidFill>
+                  <a:srgbClr val="24292F"/>
+                </a:solidFill>
+                <a:effectLst/>
+                <a:latin typeface="ui-monospace"/>
+              </a:rPr>
+              <a:t>args</a:t>
+            </a:r>
+            <a:r>
+              <a:rPr lang="en-US" altLang="zh-CN" b="0" i="0" dirty="0">
+                <a:solidFill>
+                  <a:srgbClr val="24292F"/>
+                </a:solidFill>
+                <a:effectLst/>
+                <a:latin typeface="ui-monospace"/>
+              </a:rPr>
+              <a:t>...) { statements $return }</a:t>
             </a:r>
           </a:p>
           <a:p>
@@ -7266,49 +6923,60 @@
           </a:p>
           <a:p>
             <a:r>
-              <a:rPr lang="en-US" altLang="zh-CN" dirty="0"/>
-              <a:t> </a:t>
-            </a:r>
-            <a:r>
-              <a:rPr lang="zh-CN" altLang="en-US" dirty="0"/>
-              <a:t>循环语句：</a:t>
-            </a:r>
+              <a:rPr lang="zh-CN" altLang="en-US" dirty="0"/>
+              <a:t>调用方法：</a:t>
+            </a:r>
+            <a:endParaRPr lang="en-US" altLang="zh-CN" dirty="0"/>
+          </a:p>
+          <a:p>
+            <a:pPr marL="457200" lvl="1" indent="0">
+              <a:buNone/>
+            </a:pPr>
+            <a:r>
+              <a:rPr lang="en-US" altLang="zh-CN" dirty="0"/>
+              <a:t>	</a:t>
+            </a:r>
+            <a:r>
+              <a:rPr lang="en-US" altLang="zh-CN" b="1" dirty="0"/>
+              <a:t>function(</a:t>
+            </a:r>
+            <a:r>
+              <a:rPr lang="en-US" altLang="zh-CN" b="1" dirty="0" err="1"/>
+              <a:t>args</a:t>
+            </a:r>
+            <a:r>
+              <a:rPr lang="en-US" altLang="zh-CN" b="1" dirty="0"/>
+              <a:t>);</a:t>
+            </a:r>
+          </a:p>
+          <a:p>
+            <a:endParaRPr lang="en-US" altLang="zh-CN" dirty="0"/>
+          </a:p>
+          <a:p>
+            <a:endParaRPr lang="en-US" altLang="zh-CN" dirty="0"/>
           </a:p>
           <a:p>
             <a:pPr marL="0" indent="0">
               <a:buNone/>
             </a:pPr>
             <a:r>
-              <a:rPr lang="en-US" altLang="zh-CN" dirty="0"/>
-              <a:t>	@n{ statements?(_</a:t>
-            </a:r>
-            <a:r>
-              <a:rPr lang="en-US" altLang="zh-CN" dirty="0" err="1"/>
-              <a:t>i</a:t>
-            </a:r>
-            <a:r>
-              <a:rPr lang="en-US" altLang="zh-CN" dirty="0"/>
-              <a:t> = x) ˜;statements }  #_i </a:t>
-            </a:r>
-            <a:r>
-              <a:rPr lang="zh-CN" altLang="en-US" dirty="0"/>
-              <a:t>为内部游标 ‘</a:t>
-            </a:r>
-            <a:r>
-              <a:rPr lang="en-US" altLang="zh-CN" dirty="0"/>
-              <a:t>˜</a:t>
-            </a:r>
-            <a:r>
-              <a:rPr lang="zh-CN" altLang="en-US" dirty="0"/>
-              <a:t>’跳出</a:t>
-            </a:r>
+              <a:rPr lang="en-US" altLang="zh-CN" b="0" i="0" dirty="0">
+                <a:solidFill>
+                  <a:srgbClr val="24292F"/>
+                </a:solidFill>
+                <a:effectLst/>
+                <a:latin typeface="ui-monospace"/>
+              </a:rPr>
+              <a:t>	</a:t>
+            </a:r>
+            <a:endParaRPr lang="zh-CN" altLang="en-US" dirty="0"/>
           </a:p>
         </p:txBody>
       </p:sp>
     </p:spTree>
     <p:extLst>
       <p:ext uri="{BB962C8B-B14F-4D97-AF65-F5344CB8AC3E}">
-        <p14:creationId xmlns:p14="http://schemas.microsoft.com/office/powerpoint/2010/main" val="960256067"/>
+        <p14:creationId xmlns:p14="http://schemas.microsoft.com/office/powerpoint/2010/main" val="2635884622"/>
       </p:ext>
     </p:extLst>
   </p:cSld>
@@ -7340,7 +7008,7 @@
           <p:cNvPr id="2" name="标题 1">
             <a:extLst>
               <a:ext uri="{FF2B5EF4-FFF2-40B4-BE49-F238E27FC236}">
-                <a16:creationId xmlns:a16="http://schemas.microsoft.com/office/drawing/2014/main" id="{18EE6C41-0F45-3446-9B67-B78B5853E8FB}"/>
+                <a16:creationId xmlns:a16="http://schemas.microsoft.com/office/drawing/2014/main" id="{46D92447-E272-3EAA-D5B4-7EF31C22002E}"/>
               </a:ext>
             </a:extLst>
           </p:cNvPr>
@@ -7358,7 +7026,7 @@
           <a:p>
             <a:r>
               <a:rPr lang="zh-CN" altLang="en-US" dirty="0"/>
-              <a:t>基本语法</a:t>
+              <a:t>树节点</a:t>
             </a:r>
             <a:r>
               <a:rPr lang="en-US" altLang="zh-CN" dirty="0"/>
@@ -7366,7 +7034,7 @@
             </a:r>
             <a:r>
               <a:rPr lang="zh-CN" altLang="en-US" dirty="0"/>
-              <a:t>函数</a:t>
+              <a:t>基本概念</a:t>
             </a:r>
           </a:p>
         </p:txBody>
@@ -7376,7 +7044,7 @@
           <p:cNvPr id="3" name="内容占位符 2">
             <a:extLst>
               <a:ext uri="{FF2B5EF4-FFF2-40B4-BE49-F238E27FC236}">
-                <a16:creationId xmlns:a16="http://schemas.microsoft.com/office/drawing/2014/main" id="{16F236C1-3923-F73B-9038-66DABA17A5C2}"/>
+                <a16:creationId xmlns:a16="http://schemas.microsoft.com/office/drawing/2014/main" id="{AB38FE52-5569-12E5-F590-21498AC8F668}"/>
               </a:ext>
             </a:extLst>
           </p:cNvPr>
@@ -7389,121 +7057,122 @@
         </p:nvSpPr>
         <p:spPr/>
         <p:txBody>
-          <a:bodyPr>
-            <a:normAutofit lnSpcReduction="10000"/>
-          </a:bodyPr>
-          <a:lstStyle/>
-          <a:p>
-            <a:r>
-              <a:rPr lang="zh-CN" altLang="en-US" dirty="0"/>
-              <a:t>函数分脚本自定义函数与宿主</a:t>
-            </a:r>
-            <a:r>
-              <a:rPr lang="en-US" altLang="zh-CN" dirty="0"/>
-              <a:t>API</a:t>
-            </a:r>
-            <a:r>
-              <a:rPr lang="zh-CN" altLang="en-US" dirty="0"/>
-              <a:t>函数</a:t>
+          <a:bodyPr/>
+          <a:lstStyle/>
+          <a:p>
+            <a:r>
+              <a:rPr lang="zh-CN" altLang="en-US" dirty="0"/>
+              <a:t>定义</a:t>
+            </a:r>
+            <a:r>
+              <a:rPr lang="en-US" altLang="zh-CN" dirty="0"/>
+              <a:t>a{ }, </a:t>
+            </a:r>
+            <a:r>
+              <a:rPr lang="zh-CN" altLang="en-US" dirty="0"/>
+              <a:t>定义一个节点</a:t>
+            </a:r>
+            <a:r>
+              <a:rPr lang="en-US" altLang="zh-CN" dirty="0"/>
+              <a:t>a</a:t>
+            </a:r>
+          </a:p>
+          <a:p>
+            <a:r>
+              <a:rPr lang="zh-CN" altLang="en-US" dirty="0"/>
+              <a:t>属性 </a:t>
+            </a:r>
+            <a:r>
+              <a:rPr lang="en-US" altLang="zh-CN" dirty="0"/>
+              <a:t>property : value; </a:t>
+            </a:r>
+          </a:p>
+          <a:p>
+            <a:r>
+              <a:rPr lang="zh-CN" altLang="en-US" dirty="0"/>
+              <a:t>特性 </a:t>
+            </a:r>
+            <a:r>
+              <a:rPr lang="en-US" altLang="zh-CN" dirty="0"/>
+              <a:t>attribute = value; </a:t>
+            </a:r>
+          </a:p>
+          <a:p>
+            <a:r>
+              <a:rPr lang="zh-CN" altLang="en-US" dirty="0"/>
+              <a:t>继承</a:t>
+            </a:r>
+            <a:r>
+              <a:rPr lang="en-US" altLang="zh-CN" dirty="0"/>
+              <a:t>{a}</a:t>
+            </a:r>
+            <a:r>
+              <a:rPr lang="zh-CN" altLang="en-US" dirty="0"/>
+              <a:t>，从已存在的节点上继承属性，但不继承特性</a:t>
             </a:r>
             <a:endParaRPr lang="en-US" altLang="zh-CN" dirty="0"/>
           </a:p>
           <a:p>
             <a:r>
               <a:rPr lang="zh-CN" altLang="en-US" dirty="0"/>
-              <a:t>自定义函数格式：</a:t>
+              <a:t>阵列</a:t>
+            </a:r>
+            <a:r>
+              <a:rPr lang="en-US" altLang="zh-CN" dirty="0"/>
+              <a:t>[a, b, c]</a:t>
+            </a:r>
+            <a:r>
+              <a:rPr lang="zh-CN" altLang="en-US" dirty="0"/>
+              <a:t>与序列</a:t>
+            </a:r>
+            <a:r>
+              <a:rPr lang="en-US" altLang="zh-CN" dirty="0"/>
+              <a:t>&lt;a, b, c&gt;</a:t>
+            </a:r>
+            <a:r>
+              <a:rPr lang="zh-CN" altLang="en-US" dirty="0"/>
+              <a:t>（详见页</a:t>
+            </a:r>
+            <a:r>
+              <a:rPr lang="en-US" altLang="zh-CN" dirty="0"/>
+              <a:t>11</a:t>
+            </a:r>
+            <a:r>
+              <a:rPr lang="zh-CN" altLang="en-US" dirty="0"/>
+              <a:t>）</a:t>
             </a:r>
             <a:endParaRPr lang="en-US" altLang="zh-CN" dirty="0"/>
           </a:p>
           <a:p>
-            <a:pPr marL="0" indent="0">
-              <a:buNone/>
-            </a:pPr>
-            <a:r>
-              <a:rPr lang="en-US" altLang="zh-CN" b="0" i="0" dirty="0">
-                <a:solidFill>
-                  <a:srgbClr val="24292F"/>
-                </a:solidFill>
-                <a:effectLst/>
-                <a:latin typeface="ui-monospace"/>
-              </a:rPr>
-              <a:t>	$function(</a:t>
-            </a:r>
-            <a:r>
-              <a:rPr lang="en-US" altLang="zh-CN" b="0" i="0" dirty="0" err="1">
-                <a:solidFill>
-                  <a:srgbClr val="24292F"/>
-                </a:solidFill>
-                <a:effectLst/>
-                <a:latin typeface="ui-monospace"/>
-              </a:rPr>
-              <a:t>args</a:t>
-            </a:r>
-            <a:r>
-              <a:rPr lang="en-US" altLang="zh-CN" b="0" i="0" dirty="0">
-                <a:solidFill>
-                  <a:srgbClr val="24292F"/>
-                </a:solidFill>
-                <a:effectLst/>
-                <a:latin typeface="ui-monospace"/>
-              </a:rPr>
-              <a:t>...) { statements $return }</a:t>
-            </a:r>
-          </a:p>
-          <a:p>
-            <a:pPr marL="0" indent="0">
-              <a:buNone/>
-            </a:pPr>
+            <a:r>
+              <a:rPr lang="zh-CN" altLang="en-US" dirty="0"/>
+              <a:t>立即语句（</a:t>
+            </a:r>
+            <a:r>
+              <a:rPr lang="en-US" altLang="zh-CN" dirty="0" err="1"/>
+              <a:t>phg</a:t>
+            </a:r>
+            <a:r>
+              <a:rPr lang="zh-CN" altLang="en-US" dirty="0"/>
+              <a:t>）立即执行括号内的</a:t>
+            </a:r>
+            <a:r>
+              <a:rPr lang="en-US" altLang="zh-CN" dirty="0"/>
+              <a:t>PHG</a:t>
+            </a:r>
+            <a:r>
+              <a:rPr lang="zh-CN" altLang="en-US" dirty="0"/>
+              <a:t>语句</a:t>
+            </a:r>
             <a:endParaRPr lang="en-US" altLang="zh-CN" dirty="0"/>
           </a:p>
           <a:p>
-            <a:r>
-              <a:rPr lang="zh-CN" altLang="en-US" dirty="0"/>
-              <a:t>调用方法：</a:t>
-            </a:r>
             <a:endParaRPr lang="en-US" altLang="zh-CN" dirty="0"/>
           </a:p>
           <a:p>
-            <a:pPr marL="457200" lvl="1" indent="0">
-              <a:buNone/>
-            </a:pPr>
-            <a:r>
-              <a:rPr lang="en-US" altLang="zh-CN" dirty="0"/>
-              <a:t>	</a:t>
-            </a:r>
-            <a:r>
-              <a:rPr lang="en-US" altLang="zh-CN" b="1" dirty="0"/>
-              <a:t>function(</a:t>
-            </a:r>
-            <a:r>
-              <a:rPr lang="en-US" altLang="zh-CN" b="1" dirty="0" err="1"/>
-              <a:t>args</a:t>
-            </a:r>
-            <a:r>
-              <a:rPr lang="en-US" altLang="zh-CN" b="1" dirty="0"/>
-              <a:t>);</a:t>
-            </a:r>
-          </a:p>
-          <a:p>
             <a:endParaRPr lang="en-US" altLang="zh-CN" dirty="0"/>
           </a:p>
           <a:p>
-            <a:endParaRPr lang="en-US" altLang="zh-CN" dirty="0"/>
-          </a:p>
-          <a:p>
-            <a:pPr marL="0" indent="0">
-              <a:buNone/>
-            </a:pPr>
-            <a:r>
-              <a:rPr lang="en-US" altLang="zh-CN" b="0" i="0" dirty="0">
-                <a:solidFill>
-                  <a:srgbClr val="24292F"/>
-                </a:solidFill>
-                <a:effectLst/>
-                <a:latin typeface="ui-monospace"/>
-              </a:rPr>
-              <a:t>	</a:t>
-            </a:r>
             <a:endParaRPr lang="zh-CN" altLang="en-US" dirty="0"/>
           </a:p>
         </p:txBody>
@@ -7511,7 +7180,7 @@
     </p:spTree>
     <p:extLst>
       <p:ext uri="{BB962C8B-B14F-4D97-AF65-F5344CB8AC3E}">
-        <p14:creationId xmlns:p14="http://schemas.microsoft.com/office/powerpoint/2010/main" val="2635884622"/>
+        <p14:creationId xmlns:p14="http://schemas.microsoft.com/office/powerpoint/2010/main" val="1957067067"/>
       </p:ext>
     </p:extLst>
   </p:cSld>
@@ -7561,15 +7230,15 @@
           <a:p>
             <a:r>
               <a:rPr lang="zh-CN" altLang="en-US" dirty="0"/>
-              <a:t>基本语法</a:t>
-            </a:r>
-            <a:r>
-              <a:rPr lang="en-US" altLang="zh-CN" dirty="0"/>
-              <a:t>-</a:t>
-            </a:r>
-            <a:r>
-              <a:rPr lang="zh-CN" altLang="en-US" dirty="0"/>
-              <a:t>树结构</a:t>
+              <a:t>树节点 </a:t>
+            </a:r>
+            <a:r>
+              <a:rPr lang="en-US" altLang="zh-CN" dirty="0"/>
+              <a:t>– </a:t>
+            </a:r>
+            <a:r>
+              <a:rPr lang="zh-CN" altLang="en-US" dirty="0"/>
+              <a:t>构建语法</a:t>
             </a:r>
           </a:p>
         </p:txBody>

--- a/PHG语法手册.pptx
+++ b/PHG语法手册.pptx
@@ -7,11 +7,11 @@
   <p:sldIdLst>
     <p:sldId id="256" r:id="rId2"/>
     <p:sldId id="257" r:id="rId3"/>
-    <p:sldId id="289" r:id="rId4"/>
-    <p:sldId id="287" r:id="rId5"/>
-    <p:sldId id="288" r:id="rId6"/>
-    <p:sldId id="290" r:id="rId7"/>
-    <p:sldId id="258" r:id="rId8"/>
+    <p:sldId id="258" r:id="rId4"/>
+    <p:sldId id="289" r:id="rId5"/>
+    <p:sldId id="287" r:id="rId6"/>
+    <p:sldId id="288" r:id="rId7"/>
+    <p:sldId id="290" r:id="rId8"/>
     <p:sldId id="286" r:id="rId9"/>
     <p:sldId id="293" r:id="rId10"/>
     <p:sldId id="294" r:id="rId11"/>
@@ -20,9 +20,11 @@
     <p:sldId id="296" r:id="rId14"/>
     <p:sldId id="297" r:id="rId15"/>
     <p:sldId id="298" r:id="rId16"/>
-    <p:sldId id="291" r:id="rId17"/>
-    <p:sldId id="292" r:id="rId18"/>
-    <p:sldId id="299" r:id="rId19"/>
+    <p:sldId id="285" r:id="rId17"/>
+    <p:sldId id="282" r:id="rId18"/>
+    <p:sldId id="291" r:id="rId19"/>
+    <p:sldId id="292" r:id="rId20"/>
+    <p:sldId id="299" r:id="rId21"/>
   </p:sldIdLst>
   <p:sldSz cx="12192000" cy="6858000"/>
   <p:notesSz cx="6858000" cy="9144000"/>
@@ -288,7 +290,7 @@
           <a:p>
             <a:fld id="{F5A39F03-C3F8-4711-8682-F778EBC31EC3}" type="datetimeFigureOut">
               <a:rPr lang="zh-CN" altLang="en-US" smtClean="0"/>
-              <a:t>2022/5/25</a:t>
+              <a:t>2022/5/24</a:t>
             </a:fld>
             <a:endParaRPr lang="zh-CN" altLang="en-US"/>
           </a:p>
@@ -486,7 +488,7 @@
           <a:p>
             <a:fld id="{F5A39F03-C3F8-4711-8682-F778EBC31EC3}" type="datetimeFigureOut">
               <a:rPr lang="zh-CN" altLang="en-US" smtClean="0"/>
-              <a:t>2022/5/25</a:t>
+              <a:t>2022/5/24</a:t>
             </a:fld>
             <a:endParaRPr lang="zh-CN" altLang="en-US"/>
           </a:p>
@@ -694,7 +696,7 @@
           <a:p>
             <a:fld id="{F5A39F03-C3F8-4711-8682-F778EBC31EC3}" type="datetimeFigureOut">
               <a:rPr lang="zh-CN" altLang="en-US" smtClean="0"/>
-              <a:t>2022/5/25</a:t>
+              <a:t>2022/5/24</a:t>
             </a:fld>
             <a:endParaRPr lang="zh-CN" altLang="en-US"/>
           </a:p>
@@ -892,7 +894,7 @@
           <a:p>
             <a:fld id="{F5A39F03-C3F8-4711-8682-F778EBC31EC3}" type="datetimeFigureOut">
               <a:rPr lang="zh-CN" altLang="en-US" smtClean="0"/>
-              <a:t>2022/5/25</a:t>
+              <a:t>2022/5/24</a:t>
             </a:fld>
             <a:endParaRPr lang="zh-CN" altLang="en-US"/>
           </a:p>
@@ -1167,7 +1169,7 @@
           <a:p>
             <a:fld id="{F5A39F03-C3F8-4711-8682-F778EBC31EC3}" type="datetimeFigureOut">
               <a:rPr lang="zh-CN" altLang="en-US" smtClean="0"/>
-              <a:t>2022/5/25</a:t>
+              <a:t>2022/5/24</a:t>
             </a:fld>
             <a:endParaRPr lang="zh-CN" altLang="en-US"/>
           </a:p>
@@ -1432,7 +1434,7 @@
           <a:p>
             <a:fld id="{F5A39F03-C3F8-4711-8682-F778EBC31EC3}" type="datetimeFigureOut">
               <a:rPr lang="zh-CN" altLang="en-US" smtClean="0"/>
-              <a:t>2022/5/25</a:t>
+              <a:t>2022/5/24</a:t>
             </a:fld>
             <a:endParaRPr lang="zh-CN" altLang="en-US"/>
           </a:p>
@@ -1844,7 +1846,7 @@
           <a:p>
             <a:fld id="{F5A39F03-C3F8-4711-8682-F778EBC31EC3}" type="datetimeFigureOut">
               <a:rPr lang="zh-CN" altLang="en-US" smtClean="0"/>
-              <a:t>2022/5/25</a:t>
+              <a:t>2022/5/24</a:t>
             </a:fld>
             <a:endParaRPr lang="zh-CN" altLang="en-US"/>
           </a:p>
@@ -1985,7 +1987,7 @@
           <a:p>
             <a:fld id="{F5A39F03-C3F8-4711-8682-F778EBC31EC3}" type="datetimeFigureOut">
               <a:rPr lang="zh-CN" altLang="en-US" smtClean="0"/>
-              <a:t>2022/5/25</a:t>
+              <a:t>2022/5/24</a:t>
             </a:fld>
             <a:endParaRPr lang="zh-CN" altLang="en-US"/>
           </a:p>
@@ -2098,7 +2100,7 @@
           <a:p>
             <a:fld id="{F5A39F03-C3F8-4711-8682-F778EBC31EC3}" type="datetimeFigureOut">
               <a:rPr lang="zh-CN" altLang="en-US" smtClean="0"/>
-              <a:t>2022/5/25</a:t>
+              <a:t>2022/5/24</a:t>
             </a:fld>
             <a:endParaRPr lang="zh-CN" altLang="en-US"/>
           </a:p>
@@ -2409,7 +2411,7 @@
           <a:p>
             <a:fld id="{F5A39F03-C3F8-4711-8682-F778EBC31EC3}" type="datetimeFigureOut">
               <a:rPr lang="zh-CN" altLang="en-US" smtClean="0"/>
-              <a:t>2022/5/25</a:t>
+              <a:t>2022/5/24</a:t>
             </a:fld>
             <a:endParaRPr lang="zh-CN" altLang="en-US"/>
           </a:p>
@@ -2697,7 +2699,7 @@
           <a:p>
             <a:fld id="{F5A39F03-C3F8-4711-8682-F778EBC31EC3}" type="datetimeFigureOut">
               <a:rPr lang="zh-CN" altLang="en-US" smtClean="0"/>
-              <a:t>2022/5/25</a:t>
+              <a:t>2022/5/24</a:t>
             </a:fld>
             <a:endParaRPr lang="zh-CN" altLang="en-US"/>
           </a:p>
@@ -2938,7 +2940,7 @@
           <a:p>
             <a:fld id="{F5A39F03-C3F8-4711-8682-F778EBC31EC3}" type="datetimeFigureOut">
               <a:rPr lang="zh-CN" altLang="en-US" smtClean="0"/>
-              <a:t>2022/5/25</a:t>
+              <a:t>2022/5/24</a:t>
             </a:fld>
             <a:endParaRPr lang="zh-CN" altLang="en-US"/>
           </a:p>
@@ -4496,7 +4498,7 @@
           <a:p>
             <a:r>
               <a:rPr lang="zh-CN" altLang="en-US" dirty="0"/>
-              <a:t>树节点运算语法</a:t>
+              <a:t>树运算逻辑语法</a:t>
             </a:r>
           </a:p>
         </p:txBody>
@@ -4639,6 +4641,336 @@
 </file>
 
 <file path=ppt/slides/slide16.xml><?xml version="1.0" encoding="utf-8"?>
+<p:sld xmlns:a="http://schemas.openxmlformats.org/drawingml/2006/main" xmlns:r="http://schemas.openxmlformats.org/officeDocument/2006/relationships" xmlns:p="http://schemas.openxmlformats.org/presentationml/2006/main">
+  <p:cSld>
+    <p:spTree>
+      <p:nvGrpSpPr>
+        <p:cNvPr id="1" name=""/>
+        <p:cNvGrpSpPr/>
+        <p:nvPr/>
+      </p:nvGrpSpPr>
+      <p:grpSpPr>
+        <a:xfrm>
+          <a:off x="0" y="0"/>
+          <a:ext cx="0" cy="0"/>
+          <a:chOff x="0" y="0"/>
+          <a:chExt cx="0" cy="0"/>
+        </a:xfrm>
+      </p:grpSpPr>
+      <p:sp>
+        <p:nvSpPr>
+          <p:cNvPr id="2" name="标题 1">
+            <a:extLst>
+              <a:ext uri="{FF2B5EF4-FFF2-40B4-BE49-F238E27FC236}">
+                <a16:creationId xmlns:a16="http://schemas.microsoft.com/office/drawing/2014/main" id="{F993270C-3898-4D22-B278-074A8B891669}"/>
+              </a:ext>
+            </a:extLst>
+          </p:cNvPr>
+          <p:cNvSpPr>
+            <a:spLocks noGrp="1"/>
+          </p:cNvSpPr>
+          <p:nvPr>
+            <p:ph type="title"/>
+          </p:nvPr>
+        </p:nvSpPr>
+        <p:spPr/>
+        <p:txBody>
+          <a:bodyPr/>
+          <a:lstStyle/>
+          <a:p>
+            <a:r>
+              <a:rPr lang="zh-CN" altLang="en-US" dirty="0"/>
+              <a:t>扩展</a:t>
+            </a:r>
+            <a:r>
+              <a:rPr lang="en-US" altLang="zh-CN" dirty="0"/>
+              <a:t>-</a:t>
+            </a:r>
+            <a:r>
+              <a:rPr lang="zh-CN" altLang="en-US" dirty="0"/>
+              <a:t>加法树</a:t>
+            </a:r>
+          </a:p>
+        </p:txBody>
+      </p:sp>
+      <p:sp>
+        <p:nvSpPr>
+          <p:cNvPr id="10" name="文本框 9">
+            <a:extLst>
+              <a:ext uri="{FF2B5EF4-FFF2-40B4-BE49-F238E27FC236}">
+                <a16:creationId xmlns:a16="http://schemas.microsoft.com/office/drawing/2014/main" id="{C8E190C4-432E-4254-92CD-9A5F4632D6A0}"/>
+              </a:ext>
+            </a:extLst>
+          </p:cNvPr>
+          <p:cNvSpPr txBox="1"/>
+          <p:nvPr/>
+        </p:nvSpPr>
+        <p:spPr>
+          <a:xfrm>
+            <a:off x="838200" y="2016165"/>
+            <a:ext cx="4068660" cy="1200329"/>
+          </a:xfrm>
+          <a:prstGeom prst="rect">
+            <a:avLst/>
+          </a:prstGeom>
+          <a:noFill/>
+        </p:spPr>
+        <p:txBody>
+          <a:bodyPr wrap="square" rtlCol="0">
+            <a:spAutoFit/>
+          </a:bodyPr>
+          <a:lstStyle/>
+          <a:p>
+            <a:r>
+              <a:rPr lang="zh-CN" altLang="en-US" dirty="0"/>
+              <a:t>加法规则可以用树状结构来表述</a:t>
+            </a:r>
+            <a:r>
+              <a:rPr lang="en-US" altLang="zh-CN" dirty="0"/>
+              <a:t>:</a:t>
+            </a:r>
+          </a:p>
+          <a:p>
+            <a:r>
+              <a:rPr lang="zh-CN" altLang="en-US" dirty="0"/>
+              <a:t>比如</a:t>
+            </a:r>
+            <a:r>
+              <a:rPr lang="en-US" altLang="zh-CN" dirty="0" err="1"/>
+              <a:t>a+b</a:t>
+            </a:r>
+            <a:r>
+              <a:rPr lang="en-US" altLang="zh-CN" dirty="0"/>
+              <a:t>=c</a:t>
+            </a:r>
+          </a:p>
+          <a:p>
+            <a:r>
+              <a:rPr lang="en-US" altLang="zh-CN" dirty="0"/>
+              <a:t>a, b</a:t>
+            </a:r>
+            <a:r>
+              <a:rPr lang="zh-CN" altLang="en-US" dirty="0"/>
+              <a:t>上附着某种特性，</a:t>
+            </a:r>
+            <a:r>
+              <a:rPr lang="en-US" altLang="zh-CN" dirty="0"/>
+              <a:t>c</a:t>
+            </a:r>
+            <a:r>
+              <a:rPr lang="zh-CN" altLang="en-US" dirty="0"/>
+              <a:t>上拥有</a:t>
+            </a:r>
+            <a:r>
+              <a:rPr lang="en-US" altLang="zh-CN" dirty="0"/>
+              <a:t>ab</a:t>
+            </a:r>
+            <a:r>
+              <a:rPr lang="zh-CN" altLang="en-US" dirty="0"/>
+              <a:t>的特性之和</a:t>
+            </a:r>
+          </a:p>
+        </p:txBody>
+      </p:sp>
+      <p:pic>
+        <p:nvPicPr>
+          <p:cNvPr id="14" name="图片 13">
+            <a:extLst>
+              <a:ext uri="{FF2B5EF4-FFF2-40B4-BE49-F238E27FC236}">
+                <a16:creationId xmlns:a16="http://schemas.microsoft.com/office/drawing/2014/main" id="{652219EB-F7F3-48EA-8D42-EFB612C8D584}"/>
+              </a:ext>
+            </a:extLst>
+          </p:cNvPr>
+          <p:cNvPicPr>
+            <a:picLocks noChangeAspect="1"/>
+          </p:cNvPicPr>
+          <p:nvPr/>
+        </p:nvPicPr>
+        <p:blipFill>
+          <a:blip r:embed="rId2"/>
+          <a:stretch>
+            <a:fillRect/>
+          </a:stretch>
+        </p:blipFill>
+        <p:spPr>
+          <a:xfrm>
+            <a:off x="5477530" y="1866900"/>
+            <a:ext cx="3267075" cy="3124200"/>
+          </a:xfrm>
+          <a:prstGeom prst="rect">
+            <a:avLst/>
+          </a:prstGeom>
+        </p:spPr>
+      </p:pic>
+    </p:spTree>
+    <p:extLst>
+      <p:ext uri="{BB962C8B-B14F-4D97-AF65-F5344CB8AC3E}">
+        <p14:creationId xmlns:p14="http://schemas.microsoft.com/office/powerpoint/2010/main" val="1901969773"/>
+      </p:ext>
+    </p:extLst>
+  </p:cSld>
+  <p:clrMapOvr>
+    <a:masterClrMapping/>
+  </p:clrMapOvr>
+</p:sld>
+</file>
+
+<file path=ppt/slides/slide17.xml><?xml version="1.0" encoding="utf-8"?>
+<p:sld xmlns:a="http://schemas.openxmlformats.org/drawingml/2006/main" xmlns:r="http://schemas.openxmlformats.org/officeDocument/2006/relationships" xmlns:p="http://schemas.openxmlformats.org/presentationml/2006/main">
+  <p:cSld>
+    <p:spTree>
+      <p:nvGrpSpPr>
+        <p:cNvPr id="1" name=""/>
+        <p:cNvGrpSpPr/>
+        <p:nvPr/>
+      </p:nvGrpSpPr>
+      <p:grpSpPr>
+        <a:xfrm>
+          <a:off x="0" y="0"/>
+          <a:ext cx="0" cy="0"/>
+          <a:chOff x="0" y="0"/>
+          <a:chExt cx="0" cy="0"/>
+        </a:xfrm>
+      </p:grpSpPr>
+      <p:sp>
+        <p:nvSpPr>
+          <p:cNvPr id="2" name="标题 1">
+            <a:extLst>
+              <a:ext uri="{FF2B5EF4-FFF2-40B4-BE49-F238E27FC236}">
+                <a16:creationId xmlns:a16="http://schemas.microsoft.com/office/drawing/2014/main" id="{3330C01E-DE25-4241-8706-C5451BD05E08}"/>
+              </a:ext>
+            </a:extLst>
+          </p:cNvPr>
+          <p:cNvSpPr>
+            <a:spLocks noGrp="1"/>
+          </p:cNvSpPr>
+          <p:nvPr>
+            <p:ph type="title"/>
+          </p:nvPr>
+        </p:nvSpPr>
+        <p:spPr/>
+        <p:txBody>
+          <a:bodyPr/>
+          <a:lstStyle/>
+          <a:p>
+            <a:r>
+              <a:rPr lang="zh-CN" altLang="en-US" dirty="0"/>
+              <a:t>扩展</a:t>
+            </a:r>
+            <a:r>
+              <a:rPr lang="en-US" altLang="zh-CN" dirty="0"/>
+              <a:t>-</a:t>
+            </a:r>
+            <a:r>
+              <a:rPr lang="zh-CN" altLang="en-US" dirty="0"/>
+              <a:t>多态的随机选择</a:t>
+            </a:r>
+          </a:p>
+        </p:txBody>
+      </p:sp>
+      <p:sp>
+        <p:nvSpPr>
+          <p:cNvPr id="3" name="内容占位符 2">
+            <a:extLst>
+              <a:ext uri="{FF2B5EF4-FFF2-40B4-BE49-F238E27FC236}">
+                <a16:creationId xmlns:a16="http://schemas.microsoft.com/office/drawing/2014/main" id="{58B902DC-BF12-4148-B881-5AFBAC823F3E}"/>
+              </a:ext>
+            </a:extLst>
+          </p:cNvPr>
+          <p:cNvSpPr>
+            <a:spLocks noGrp="1"/>
+          </p:cNvSpPr>
+          <p:nvPr>
+            <p:ph idx="1"/>
+          </p:nvPr>
+        </p:nvSpPr>
+        <p:spPr/>
+        <p:txBody>
+          <a:bodyPr/>
+          <a:lstStyle/>
+          <a:p>
+            <a:r>
+              <a:rPr lang="zh-CN" altLang="en-US" dirty="0"/>
+              <a:t>搬运一些物理学的概念</a:t>
+            </a:r>
+            <a:endParaRPr lang="en-US" altLang="zh-CN" dirty="0"/>
+          </a:p>
+          <a:p>
+            <a:r>
+              <a:rPr lang="zh-CN" altLang="en-US" dirty="0"/>
+              <a:t>选择子格式</a:t>
+            </a:r>
+            <a:r>
+              <a:rPr lang="en-US" altLang="zh-CN" dirty="0"/>
+              <a:t>: ?1/M[</a:t>
+            </a:r>
+            <a:r>
+              <a:rPr lang="en-US" altLang="zh-CN" dirty="0" err="1"/>
+              <a:t>a,b,c,d</a:t>
+            </a:r>
+            <a:r>
+              <a:rPr lang="en-US" altLang="zh-CN" dirty="0"/>
+              <a:t>]</a:t>
+            </a:r>
+          </a:p>
+          <a:p>
+            <a:r>
+              <a:rPr lang="zh-CN" altLang="en-US" dirty="0"/>
+              <a:t>在多个可能的状态中选择</a:t>
+            </a:r>
+          </a:p>
+          <a:p>
+            <a:endParaRPr lang="en-US" altLang="zh-CN" dirty="0"/>
+          </a:p>
+          <a:p>
+            <a:endParaRPr lang="zh-CN" altLang="en-US" dirty="0"/>
+          </a:p>
+        </p:txBody>
+      </p:sp>
+      <p:pic>
+        <p:nvPicPr>
+          <p:cNvPr id="5" name="图片 4">
+            <a:extLst>
+              <a:ext uri="{FF2B5EF4-FFF2-40B4-BE49-F238E27FC236}">
+                <a16:creationId xmlns:a16="http://schemas.microsoft.com/office/drawing/2014/main" id="{E5CB9DAF-2E16-4533-AD02-F73FA6FE4516}"/>
+              </a:ext>
+            </a:extLst>
+          </p:cNvPr>
+          <p:cNvPicPr>
+            <a:picLocks noChangeAspect="1"/>
+          </p:cNvPicPr>
+          <p:nvPr/>
+        </p:nvPicPr>
+        <p:blipFill>
+          <a:blip r:embed="rId2"/>
+          <a:stretch>
+            <a:fillRect/>
+          </a:stretch>
+        </p:blipFill>
+        <p:spPr>
+          <a:xfrm>
+            <a:off x="5343788" y="1961740"/>
+            <a:ext cx="4769447" cy="4215223"/>
+          </a:xfrm>
+          <a:prstGeom prst="rect">
+            <a:avLst/>
+          </a:prstGeom>
+        </p:spPr>
+      </p:pic>
+    </p:spTree>
+    <p:extLst>
+      <p:ext uri="{BB962C8B-B14F-4D97-AF65-F5344CB8AC3E}">
+        <p14:creationId xmlns:p14="http://schemas.microsoft.com/office/powerpoint/2010/main" val="4003735991"/>
+      </p:ext>
+    </p:extLst>
+  </p:cSld>
+  <p:clrMapOvr>
+    <a:masterClrMapping/>
+  </p:clrMapOvr>
+</p:sld>
+</file>
+
+<file path=ppt/slides/slide18.xml><?xml version="1.0" encoding="utf-8"?>
 <p:sld xmlns:a="http://schemas.openxmlformats.org/drawingml/2006/main" xmlns:r="http://schemas.openxmlformats.org/officeDocument/2006/relationships" xmlns:p="http://schemas.openxmlformats.org/presentationml/2006/main">
   <p:cSld>
     <p:spTree>
@@ -5529,7 +5861,7 @@
 </p:sld>
 </file>
 
-<file path=ppt/slides/slide17.xml><?xml version="1.0" encoding="utf-8"?>
+<file path=ppt/slides/slide19.xml><?xml version="1.0" encoding="utf-8"?>
 <p:sld xmlns:a="http://schemas.openxmlformats.org/drawingml/2006/main" xmlns:r="http://schemas.openxmlformats.org/officeDocument/2006/relationships" xmlns:p="http://schemas.openxmlformats.org/presentationml/2006/main">
   <p:cSld>
     <p:spTree>
@@ -5948,131 +6280,6 @@
     <p:extLst>
       <p:ext uri="{BB962C8B-B14F-4D97-AF65-F5344CB8AC3E}">
         <p14:creationId xmlns:p14="http://schemas.microsoft.com/office/powerpoint/2010/main" val="360990132"/>
-      </p:ext>
-    </p:extLst>
-  </p:cSld>
-  <p:clrMapOvr>
-    <a:masterClrMapping/>
-  </p:clrMapOvr>
-</p:sld>
-</file>
-
-<file path=ppt/slides/slide18.xml><?xml version="1.0" encoding="utf-8"?>
-<p:sld xmlns:a="http://schemas.openxmlformats.org/drawingml/2006/main" xmlns:r="http://schemas.openxmlformats.org/officeDocument/2006/relationships" xmlns:p="http://schemas.openxmlformats.org/presentationml/2006/main">
-  <p:cSld>
-    <p:spTree>
-      <p:nvGrpSpPr>
-        <p:cNvPr id="1" name=""/>
-        <p:cNvGrpSpPr/>
-        <p:nvPr/>
-      </p:nvGrpSpPr>
-      <p:grpSpPr>
-        <a:xfrm>
-          <a:off x="0" y="0"/>
-          <a:ext cx="0" cy="0"/>
-          <a:chOff x="0" y="0"/>
-          <a:chExt cx="0" cy="0"/>
-        </a:xfrm>
-      </p:grpSpPr>
-      <p:sp>
-        <p:nvSpPr>
-          <p:cNvPr id="2" name="标题 1">
-            <a:extLst>
-              <a:ext uri="{FF2B5EF4-FFF2-40B4-BE49-F238E27FC236}">
-                <a16:creationId xmlns:a16="http://schemas.microsoft.com/office/drawing/2014/main" id="{41B2E6DC-BFB7-D8A6-21DC-5F492E718373}"/>
-              </a:ext>
-            </a:extLst>
-          </p:cNvPr>
-          <p:cNvSpPr>
-            <a:spLocks noGrp="1"/>
-          </p:cNvSpPr>
-          <p:nvPr>
-            <p:ph type="title"/>
-          </p:nvPr>
-        </p:nvSpPr>
-        <p:spPr/>
-        <p:txBody>
-          <a:bodyPr/>
-          <a:lstStyle/>
-          <a:p>
-            <a:r>
-              <a:rPr lang="zh-CN" altLang="en-US" dirty="0"/>
-              <a:t>局限性与注意事项</a:t>
-            </a:r>
-          </a:p>
-        </p:txBody>
-      </p:sp>
-      <p:sp>
-        <p:nvSpPr>
-          <p:cNvPr id="3" name="内容占位符 2">
-            <a:extLst>
-              <a:ext uri="{FF2B5EF4-FFF2-40B4-BE49-F238E27FC236}">
-                <a16:creationId xmlns:a16="http://schemas.microsoft.com/office/drawing/2014/main" id="{2076ED51-B141-E7C6-98A9-E62042D1CB99}"/>
-              </a:ext>
-            </a:extLst>
-          </p:cNvPr>
-          <p:cNvSpPr>
-            <a:spLocks noGrp="1"/>
-          </p:cNvSpPr>
-          <p:nvPr>
-            <p:ph idx="1"/>
-          </p:nvPr>
-        </p:nvSpPr>
-        <p:spPr/>
-        <p:txBody>
-          <a:bodyPr/>
-          <a:lstStyle/>
-          <a:p>
-            <a:r>
-              <a:rPr lang="zh-CN" altLang="en-US" dirty="0"/>
-              <a:t>变量只有数字</a:t>
-            </a:r>
-            <a:r>
-              <a:rPr lang="en-US" altLang="zh-CN" dirty="0"/>
-              <a:t>,</a:t>
-            </a:r>
-            <a:r>
-              <a:rPr lang="zh-CN" altLang="en-US" dirty="0"/>
-              <a:t>分浮点</a:t>
-            </a:r>
-            <a:r>
-              <a:rPr lang="en-US" altLang="zh-CN" dirty="0"/>
-              <a:t>,</a:t>
-            </a:r>
-            <a:r>
-              <a:rPr lang="zh-CN" altLang="en-US" dirty="0"/>
-              <a:t>整数两种类型</a:t>
-            </a:r>
-            <a:endParaRPr lang="en-US" altLang="zh-CN" dirty="0"/>
-          </a:p>
-          <a:p>
-            <a:r>
-              <a:rPr lang="zh-CN" altLang="en-US" dirty="0"/>
-              <a:t>字符串不是变量，只能传递给</a:t>
-            </a:r>
-            <a:r>
-              <a:rPr lang="en-US" altLang="zh-CN" dirty="0"/>
-              <a:t>API</a:t>
-            </a:r>
-            <a:r>
-              <a:rPr lang="zh-CN" altLang="en-US" dirty="0"/>
-              <a:t>使用</a:t>
-            </a:r>
-            <a:endParaRPr lang="en-US" altLang="zh-CN" dirty="0"/>
-          </a:p>
-          <a:p>
-            <a:r>
-              <a:rPr lang="zh-CN" altLang="en-US" dirty="0"/>
-              <a:t>属性表达式不能嵌套使用</a:t>
-            </a:r>
-            <a:endParaRPr lang="en-US" altLang="zh-CN" dirty="0"/>
-          </a:p>
-        </p:txBody>
-      </p:sp>
-    </p:spTree>
-    <p:extLst>
-      <p:ext uri="{BB962C8B-B14F-4D97-AF65-F5344CB8AC3E}">
-        <p14:creationId xmlns:p14="http://schemas.microsoft.com/office/powerpoint/2010/main" val="2760990460"/>
       </p:ext>
     </p:extLst>
   </p:cSld>
@@ -6283,6 +6490,131 @@
 </p:sld>
 </file>
 
+<file path=ppt/slides/slide20.xml><?xml version="1.0" encoding="utf-8"?>
+<p:sld xmlns:a="http://schemas.openxmlformats.org/drawingml/2006/main" xmlns:r="http://schemas.openxmlformats.org/officeDocument/2006/relationships" xmlns:p="http://schemas.openxmlformats.org/presentationml/2006/main">
+  <p:cSld>
+    <p:spTree>
+      <p:nvGrpSpPr>
+        <p:cNvPr id="1" name=""/>
+        <p:cNvGrpSpPr/>
+        <p:nvPr/>
+      </p:nvGrpSpPr>
+      <p:grpSpPr>
+        <a:xfrm>
+          <a:off x="0" y="0"/>
+          <a:ext cx="0" cy="0"/>
+          <a:chOff x="0" y="0"/>
+          <a:chExt cx="0" cy="0"/>
+        </a:xfrm>
+      </p:grpSpPr>
+      <p:sp>
+        <p:nvSpPr>
+          <p:cNvPr id="2" name="标题 1">
+            <a:extLst>
+              <a:ext uri="{FF2B5EF4-FFF2-40B4-BE49-F238E27FC236}">
+                <a16:creationId xmlns:a16="http://schemas.microsoft.com/office/drawing/2014/main" id="{41B2E6DC-BFB7-D8A6-21DC-5F492E718373}"/>
+              </a:ext>
+            </a:extLst>
+          </p:cNvPr>
+          <p:cNvSpPr>
+            <a:spLocks noGrp="1"/>
+          </p:cNvSpPr>
+          <p:nvPr>
+            <p:ph type="title"/>
+          </p:nvPr>
+        </p:nvSpPr>
+        <p:spPr/>
+        <p:txBody>
+          <a:bodyPr/>
+          <a:lstStyle/>
+          <a:p>
+            <a:r>
+              <a:rPr lang="zh-CN" altLang="en-US" dirty="0"/>
+              <a:t>局限性与注意事项</a:t>
+            </a:r>
+          </a:p>
+        </p:txBody>
+      </p:sp>
+      <p:sp>
+        <p:nvSpPr>
+          <p:cNvPr id="3" name="内容占位符 2">
+            <a:extLst>
+              <a:ext uri="{FF2B5EF4-FFF2-40B4-BE49-F238E27FC236}">
+                <a16:creationId xmlns:a16="http://schemas.microsoft.com/office/drawing/2014/main" id="{2076ED51-B141-E7C6-98A9-E62042D1CB99}"/>
+              </a:ext>
+            </a:extLst>
+          </p:cNvPr>
+          <p:cNvSpPr>
+            <a:spLocks noGrp="1"/>
+          </p:cNvSpPr>
+          <p:nvPr>
+            <p:ph idx="1"/>
+          </p:nvPr>
+        </p:nvSpPr>
+        <p:spPr/>
+        <p:txBody>
+          <a:bodyPr/>
+          <a:lstStyle/>
+          <a:p>
+            <a:r>
+              <a:rPr lang="zh-CN" altLang="en-US" dirty="0"/>
+              <a:t>变量只有数字</a:t>
+            </a:r>
+            <a:r>
+              <a:rPr lang="en-US" altLang="zh-CN" dirty="0"/>
+              <a:t>,</a:t>
+            </a:r>
+            <a:r>
+              <a:rPr lang="zh-CN" altLang="en-US" dirty="0"/>
+              <a:t>分浮点</a:t>
+            </a:r>
+            <a:r>
+              <a:rPr lang="en-US" altLang="zh-CN" dirty="0"/>
+              <a:t>,</a:t>
+            </a:r>
+            <a:r>
+              <a:rPr lang="zh-CN" altLang="en-US" dirty="0"/>
+              <a:t>整数两种类型</a:t>
+            </a:r>
+            <a:endParaRPr lang="en-US" altLang="zh-CN" dirty="0"/>
+          </a:p>
+          <a:p>
+            <a:r>
+              <a:rPr lang="zh-CN" altLang="en-US" dirty="0"/>
+              <a:t>字符串不是变量，只能传递给</a:t>
+            </a:r>
+            <a:r>
+              <a:rPr lang="en-US" altLang="zh-CN" dirty="0"/>
+              <a:t>API</a:t>
+            </a:r>
+            <a:r>
+              <a:rPr lang="zh-CN" altLang="en-US" dirty="0"/>
+              <a:t>使用</a:t>
+            </a:r>
+            <a:endParaRPr lang="en-US" altLang="zh-CN" dirty="0"/>
+          </a:p>
+          <a:p>
+            <a:r>
+              <a:rPr lang="zh-CN" altLang="en-US" dirty="0"/>
+              <a:t>属性表达式不能嵌套使用</a:t>
+            </a:r>
+            <a:endParaRPr lang="en-US" altLang="zh-CN" dirty="0"/>
+          </a:p>
+        </p:txBody>
+      </p:sp>
+    </p:spTree>
+    <p:extLst>
+      <p:ext uri="{BB962C8B-B14F-4D97-AF65-F5344CB8AC3E}">
+        <p14:creationId xmlns:p14="http://schemas.microsoft.com/office/powerpoint/2010/main" val="2760990460"/>
+      </p:ext>
+    </p:extLst>
+  </p:cSld>
+  <p:clrMapOvr>
+    <a:masterClrMapping/>
+  </p:clrMapOvr>
+</p:sld>
+</file>
+
 <file path=ppt/slides/slide3.xml><?xml version="1.0" encoding="utf-8"?>
 <p:sld xmlns:a="http://schemas.openxmlformats.org/drawingml/2006/main" xmlns:r="http://schemas.openxmlformats.org/officeDocument/2006/relationships" xmlns:p="http://schemas.openxmlformats.org/presentationml/2006/main">
   <p:cSld>
@@ -6305,7 +6637,7 @@
           <p:cNvPr id="2" name="标题 1">
             <a:extLst>
               <a:ext uri="{FF2B5EF4-FFF2-40B4-BE49-F238E27FC236}">
-                <a16:creationId xmlns:a16="http://schemas.microsoft.com/office/drawing/2014/main" id="{DFAF223A-8224-5D94-7057-AC8A914E77AB}"/>
+                <a16:creationId xmlns:a16="http://schemas.microsoft.com/office/drawing/2014/main" id="{46D92447-E272-3EAA-D5B4-7EF31C22002E}"/>
               </a:ext>
             </a:extLst>
           </p:cNvPr>
@@ -6323,15 +6655,7 @@
           <a:p>
             <a:r>
               <a:rPr lang="zh-CN" altLang="en-US" dirty="0"/>
-              <a:t>基本语法 </a:t>
-            </a:r>
-            <a:r>
-              <a:rPr lang="en-US" altLang="zh-CN" dirty="0"/>
-              <a:t>- </a:t>
-            </a:r>
-            <a:r>
-              <a:rPr lang="zh-CN" altLang="en-US" dirty="0"/>
-              <a:t>符号</a:t>
+              <a:t>基本概念</a:t>
             </a:r>
           </a:p>
         </p:txBody>
@@ -6341,7 +6665,7 @@
           <p:cNvPr id="3" name="内容占位符 2">
             <a:extLst>
               <a:ext uri="{FF2B5EF4-FFF2-40B4-BE49-F238E27FC236}">
-                <a16:creationId xmlns:a16="http://schemas.microsoft.com/office/drawing/2014/main" id="{A35B58BD-6A36-B670-028A-23EDE1EB94D2}"/>
+                <a16:creationId xmlns:a16="http://schemas.microsoft.com/office/drawing/2014/main" id="{AB38FE52-5569-12E5-F590-21498AC8F668}"/>
               </a:ext>
             </a:extLst>
           </p:cNvPr>
@@ -6358,93 +6682,126 @@
           <a:lstStyle/>
           <a:p>
             <a:r>
-              <a:rPr lang="en-US" altLang="zh-CN" dirty="0"/>
-              <a:t>#</a:t>
-            </a:r>
-            <a:r>
-              <a:rPr lang="zh-CN" altLang="en-US" dirty="0"/>
-              <a:t>注释</a:t>
+              <a:rPr lang="zh-CN" altLang="en-US" dirty="0"/>
+              <a:t>定义</a:t>
+            </a:r>
+            <a:r>
+              <a:rPr lang="en-US" altLang="zh-CN" dirty="0"/>
+              <a:t>a{ }, </a:t>
+            </a:r>
+            <a:r>
+              <a:rPr lang="zh-CN" altLang="en-US" dirty="0"/>
+              <a:t>定义一个节点</a:t>
+            </a:r>
+            <a:r>
+              <a:rPr lang="en-US" altLang="zh-CN" dirty="0"/>
+              <a:t>a</a:t>
+            </a:r>
+          </a:p>
+          <a:p>
+            <a:r>
+              <a:rPr lang="zh-CN" altLang="en-US" dirty="0"/>
+              <a:t>属性 </a:t>
+            </a:r>
+            <a:r>
+              <a:rPr lang="en-US" altLang="zh-CN" dirty="0"/>
+              <a:t>property : value; </a:t>
+            </a:r>
+          </a:p>
+          <a:p>
+            <a:r>
+              <a:rPr lang="zh-CN" altLang="en-US" dirty="0"/>
+              <a:t>特性 </a:t>
+            </a:r>
+            <a:r>
+              <a:rPr lang="en-US" altLang="zh-CN" dirty="0"/>
+              <a:t>attribute = value; </a:t>
+            </a:r>
+          </a:p>
+          <a:p>
+            <a:r>
+              <a:rPr lang="zh-CN" altLang="en-US" dirty="0"/>
+              <a:t>继承</a:t>
+            </a:r>
+            <a:r>
+              <a:rPr lang="en-US" altLang="zh-CN" dirty="0"/>
+              <a:t>{a}</a:t>
+            </a:r>
+            <a:r>
+              <a:rPr lang="zh-CN" altLang="en-US" dirty="0"/>
+              <a:t>，从已存在的节点上继承属性，但不继承特性</a:t>
             </a:r>
             <a:endParaRPr lang="en-US" altLang="zh-CN" dirty="0"/>
           </a:p>
           <a:p>
             <a:r>
-              <a:rPr lang="en-US" altLang="zh-CN" dirty="0"/>
-              <a:t>@</a:t>
-            </a:r>
-            <a:r>
-              <a:rPr lang="zh-CN" altLang="en-US" dirty="0"/>
-              <a:t>循环</a:t>
+              <a:rPr lang="zh-CN" altLang="en-US" dirty="0"/>
+              <a:t>阵列</a:t>
+            </a:r>
+            <a:r>
+              <a:rPr lang="en-US" altLang="zh-CN" dirty="0"/>
+              <a:t>[a, b, c]</a:t>
+            </a:r>
+            <a:r>
+              <a:rPr lang="zh-CN" altLang="en-US" dirty="0"/>
+              <a:t>与序列</a:t>
+            </a:r>
+            <a:r>
+              <a:rPr lang="en-US" altLang="zh-CN" dirty="0"/>
+              <a:t>&lt;a, b, c&gt;</a:t>
+            </a:r>
+            <a:r>
+              <a:rPr lang="zh-CN" altLang="en-US" dirty="0"/>
+              <a:t>（详见页</a:t>
+            </a:r>
+            <a:r>
+              <a:rPr lang="en-US" altLang="zh-CN" dirty="0"/>
+              <a:t>4</a:t>
+            </a:r>
+            <a:r>
+              <a:rPr lang="zh-CN" altLang="en-US" dirty="0"/>
+              <a:t>）</a:t>
             </a:r>
             <a:endParaRPr lang="en-US" altLang="zh-CN" dirty="0"/>
           </a:p>
           <a:p>
             <a:r>
               <a:rPr lang="zh-CN" altLang="en-US" dirty="0"/>
-              <a:t>？：条件</a:t>
+              <a:t>立即语句（</a:t>
+            </a:r>
+            <a:r>
+              <a:rPr lang="en-US" altLang="zh-CN" dirty="0" err="1"/>
+              <a:t>phg</a:t>
+            </a:r>
+            <a:r>
+              <a:rPr lang="zh-CN" altLang="en-US" dirty="0"/>
+              <a:t>）立即执行括号内的</a:t>
+            </a:r>
+            <a:r>
+              <a:rPr lang="en-US" altLang="zh-CN" dirty="0"/>
+              <a:t>PHG</a:t>
+            </a:r>
+            <a:r>
+              <a:rPr lang="zh-CN" altLang="en-US" dirty="0"/>
+              <a:t>语句</a:t>
             </a:r>
             <a:endParaRPr lang="en-US" altLang="zh-CN" dirty="0"/>
           </a:p>
           <a:p>
-            <a:r>
-              <a:rPr lang="en-US" altLang="zh-CN" dirty="0"/>
-              <a:t>$</a:t>
-            </a:r>
-            <a:r>
-              <a:rPr lang="zh-CN" altLang="en-US" dirty="0"/>
-              <a:t> 函数 以及返回</a:t>
-            </a:r>
             <a:endParaRPr lang="en-US" altLang="zh-CN" dirty="0"/>
           </a:p>
           <a:p>
-            <a:r>
-              <a:rPr lang="en-US" altLang="zh-CN" dirty="0"/>
-              <a:t>~</a:t>
-            </a:r>
-            <a:r>
-              <a:rPr lang="zh-CN" altLang="en-US" dirty="0"/>
-              <a:t>跳出符号</a:t>
-            </a:r>
             <a:endParaRPr lang="en-US" altLang="zh-CN" dirty="0"/>
           </a:p>
           <a:p>
-            <a:r>
-              <a:rPr lang="en-US" altLang="zh-CN" dirty="0"/>
-              <a:t>&gt;</a:t>
-            </a:r>
-            <a:r>
-              <a:rPr lang="zh-CN" altLang="en-US" dirty="0"/>
-              <a:t>打印符号</a:t>
-            </a:r>
-            <a:endParaRPr lang="en-US" altLang="zh-CN" dirty="0"/>
-          </a:p>
-          <a:p>
-            <a:r>
-              <a:rPr lang="en-US" altLang="zh-CN" dirty="0"/>
-              <a:t>; </a:t>
-            </a:r>
-            <a:r>
-              <a:rPr lang="zh-CN" altLang="en-US" dirty="0"/>
-              <a:t>结束符号</a:t>
-            </a:r>
-            <a:endParaRPr lang="en-US" altLang="zh-CN" dirty="0"/>
-          </a:p>
-          <a:p>
-            <a:r>
-              <a:rPr lang="en-US" altLang="zh-CN" dirty="0"/>
-              <a:t>{},[],&lt;&gt;</a:t>
-            </a:r>
-            <a:r>
-              <a:rPr lang="zh-CN" altLang="en-US" dirty="0"/>
-              <a:t>节点定义符号</a:t>
-            </a:r>
+            <a:endParaRPr lang="zh-CN" altLang="en-US" dirty="0"/>
           </a:p>
         </p:txBody>
       </p:sp>
     </p:spTree>
     <p:extLst>
       <p:ext uri="{BB962C8B-B14F-4D97-AF65-F5344CB8AC3E}">
-        <p14:creationId xmlns:p14="http://schemas.microsoft.com/office/powerpoint/2010/main" val="3365786443"/>
+        <p14:creationId xmlns:p14="http://schemas.microsoft.com/office/powerpoint/2010/main" val="1957067067"/>
       </p:ext>
     </p:extLst>
   </p:cSld>
@@ -6476,7 +6833,7 @@
           <p:cNvPr id="2" name="标题 1">
             <a:extLst>
               <a:ext uri="{FF2B5EF4-FFF2-40B4-BE49-F238E27FC236}">
-                <a16:creationId xmlns:a16="http://schemas.microsoft.com/office/drawing/2014/main" id="{1FF981D2-DFF3-37DA-F8AD-58C4459626F6}"/>
+                <a16:creationId xmlns:a16="http://schemas.microsoft.com/office/drawing/2014/main" id="{DFAF223A-8224-5D94-7057-AC8A914E77AB}"/>
               </a:ext>
             </a:extLst>
           </p:cNvPr>
@@ -6494,15 +6851,15 @@
           <a:p>
             <a:r>
               <a:rPr lang="zh-CN" altLang="en-US" dirty="0"/>
-              <a:t>基本语法</a:t>
-            </a:r>
-            <a:r>
-              <a:rPr lang="en-US" altLang="zh-CN" dirty="0"/>
-              <a:t>-</a:t>
-            </a:r>
-            <a:r>
-              <a:rPr lang="zh-CN" altLang="en-US" dirty="0"/>
-              <a:t>变量</a:t>
+              <a:t>基本语法 </a:t>
+            </a:r>
+            <a:r>
+              <a:rPr lang="en-US" altLang="zh-CN" dirty="0"/>
+              <a:t>- </a:t>
+            </a:r>
+            <a:r>
+              <a:rPr lang="zh-CN" altLang="en-US" dirty="0"/>
+              <a:t>符号</a:t>
             </a:r>
           </a:p>
         </p:txBody>
@@ -6512,7 +6869,7 @@
           <p:cNvPr id="3" name="内容占位符 2">
             <a:extLst>
               <a:ext uri="{FF2B5EF4-FFF2-40B4-BE49-F238E27FC236}">
-                <a16:creationId xmlns:a16="http://schemas.microsoft.com/office/drawing/2014/main" id="{B8292534-A266-1430-92F9-6BC3ACCAEF61}"/>
+                <a16:creationId xmlns:a16="http://schemas.microsoft.com/office/drawing/2014/main" id="{A35B58BD-6A36-B670-028A-23EDE1EB94D2}"/>
               </a:ext>
             </a:extLst>
           </p:cNvPr>
@@ -6529,94 +6886,93 @@
           <a:lstStyle/>
           <a:p>
             <a:r>
-              <a:rPr lang="zh-CN" altLang="en-US" dirty="0"/>
-              <a:t>变量分整数，浮点，字符串三种，可以直接定义如：</a:t>
+              <a:rPr lang="en-US" altLang="zh-CN" dirty="0"/>
+              <a:t>#</a:t>
+            </a:r>
+            <a:r>
+              <a:rPr lang="zh-CN" altLang="en-US" dirty="0"/>
+              <a:t>注释</a:t>
             </a:r>
             <a:endParaRPr lang="en-US" altLang="zh-CN" dirty="0"/>
           </a:p>
           <a:p>
-            <a:pPr marL="0" indent="0">
-              <a:buNone/>
-            </a:pPr>
-            <a:r>
-              <a:rPr lang="en-US" altLang="zh-CN" dirty="0"/>
-              <a:t>	a = 1</a:t>
-            </a:r>
-            <a:r>
-              <a:rPr lang="zh-CN" altLang="en-US" dirty="0"/>
-              <a:t>；</a:t>
-            </a:r>
-            <a:r>
-              <a:rPr lang="en-US" altLang="zh-CN" dirty="0"/>
-              <a:t>b = 0.1</a:t>
-            </a:r>
-            <a:r>
-              <a:rPr lang="zh-CN" altLang="en-US" dirty="0"/>
-              <a:t> ；</a:t>
-            </a:r>
-            <a:r>
-              <a:rPr lang="en-US" altLang="zh-CN" dirty="0"/>
-              <a:t>&gt;a + b; (</a:t>
-            </a:r>
-            <a:r>
-              <a:rPr lang="zh-CN" altLang="en-US" dirty="0"/>
-              <a:t>打印</a:t>
-            </a:r>
-            <a:r>
-              <a:rPr lang="en-US" altLang="zh-CN" dirty="0"/>
-              <a:t>a + b</a:t>
-            </a:r>
-            <a:r>
-              <a:rPr lang="zh-CN" altLang="en-US" dirty="0"/>
-              <a:t>的数值）</a:t>
+            <a:r>
+              <a:rPr lang="en-US" altLang="zh-CN" dirty="0"/>
+              <a:t>@</a:t>
+            </a:r>
+            <a:r>
+              <a:rPr lang="zh-CN" altLang="en-US" dirty="0"/>
+              <a:t>循环</a:t>
             </a:r>
             <a:endParaRPr lang="en-US" altLang="zh-CN" dirty="0"/>
           </a:p>
           <a:p>
-            <a:pPr marL="0" indent="0">
-              <a:buNone/>
-            </a:pPr>
-            <a:r>
-              <a:rPr lang="en-US" altLang="zh-CN" dirty="0"/>
-              <a:t>	a = ‘hello’;	b = </a:t>
-            </a:r>
-            <a:r>
-              <a:rPr lang="en-US" altLang="zh-CN"/>
-              <a:t>‘world’; &gt; a + b;</a:t>
+            <a:r>
+              <a:rPr lang="zh-CN" altLang="en-US" dirty="0"/>
+              <a:t>？：条件</a:t>
             </a:r>
             <a:endParaRPr lang="en-US" altLang="zh-CN" dirty="0"/>
           </a:p>
           <a:p>
-            <a:pPr marL="0" indent="0">
-              <a:buNone/>
-            </a:pPr>
-            <a:r>
-              <a:rPr lang="en-US" altLang="zh-CN" dirty="0"/>
-              <a:t>	</a:t>
-            </a:r>
-          </a:p>
-          <a:p>
-            <a:r>
-              <a:rPr lang="zh-CN" altLang="en-US" dirty="0"/>
-              <a:t>变量可以由宿主程序的来自定义，相应的运算也可以自定义</a:t>
-            </a:r>
-            <a:r>
-              <a:rPr lang="en-US" altLang="zh-CN" dirty="0"/>
-              <a:t>	</a:t>
-            </a:r>
-          </a:p>
-          <a:p>
-            <a:pPr marL="0" indent="0">
-              <a:buNone/>
-            </a:pPr>
-            <a:endParaRPr lang="zh-CN" altLang="en-US" dirty="0"/>
+            <a:r>
+              <a:rPr lang="en-US" altLang="zh-CN" dirty="0"/>
+              <a:t>$</a:t>
+            </a:r>
+            <a:r>
+              <a:rPr lang="zh-CN" altLang="en-US" dirty="0"/>
+              <a:t> 函数 以及返回</a:t>
+            </a:r>
+            <a:endParaRPr lang="en-US" altLang="zh-CN" dirty="0"/>
+          </a:p>
+          <a:p>
+            <a:r>
+              <a:rPr lang="en-US" altLang="zh-CN" dirty="0"/>
+              <a:t>~</a:t>
+            </a:r>
+            <a:r>
+              <a:rPr lang="zh-CN" altLang="en-US" dirty="0"/>
+              <a:t>跳出符号</a:t>
+            </a:r>
+            <a:endParaRPr lang="en-US" altLang="zh-CN" dirty="0"/>
+          </a:p>
+          <a:p>
+            <a:r>
+              <a:rPr lang="en-US" altLang="zh-CN" dirty="0"/>
+              <a:t>&gt;</a:t>
+            </a:r>
+            <a:r>
+              <a:rPr lang="zh-CN" altLang="en-US" dirty="0"/>
+              <a:t>打印符号</a:t>
+            </a:r>
+            <a:endParaRPr lang="en-US" altLang="zh-CN" dirty="0"/>
+          </a:p>
+          <a:p>
+            <a:r>
+              <a:rPr lang="en-US" altLang="zh-CN" dirty="0"/>
+              <a:t>; </a:t>
+            </a:r>
+            <a:r>
+              <a:rPr lang="zh-CN" altLang="en-US" dirty="0"/>
+              <a:t>结束符号</a:t>
+            </a:r>
+            <a:endParaRPr lang="en-US" altLang="zh-CN" dirty="0"/>
+          </a:p>
+          <a:p>
+            <a:r>
+              <a:rPr lang="en-US" altLang="zh-CN" dirty="0"/>
+              <a:t>{},[],&lt;&gt;</a:t>
+            </a:r>
+            <a:r>
+              <a:rPr lang="zh-CN" altLang="en-US" dirty="0"/>
+              <a:t>节点定义符号</a:t>
+            </a:r>
           </a:p>
         </p:txBody>
       </p:sp>
     </p:spTree>
     <p:extLst>
       <p:ext uri="{BB962C8B-B14F-4D97-AF65-F5344CB8AC3E}">
-        <p14:creationId xmlns:p14="http://schemas.microsoft.com/office/powerpoint/2010/main" val="2134439794"/>
+        <p14:creationId xmlns:p14="http://schemas.microsoft.com/office/powerpoint/2010/main" val="3365786443"/>
       </p:ext>
     </p:extLst>
   </p:cSld>
@@ -6648,7 +7004,7 @@
           <p:cNvPr id="2" name="标题 1">
             <a:extLst>
               <a:ext uri="{FF2B5EF4-FFF2-40B4-BE49-F238E27FC236}">
-                <a16:creationId xmlns:a16="http://schemas.microsoft.com/office/drawing/2014/main" id="{E60F6B91-7A30-93BE-2C0B-07B69C7C763B}"/>
+                <a16:creationId xmlns:a16="http://schemas.microsoft.com/office/drawing/2014/main" id="{1FF981D2-DFF3-37DA-F8AD-58C4459626F6}"/>
               </a:ext>
             </a:extLst>
           </p:cNvPr>
@@ -6674,7 +7030,7 @@
             </a:r>
             <a:r>
               <a:rPr lang="zh-CN" altLang="en-US" dirty="0"/>
-              <a:t>控制语句</a:t>
+              <a:t>变量</a:t>
             </a:r>
           </a:p>
         </p:txBody>
@@ -6684,7 +7040,7 @@
           <p:cNvPr id="3" name="内容占位符 2">
             <a:extLst>
               <a:ext uri="{FF2B5EF4-FFF2-40B4-BE49-F238E27FC236}">
-                <a16:creationId xmlns:a16="http://schemas.microsoft.com/office/drawing/2014/main" id="{62EFE77E-150F-0FC5-07F4-0A5182A6D5D4}"/>
+                <a16:creationId xmlns:a16="http://schemas.microsoft.com/office/drawing/2014/main" id="{B8292534-A266-1430-92F9-6BC3ACCAEF61}"/>
               </a:ext>
             </a:extLst>
           </p:cNvPr>
@@ -6702,8 +7058,9 @@
           <a:p>
             <a:r>
               <a:rPr lang="zh-CN" altLang="en-US" dirty="0"/>
-              <a:t>条件语句：</a:t>
-            </a:r>
+              <a:t>基本变量分整数跟浮点树两种，可以直接定义如：</a:t>
+            </a:r>
+            <a:endParaRPr lang="en-US" altLang="zh-CN" dirty="0"/>
           </a:p>
           <a:p>
             <a:pPr marL="0" indent="0">
@@ -6711,17 +7068,37 @@
             </a:pPr>
             <a:r>
               <a:rPr lang="en-US" altLang="zh-CN" dirty="0"/>
-              <a:t>	?(expr){ statements }:{ else statements } </a:t>
-            </a:r>
-          </a:p>
-          <a:p>
-            <a:pPr marL="0" indent="0">
-              <a:buNone/>
-            </a:pPr>
-            <a:r>
-              <a:rPr lang="en-US" altLang="zh-CN" dirty="0"/>
-              <a:t>	?(expr) statement; : statement; </a:t>
-            </a:r>
+              <a:t>	a = 1</a:t>
+            </a:r>
+            <a:r>
+              <a:rPr lang="zh-CN" altLang="en-US" dirty="0"/>
+              <a:t>；</a:t>
+            </a:r>
+            <a:r>
+              <a:rPr lang="en-US" altLang="zh-CN" dirty="0"/>
+              <a:t>b = 0.1</a:t>
+            </a:r>
+            <a:r>
+              <a:rPr lang="zh-CN" altLang="en-US" dirty="0"/>
+              <a:t> ；</a:t>
+            </a:r>
+            <a:r>
+              <a:rPr lang="en-US" altLang="zh-CN" dirty="0"/>
+              <a:t>&gt;a + b; (</a:t>
+            </a:r>
+            <a:r>
+              <a:rPr lang="zh-CN" altLang="en-US" dirty="0"/>
+              <a:t>打印</a:t>
+            </a:r>
+            <a:r>
+              <a:rPr lang="en-US" altLang="zh-CN" dirty="0"/>
+              <a:t>a + b</a:t>
+            </a:r>
+            <a:r>
+              <a:rPr lang="zh-CN" altLang="en-US" dirty="0"/>
+              <a:t>的数值）</a:t>
+            </a:r>
+            <a:endParaRPr lang="en-US" altLang="zh-CN" dirty="0"/>
           </a:p>
           <a:p>
             <a:pPr marL="0" indent="0">
@@ -6731,13 +7108,28 @@
           </a:p>
           <a:p>
             <a:r>
-              <a:rPr lang="en-US" altLang="zh-CN" dirty="0"/>
-              <a:t> </a:t>
-            </a:r>
-            <a:r>
-              <a:rPr lang="zh-CN" altLang="en-US" dirty="0"/>
-              <a:t>循环语句：</a:t>
-            </a:r>
+              <a:rPr lang="zh-CN" altLang="en-US" dirty="0"/>
+              <a:t>变量也可以是树结构里定义的节点名</a:t>
+            </a:r>
+            <a:endParaRPr lang="en-US" altLang="zh-CN" dirty="0"/>
+          </a:p>
+          <a:p>
+            <a:r>
+              <a:rPr lang="zh-CN" altLang="en-US" dirty="0"/>
+              <a:t>变量可以由宿主程序的来自定义，相应的运算也可以自定义</a:t>
+            </a:r>
+            <a:endParaRPr lang="en-US" altLang="zh-CN" dirty="0"/>
+          </a:p>
+          <a:p>
+            <a:r>
+              <a:rPr lang="en-US" altLang="zh-CN" dirty="0"/>
+              <a:t>me </a:t>
+            </a:r>
+            <a:r>
+              <a:rPr lang="zh-CN" altLang="en-US" dirty="0"/>
+              <a:t>是当前操作节点</a:t>
+            </a:r>
+            <a:endParaRPr lang="en-US" altLang="zh-CN" dirty="0"/>
           </a:p>
           <a:p>
             <a:pPr marL="0" indent="0">
@@ -6745,35 +7137,21 @@
             </a:pPr>
             <a:r>
               <a:rPr lang="en-US" altLang="zh-CN" dirty="0"/>
-              <a:t>	@n{ statements?(_</a:t>
-            </a:r>
-            <a:r>
-              <a:rPr lang="en-US" altLang="zh-CN" dirty="0" err="1"/>
-              <a:t>i</a:t>
-            </a:r>
-            <a:r>
-              <a:rPr lang="en-US" altLang="zh-CN" dirty="0"/>
-              <a:t> = x) ˜;statements }  #_i </a:t>
-            </a:r>
-            <a:r>
-              <a:rPr lang="zh-CN" altLang="en-US" dirty="0"/>
-              <a:t>为内部游标 ‘</a:t>
-            </a:r>
-            <a:r>
-              <a:rPr lang="en-US" altLang="zh-CN" dirty="0"/>
-              <a:t>˜</a:t>
-            </a:r>
-            <a:r>
-              <a:rPr lang="zh-CN" altLang="en-US" dirty="0"/>
-              <a:t>’跳出</a:t>
-            </a:r>
+              <a:t>	</a:t>
+            </a:r>
+          </a:p>
+          <a:p>
+            <a:pPr marL="0" indent="0">
+              <a:buNone/>
+            </a:pPr>
+            <a:endParaRPr lang="zh-CN" altLang="en-US" dirty="0"/>
           </a:p>
         </p:txBody>
       </p:sp>
     </p:spTree>
     <p:extLst>
       <p:ext uri="{BB962C8B-B14F-4D97-AF65-F5344CB8AC3E}">
-        <p14:creationId xmlns:p14="http://schemas.microsoft.com/office/powerpoint/2010/main" val="960256067"/>
+        <p14:creationId xmlns:p14="http://schemas.microsoft.com/office/powerpoint/2010/main" val="2134439794"/>
       </p:ext>
     </p:extLst>
   </p:cSld>
@@ -6805,7 +7183,7 @@
           <p:cNvPr id="2" name="标题 1">
             <a:extLst>
               <a:ext uri="{FF2B5EF4-FFF2-40B4-BE49-F238E27FC236}">
-                <a16:creationId xmlns:a16="http://schemas.microsoft.com/office/drawing/2014/main" id="{18EE6C41-0F45-3446-9B67-B78B5853E8FB}"/>
+                <a16:creationId xmlns:a16="http://schemas.microsoft.com/office/drawing/2014/main" id="{E60F6B91-7A30-93BE-2C0B-07B69C7C763B}"/>
               </a:ext>
             </a:extLst>
           </p:cNvPr>
@@ -6831,7 +7209,7 @@
             </a:r>
             <a:r>
               <a:rPr lang="zh-CN" altLang="en-US" dirty="0"/>
-              <a:t>函数</a:t>
+              <a:t>控制语句</a:t>
             </a:r>
           </a:p>
         </p:txBody>
@@ -6841,7 +7219,7 @@
           <p:cNvPr id="3" name="内容占位符 2">
             <a:extLst>
               <a:ext uri="{FF2B5EF4-FFF2-40B4-BE49-F238E27FC236}">
-                <a16:creationId xmlns:a16="http://schemas.microsoft.com/office/drawing/2014/main" id="{16F236C1-3923-F73B-9038-66DABA17A5C2}"/>
+                <a16:creationId xmlns:a16="http://schemas.microsoft.com/office/drawing/2014/main" id="{62EFE77E-150F-0FC5-07F4-0A5182A6D5D4}"/>
               </a:ext>
             </a:extLst>
           </p:cNvPr>
@@ -6854,65 +7232,30 @@
         </p:nvSpPr>
         <p:spPr/>
         <p:txBody>
-          <a:bodyPr>
-            <a:normAutofit lnSpcReduction="10000"/>
-          </a:bodyPr>
-          <a:lstStyle/>
-          <a:p>
-            <a:r>
-              <a:rPr lang="zh-CN" altLang="en-US" dirty="0"/>
-              <a:t>函数分脚本自定义函数与宿主</a:t>
-            </a:r>
-            <a:r>
-              <a:rPr lang="en-US" altLang="zh-CN" dirty="0"/>
-              <a:t>API</a:t>
-            </a:r>
-            <a:r>
-              <a:rPr lang="zh-CN" altLang="en-US" dirty="0"/>
-              <a:t>函数</a:t>
-            </a:r>
-            <a:endParaRPr lang="en-US" altLang="zh-CN" dirty="0"/>
-          </a:p>
-          <a:p>
-            <a:r>
-              <a:rPr lang="zh-CN" altLang="en-US" dirty="0"/>
-              <a:t>自定义函数格式：</a:t>
-            </a:r>
-            <a:endParaRPr lang="en-US" altLang="zh-CN" dirty="0"/>
+          <a:bodyPr/>
+          <a:lstStyle/>
+          <a:p>
+            <a:r>
+              <a:rPr lang="zh-CN" altLang="en-US" dirty="0"/>
+              <a:t>条件语句：</a:t>
+            </a:r>
           </a:p>
           <a:p>
             <a:pPr marL="0" indent="0">
               <a:buNone/>
             </a:pPr>
             <a:r>
-              <a:rPr lang="en-US" altLang="zh-CN" b="0" i="0" dirty="0">
-                <a:solidFill>
-                  <a:srgbClr val="24292F"/>
-                </a:solidFill>
-                <a:effectLst/>
-                <a:latin typeface="ui-monospace"/>
-              </a:rPr>
-              <a:t>	$function(</a:t>
-            </a:r>
-            <a:r>
-              <a:rPr lang="en-US" altLang="zh-CN" b="0" i="0" dirty="0" err="1">
-                <a:solidFill>
-                  <a:srgbClr val="24292F"/>
-                </a:solidFill>
-                <a:effectLst/>
-                <a:latin typeface="ui-monospace"/>
-              </a:rPr>
-              <a:t>args</a:t>
-            </a:r>
-            <a:r>
-              <a:rPr lang="en-US" altLang="zh-CN" b="0" i="0" dirty="0">
-                <a:solidFill>
-                  <a:srgbClr val="24292F"/>
-                </a:solidFill>
-                <a:effectLst/>
-                <a:latin typeface="ui-monospace"/>
-              </a:rPr>
-              <a:t>...) { statements $return }</a:t>
+              <a:rPr lang="en-US" altLang="zh-CN" dirty="0"/>
+              <a:t>	?(expr){ statements }:{ else statements } </a:t>
+            </a:r>
+          </a:p>
+          <a:p>
+            <a:pPr marL="0" indent="0">
+              <a:buNone/>
+            </a:pPr>
+            <a:r>
+              <a:rPr lang="en-US" altLang="zh-CN" dirty="0"/>
+              <a:t>	?(expr) statement; : statement; </a:t>
             </a:r>
           </a:p>
           <a:p>
@@ -6923,60 +7266,49 @@
           </a:p>
           <a:p>
             <a:r>
-              <a:rPr lang="zh-CN" altLang="en-US" dirty="0"/>
-              <a:t>调用方法：</a:t>
-            </a:r>
-            <a:endParaRPr lang="en-US" altLang="zh-CN" dirty="0"/>
-          </a:p>
-          <a:p>
-            <a:pPr marL="457200" lvl="1" indent="0">
+              <a:rPr lang="en-US" altLang="zh-CN" dirty="0"/>
+              <a:t> </a:t>
+            </a:r>
+            <a:r>
+              <a:rPr lang="zh-CN" altLang="en-US" dirty="0"/>
+              <a:t>循环语句：</a:t>
+            </a:r>
+          </a:p>
+          <a:p>
+            <a:pPr marL="0" indent="0">
               <a:buNone/>
             </a:pPr>
             <a:r>
               <a:rPr lang="en-US" altLang="zh-CN" dirty="0"/>
-              <a:t>	</a:t>
-            </a:r>
-            <a:r>
-              <a:rPr lang="en-US" altLang="zh-CN" b="1" dirty="0"/>
-              <a:t>function(</a:t>
-            </a:r>
-            <a:r>
-              <a:rPr lang="en-US" altLang="zh-CN" b="1" dirty="0" err="1"/>
-              <a:t>args</a:t>
-            </a:r>
-            <a:r>
-              <a:rPr lang="en-US" altLang="zh-CN" b="1" dirty="0"/>
-              <a:t>);</a:t>
-            </a:r>
-          </a:p>
-          <a:p>
-            <a:endParaRPr lang="en-US" altLang="zh-CN" dirty="0"/>
-          </a:p>
-          <a:p>
-            <a:endParaRPr lang="en-US" altLang="zh-CN" dirty="0"/>
-          </a:p>
-          <a:p>
-            <a:pPr marL="0" indent="0">
-              <a:buNone/>
-            </a:pPr>
-            <a:r>
-              <a:rPr lang="en-US" altLang="zh-CN" b="0" i="0" dirty="0">
-                <a:solidFill>
-                  <a:srgbClr val="24292F"/>
-                </a:solidFill>
-                <a:effectLst/>
-                <a:latin typeface="ui-monospace"/>
-              </a:rPr>
-              <a:t>	</a:t>
-            </a:r>
-            <a:endParaRPr lang="zh-CN" altLang="en-US" dirty="0"/>
+              <a:t>	@n{ statements?(_</a:t>
+            </a:r>
+            <a:r>
+              <a:rPr lang="en-US" altLang="zh-CN" dirty="0" err="1"/>
+              <a:t>i</a:t>
+            </a:r>
+            <a:r>
+              <a:rPr lang="en-US" altLang="zh-CN" dirty="0"/>
+              <a:t> = x) ˜;statements }  #_i </a:t>
+            </a:r>
+            <a:r>
+              <a:rPr lang="zh-CN" altLang="en-US" dirty="0"/>
+              <a:t>为内部游标 ‘</a:t>
+            </a:r>
+            <a:r>
+              <a:rPr lang="en-US" altLang="zh-CN" dirty="0"/>
+              <a:t>˜</a:t>
+            </a:r>
+            <a:r>
+              <a:rPr lang="zh-CN" altLang="en-US" dirty="0"/>
+              <a:t>’跳出</a:t>
+            </a:r>
           </a:p>
         </p:txBody>
       </p:sp>
     </p:spTree>
     <p:extLst>
       <p:ext uri="{BB962C8B-B14F-4D97-AF65-F5344CB8AC3E}">
-        <p14:creationId xmlns:p14="http://schemas.microsoft.com/office/powerpoint/2010/main" val="2635884622"/>
+        <p14:creationId xmlns:p14="http://schemas.microsoft.com/office/powerpoint/2010/main" val="960256067"/>
       </p:ext>
     </p:extLst>
   </p:cSld>
@@ -7008,7 +7340,7 @@
           <p:cNvPr id="2" name="标题 1">
             <a:extLst>
               <a:ext uri="{FF2B5EF4-FFF2-40B4-BE49-F238E27FC236}">
-                <a16:creationId xmlns:a16="http://schemas.microsoft.com/office/drawing/2014/main" id="{46D92447-E272-3EAA-D5B4-7EF31C22002E}"/>
+                <a16:creationId xmlns:a16="http://schemas.microsoft.com/office/drawing/2014/main" id="{18EE6C41-0F45-3446-9B67-B78B5853E8FB}"/>
               </a:ext>
             </a:extLst>
           </p:cNvPr>
@@ -7026,7 +7358,7 @@
           <a:p>
             <a:r>
               <a:rPr lang="zh-CN" altLang="en-US" dirty="0"/>
-              <a:t>树节点</a:t>
+              <a:t>基本语法</a:t>
             </a:r>
             <a:r>
               <a:rPr lang="en-US" altLang="zh-CN" dirty="0"/>
@@ -7034,7 +7366,7 @@
             </a:r>
             <a:r>
               <a:rPr lang="zh-CN" altLang="en-US" dirty="0"/>
-              <a:t>基本概念</a:t>
+              <a:t>函数</a:t>
             </a:r>
           </a:p>
         </p:txBody>
@@ -7044,7 +7376,7 @@
           <p:cNvPr id="3" name="内容占位符 2">
             <a:extLst>
               <a:ext uri="{FF2B5EF4-FFF2-40B4-BE49-F238E27FC236}">
-                <a16:creationId xmlns:a16="http://schemas.microsoft.com/office/drawing/2014/main" id="{AB38FE52-5569-12E5-F590-21498AC8F668}"/>
+                <a16:creationId xmlns:a16="http://schemas.microsoft.com/office/drawing/2014/main" id="{16F236C1-3923-F73B-9038-66DABA17A5C2}"/>
               </a:ext>
             </a:extLst>
           </p:cNvPr>
@@ -7057,122 +7389,121 @@
         </p:nvSpPr>
         <p:spPr/>
         <p:txBody>
-          <a:bodyPr/>
-          <a:lstStyle/>
-          <a:p>
-            <a:r>
-              <a:rPr lang="zh-CN" altLang="en-US" dirty="0"/>
-              <a:t>定义</a:t>
-            </a:r>
-            <a:r>
-              <a:rPr lang="en-US" altLang="zh-CN" dirty="0"/>
-              <a:t>a{ }, </a:t>
-            </a:r>
-            <a:r>
-              <a:rPr lang="zh-CN" altLang="en-US" dirty="0"/>
-              <a:t>定义一个节点</a:t>
-            </a:r>
-            <a:r>
-              <a:rPr lang="en-US" altLang="zh-CN" dirty="0"/>
-              <a:t>a</a:t>
-            </a:r>
-          </a:p>
-          <a:p>
-            <a:r>
-              <a:rPr lang="zh-CN" altLang="en-US" dirty="0"/>
-              <a:t>属性 </a:t>
-            </a:r>
-            <a:r>
-              <a:rPr lang="en-US" altLang="zh-CN" dirty="0"/>
-              <a:t>property : value; </a:t>
-            </a:r>
-          </a:p>
-          <a:p>
-            <a:r>
-              <a:rPr lang="zh-CN" altLang="en-US" dirty="0"/>
-              <a:t>特性 </a:t>
-            </a:r>
-            <a:r>
-              <a:rPr lang="en-US" altLang="zh-CN" dirty="0"/>
-              <a:t>attribute = value; </a:t>
-            </a:r>
-          </a:p>
-          <a:p>
-            <a:r>
-              <a:rPr lang="zh-CN" altLang="en-US" dirty="0"/>
-              <a:t>继承</a:t>
-            </a:r>
-            <a:r>
-              <a:rPr lang="en-US" altLang="zh-CN" dirty="0"/>
-              <a:t>{a}</a:t>
-            </a:r>
-            <a:r>
-              <a:rPr lang="zh-CN" altLang="en-US" dirty="0"/>
-              <a:t>，从已存在的节点上继承属性，但不继承特性</a:t>
+          <a:bodyPr>
+            <a:normAutofit lnSpcReduction="10000"/>
+          </a:bodyPr>
+          <a:lstStyle/>
+          <a:p>
+            <a:r>
+              <a:rPr lang="zh-CN" altLang="en-US" dirty="0"/>
+              <a:t>函数分脚本自定义函数与宿主</a:t>
+            </a:r>
+            <a:r>
+              <a:rPr lang="en-US" altLang="zh-CN" dirty="0"/>
+              <a:t>API</a:t>
+            </a:r>
+            <a:r>
+              <a:rPr lang="zh-CN" altLang="en-US" dirty="0"/>
+              <a:t>函数</a:t>
             </a:r>
             <a:endParaRPr lang="en-US" altLang="zh-CN" dirty="0"/>
           </a:p>
           <a:p>
             <a:r>
               <a:rPr lang="zh-CN" altLang="en-US" dirty="0"/>
-              <a:t>阵列</a:t>
-            </a:r>
-            <a:r>
-              <a:rPr lang="en-US" altLang="zh-CN" dirty="0"/>
-              <a:t>[a, b, c]</a:t>
-            </a:r>
-            <a:r>
-              <a:rPr lang="zh-CN" altLang="en-US" dirty="0"/>
-              <a:t>与序列</a:t>
-            </a:r>
-            <a:r>
-              <a:rPr lang="en-US" altLang="zh-CN" dirty="0"/>
-              <a:t>&lt;a, b, c&gt;</a:t>
-            </a:r>
-            <a:r>
-              <a:rPr lang="zh-CN" altLang="en-US" dirty="0"/>
-              <a:t>（详见页</a:t>
-            </a:r>
-            <a:r>
-              <a:rPr lang="en-US" altLang="zh-CN" dirty="0"/>
-              <a:t>11</a:t>
-            </a:r>
-            <a:r>
-              <a:rPr lang="zh-CN" altLang="en-US" dirty="0"/>
-              <a:t>）</a:t>
+              <a:t>自定义函数格式：</a:t>
             </a:r>
             <a:endParaRPr lang="en-US" altLang="zh-CN" dirty="0"/>
           </a:p>
           <a:p>
-            <a:r>
-              <a:rPr lang="zh-CN" altLang="en-US" dirty="0"/>
-              <a:t>立即语句（</a:t>
-            </a:r>
-            <a:r>
-              <a:rPr lang="en-US" altLang="zh-CN" dirty="0" err="1"/>
-              <a:t>phg</a:t>
-            </a:r>
-            <a:r>
-              <a:rPr lang="zh-CN" altLang="en-US" dirty="0"/>
-              <a:t>）立即执行括号内的</a:t>
-            </a:r>
-            <a:r>
-              <a:rPr lang="en-US" altLang="zh-CN" dirty="0"/>
-              <a:t>PHG</a:t>
-            </a:r>
-            <a:r>
-              <a:rPr lang="zh-CN" altLang="en-US" dirty="0"/>
-              <a:t>语句</a:t>
-            </a:r>
+            <a:pPr marL="0" indent="0">
+              <a:buNone/>
+            </a:pPr>
+            <a:r>
+              <a:rPr lang="en-US" altLang="zh-CN" b="0" i="0" dirty="0">
+                <a:solidFill>
+                  <a:srgbClr val="24292F"/>
+                </a:solidFill>
+                <a:effectLst/>
+                <a:latin typeface="ui-monospace"/>
+              </a:rPr>
+              <a:t>	$function(</a:t>
+            </a:r>
+            <a:r>
+              <a:rPr lang="en-US" altLang="zh-CN" b="0" i="0" dirty="0" err="1">
+                <a:solidFill>
+                  <a:srgbClr val="24292F"/>
+                </a:solidFill>
+                <a:effectLst/>
+                <a:latin typeface="ui-monospace"/>
+              </a:rPr>
+              <a:t>args</a:t>
+            </a:r>
+            <a:r>
+              <a:rPr lang="en-US" altLang="zh-CN" b="0" i="0" dirty="0">
+                <a:solidFill>
+                  <a:srgbClr val="24292F"/>
+                </a:solidFill>
+                <a:effectLst/>
+                <a:latin typeface="ui-monospace"/>
+              </a:rPr>
+              <a:t>...) { statements $return }</a:t>
+            </a:r>
+          </a:p>
+          <a:p>
+            <a:pPr marL="0" indent="0">
+              <a:buNone/>
+            </a:pPr>
             <a:endParaRPr lang="en-US" altLang="zh-CN" dirty="0"/>
           </a:p>
           <a:p>
+            <a:r>
+              <a:rPr lang="zh-CN" altLang="en-US" dirty="0"/>
+              <a:t>调用方法：</a:t>
+            </a:r>
             <a:endParaRPr lang="en-US" altLang="zh-CN" dirty="0"/>
           </a:p>
           <a:p>
+            <a:pPr marL="457200" lvl="1" indent="0">
+              <a:buNone/>
+            </a:pPr>
+            <a:r>
+              <a:rPr lang="en-US" altLang="zh-CN" dirty="0"/>
+              <a:t>	</a:t>
+            </a:r>
+            <a:r>
+              <a:rPr lang="en-US" altLang="zh-CN" b="1" dirty="0"/>
+              <a:t>function(</a:t>
+            </a:r>
+            <a:r>
+              <a:rPr lang="en-US" altLang="zh-CN" b="1" dirty="0" err="1"/>
+              <a:t>args</a:t>
+            </a:r>
+            <a:r>
+              <a:rPr lang="en-US" altLang="zh-CN" b="1" dirty="0"/>
+              <a:t>);</a:t>
+            </a:r>
+          </a:p>
+          <a:p>
             <a:endParaRPr lang="en-US" altLang="zh-CN" dirty="0"/>
           </a:p>
           <a:p>
+            <a:endParaRPr lang="en-US" altLang="zh-CN" dirty="0"/>
+          </a:p>
+          <a:p>
+            <a:pPr marL="0" indent="0">
+              <a:buNone/>
+            </a:pPr>
+            <a:r>
+              <a:rPr lang="en-US" altLang="zh-CN" b="0" i="0" dirty="0">
+                <a:solidFill>
+                  <a:srgbClr val="24292F"/>
+                </a:solidFill>
+                <a:effectLst/>
+                <a:latin typeface="ui-monospace"/>
+              </a:rPr>
+              <a:t>	</a:t>
+            </a:r>
             <a:endParaRPr lang="zh-CN" altLang="en-US" dirty="0"/>
           </a:p>
         </p:txBody>
@@ -7180,7 +7511,7 @@
     </p:spTree>
     <p:extLst>
       <p:ext uri="{BB962C8B-B14F-4D97-AF65-F5344CB8AC3E}">
-        <p14:creationId xmlns:p14="http://schemas.microsoft.com/office/powerpoint/2010/main" val="1957067067"/>
+        <p14:creationId xmlns:p14="http://schemas.microsoft.com/office/powerpoint/2010/main" val="2635884622"/>
       </p:ext>
     </p:extLst>
   </p:cSld>
@@ -7230,15 +7561,15 @@
           <a:p>
             <a:r>
               <a:rPr lang="zh-CN" altLang="en-US" dirty="0"/>
-              <a:t>树节点 </a:t>
-            </a:r>
-            <a:r>
-              <a:rPr lang="en-US" altLang="zh-CN" dirty="0"/>
-              <a:t>– </a:t>
-            </a:r>
-            <a:r>
-              <a:rPr lang="zh-CN" altLang="en-US" dirty="0"/>
-              <a:t>构建语法</a:t>
+              <a:t>基本语法</a:t>
+            </a:r>
+            <a:r>
+              <a:rPr lang="en-US" altLang="zh-CN" dirty="0"/>
+              <a:t>-</a:t>
+            </a:r>
+            <a:r>
+              <a:rPr lang="zh-CN" altLang="en-US" dirty="0"/>
+              <a:t>树结构</a:t>
             </a:r>
           </a:p>
         </p:txBody>

--- a/PHG语法手册.pptx
+++ b/PHG语法手册.pptx
@@ -288,7 +288,7 @@
           <a:p>
             <a:fld id="{F5A39F03-C3F8-4711-8682-F778EBC31EC3}" type="datetimeFigureOut">
               <a:rPr lang="zh-CN" altLang="en-US" smtClean="0"/>
-              <a:t>2022/5/25</a:t>
+              <a:t>2022/5/30</a:t>
             </a:fld>
             <a:endParaRPr lang="zh-CN" altLang="en-US"/>
           </a:p>
@@ -486,7 +486,7 @@
           <a:p>
             <a:fld id="{F5A39F03-C3F8-4711-8682-F778EBC31EC3}" type="datetimeFigureOut">
               <a:rPr lang="zh-CN" altLang="en-US" smtClean="0"/>
-              <a:t>2022/5/25</a:t>
+              <a:t>2022/5/30</a:t>
             </a:fld>
             <a:endParaRPr lang="zh-CN" altLang="en-US"/>
           </a:p>
@@ -694,7 +694,7 @@
           <a:p>
             <a:fld id="{F5A39F03-C3F8-4711-8682-F778EBC31EC3}" type="datetimeFigureOut">
               <a:rPr lang="zh-CN" altLang="en-US" smtClean="0"/>
-              <a:t>2022/5/25</a:t>
+              <a:t>2022/5/30</a:t>
             </a:fld>
             <a:endParaRPr lang="zh-CN" altLang="en-US"/>
           </a:p>
@@ -892,7 +892,7 @@
           <a:p>
             <a:fld id="{F5A39F03-C3F8-4711-8682-F778EBC31EC3}" type="datetimeFigureOut">
               <a:rPr lang="zh-CN" altLang="en-US" smtClean="0"/>
-              <a:t>2022/5/25</a:t>
+              <a:t>2022/5/30</a:t>
             </a:fld>
             <a:endParaRPr lang="zh-CN" altLang="en-US"/>
           </a:p>
@@ -1167,7 +1167,7 @@
           <a:p>
             <a:fld id="{F5A39F03-C3F8-4711-8682-F778EBC31EC3}" type="datetimeFigureOut">
               <a:rPr lang="zh-CN" altLang="en-US" smtClean="0"/>
-              <a:t>2022/5/25</a:t>
+              <a:t>2022/5/30</a:t>
             </a:fld>
             <a:endParaRPr lang="zh-CN" altLang="en-US"/>
           </a:p>
@@ -1432,7 +1432,7 @@
           <a:p>
             <a:fld id="{F5A39F03-C3F8-4711-8682-F778EBC31EC3}" type="datetimeFigureOut">
               <a:rPr lang="zh-CN" altLang="en-US" smtClean="0"/>
-              <a:t>2022/5/25</a:t>
+              <a:t>2022/5/30</a:t>
             </a:fld>
             <a:endParaRPr lang="zh-CN" altLang="en-US"/>
           </a:p>
@@ -1844,7 +1844,7 @@
           <a:p>
             <a:fld id="{F5A39F03-C3F8-4711-8682-F778EBC31EC3}" type="datetimeFigureOut">
               <a:rPr lang="zh-CN" altLang="en-US" smtClean="0"/>
-              <a:t>2022/5/25</a:t>
+              <a:t>2022/5/30</a:t>
             </a:fld>
             <a:endParaRPr lang="zh-CN" altLang="en-US"/>
           </a:p>
@@ -1985,7 +1985,7 @@
           <a:p>
             <a:fld id="{F5A39F03-C3F8-4711-8682-F778EBC31EC3}" type="datetimeFigureOut">
               <a:rPr lang="zh-CN" altLang="en-US" smtClean="0"/>
-              <a:t>2022/5/25</a:t>
+              <a:t>2022/5/30</a:t>
             </a:fld>
             <a:endParaRPr lang="zh-CN" altLang="en-US"/>
           </a:p>
@@ -2098,7 +2098,7 @@
           <a:p>
             <a:fld id="{F5A39F03-C3F8-4711-8682-F778EBC31EC3}" type="datetimeFigureOut">
               <a:rPr lang="zh-CN" altLang="en-US" smtClean="0"/>
-              <a:t>2022/5/25</a:t>
+              <a:t>2022/5/30</a:t>
             </a:fld>
             <a:endParaRPr lang="zh-CN" altLang="en-US"/>
           </a:p>
@@ -2409,7 +2409,7 @@
           <a:p>
             <a:fld id="{F5A39F03-C3F8-4711-8682-F778EBC31EC3}" type="datetimeFigureOut">
               <a:rPr lang="zh-CN" altLang="en-US" smtClean="0"/>
-              <a:t>2022/5/25</a:t>
+              <a:t>2022/5/30</a:t>
             </a:fld>
             <a:endParaRPr lang="zh-CN" altLang="en-US"/>
           </a:p>
@@ -2697,7 +2697,7 @@
           <a:p>
             <a:fld id="{F5A39F03-C3F8-4711-8682-F778EBC31EC3}" type="datetimeFigureOut">
               <a:rPr lang="zh-CN" altLang="en-US" smtClean="0"/>
-              <a:t>2022/5/25</a:t>
+              <a:t>2022/5/30</a:t>
             </a:fld>
             <a:endParaRPr lang="zh-CN" altLang="en-US"/>
           </a:p>
@@ -2938,7 +2938,7 @@
           <a:p>
             <a:fld id="{F5A39F03-C3F8-4711-8682-F778EBC31EC3}" type="datetimeFigureOut">
               <a:rPr lang="zh-CN" altLang="en-US" smtClean="0"/>
-              <a:t>2022/5/25</a:t>
+              <a:t>2022/5/30</a:t>
             </a:fld>
             <a:endParaRPr lang="zh-CN" altLang="en-US"/>
           </a:p>
@@ -3449,7 +3449,7 @@
         </p:blipFill>
         <p:spPr>
           <a:xfrm>
-            <a:off x="4004034" y="2283478"/>
+            <a:off x="4129869" y="3046958"/>
             <a:ext cx="3932261" cy="3452159"/>
           </a:xfrm>
           <a:prstGeom prst="rect">
@@ -5639,6 +5639,16 @@
           </a:p>
           <a:p>
             <a:r>
+              <a:rPr lang="en-US" altLang="zh-CN" sz="1800" dirty="0" err="1">
+                <a:solidFill>
+                  <a:srgbClr val="000000"/>
+                </a:solidFill>
+                <a:latin typeface="新宋体" panose="02010609030101010101" pitchFamily="49" charset="-122"/>
+                <a:ea typeface="新宋体" panose="02010609030101010101" pitchFamily="49" charset="-122"/>
+              </a:rPr>
+              <a:t>tos</a:t>
+            </a:r>
+            <a:r>
               <a:rPr lang="en-US" altLang="zh-CN" sz="1800" dirty="0">
                 <a:solidFill>
                   <a:srgbClr val="000000"/>
@@ -5646,7 +5656,7 @@
                 <a:latin typeface="新宋体" panose="02010609030101010101" pitchFamily="49" charset="-122"/>
                 <a:ea typeface="新宋体" panose="02010609030101010101" pitchFamily="49" charset="-122"/>
               </a:rPr>
-              <a:t>scat		- </a:t>
+              <a:t>   	- </a:t>
             </a:r>
             <a:r>
               <a:rPr lang="zh-CN" altLang="en-US" sz="1800" dirty="0">
@@ -5656,7 +5666,7 @@
                 <a:latin typeface="新宋体" panose="02010609030101010101" pitchFamily="49" charset="-122"/>
                 <a:ea typeface="新宋体" panose="02010609030101010101" pitchFamily="49" charset="-122"/>
               </a:rPr>
-              <a:t>连接字符串</a:t>
+              <a:t>转化为字符串</a:t>
             </a:r>
             <a:endParaRPr lang="en-US" altLang="zh-CN" sz="1800" dirty="0">
               <a:solidFill>
@@ -5668,6 +5678,35 @@
           </a:p>
           <a:p>
             <a:r>
+              <a:rPr lang="en-US" altLang="zh-CN" sz="1800" dirty="0">
+                <a:solidFill>
+                  <a:srgbClr val="000000"/>
+                </a:solidFill>
+                <a:latin typeface="新宋体" panose="02010609030101010101" pitchFamily="49" charset="-122"/>
+                <a:ea typeface="新宋体" panose="02010609030101010101" pitchFamily="49" charset="-122"/>
+              </a:rPr>
+              <a:t>setup		- </a:t>
+            </a:r>
+            <a:r>
+              <a:rPr lang="zh-CN" altLang="en-US" sz="1800" dirty="0">
+                <a:solidFill>
+                  <a:srgbClr val="000000"/>
+                </a:solidFill>
+                <a:latin typeface="新宋体" panose="02010609030101010101" pitchFamily="49" charset="-122"/>
+                <a:ea typeface="新宋体" panose="02010609030101010101" pitchFamily="49" charset="-122"/>
+              </a:rPr>
+              <a:t>节点树实例化</a:t>
+            </a:r>
+            <a:endParaRPr lang="en-US" altLang="zh-CN" sz="1800" dirty="0">
+              <a:solidFill>
+                <a:srgbClr val="000000"/>
+              </a:solidFill>
+              <a:latin typeface="新宋体" panose="02010609030101010101" pitchFamily="49" charset="-122"/>
+              <a:ea typeface="新宋体" panose="02010609030101010101" pitchFamily="49" charset="-122"/>
+            </a:endParaRPr>
+          </a:p>
+          <a:p>
+            <a:r>
               <a:rPr lang="en-US" altLang="zh-CN" sz="1800" dirty="0" err="1">
                 <a:solidFill>
                   <a:srgbClr val="000000"/>
@@ -5675,7 +5714,7 @@
                 <a:latin typeface="新宋体" panose="02010609030101010101" pitchFamily="49" charset="-122"/>
                 <a:ea typeface="新宋体" panose="02010609030101010101" pitchFamily="49" charset="-122"/>
               </a:rPr>
-              <a:t>scmp</a:t>
+              <a:t>wak</a:t>
             </a:r>
             <a:r>
               <a:rPr lang="en-US" altLang="zh-CN" sz="1800" dirty="0">
@@ -5695,7 +5734,7 @@
                 <a:latin typeface="新宋体" panose="02010609030101010101" pitchFamily="49" charset="-122"/>
                 <a:ea typeface="新宋体" panose="02010609030101010101" pitchFamily="49" charset="-122"/>
               </a:rPr>
-              <a:t>字符串比较</a:t>
+              <a:t>树逻辑运算</a:t>
             </a:r>
             <a:endParaRPr lang="en-US" altLang="zh-CN" sz="1800" dirty="0">
               <a:solidFill>
@@ -5714,46 +5753,7 @@
                 <a:latin typeface="新宋体" panose="02010609030101010101" pitchFamily="49" charset="-122"/>
                 <a:ea typeface="新宋体" panose="02010609030101010101" pitchFamily="49" charset="-122"/>
               </a:rPr>
-              <a:t>tos</a:t>
-            </a:r>
-            <a:r>
-              <a:rPr lang="en-US" altLang="zh-CN" sz="1800" dirty="0">
-                <a:solidFill>
-                  <a:srgbClr val="000000"/>
-                </a:solidFill>
-                <a:latin typeface="新宋体" panose="02010609030101010101" pitchFamily="49" charset="-122"/>
-                <a:ea typeface="新宋体" panose="02010609030101010101" pitchFamily="49" charset="-122"/>
-              </a:rPr>
-              <a:t>   	- </a:t>
-            </a:r>
-            <a:r>
-              <a:rPr lang="zh-CN" altLang="en-US" sz="1800" dirty="0">
-                <a:solidFill>
-                  <a:srgbClr val="000000"/>
-                </a:solidFill>
-                <a:latin typeface="新宋体" panose="02010609030101010101" pitchFamily="49" charset="-122"/>
-                <a:ea typeface="新宋体" panose="02010609030101010101" pitchFamily="49" charset="-122"/>
-              </a:rPr>
-              <a:t>转化为字符串</a:t>
-            </a:r>
-            <a:endParaRPr lang="en-US" altLang="zh-CN" sz="1800" dirty="0">
-              <a:solidFill>
-                <a:srgbClr val="000000"/>
-              </a:solidFill>
-              <a:latin typeface="新宋体" panose="02010609030101010101" pitchFamily="49" charset="-122"/>
-              <a:ea typeface="新宋体" panose="02010609030101010101" pitchFamily="49" charset="-122"/>
-            </a:endParaRPr>
-          </a:p>
-          <a:p>
-            <a:r>
-              <a:rPr lang="en-US" altLang="zh-CN" sz="1800" dirty="0" err="1">
-                <a:solidFill>
-                  <a:srgbClr val="000000"/>
-                </a:solidFill>
-                <a:latin typeface="新宋体" panose="02010609030101010101" pitchFamily="49" charset="-122"/>
-                <a:ea typeface="新宋体" panose="02010609030101010101" pitchFamily="49" charset="-122"/>
-              </a:rPr>
-              <a:t>os</a:t>
+              <a:t>im</a:t>
             </a:r>
             <a:r>
               <a:rPr lang="en-US" altLang="zh-CN" sz="1800" dirty="0">
@@ -5773,36 +5773,7 @@
                 <a:latin typeface="新宋体" panose="02010609030101010101" pitchFamily="49" charset="-122"/>
                 <a:ea typeface="新宋体" panose="02010609030101010101" pitchFamily="49" charset="-122"/>
               </a:rPr>
-              <a:t>打印字符串</a:t>
-            </a:r>
-            <a:endParaRPr lang="en-US" altLang="zh-CN" sz="1800" dirty="0">
-              <a:solidFill>
-                <a:srgbClr val="000000"/>
-              </a:solidFill>
-              <a:latin typeface="新宋体" panose="02010609030101010101" pitchFamily="49" charset="-122"/>
-              <a:ea typeface="新宋体" panose="02010609030101010101" pitchFamily="49" charset="-122"/>
-            </a:endParaRPr>
-          </a:p>
-          <a:p>
-            <a:r>
-              <a:rPr lang="en-US" altLang="zh-CN" sz="1800" dirty="0">
-                <a:solidFill>
-                  <a:srgbClr val="000000"/>
-                </a:solidFill>
-                <a:latin typeface="新宋体" panose="02010609030101010101" pitchFamily="49" charset="-122"/>
-                <a:ea typeface="新宋体" panose="02010609030101010101" pitchFamily="49" charset="-122"/>
-              </a:rPr>
-              <a:t>me		- </a:t>
-            </a:r>
-            <a:r>
-              <a:rPr lang="zh-CN" altLang="en-US" sz="1800" dirty="0">
-                <a:solidFill>
-                  <a:srgbClr val="000000"/>
-                </a:solidFill>
-                <a:latin typeface="新宋体" panose="02010609030101010101" pitchFamily="49" charset="-122"/>
-                <a:ea typeface="新宋体" panose="02010609030101010101" pitchFamily="49" charset="-122"/>
-              </a:rPr>
-              <a:t>当前工作节点</a:t>
+              <a:t>当前节点</a:t>
             </a:r>
             <a:endParaRPr lang="en-US" altLang="zh-CN" sz="1800" dirty="0">
               <a:solidFill>
@@ -5842,26 +5813,6 @@
             </a:endParaRPr>
           </a:p>
           <a:p>
-            <a:r>
-              <a:rPr lang="en-US" altLang="zh-CN" sz="1800" dirty="0">
-                <a:solidFill>
-                  <a:srgbClr val="000000"/>
-                </a:solidFill>
-                <a:latin typeface="新宋体" panose="02010609030101010101" pitchFamily="49" charset="-122"/>
-                <a:ea typeface="新宋体" panose="02010609030101010101" pitchFamily="49" charset="-122"/>
-              </a:rPr>
-              <a:t>setup		- </a:t>
-            </a:r>
-            <a:r>
-              <a:rPr lang="zh-CN" altLang="en-US" sz="1800" dirty="0">
-                <a:solidFill>
-                  <a:srgbClr val="000000"/>
-                </a:solidFill>
-                <a:latin typeface="新宋体" panose="02010609030101010101" pitchFamily="49" charset="-122"/>
-                <a:ea typeface="新宋体" panose="02010609030101010101" pitchFamily="49" charset="-122"/>
-              </a:rPr>
-              <a:t>节点树实例化</a:t>
-            </a:r>
             <a:endParaRPr lang="en-US" altLang="zh-CN" sz="1800" dirty="0">
               <a:solidFill>
                 <a:srgbClr val="000000"/>
@@ -5871,75 +5822,6 @@
             </a:endParaRPr>
           </a:p>
           <a:p>
-            <a:r>
-              <a:rPr lang="en-US" altLang="zh-CN" sz="1800" dirty="0" err="1">
-                <a:solidFill>
-                  <a:srgbClr val="000000"/>
-                </a:solidFill>
-                <a:latin typeface="新宋体" panose="02010609030101010101" pitchFamily="49" charset="-122"/>
-                <a:ea typeface="新宋体" panose="02010609030101010101" pitchFamily="49" charset="-122"/>
-              </a:rPr>
-              <a:t>wak</a:t>
-            </a:r>
-            <a:r>
-              <a:rPr lang="en-US" altLang="zh-CN" sz="1800" dirty="0">
-                <a:solidFill>
-                  <a:srgbClr val="000000"/>
-                </a:solidFill>
-                <a:latin typeface="新宋体" panose="02010609030101010101" pitchFamily="49" charset="-122"/>
-                <a:ea typeface="新宋体" panose="02010609030101010101" pitchFamily="49" charset="-122"/>
-              </a:rPr>
-              <a:t>		- </a:t>
-            </a:r>
-            <a:r>
-              <a:rPr lang="zh-CN" altLang="en-US" sz="1800" dirty="0">
-                <a:solidFill>
-                  <a:srgbClr val="000000"/>
-                </a:solidFill>
-                <a:latin typeface="新宋体" panose="02010609030101010101" pitchFamily="49" charset="-122"/>
-                <a:ea typeface="新宋体" panose="02010609030101010101" pitchFamily="49" charset="-122"/>
-              </a:rPr>
-              <a:t>树逻辑运算</a:t>
-            </a:r>
-            <a:endParaRPr lang="en-US" altLang="zh-CN" sz="1800" dirty="0">
-              <a:solidFill>
-                <a:srgbClr val="000000"/>
-              </a:solidFill>
-              <a:latin typeface="新宋体" panose="02010609030101010101" pitchFamily="49" charset="-122"/>
-              <a:ea typeface="新宋体" panose="02010609030101010101" pitchFamily="49" charset="-122"/>
-            </a:endParaRPr>
-          </a:p>
-          <a:p>
-            <a:r>
-              <a:rPr lang="en-US" altLang="zh-CN" sz="1800" dirty="0" err="1">
-                <a:solidFill>
-                  <a:srgbClr val="000000"/>
-                </a:solidFill>
-                <a:latin typeface="新宋体" panose="02010609030101010101" pitchFamily="49" charset="-122"/>
-                <a:ea typeface="新宋体" panose="02010609030101010101" pitchFamily="49" charset="-122"/>
-              </a:rPr>
-              <a:t>iam</a:t>
-            </a:r>
-            <a:r>
-              <a:rPr lang="en-US" altLang="zh-CN" sz="1800" dirty="0">
-                <a:solidFill>
-                  <a:srgbClr val="000000"/>
-                </a:solidFill>
-                <a:latin typeface="新宋体" panose="02010609030101010101" pitchFamily="49" charset="-122"/>
-                <a:ea typeface="新宋体" panose="02010609030101010101" pitchFamily="49" charset="-122"/>
-              </a:rPr>
-              <a:t>		- </a:t>
-            </a:r>
-            <a:r>
-              <a:rPr lang="zh-CN" altLang="en-US" sz="1800" dirty="0">
-                <a:solidFill>
-                  <a:srgbClr val="000000"/>
-                </a:solidFill>
-                <a:latin typeface="新宋体" panose="02010609030101010101" pitchFamily="49" charset="-122"/>
-                <a:ea typeface="新宋体" panose="02010609030101010101" pitchFamily="49" charset="-122"/>
-              </a:rPr>
-              <a:t>锁定当前节点</a:t>
-            </a:r>
             <a:endParaRPr lang="zh-CN" altLang="en-US" dirty="0"/>
           </a:p>
         </p:txBody>
@@ -6025,40 +5907,28 @@
           <a:p>
             <a:r>
               <a:rPr lang="zh-CN" altLang="en-US" dirty="0"/>
-              <a:t>变量只有数字</a:t>
-            </a:r>
-            <a:r>
-              <a:rPr lang="en-US" altLang="zh-CN" dirty="0"/>
-              <a:t>,</a:t>
-            </a:r>
-            <a:r>
-              <a:rPr lang="zh-CN" altLang="en-US" dirty="0"/>
-              <a:t>分浮点</a:t>
-            </a:r>
-            <a:r>
-              <a:rPr lang="en-US" altLang="zh-CN" dirty="0"/>
-              <a:t>,</a:t>
-            </a:r>
-            <a:r>
-              <a:rPr lang="zh-CN" altLang="en-US" dirty="0"/>
-              <a:t>整数两种类型</a:t>
-            </a:r>
-            <a:endParaRPr lang="en-US" altLang="zh-CN" dirty="0"/>
-          </a:p>
-          <a:p>
-            <a:r>
-              <a:rPr lang="zh-CN" altLang="en-US" dirty="0"/>
-              <a:t>字符串不是变量，只能传递给</a:t>
-            </a:r>
-            <a:r>
-              <a:rPr lang="en-US" altLang="zh-CN" dirty="0"/>
-              <a:t>API</a:t>
-            </a:r>
-            <a:r>
-              <a:rPr lang="zh-CN" altLang="en-US" dirty="0"/>
-              <a:t>使用</a:t>
-            </a:r>
-            <a:endParaRPr lang="en-US" altLang="zh-CN" dirty="0"/>
+              <a:t>自定义函数只能被当前代码调用</a:t>
+            </a:r>
+            <a:r>
+              <a:rPr lang="en-US" altLang="zh-CN" dirty="0"/>
+              <a:t>(</a:t>
+            </a:r>
+            <a:r>
+              <a:rPr lang="en-US" altLang="zh-CN" dirty="0" err="1"/>
+              <a:t>dostring</a:t>
+            </a:r>
+            <a:r>
+              <a:rPr lang="en-US" altLang="zh-CN" dirty="0"/>
+              <a:t> </a:t>
+            </a:r>
+            <a:r>
+              <a:rPr lang="zh-CN" altLang="en-US" dirty="0"/>
+              <a:t>内定义</a:t>
+            </a:r>
+            <a:r>
+              <a:rPr lang="en-US" altLang="zh-CN" dirty="0"/>
+              <a:t>)</a:t>
+            </a:r>
           </a:p>
           <a:p>
             <a:r>
